--- a/docs/ProjekatMreze.pptx
+++ b/docs/ProjekatMreze.pptx
@@ -2,7 +2,7 @@
 <file path=ppt/presentation.xml><?xml version="1.0" encoding="utf-8"?>
 <p:presentation xmlns:a="http://schemas.openxmlformats.org/drawingml/2006/main" xmlns:r="http://schemas.openxmlformats.org/officeDocument/2006/relationships" xmlns:p="http://schemas.openxmlformats.org/presentationml/2006/main">
   <p:sldMasterIdLst>
-    <p:sldMasterId id="2147484178" r:id="rId1"/>
+    <p:sldMasterId id="2147484286" r:id="rId1"/>
   </p:sldMasterIdLst>
   <p:sldIdLst>
     <p:sldId id="256" r:id="rId2"/>
@@ -122,11 +122,6 @@
 <file path=ppt/slideLayouts/slideLayout1.xml><?xml version="1.0" encoding="utf-8"?>
 <p:sldLayout xmlns:a="http://schemas.openxmlformats.org/drawingml/2006/main" xmlns:r="http://schemas.openxmlformats.org/officeDocument/2006/relationships" xmlns:p="http://schemas.openxmlformats.org/presentationml/2006/main" type="title" preserve="1">
   <p:cSld name="Title Slide">
-    <p:bg>
-      <p:bgRef idx="1002">
-        <a:schemeClr val="bg2"/>
-      </p:bgRef>
-    </p:bg>
     <p:spTree>
       <p:nvGrpSpPr>
         <p:cNvPr id="1" name=""/>
@@ -143,7 +138,7 @@
       </p:grpSpPr>
       <p:sp>
         <p:nvSpPr>
-          <p:cNvPr id="9" name="Title 8"/>
+          <p:cNvPr id="8" name="Title 7"/>
           <p:cNvSpPr>
             <a:spLocks noGrp="1"/>
           </p:cNvSpPr>
@@ -153,55 +148,59 @@
         </p:nvSpPr>
         <p:spPr>
           <a:xfrm>
-            <a:off x="588036" y="1511935"/>
-            <a:ext cx="8655897" cy="2015913"/>
+            <a:off x="465259" y="1511935"/>
+            <a:ext cx="9072563" cy="2015913"/>
           </a:xfrm>
-          <a:ln>
-            <a:noFill/>
-          </a:ln>
         </p:spPr>
         <p:txBody>
-          <a:bodyPr vert="horz" tIns="0" rIns="20159" bIns="0" anchor="b">
+          <a:bodyPr vert="horz" lIns="50397" tIns="0" rIns="50397" bIns="0" anchor="b">
             <a:normAutofit/>
             <a:scene3d>
               <a:camera prst="orthographicFront"/>
-              <a:lightRig rig="freezing" dir="t">
-                <a:rot lat="0" lon="0" rev="5640000"/>
+              <a:lightRig rig="soft" dir="t">
+                <a:rot lat="0" lon="0" rev="17220000"/>
               </a:lightRig>
             </a:scene3d>
-            <a:sp3d prstMaterial="flat">
+            <a:sp3d prstMaterial="softEdge">
               <a:bevelT w="38100" h="38100"/>
-              <a:contourClr>
-                <a:schemeClr val="tx2"/>
-              </a:contourClr>
             </a:sp3d>
           </a:bodyPr>
           <a:lstStyle>
-            <a:lvl1pPr algn="r" rtl="0">
-              <a:spcBef>
-                <a:spcPct val="0"/>
-              </a:spcBef>
-              <a:buNone/>
-              <a:defRPr sz="6200" b="1">
-                <a:ln>
+            <a:lvl1pPr>
+              <a:defRPr sz="5300" b="1" cap="all" baseline="0">
+                <a:ln w="6350">
                   <a:noFill/>
                 </a:ln>
-                <a:solidFill>
-                  <a:schemeClr val="accent3">
-                    <a:tint val="90000"/>
-                    <a:satMod val="120000"/>
-                  </a:schemeClr>
-                </a:solidFill>
+                <a:gradFill>
+                  <a:gsLst>
+                    <a:gs pos="0">
+                      <a:schemeClr val="accent1">
+                        <a:tint val="73000"/>
+                        <a:satMod val="145000"/>
+                      </a:schemeClr>
+                    </a:gs>
+                    <a:gs pos="73000">
+                      <a:schemeClr val="accent1">
+                        <a:tint val="73000"/>
+                        <a:satMod val="145000"/>
+                      </a:schemeClr>
+                    </a:gs>
+                    <a:gs pos="100000">
+                      <a:schemeClr val="accent1">
+                        <a:tint val="83000"/>
+                        <a:satMod val="143000"/>
+                      </a:schemeClr>
+                    </a:gs>
+                  </a:gsLst>
+                  <a:lin ang="4800000" scaled="1"/>
+                </a:gradFill>
                 <a:effectLst>
-                  <a:outerShdw blurRad="38100" dist="25400" dir="5400000" algn="tl" rotWithShape="0">
+                  <a:outerShdw blurRad="127000" dist="200000" dir="2700000" algn="tl" rotWithShape="0">
                     <a:srgbClr val="000000">
-                      <a:alpha val="43000"/>
+                      <a:alpha val="30000"/>
                     </a:srgbClr>
                   </a:outerShdw>
                 </a:effectLst>
-                <a:latin typeface="+mj-lt"/>
-                <a:ea typeface="+mj-ea"/>
-                <a:cs typeface="+mj-cs"/>
               </a:defRPr>
             </a:lvl1pPr>
           </a:lstStyle>
@@ -216,7 +215,74 @@
       </p:sp>
       <p:sp>
         <p:nvSpPr>
-          <p:cNvPr id="17" name="Subtitle 16"/>
+          <p:cNvPr id="28" name="Date Placeholder 27"/>
+          <p:cNvSpPr>
+            <a:spLocks noGrp="1"/>
+          </p:cNvSpPr>
+          <p:nvPr>
+            <p:ph type="dt" sz="half" idx="10"/>
+          </p:nvPr>
+        </p:nvSpPr>
+        <p:spPr/>
+        <p:txBody>
+          <a:bodyPr/>
+          <a:lstStyle/>
+          <a:p>
+            <a:fld id="{7CB97365-EBCA-4027-87D5-99FC1D4DF0BB}" type="datetimeFigureOut">
+              <a:rPr lang="en-US" smtClean="0"/>
+              <a:pPr/>
+              <a:t>1/17/2018</a:t>
+            </a:fld>
+            <a:endParaRPr lang="en-US" dirty="0"/>
+          </a:p>
+        </p:txBody>
+      </p:sp>
+      <p:sp>
+        <p:nvSpPr>
+          <p:cNvPr id="17" name="Footer Placeholder 16"/>
+          <p:cNvSpPr>
+            <a:spLocks noGrp="1"/>
+          </p:cNvSpPr>
+          <p:nvPr>
+            <p:ph type="ftr" sz="quarter" idx="11"/>
+          </p:nvPr>
+        </p:nvSpPr>
+        <p:spPr/>
+        <p:txBody>
+          <a:bodyPr/>
+          <a:lstStyle/>
+          <a:p>
+            <a:endParaRPr kumimoji="0" lang="en-US" dirty="0"/>
+          </a:p>
+        </p:txBody>
+      </p:sp>
+      <p:sp>
+        <p:nvSpPr>
+          <p:cNvPr id="29" name="Slide Number Placeholder 28"/>
+          <p:cNvSpPr>
+            <a:spLocks noGrp="1"/>
+          </p:cNvSpPr>
+          <p:nvPr>
+            <p:ph type="sldNum" sz="quarter" idx="12"/>
+          </p:nvPr>
+        </p:nvSpPr>
+        <p:spPr/>
+        <p:txBody>
+          <a:bodyPr/>
+          <a:lstStyle/>
+          <a:p>
+            <a:fld id="{69E29E33-B620-47F9-BB04-8846C2A5AFCC}" type="slidenum">
+              <a:rPr kumimoji="0" lang="en-US" smtClean="0"/>
+              <a:pPr/>
+              <a:t>‹#›</a:t>
+            </a:fld>
+            <a:endParaRPr kumimoji="0" lang="en-US" dirty="0"/>
+          </a:p>
+        </p:txBody>
+      </p:sp>
+      <p:sp>
+        <p:nvSpPr>
+          <p:cNvPr id="9" name="Subtitle 8"/>
           <p:cNvSpPr>
             <a:spLocks noGrp="1"/>
           </p:cNvSpPr>
@@ -226,14 +292,14 @@
         </p:nvSpPr>
         <p:spPr>
           <a:xfrm>
-            <a:off x="588036" y="3558863"/>
-            <a:ext cx="8659257" cy="1931917"/>
+            <a:off x="1512094" y="3672580"/>
+            <a:ext cx="7056438" cy="1931917"/>
           </a:xfrm>
         </p:spPr>
         <p:txBody>
-          <a:bodyPr lIns="0" rIns="20159"/>
+          <a:bodyPr/>
           <a:lstStyle>
-            <a:lvl1pPr marL="0" marR="50397" indent="0" algn="r">
+            <a:lvl1pPr marL="0" indent="0" algn="ctr">
               <a:buNone/>
               <a:defRPr>
                 <a:solidFill>
@@ -275,77 +341,10 @@
           </a:p>
         </p:txBody>
       </p:sp>
-      <p:sp>
-        <p:nvSpPr>
-          <p:cNvPr id="30" name="Date Placeholder 29"/>
-          <p:cNvSpPr>
-            <a:spLocks noGrp="1"/>
-          </p:cNvSpPr>
-          <p:nvPr>
-            <p:ph type="dt" sz="half" idx="10"/>
-          </p:nvPr>
-        </p:nvSpPr>
-        <p:spPr/>
-        <p:txBody>
-          <a:bodyPr/>
-          <a:lstStyle/>
-          <a:p>
-            <a:fld id="{7CB97365-EBCA-4027-87D5-99FC1D4DF0BB}" type="datetimeFigureOut">
-              <a:rPr lang="en-US" smtClean="0"/>
-              <a:pPr/>
-              <a:t>1/17/2017</a:t>
-            </a:fld>
-            <a:endParaRPr lang="en-US"/>
-          </a:p>
-        </p:txBody>
-      </p:sp>
-      <p:sp>
-        <p:nvSpPr>
-          <p:cNvPr id="19" name="Footer Placeholder 18"/>
-          <p:cNvSpPr>
-            <a:spLocks noGrp="1"/>
-          </p:cNvSpPr>
-          <p:nvPr>
-            <p:ph type="ftr" sz="quarter" idx="11"/>
-          </p:nvPr>
-        </p:nvSpPr>
-        <p:spPr/>
-        <p:txBody>
-          <a:bodyPr/>
-          <a:lstStyle/>
-          <a:p>
-            <a:endParaRPr kumimoji="0" lang="en-US"/>
-          </a:p>
-        </p:txBody>
-      </p:sp>
-      <p:sp>
-        <p:nvSpPr>
-          <p:cNvPr id="27" name="Slide Number Placeholder 26"/>
-          <p:cNvSpPr>
-            <a:spLocks noGrp="1"/>
-          </p:cNvSpPr>
-          <p:nvPr>
-            <p:ph type="sldNum" sz="quarter" idx="12"/>
-          </p:nvPr>
-        </p:nvSpPr>
-        <p:spPr/>
-        <p:txBody>
-          <a:bodyPr/>
-          <a:lstStyle/>
-          <a:p>
-            <a:fld id="{69E29E33-B620-47F9-BB04-8846C2A5AFCC}" type="slidenum">
-              <a:rPr kumimoji="0" lang="en-US" smtClean="0"/>
-              <a:pPr/>
-              <a:t>‹#›</a:t>
-            </a:fld>
-            <a:endParaRPr kumimoji="0" lang="en-US"/>
-          </a:p>
-        </p:txBody>
-      </p:sp>
     </p:spTree>
   </p:cSld>
   <p:clrMapOvr>
-    <a:overrideClrMapping bg1="dk1" tx1="lt1" bg2="dk2" tx2="lt2" accent1="accent1" accent2="accent2" accent3="accent3" accent4="accent4" accent5="accent5" accent6="accent6" hlink="hlink" folHlink="folHlink"/>
+    <a:masterClrMapping/>
   </p:clrMapOvr>
 </p:sldLayout>
 </file>
@@ -460,9 +459,9 @@
             <a:fld id="{7CB97365-EBCA-4027-87D5-99FC1D4DF0BB}" type="datetimeFigureOut">
               <a:rPr lang="en-US" smtClean="0"/>
               <a:pPr/>
-              <a:t>1/17/2017</a:t>
+              <a:t>1/17/2018</a:t>
             </a:fld>
-            <a:endParaRPr lang="en-US"/>
+            <a:endParaRPr lang="en-US" dirty="0"/>
           </a:p>
         </p:txBody>
       </p:sp>
@@ -481,7 +480,7 @@
           <a:bodyPr/>
           <a:lstStyle/>
           <a:p>
-            <a:endParaRPr kumimoji="0" lang="en-US"/>
+            <a:endParaRPr kumimoji="0" lang="en-US" dirty="0"/>
           </a:p>
         </p:txBody>
       </p:sp>
@@ -505,7 +504,7 @@
               <a:pPr/>
               <a:t>‹#›</a:t>
             </a:fld>
-            <a:endParaRPr kumimoji="0" lang="en-US"/>
+            <a:endParaRPr kumimoji="0" lang="en-US" dirty="0"/>
           </a:p>
         </p:txBody>
       </p:sp>
@@ -546,8 +545,8 @@
         </p:nvSpPr>
         <p:spPr>
           <a:xfrm>
-            <a:off x="7308453" y="1007958"/>
-            <a:ext cx="2268141" cy="5745004"/>
+            <a:off x="7308453" y="302738"/>
+            <a:ext cx="2268141" cy="6450223"/>
           </a:xfrm>
         </p:spPr>
         <p:txBody>
@@ -574,8 +573,8 @@
         </p:nvSpPr>
         <p:spPr>
           <a:xfrm>
-            <a:off x="504031" y="1007958"/>
-            <a:ext cx="6636411" cy="5745004"/>
+            <a:off x="504031" y="302738"/>
+            <a:ext cx="6636411" cy="6450223"/>
           </a:xfrm>
         </p:spPr>
         <p:txBody>
@@ -637,9 +636,9 @@
             <a:fld id="{7CB97365-EBCA-4027-87D5-99FC1D4DF0BB}" type="datetimeFigureOut">
               <a:rPr lang="en-US" smtClean="0"/>
               <a:pPr/>
-              <a:t>1/17/2017</a:t>
+              <a:t>1/17/2018</a:t>
             </a:fld>
-            <a:endParaRPr lang="en-US"/>
+            <a:endParaRPr lang="en-US" dirty="0"/>
           </a:p>
         </p:txBody>
       </p:sp>
@@ -658,7 +657,7 @@
           <a:bodyPr/>
           <a:lstStyle/>
           <a:p>
-            <a:endParaRPr kumimoji="0" lang="en-US"/>
+            <a:endParaRPr kumimoji="0" lang="en-US" dirty="0"/>
           </a:p>
         </p:txBody>
       </p:sp>
@@ -682,7 +681,7 @@
               <a:pPr/>
               <a:t>‹#›</a:t>
             </a:fld>
-            <a:endParaRPr kumimoji="0" lang="en-US"/>
+            <a:endParaRPr kumimoji="0" lang="en-US" dirty="0"/>
           </a:p>
         </p:txBody>
       </p:sp>
@@ -804,9 +803,9 @@
             <a:fld id="{7CB97365-EBCA-4027-87D5-99FC1D4DF0BB}" type="datetimeFigureOut">
               <a:rPr lang="en-US" smtClean="0"/>
               <a:pPr/>
-              <a:t>1/17/2017</a:t>
+              <a:t>1/17/2018</a:t>
             </a:fld>
-            <a:endParaRPr lang="en-US"/>
+            <a:endParaRPr lang="en-US" dirty="0"/>
           </a:p>
         </p:txBody>
       </p:sp>
@@ -825,7 +824,7 @@
           <a:bodyPr/>
           <a:lstStyle/>
           <a:p>
-            <a:endParaRPr kumimoji="0" lang="en-US"/>
+            <a:endParaRPr kumimoji="0" lang="en-US" dirty="0"/>
           </a:p>
         </p:txBody>
       </p:sp>
@@ -849,7 +848,7 @@
               <a:pPr/>
               <a:t>‹#›</a:t>
             </a:fld>
-            <a:endParaRPr kumimoji="0" lang="en-US"/>
+            <a:endParaRPr kumimoji="0" lang="en-US" dirty="0"/>
           </a:p>
         </p:txBody>
       </p:sp>
@@ -865,7 +864,7 @@
 <p:sldLayout xmlns:a="http://schemas.openxmlformats.org/drawingml/2006/main" xmlns:r="http://schemas.openxmlformats.org/officeDocument/2006/relationships" xmlns:p="http://schemas.openxmlformats.org/presentationml/2006/main" type="secHead" preserve="1">
   <p:cSld name="Section Header">
     <p:bg>
-      <p:bgRef idx="1002">
+      <p:bgRef idx="1003">
         <a:schemeClr val="bg2"/>
       </p:bgRef>
     </p:bg>
@@ -895,24 +894,26 @@
         </p:nvSpPr>
         <p:spPr>
           <a:xfrm>
-            <a:off x="584676" y="1451458"/>
-            <a:ext cx="8568531" cy="1501855"/>
+            <a:off x="1764110" y="671971"/>
+            <a:ext cx="7812484" cy="2015913"/>
           </a:xfrm>
-          <a:ln>
-            <a:noFill/>
-          </a:ln>
         </p:spPr>
         <p:txBody>
-          <a:bodyPr vert="horz" tIns="0" bIns="0" anchor="b">
+          <a:bodyPr vert="horz" bIns="0" anchor="b">
             <a:noAutofit/>
             <a:scene3d>
               <a:camera prst="orthographicFront"/>
-              <a:lightRig rig="freezing" dir="t">
-                <a:rot lat="0" lon="0" rev="5640000"/>
+              <a:lightRig rig="soft" dir="t">
+                <a:rot lat="0" lon="0" rev="17220000"/>
               </a:lightRig>
             </a:scene3d>
-            <a:sp3d prstMaterial="flat">
+            <a:sp3d prstMaterial="softEdge">
               <a:bevelT w="38100" h="38100"/>
+              <a:contourClr>
+                <a:schemeClr val="tx2">
+                  <a:shade val="50000"/>
+                </a:schemeClr>
+              </a:contourClr>
             </a:sp3d>
           </a:bodyPr>
           <a:lstStyle>
@@ -921,20 +922,20 @@
                 <a:spcPct val="0"/>
               </a:spcBef>
               <a:buNone/>
-              <a:defRPr lang="en-US" sz="6200" b="1" cap="none" baseline="0" dirty="0">
-                <a:ln w="635">
+              <a:defRPr sz="5300" b="1" cap="none" baseline="0">
+                <a:ln w="6350">
                   <a:noFill/>
                 </a:ln>
                 <a:solidFill>
-                  <a:schemeClr val="accent4">
+                  <a:schemeClr val="accent1">
                     <a:tint val="90000"/>
-                    <a:satMod val="125000"/>
+                    <a:satMod val="120000"/>
                   </a:schemeClr>
                 </a:solidFill>
                 <a:effectLst>
-                  <a:outerShdw blurRad="38100" dist="25400" dir="5400000" algn="tl" rotWithShape="0">
+                  <a:outerShdw blurRad="114300" dist="101600" dir="2700000" algn="tl" rotWithShape="0">
                     <a:srgbClr val="000000">
-                      <a:alpha val="43000"/>
+                      <a:alpha val="40000"/>
                     </a:srgbClr>
                   </a:outerShdw>
                 </a:effectLst>
@@ -965,16 +966,16 @@
         </p:nvSpPr>
         <p:spPr>
           <a:xfrm>
-            <a:off x="584676" y="2981391"/>
-            <a:ext cx="8568531" cy="1664178"/>
+            <a:off x="1764110" y="2764370"/>
+            <a:ext cx="7812484" cy="1664178"/>
           </a:xfrm>
         </p:spPr>
         <p:txBody>
-          <a:bodyPr lIns="50397" rIns="50397" anchor="t"/>
+          <a:bodyPr anchor="t"/>
           <a:lstStyle>
-            <a:lvl1pPr marL="0" indent="0">
+            <a:lvl1pPr marL="80635" indent="0" algn="l">
               <a:buNone/>
-              <a:defRPr sz="2400">
+              <a:defRPr sz="2200">
                 <a:solidFill>
                   <a:schemeClr val="tx1"/>
                 </a:solidFill>
@@ -1048,9 +1049,9 @@
             <a:fld id="{7CB97365-EBCA-4027-87D5-99FC1D4DF0BB}" type="datetimeFigureOut">
               <a:rPr lang="en-US" smtClean="0"/>
               <a:pPr/>
-              <a:t>1/17/2017</a:t>
+              <a:t>1/17/2018</a:t>
             </a:fld>
-            <a:endParaRPr lang="en-US"/>
+            <a:endParaRPr lang="en-US" dirty="0"/>
           </a:p>
         </p:txBody>
       </p:sp>
@@ -1069,7 +1070,7 @@
           <a:bodyPr/>
           <a:lstStyle/>
           <a:p>
-            <a:endParaRPr kumimoji="0" lang="en-US"/>
+            <a:endParaRPr kumimoji="0" lang="en-US" dirty="0"/>
           </a:p>
         </p:txBody>
       </p:sp>
@@ -1083,7 +1084,12 @@
             <p:ph type="sldNum" sz="quarter" idx="12"/>
           </p:nvPr>
         </p:nvSpPr>
-        <p:spPr/>
+        <p:spPr>
+          <a:xfrm>
+            <a:off x="8736542" y="7073196"/>
+            <a:ext cx="840052" cy="402483"/>
+          </a:xfrm>
+        </p:spPr>
         <p:txBody>
           <a:bodyPr/>
           <a:lstStyle/>
@@ -1093,7 +1099,7 @@
               <a:pPr/>
               <a:t>‹#›</a:t>
             </a:fld>
-            <a:endParaRPr kumimoji="0" lang="en-US"/>
+            <a:endParaRPr kumimoji="0" lang="en-US" dirty="0"/>
           </a:p>
         </p:txBody>
       </p:sp>
@@ -1132,38 +1138,33 @@
             <p:ph type="title"/>
           </p:nvPr>
         </p:nvSpPr>
+        <p:spPr/>
+        <p:txBody>
+          <a:bodyPr/>
+          <a:lstStyle/>
+          <a:p>
+            <a:r>
+              <a:rPr kumimoji="0" lang="en-US" smtClean="0"/>
+              <a:t>Click to edit Master title style</a:t>
+            </a:r>
+            <a:endParaRPr kumimoji="0" lang="en-US"/>
+          </a:p>
+        </p:txBody>
+      </p:sp>
+      <p:sp>
+        <p:nvSpPr>
+          <p:cNvPr id="3" name="Content Placeholder 2"/>
+          <p:cNvSpPr>
+            <a:spLocks noGrp="1"/>
+          </p:cNvSpPr>
+          <p:nvPr>
+            <p:ph sz="half" idx="1"/>
+          </p:nvPr>
+        </p:nvSpPr>
         <p:spPr>
           <a:xfrm>
-            <a:off x="504031" y="776127"/>
-            <a:ext cx="9072563" cy="1259946"/>
-          </a:xfrm>
-        </p:spPr>
-        <p:txBody>
-          <a:bodyPr/>
-          <a:lstStyle/>
-          <a:p>
-            <a:r>
-              <a:rPr kumimoji="0" lang="en-US" smtClean="0"/>
-              <a:t>Click to edit Master title style</a:t>
-            </a:r>
-            <a:endParaRPr kumimoji="0" lang="en-US"/>
-          </a:p>
-        </p:txBody>
-      </p:sp>
-      <p:sp>
-        <p:nvSpPr>
-          <p:cNvPr id="3" name="Content Placeholder 2"/>
-          <p:cNvSpPr>
-            <a:spLocks noGrp="1"/>
-          </p:cNvSpPr>
-          <p:nvPr>
-            <p:ph sz="half" idx="1"/>
-          </p:nvPr>
-        </p:nvSpPr>
-        <p:spPr>
-          <a:xfrm>
-            <a:off x="504031" y="2116538"/>
-            <a:ext cx="4452276" cy="4888590"/>
+            <a:off x="504031" y="1763925"/>
+            <a:ext cx="4452276" cy="4989036"/>
           </a:xfrm>
         </p:spPr>
         <p:txBody>
@@ -1235,8 +1236,8 @@
         </p:nvSpPr>
         <p:spPr>
           <a:xfrm>
-            <a:off x="5124318" y="2116538"/>
-            <a:ext cx="4452276" cy="4888590"/>
+            <a:off x="5124318" y="1763925"/>
+            <a:ext cx="4452276" cy="4989036"/>
           </a:xfrm>
         </p:spPr>
         <p:txBody>
@@ -1314,9 +1315,9 @@
             <a:fld id="{7CB97365-EBCA-4027-87D5-99FC1D4DF0BB}" type="datetimeFigureOut">
               <a:rPr lang="en-US" smtClean="0"/>
               <a:pPr/>
-              <a:t>1/17/2017</a:t>
+              <a:t>1/17/2018</a:t>
             </a:fld>
-            <a:endParaRPr lang="en-US"/>
+            <a:endParaRPr lang="en-US" dirty="0"/>
           </a:p>
         </p:txBody>
       </p:sp>
@@ -1335,7 +1336,7 @@
           <a:bodyPr/>
           <a:lstStyle/>
           <a:p>
-            <a:endParaRPr kumimoji="0" lang="en-US"/>
+            <a:endParaRPr kumimoji="0" lang="en-US" dirty="0"/>
           </a:p>
         </p:txBody>
       </p:sp>
@@ -1359,7 +1360,7 @@
               <a:pPr/>
               <a:t>‹#›</a:t>
             </a:fld>
-            <a:endParaRPr kumimoji="0" lang="en-US"/>
+            <a:endParaRPr kumimoji="0" lang="en-US" dirty="0"/>
           </a:p>
         </p:txBody>
       </p:sp>
@@ -1400,12 +1401,12 @@
         </p:nvSpPr>
         <p:spPr>
           <a:xfrm>
-            <a:off x="504031" y="776127"/>
+            <a:off x="504031" y="300987"/>
             <a:ext cx="9072563" cy="1259946"/>
           </a:xfrm>
         </p:spPr>
         <p:txBody>
-          <a:bodyPr tIns="50397" anchor="b"/>
+          <a:bodyPr anchor="ctr"/>
           <a:lstStyle>
             <a:lvl1pPr>
               <a:defRPr/>
@@ -1432,22 +1433,19 @@
         </p:nvSpPr>
         <p:spPr>
           <a:xfrm>
-            <a:off x="504031" y="2045068"/>
-            <a:ext cx="4454027" cy="726813"/>
+            <a:off x="504031" y="1692177"/>
+            <a:ext cx="4454027" cy="827714"/>
           </a:xfrm>
         </p:spPr>
         <p:txBody>
-          <a:bodyPr lIns="50397" tIns="0" rIns="50397" bIns="0" anchor="ctr">
-            <a:noAutofit/>
-          </a:bodyPr>
+          <a:bodyPr anchor="ctr"/>
           <a:lstStyle>
             <a:lvl1pPr marL="0" indent="0">
               <a:buNone/>
-              <a:defRPr sz="2600" b="1" cap="none" baseline="0">
-                <a:solidFill>
-                  <a:schemeClr val="tx2"/>
-                </a:solidFill>
-                <a:effectLst/>
+              <a:defRPr sz="2600" b="0" cap="all" baseline="0">
+                <a:solidFill>
+                  <a:schemeClr val="tx1"/>
+                </a:solidFill>
               </a:defRPr>
             </a:lvl1pPr>
             <a:lvl2pPr>
@@ -1488,20 +1486,19 @@
         </p:nvSpPr>
         <p:spPr>
           <a:xfrm>
-            <a:off x="5120818" y="2050038"/>
-            <a:ext cx="4455776" cy="721843"/>
+            <a:off x="5120818" y="1692177"/>
+            <a:ext cx="4455776" cy="827714"/>
           </a:xfrm>
         </p:spPr>
         <p:txBody>
-          <a:bodyPr lIns="50397" tIns="0" rIns="50397" bIns="0" anchor="ctr"/>
+          <a:bodyPr anchor="ctr"/>
           <a:lstStyle>
             <a:lvl1pPr marL="0" indent="0">
               <a:buNone/>
-              <a:defRPr sz="2600" b="1" cap="none" baseline="0">
-                <a:solidFill>
-                  <a:schemeClr val="tx2"/>
-                </a:solidFill>
-                <a:effectLst/>
+              <a:defRPr sz="2600" b="0" cap="all" baseline="0">
+                <a:solidFill>
+                  <a:schemeClr val="tx1"/>
+                </a:solidFill>
               </a:defRPr>
             </a:lvl1pPr>
             <a:lvl2pPr>
@@ -1542,15 +1539,15 @@
         </p:nvSpPr>
         <p:spPr>
           <a:xfrm>
-            <a:off x="504031" y="2771881"/>
-            <a:ext cx="4454027" cy="4239194"/>
+            <a:off x="504031" y="2603889"/>
+            <a:ext cx="4454027" cy="4149072"/>
           </a:xfrm>
         </p:spPr>
         <p:txBody>
-          <a:bodyPr tIns="0"/>
+          <a:bodyPr/>
           <a:lstStyle>
             <a:lvl1pPr>
-              <a:defRPr sz="2400"/>
+              <a:defRPr sz="2600"/>
             </a:lvl1pPr>
             <a:lvl2pPr>
               <a:defRPr sz="2200"/>
@@ -1615,15 +1612,15 @@
         </p:nvSpPr>
         <p:spPr>
           <a:xfrm>
-            <a:off x="5120818" y="2771881"/>
-            <a:ext cx="4455776" cy="4239194"/>
+            <a:off x="5120818" y="2603889"/>
+            <a:ext cx="4455776" cy="4149072"/>
           </a:xfrm>
         </p:spPr>
         <p:txBody>
-          <a:bodyPr tIns="0"/>
+          <a:bodyPr/>
           <a:lstStyle>
             <a:lvl1pPr>
-              <a:defRPr sz="2400"/>
+              <a:defRPr sz="2600"/>
             </a:lvl1pPr>
             <a:lvl2pPr>
               <a:defRPr sz="2200"/>
@@ -1694,9 +1691,9 @@
             <a:fld id="{7CB97365-EBCA-4027-87D5-99FC1D4DF0BB}" type="datetimeFigureOut">
               <a:rPr lang="en-US" smtClean="0"/>
               <a:pPr/>
-              <a:t>1/17/2017</a:t>
+              <a:t>1/17/2018</a:t>
             </a:fld>
-            <a:endParaRPr lang="en-US"/>
+            <a:endParaRPr lang="en-US" dirty="0"/>
           </a:p>
         </p:txBody>
       </p:sp>
@@ -1715,7 +1712,7 @@
           <a:bodyPr/>
           <a:lstStyle/>
           <a:p>
-            <a:endParaRPr kumimoji="0" lang="en-US"/>
+            <a:endParaRPr kumimoji="0" lang="en-US" dirty="0"/>
           </a:p>
         </p:txBody>
       </p:sp>
@@ -1739,7 +1736,7 @@
               <a:pPr/>
               <a:t>‹#›</a:t>
             </a:fld>
-            <a:endParaRPr kumimoji="0" lang="en-US"/>
+            <a:endParaRPr kumimoji="0" lang="en-US" dirty="0"/>
           </a:p>
         </p:txBody>
       </p:sp>
@@ -1778,47 +1775,10 @@
             <p:ph type="title"/>
           </p:nvPr>
         </p:nvSpPr>
-        <p:spPr>
-          <a:xfrm>
-            <a:off x="504031" y="776127"/>
-            <a:ext cx="9156568" cy="1259946"/>
-          </a:xfrm>
-        </p:spPr>
-        <p:txBody>
-          <a:bodyPr vert="horz" tIns="50397" bIns="0" anchor="b">
-            <a:normAutofit/>
-            <a:scene3d>
-              <a:camera prst="orthographicFront"/>
-              <a:lightRig rig="freezing" dir="t">
-                <a:rot lat="0" lon="0" rev="5640000"/>
-              </a:lightRig>
-            </a:scene3d>
-            <a:sp3d prstMaterial="flat">
-              <a:contourClr>
-                <a:schemeClr val="tx2"/>
-              </a:contourClr>
-            </a:sp3d>
-          </a:bodyPr>
-          <a:lstStyle>
-            <a:lvl1pPr algn="l" rtl="0">
-              <a:spcBef>
-                <a:spcPct val="0"/>
-              </a:spcBef>
-              <a:buNone/>
-              <a:defRPr sz="5500" b="0">
-                <a:ln>
-                  <a:noFill/>
-                </a:ln>
-                <a:solidFill>
-                  <a:schemeClr val="tx2"/>
-                </a:solidFill>
-                <a:effectLst/>
-                <a:latin typeface="+mj-lt"/>
-                <a:ea typeface="+mj-ea"/>
-                <a:cs typeface="+mj-cs"/>
-              </a:defRPr>
-            </a:lvl1pPr>
-          </a:lstStyle>
+        <p:spPr/>
+        <p:txBody>
+          <a:bodyPr/>
+          <a:lstStyle/>
           <a:p>
             <a:r>
               <a:rPr kumimoji="0" lang="en-US" smtClean="0"/>
@@ -1846,9 +1806,9 @@
             <a:fld id="{7CB97365-EBCA-4027-87D5-99FC1D4DF0BB}" type="datetimeFigureOut">
               <a:rPr lang="en-US" smtClean="0"/>
               <a:pPr/>
-              <a:t>1/17/2017</a:t>
+              <a:t>1/17/2018</a:t>
             </a:fld>
-            <a:endParaRPr lang="en-US"/>
+            <a:endParaRPr lang="en-US" dirty="0"/>
           </a:p>
         </p:txBody>
       </p:sp>
@@ -1867,7 +1827,7 @@
           <a:bodyPr/>
           <a:lstStyle/>
           <a:p>
-            <a:endParaRPr kumimoji="0" lang="en-US"/>
+            <a:endParaRPr kumimoji="0" lang="en-US" dirty="0"/>
           </a:p>
         </p:txBody>
       </p:sp>
@@ -1891,7 +1851,7 @@
               <a:pPr/>
               <a:t>‹#›</a:t>
             </a:fld>
-            <a:endParaRPr kumimoji="0" lang="en-US"/>
+            <a:endParaRPr kumimoji="0" lang="en-US" dirty="0"/>
           </a:p>
         </p:txBody>
       </p:sp>
@@ -1938,9 +1898,9 @@
             <a:fld id="{7CB97365-EBCA-4027-87D5-99FC1D4DF0BB}" type="datetimeFigureOut">
               <a:rPr lang="en-US" smtClean="0"/>
               <a:pPr/>
-              <a:t>1/17/2017</a:t>
+              <a:t>1/17/2018</a:t>
             </a:fld>
-            <a:endParaRPr lang="en-US"/>
+            <a:endParaRPr lang="en-US" dirty="0"/>
           </a:p>
         </p:txBody>
       </p:sp>
@@ -1959,7 +1919,7 @@
           <a:bodyPr/>
           <a:lstStyle/>
           <a:p>
-            <a:endParaRPr kumimoji="0" lang="en-US"/>
+            <a:endParaRPr kumimoji="0" lang="en-US" dirty="0"/>
           </a:p>
         </p:txBody>
       </p:sp>
@@ -1983,7 +1943,7 @@
               <a:pPr/>
               <a:t>‹#›</a:t>
             </a:fld>
-            <a:endParaRPr kumimoji="0" lang="en-US"/>
+            <a:endParaRPr kumimoji="0" lang="en-US" dirty="0"/>
           </a:p>
         </p:txBody>
       </p:sp>
@@ -2024,31 +1984,28 @@
         </p:nvSpPr>
         <p:spPr>
           <a:xfrm>
-            <a:off x="756047" y="566978"/>
-            <a:ext cx="3024188" cy="1280945"/>
+            <a:off x="504032" y="300987"/>
+            <a:ext cx="3316456" cy="1280945"/>
           </a:xfrm>
         </p:spPr>
         <p:txBody>
-          <a:bodyPr lIns="0" anchor="b">
-            <a:noAutofit/>
+          <a:bodyPr vert="horz" anchor="b">
+            <a:normAutofit/>
+            <a:sp3d prstMaterial="softEdge"/>
           </a:bodyPr>
           <a:lstStyle>
-            <a:lvl1pPr algn="l" rtl="0">
-              <a:spcBef>
-                <a:spcPct val="0"/>
-              </a:spcBef>
+            <a:lvl1pPr algn="l">
               <a:buNone/>
-              <a:defRPr sz="2900" b="0">
-                <a:ln>
+              <a:defRPr sz="2400" b="0">
+                <a:ln w="6350">
                   <a:noFill/>
                 </a:ln>
                 <a:solidFill>
-                  <a:schemeClr val="tx2"/>
-                </a:solidFill>
-                <a:effectLst/>
-                <a:latin typeface="+mj-lt"/>
-                <a:ea typeface="+mj-ea"/>
-                <a:cs typeface="+mj-cs"/>
+                  <a:schemeClr val="accent1">
+                    <a:tint val="73000"/>
+                    <a:satMod val="180000"/>
+                  </a:schemeClr>
+                </a:solidFill>
               </a:defRPr>
             </a:lvl1pPr>
           </a:lstStyle>
@@ -2073,30 +2030,30 @@
         </p:nvSpPr>
         <p:spPr>
           <a:xfrm>
-            <a:off x="756047" y="1847921"/>
-            <a:ext cx="3024188" cy="5039783"/>
+            <a:off x="504032" y="1679929"/>
+            <a:ext cx="3316456" cy="5073032"/>
           </a:xfrm>
         </p:spPr>
         <p:txBody>
-          <a:bodyPr lIns="20159" rIns="20159"/>
+          <a:bodyPr/>
           <a:lstStyle>
-            <a:lvl1pPr marL="0" indent="0" algn="l">
+            <a:lvl1pPr marL="0" indent="0">
               <a:buNone/>
               <a:defRPr sz="1500"/>
             </a:lvl1pPr>
-            <a:lvl2pPr indent="0" algn="l">
+            <a:lvl2pPr>
               <a:buNone/>
               <a:defRPr sz="1300"/>
             </a:lvl2pPr>
-            <a:lvl3pPr indent="0" algn="l">
+            <a:lvl3pPr>
               <a:buNone/>
               <a:defRPr sz="1100"/>
             </a:lvl3pPr>
-            <a:lvl4pPr indent="0" algn="l">
+            <a:lvl4pPr>
               <a:buNone/>
               <a:defRPr sz="1000"/>
             </a:lvl4pPr>
-            <a:lvl5pPr indent="0" algn="l">
+            <a:lvl5pPr>
               <a:buNone/>
               <a:defRPr sz="1000"/>
             </a:lvl5pPr>
@@ -2122,21 +2079,21 @@
         </p:nvSpPr>
         <p:spPr>
           <a:xfrm>
-            <a:off x="3941245" y="1847921"/>
-            <a:ext cx="5635349" cy="5039783"/>
+            <a:off x="3941245" y="300988"/>
+            <a:ext cx="5635349" cy="6451973"/>
           </a:xfrm>
         </p:spPr>
         <p:txBody>
-          <a:bodyPr tIns="0"/>
+          <a:bodyPr/>
           <a:lstStyle>
             <a:lvl1pPr>
-              <a:defRPr sz="3100"/>
+              <a:defRPr sz="2900"/>
             </a:lvl1pPr>
             <a:lvl2pPr>
-              <a:defRPr sz="2900"/>
+              <a:defRPr sz="2600"/>
             </a:lvl2pPr>
             <a:lvl3pPr>
-              <a:defRPr sz="2600"/>
+              <a:defRPr sz="2400"/>
             </a:lvl3pPr>
             <a:lvl4pPr>
               <a:defRPr sz="2200"/>
@@ -2201,9 +2158,9 @@
             <a:fld id="{7CB97365-EBCA-4027-87D5-99FC1D4DF0BB}" type="datetimeFigureOut">
               <a:rPr lang="en-US" smtClean="0"/>
               <a:pPr/>
-              <a:t>1/17/2017</a:t>
+              <a:t>1/17/2018</a:t>
             </a:fld>
-            <a:endParaRPr lang="en-US"/>
+            <a:endParaRPr lang="en-US" dirty="0"/>
           </a:p>
         </p:txBody>
       </p:sp>
@@ -2222,7 +2179,7 @@
           <a:bodyPr/>
           <a:lstStyle/>
           <a:p>
-            <a:endParaRPr kumimoji="0" lang="en-US"/>
+            <a:endParaRPr kumimoji="0" lang="en-US" dirty="0"/>
           </a:p>
         </p:txBody>
       </p:sp>
@@ -2246,7 +2203,7 @@
               <a:pPr/>
               <a:t>‹#›</a:t>
             </a:fld>
-            <a:endParaRPr kumimoji="0" lang="en-US"/>
+            <a:endParaRPr kumimoji="0" lang="en-US" dirty="0"/>
           </a:p>
         </p:txBody>
       </p:sp>
@@ -2259,7 +2216,7 @@
 </file>
 
 <file path=ppt/slideLayouts/slideLayout9.xml><?xml version="1.0" encoding="utf-8"?>
-<p:sldLayout xmlns:a="http://schemas.openxmlformats.org/drawingml/2006/main" xmlns:r="http://schemas.openxmlformats.org/officeDocument/2006/relationships" xmlns:p="http://schemas.openxmlformats.org/presentationml/2006/main" showMasterSp="0" type="picTx" preserve="1">
+<p:sldLayout xmlns:a="http://schemas.openxmlformats.org/drawingml/2006/main" xmlns:r="http://schemas.openxmlformats.org/officeDocument/2006/relationships" xmlns:p="http://schemas.openxmlformats.org/presentationml/2006/main" type="picTx" preserve="1">
   <p:cSld name="Picture with Caption">
     <p:spTree>
       <p:nvGrpSpPr>
@@ -2277,46 +2234,95 @@
       </p:grpSpPr>
       <p:sp>
         <p:nvSpPr>
-          <p:cNvPr id="9" name="Snip and Round Single Corner Rectangle 8"/>
-          <p:cNvSpPr/>
-          <p:nvPr/>
+          <p:cNvPr id="2" name="Title 1"/>
+          <p:cNvSpPr>
+            <a:spLocks noGrp="1"/>
+          </p:cNvSpPr>
+          <p:nvPr>
+            <p:ph type="title"/>
+          </p:nvPr>
         </p:nvSpPr>
         <p:spPr>
-          <a:xfrm rot="420000" flipV="1">
-            <a:off x="3490023" y="1221450"/>
-            <a:ext cx="5796359" cy="4535805"/>
+          <a:xfrm>
+            <a:off x="2016125" y="671971"/>
+            <a:ext cx="6048375" cy="575726"/>
           </a:xfrm>
-          <a:prstGeom prst="snipRoundRect">
-            <a:avLst>
-              <a:gd name="adj1" fmla="val 0"/>
-              <a:gd name="adj2" fmla="val 3646"/>
-            </a:avLst>
-          </a:prstGeom>
+        </p:spPr>
+        <p:txBody>
+          <a:bodyPr lIns="50397" rIns="50397" bIns="0" anchor="b">
+            <a:sp3d prstMaterial="softEdge"/>
+          </a:bodyPr>
+          <a:lstStyle>
+            <a:lvl1pPr algn="ctr">
+              <a:buNone/>
+              <a:defRPr sz="2200" b="1"/>
+            </a:lvl1pPr>
+          </a:lstStyle>
+          <a:p>
+            <a:r>
+              <a:rPr kumimoji="0" lang="en-US" smtClean="0"/>
+              <a:t>Click to edit Master title style</a:t>
+            </a:r>
+            <a:endParaRPr kumimoji="0" lang="en-US"/>
+          </a:p>
+        </p:txBody>
+      </p:sp>
+      <p:sp>
+        <p:nvSpPr>
+          <p:cNvPr id="3" name="Picture Placeholder 2"/>
+          <p:cNvSpPr>
+            <a:spLocks noGrp="1"/>
+          </p:cNvSpPr>
+          <p:nvPr>
+            <p:ph type="pic" idx="1"/>
+          </p:nvPr>
+        </p:nvSpPr>
+        <p:spPr>
+          <a:xfrm>
+            <a:off x="2016125" y="2019413"/>
+            <a:ext cx="6048375" cy="4367812"/>
+          </a:xfrm>
           <a:solidFill>
-            <a:srgbClr val="FFFFFF"/>
+            <a:schemeClr val="bg2"/>
           </a:solidFill>
-          <a:ln w="3175" cap="rnd" cmpd="sng" algn="ctr">
+          <a:ln w="44450" cap="sq" cmpd="sng" algn="ctr">
             <a:solidFill>
-              <a:srgbClr val="C0C0C0"/>
+              <a:srgbClr val="FFFFFF"/>
             </a:solidFill>
             <a:prstDash val="solid"/>
+            <a:miter lim="800000"/>
           </a:ln>
           <a:effectLst>
-            <a:outerShdw blurRad="63500" dist="38500" dir="7500000" sx="98500" sy="100080" kx="100000" algn="tl" rotWithShape="0">
+            <a:outerShdw blurRad="190500" dist="228600" dir="2700000" sy="90000">
               <a:srgbClr val="000000">
                 <a:alpha val="25000"/>
               </a:srgbClr>
             </a:outerShdw>
           </a:effectLst>
+          <a:scene3d>
+            <a:camera prst="orthographicFront">
+              <a:rot lat="0" lon="0" rev="0"/>
+            </a:camera>
+            <a:lightRig rig="balanced" dir="tr">
+              <a:rot lat="0" lon="0" rev="2700000"/>
+            </a:lightRig>
+          </a:scene3d>
+          <a:sp3d prstMaterial="matte">
+            <a:contourClr>
+              <a:schemeClr val="tx2">
+                <a:shade val="50000"/>
+              </a:schemeClr>
+            </a:contourClr>
+          </a:sp3d>
         </p:spPr>
         <p:style>
-          <a:lnRef idx="2">
-            <a:schemeClr val="accent1"/>
+          <a:lnRef idx="3">
+            <a:schemeClr val="lt1"/>
           </a:lnRef>
           <a:fillRef idx="1">
             <a:schemeClr val="accent1"/>
           </a:fillRef>
-          <a:effectRef idx="0">
+          <a:effectRef idx="1">
             <a:schemeClr val="accent1"/>
           </a:effectRef>
           <a:fontRef idx="minor">
@@ -2324,132 +2330,59 @@
           </a:fontRef>
         </p:style>
         <p:txBody>
-          <a:bodyPr lIns="100794" tIns="50397" rIns="100794" bIns="50397" rtlCol="0" anchor="ctr"/>
-          <a:lstStyle/>
-          <a:p>
-            <a:pPr algn="ctr" eaLnBrk="1" latinLnBrk="0" hangingPunct="1"/>
-            <a:endParaRPr kumimoji="0" lang="en-US"/>
-          </a:p>
-        </p:txBody>
-      </p:sp>
-      <p:sp>
-        <p:nvSpPr>
-          <p:cNvPr id="12" name="Right Triangle 11"/>
-          <p:cNvSpPr/>
-          <p:nvPr/>
-        </p:nvSpPr>
-        <p:spPr>
-          <a:xfrm rot="420000" flipV="1">
-            <a:off x="8824002" y="5908153"/>
-            <a:ext cx="171371" cy="171353"/>
-          </a:xfrm>
-          <a:prstGeom prst="rtTriangle">
-            <a:avLst/>
-          </a:prstGeom>
-          <a:solidFill>
-            <a:srgbClr val="FFFFFF"/>
-          </a:solidFill>
-          <a:ln w="12700" cap="flat" cmpd="sng" algn="ctr">
-            <a:solidFill>
-              <a:srgbClr val="FFFFFF"/>
-            </a:solidFill>
-            <a:prstDash val="solid"/>
-            <a:bevel/>
-          </a:ln>
-          <a:effectLst>
-            <a:outerShdw blurRad="19685" dist="6350" dir="12900000" algn="tl" rotWithShape="0">
-              <a:srgbClr val="000000">
-                <a:alpha val="47000"/>
-              </a:srgbClr>
-            </a:outerShdw>
-          </a:effectLst>
-        </p:spPr>
-        <p:style>
-          <a:lnRef idx="2">
-            <a:schemeClr val="accent1"/>
-          </a:lnRef>
-          <a:fillRef idx="1">
-            <a:schemeClr val="accent1"/>
-          </a:fillRef>
-          <a:effectRef idx="0">
-            <a:schemeClr val="accent1"/>
-          </a:effectRef>
-          <a:fontRef idx="minor">
-            <a:schemeClr val="lt1"/>
-          </a:fontRef>
-        </p:style>
-        <p:txBody>
-          <a:bodyPr lIns="100794" tIns="50397" rIns="100794" bIns="50397" rtlCol="0" anchor="ctr"/>
-          <a:lstStyle/>
-          <a:p>
-            <a:pPr algn="ctr" eaLnBrk="1" latinLnBrk="0" hangingPunct="1"/>
-            <a:endParaRPr kumimoji="0" lang="en-US"/>
-          </a:p>
-        </p:txBody>
-      </p:sp>
-      <p:sp>
-        <p:nvSpPr>
-          <p:cNvPr id="2" name="Title 1"/>
-          <p:cNvSpPr>
-            <a:spLocks noGrp="1"/>
-          </p:cNvSpPr>
-          <p:nvPr>
-            <p:ph type="title"/>
+          <a:bodyPr anchor="t"/>
+          <a:lstStyle>
+            <a:lvl1pPr marL="0" indent="0" algn="l" rtl="0" eaLnBrk="1" latinLnBrk="0" hangingPunct="1">
+              <a:buNone/>
+              <a:defRPr sz="3500"/>
+            </a:lvl1pPr>
+          </a:lstStyle>
+          <a:p>
+            <a:pPr marL="0" algn="l" rtl="0" eaLnBrk="1" latinLnBrk="0" hangingPunct="1"/>
+            <a:r>
+              <a:rPr kumimoji="0" lang="en-US" dirty="0" smtClean="0">
+                <a:solidFill>
+                  <a:schemeClr val="lt1"/>
+                </a:solidFill>
+                <a:latin typeface="+mn-lt"/>
+                <a:ea typeface="+mn-ea"/>
+                <a:cs typeface="+mn-cs"/>
+              </a:rPr>
+              <a:t>Click icon to add picture</a:t>
+            </a:r>
+            <a:endParaRPr kumimoji="0" lang="en-US" dirty="0">
+              <a:solidFill>
+                <a:schemeClr val="lt1"/>
+              </a:solidFill>
+              <a:latin typeface="+mn-lt"/>
+              <a:ea typeface="+mn-ea"/>
+              <a:cs typeface="+mn-cs"/>
+            </a:endParaRPr>
+          </a:p>
+        </p:txBody>
+      </p:sp>
+      <p:sp>
+        <p:nvSpPr>
+          <p:cNvPr id="4" name="Text Placeholder 3"/>
+          <p:cNvSpPr>
+            <a:spLocks noGrp="1"/>
+          </p:cNvSpPr>
+          <p:nvPr>
+            <p:ph type="body" sz="half" idx="2"/>
           </p:nvPr>
         </p:nvSpPr>
         <p:spPr>
           <a:xfrm>
-            <a:off x="672042" y="1297420"/>
-            <a:ext cx="2439511" cy="1744547"/>
+            <a:off x="2016125" y="1286167"/>
+            <a:ext cx="6048375" cy="584615"/>
           </a:xfrm>
         </p:spPr>
         <p:txBody>
-          <a:bodyPr vert="horz" lIns="50397" tIns="50397" rIns="50397" bIns="50397" anchor="b"/>
+          <a:bodyPr lIns="50397" tIns="50397" rIns="50397" anchor="t"/>
           <a:lstStyle>
-            <a:lvl1pPr algn="l">
+            <a:lvl1pPr marL="0" indent="0" algn="ctr">
               <a:buNone/>
-              <a:defRPr sz="2200" b="1">
-                <a:solidFill>
-                  <a:schemeClr val="tx2"/>
-                </a:solidFill>
-              </a:defRPr>
-            </a:lvl1pPr>
-          </a:lstStyle>
-          <a:p>
-            <a:r>
-              <a:rPr kumimoji="0" lang="en-US" smtClean="0"/>
-              <a:t>Click to edit Master title style</a:t>
-            </a:r>
-            <a:endParaRPr kumimoji="0" lang="en-US"/>
-          </a:p>
-        </p:txBody>
-      </p:sp>
-      <p:sp>
-        <p:nvSpPr>
-          <p:cNvPr id="4" name="Text Placeholder 3"/>
-          <p:cNvSpPr>
-            <a:spLocks noGrp="1"/>
-          </p:cNvSpPr>
-          <p:nvPr>
-            <p:ph type="body" sz="half" idx="2"/>
-          </p:nvPr>
-        </p:nvSpPr>
-        <p:spPr>
-          <a:xfrm>
-            <a:off x="672042" y="3118211"/>
-            <a:ext cx="2436151" cy="2402297"/>
-          </a:xfrm>
-        </p:spPr>
-        <p:txBody>
-          <a:bodyPr lIns="70556" rIns="50397" bIns="50397" anchor="t"/>
-          <a:lstStyle>
-            <a:lvl1pPr marL="0" indent="0" algn="l">
-              <a:spcBef>
-                <a:spcPts val="276"/>
-              </a:spcBef>
-              <a:buFontTx/>
-              <a:buNone/>
-              <a:defRPr sz="1400"/>
+              <a:defRPr sz="1500"/>
             </a:lvl1pPr>
             <a:lvl2pPr>
               <a:defRPr sz="1300"/>
@@ -2491,9 +2424,9 @@
             <a:fld id="{7CB97365-EBCA-4027-87D5-99FC1D4DF0BB}" type="datetimeFigureOut">
               <a:rPr lang="en-US" smtClean="0"/>
               <a:pPr/>
-              <a:t>1/17/2017</a:t>
+              <a:t>1/17/2018</a:t>
             </a:fld>
-            <a:endParaRPr lang="en-US"/>
+            <a:endParaRPr lang="en-US" dirty="0"/>
           </a:p>
         </p:txBody>
       </p:sp>
@@ -2512,7 +2445,7 @@
           <a:bodyPr/>
           <a:lstStyle/>
           <a:p>
-            <a:endParaRPr kumimoji="0" lang="en-US"/>
+            <a:endParaRPr kumimoji="0" lang="en-US" dirty="0"/>
           </a:p>
         </p:txBody>
       </p:sp>
@@ -2526,12 +2459,7 @@
             <p:ph type="sldNum" sz="quarter" idx="12"/>
           </p:nvPr>
         </p:nvSpPr>
-        <p:spPr>
-          <a:xfrm>
-            <a:off x="8904552" y="7006699"/>
-            <a:ext cx="672042" cy="402483"/>
-          </a:xfrm>
-        </p:spPr>
+        <p:spPr/>
         <p:txBody>
           <a:bodyPr/>
           <a:lstStyle/>
@@ -2541,309 +2469,7 @@
               <a:pPr/>
               <a:t>‹#›</a:t>
             </a:fld>
-            <a:endParaRPr kumimoji="0" lang="en-US"/>
-          </a:p>
-        </p:txBody>
-      </p:sp>
-      <p:sp>
-        <p:nvSpPr>
-          <p:cNvPr id="3" name="Picture Placeholder 2"/>
-          <p:cNvSpPr>
-            <a:spLocks noGrp="1"/>
-          </p:cNvSpPr>
-          <p:nvPr>
-            <p:ph type="pic" idx="1"/>
-          </p:nvPr>
-        </p:nvSpPr>
-        <p:spPr>
-          <a:xfrm rot="420000">
-            <a:off x="3842845" y="1322245"/>
-            <a:ext cx="5090716" cy="4334214"/>
-          </a:xfrm>
-          <a:prstGeom prst="rect">
-            <a:avLst/>
-          </a:prstGeom>
-          <a:solidFill>
-            <a:schemeClr val="bg2"/>
-          </a:solidFill>
-          <a:ln w="3000" cap="rnd">
-            <a:solidFill>
-              <a:srgbClr val="C0C0C0"/>
-            </a:solidFill>
-            <a:round/>
-          </a:ln>
-          <a:effectLst/>
-        </p:spPr>
-        <p:txBody>
-          <a:bodyPr/>
-          <a:lstStyle>
-            <a:lvl1pPr marL="0" indent="0">
-              <a:buNone/>
-              <a:defRPr sz="3500"/>
-            </a:lvl1pPr>
-          </a:lstStyle>
-          <a:p>
-            <a:r>
-              <a:rPr kumimoji="0" lang="en-US" smtClean="0"/>
-              <a:t>Click icon to add picture</a:t>
-            </a:r>
             <a:endParaRPr kumimoji="0" lang="en-US" dirty="0"/>
-          </a:p>
-        </p:txBody>
-      </p:sp>
-      <p:sp>
-        <p:nvSpPr>
-          <p:cNvPr id="10" name="Freeform 9"/>
-          <p:cNvSpPr>
-            <a:spLocks/>
-          </p:cNvSpPr>
-          <p:nvPr/>
-        </p:nvSpPr>
-        <p:spPr bwMode="auto">
-          <a:xfrm flipV="1">
-            <a:off x="-10501" y="6411724"/>
-            <a:ext cx="10101626" cy="1147951"/>
-          </a:xfrm>
-          <a:custGeom>
-            <a:avLst>
-              <a:gd name="A1" fmla="val 0"/>
-              <a:gd name="A2" fmla="val 0"/>
-              <a:gd name="A3" fmla="val 0"/>
-              <a:gd name="A4" fmla="val 0"/>
-              <a:gd name="A5" fmla="val 0"/>
-              <a:gd name="A6" fmla="val 0"/>
-              <a:gd name="A7" fmla="val 0"/>
-              <a:gd name="A8" fmla="val 0"/>
-            </a:avLst>
-            <a:gdLst/>
-            <a:ahLst/>
-            <a:cxnLst>
-              <a:cxn ang="0">
-                <a:pos x="6" y="2"/>
-              </a:cxn>
-              <a:cxn ang="0">
-                <a:pos x="2542" y="0"/>
-              </a:cxn>
-              <a:cxn ang="0">
-                <a:pos x="4374" y="367"/>
-              </a:cxn>
-              <a:cxn ang="0">
-                <a:pos x="5766" y="55"/>
-              </a:cxn>
-              <a:cxn ang="0">
-                <a:pos x="5772" y="213"/>
-              </a:cxn>
-              <a:cxn ang="0">
-                <a:pos x="4302" y="439"/>
-              </a:cxn>
-              <a:cxn ang="0">
-                <a:pos x="1488" y="201"/>
-              </a:cxn>
-              <a:cxn ang="0">
-                <a:pos x="0" y="656"/>
-              </a:cxn>
-              <a:cxn ang="0">
-                <a:pos x="6" y="2"/>
-              </a:cxn>
-            </a:cxnLst>
-            <a:rect l="0" t="0" r="0" b="0"/>
-            <a:pathLst>
-              <a:path w="5772" h="656">
-                <a:moveTo>
-                  <a:pt x="6" y="2"/>
-                </a:moveTo>
-                <a:lnTo>
-                  <a:pt x="2542" y="0"/>
-                </a:lnTo>
-                <a:cubicBezTo>
-                  <a:pt x="2746" y="101"/>
-                  <a:pt x="3828" y="367"/>
-                  <a:pt x="4374" y="367"/>
-                </a:cubicBezTo>
-                <a:cubicBezTo>
-                  <a:pt x="4920" y="367"/>
-                  <a:pt x="5526" y="152"/>
-                  <a:pt x="5766" y="55"/>
-                </a:cubicBezTo>
-                <a:lnTo>
-                  <a:pt x="5772" y="213"/>
-                </a:lnTo>
-                <a:cubicBezTo>
-                  <a:pt x="5670" y="257"/>
-                  <a:pt x="5016" y="441"/>
-                  <a:pt x="4302" y="439"/>
-                </a:cubicBezTo>
-                <a:cubicBezTo>
-                  <a:pt x="3588" y="437"/>
-                  <a:pt x="2205" y="165"/>
-                  <a:pt x="1488" y="201"/>
-                </a:cubicBezTo>
-                <a:cubicBezTo>
-                  <a:pt x="750" y="209"/>
-                  <a:pt x="270" y="482"/>
-                  <a:pt x="0" y="656"/>
-                </a:cubicBezTo>
-                <a:lnTo>
-                  <a:pt x="6" y="2"/>
-                </a:lnTo>
-                <a:close/>
-              </a:path>
-            </a:pathLst>
-          </a:custGeom>
-          <a:gradFill>
-            <a:gsLst>
-              <a:gs pos="0">
-                <a:schemeClr val="accent2">
-                  <a:shade val="50000"/>
-                  <a:alpha val="45000"/>
-                  <a:satMod val="120000"/>
-                </a:schemeClr>
-              </a:gs>
-              <a:gs pos="100000">
-                <a:schemeClr val="accent3">
-                  <a:shade val="80000"/>
-                  <a:alpha val="55000"/>
-                  <a:satMod val="155000"/>
-                </a:schemeClr>
-              </a:gs>
-            </a:gsLst>
-            <a:lin ang="5400000" scaled="1"/>
-          </a:gradFill>
-          <a:ln w="9525" cap="flat" cmpd="sng" algn="ctr">
-            <a:noFill/>
-            <a:prstDash val="solid"/>
-            <a:round/>
-            <a:headEnd type="none" w="med" len="med"/>
-            <a:tailEnd type="none" w="med" len="med"/>
-          </a:ln>
-          <a:effectLst/>
-        </p:spPr>
-        <p:txBody>
-          <a:bodyPr vert="horz" wrap="square" lIns="100794" tIns="50397" rIns="100794" bIns="50397" anchor="t" compatLnSpc="1"/>
-          <a:lstStyle/>
-          <a:p>
-            <a:pPr marL="0" algn="l" rtl="0" eaLnBrk="1" latinLnBrk="0" hangingPunct="1"/>
-            <a:endParaRPr kumimoji="0" lang="en-US">
-              <a:solidFill>
-                <a:schemeClr val="tx1"/>
-              </a:solidFill>
-              <a:latin typeface="+mn-lt"/>
-              <a:ea typeface="+mn-ea"/>
-              <a:cs typeface="+mn-cs"/>
-            </a:endParaRPr>
-          </a:p>
-        </p:txBody>
-      </p:sp>
-      <p:sp>
-        <p:nvSpPr>
-          <p:cNvPr id="11" name="Freeform 10"/>
-          <p:cNvSpPr>
-            <a:spLocks/>
-          </p:cNvSpPr>
-          <p:nvPr/>
-        </p:nvSpPr>
-        <p:spPr bwMode="auto">
-          <a:xfrm flipV="1">
-            <a:off x="4830299" y="6856206"/>
-            <a:ext cx="5250326" cy="703470"/>
-          </a:xfrm>
-          <a:custGeom>
-            <a:avLst>
-              <a:gd name="A1" fmla="val 0"/>
-              <a:gd name="A2" fmla="val 0"/>
-              <a:gd name="A3" fmla="val 0"/>
-              <a:gd name="A4" fmla="val 0"/>
-              <a:gd name="A5" fmla="val 0"/>
-              <a:gd name="A6" fmla="val 0"/>
-              <a:gd name="A7" fmla="val 0"/>
-              <a:gd name="A8" fmla="val 0"/>
-            </a:avLst>
-            <a:gdLst/>
-            <a:ahLst/>
-            <a:cxnLst>
-              <a:cxn ang="0">
-                <a:pos x="0" y="0"/>
-              </a:cxn>
-              <a:cxn ang="0">
-                <a:pos x="1668" y="564"/>
-              </a:cxn>
-              <a:cxn ang="0">
-                <a:pos x="3000" y="186"/>
-              </a:cxn>
-              <a:cxn ang="0">
-                <a:pos x="3000" y="6"/>
-              </a:cxn>
-              <a:cxn ang="0">
-                <a:pos x="0" y="0"/>
-              </a:cxn>
-            </a:cxnLst>
-            <a:rect l="0" t="0" r="0" b="0"/>
-            <a:pathLst>
-              <a:path w="3000" h="595">
-                <a:moveTo>
-                  <a:pt x="0" y="0"/>
-                </a:moveTo>
-                <a:cubicBezTo>
-                  <a:pt x="174" y="102"/>
-                  <a:pt x="1168" y="533"/>
-                  <a:pt x="1668" y="564"/>
-                </a:cubicBezTo>
-                <a:cubicBezTo>
-                  <a:pt x="2168" y="595"/>
-                  <a:pt x="2778" y="279"/>
-                  <a:pt x="3000" y="186"/>
-                </a:cubicBezTo>
-                <a:lnTo>
-                  <a:pt x="3000" y="6"/>
-                </a:lnTo>
-                <a:lnTo>
-                  <a:pt x="0" y="0"/>
-                </a:lnTo>
-                <a:close/>
-              </a:path>
-            </a:pathLst>
-          </a:custGeom>
-          <a:gradFill>
-            <a:gsLst>
-              <a:gs pos="0">
-                <a:schemeClr val="accent3">
-                  <a:shade val="50000"/>
-                  <a:alpha val="30000"/>
-                  <a:satMod val="130000"/>
-                </a:schemeClr>
-              </a:gs>
-              <a:gs pos="80000">
-                <a:schemeClr val="accent2">
-                  <a:shade val="75000"/>
-                  <a:alpha val="45000"/>
-                  <a:satMod val="140000"/>
-                </a:schemeClr>
-              </a:gs>
-            </a:gsLst>
-            <a:lin ang="5400000" scaled="1"/>
-          </a:gradFill>
-          <a:ln w="9525" cap="flat" cmpd="sng" algn="ctr">
-            <a:noFill/>
-            <a:prstDash val="solid"/>
-            <a:round/>
-            <a:headEnd type="none" w="med" len="med"/>
-            <a:tailEnd type="none" w="med" len="med"/>
-          </a:ln>
-          <a:effectLst/>
-        </p:spPr>
-        <p:txBody>
-          <a:bodyPr vert="horz" wrap="square" lIns="100794" tIns="50397" rIns="100794" bIns="50397" anchor="t" compatLnSpc="1"/>
-          <a:lstStyle/>
-          <a:p>
-            <a:pPr marL="0" algn="l" rtl="0" eaLnBrk="1" latinLnBrk="0" hangingPunct="1"/>
-            <a:endParaRPr kumimoji="0" lang="en-US">
-              <a:solidFill>
-                <a:schemeClr val="tx1"/>
-              </a:solidFill>
-              <a:latin typeface="+mn-lt"/>
-              <a:ea typeface="+mn-ea"/>
-              <a:cs typeface="+mn-cs"/>
-            </a:endParaRPr>
           </a:p>
         </p:txBody>
       </p:sp>
@@ -2860,7 +2486,7 @@
   <p:cSld>
     <p:bg>
       <p:bgRef idx="1003">
-        <a:schemeClr val="bg1"/>
+        <a:schemeClr val="bg2"/>
       </p:bgRef>
     </p:bg>
     <p:spTree>
@@ -2879,263 +2505,7 @@
       </p:grpSpPr>
       <p:sp>
         <p:nvSpPr>
-          <p:cNvPr id="7" name="Freeform 6"/>
-          <p:cNvSpPr>
-            <a:spLocks/>
-          </p:cNvSpPr>
-          <p:nvPr/>
-        </p:nvSpPr>
-        <p:spPr bwMode="auto">
-          <a:xfrm>
-            <a:off x="-10501" y="-7875"/>
-            <a:ext cx="10101626" cy="1147951"/>
-          </a:xfrm>
-          <a:custGeom>
-            <a:avLst>
-              <a:gd name="A1" fmla="val 0"/>
-              <a:gd name="A2" fmla="val 0"/>
-              <a:gd name="A3" fmla="val 0"/>
-              <a:gd name="A4" fmla="val 0"/>
-              <a:gd name="A5" fmla="val 0"/>
-              <a:gd name="A6" fmla="val 0"/>
-              <a:gd name="A7" fmla="val 0"/>
-              <a:gd name="A8" fmla="val 0"/>
-            </a:avLst>
-            <a:gdLst/>
-            <a:ahLst/>
-            <a:cxnLst>
-              <a:cxn ang="0">
-                <a:pos x="6" y="2"/>
-              </a:cxn>
-              <a:cxn ang="0">
-                <a:pos x="2542" y="0"/>
-              </a:cxn>
-              <a:cxn ang="0">
-                <a:pos x="4374" y="367"/>
-              </a:cxn>
-              <a:cxn ang="0">
-                <a:pos x="5766" y="55"/>
-              </a:cxn>
-              <a:cxn ang="0">
-                <a:pos x="5772" y="213"/>
-              </a:cxn>
-              <a:cxn ang="0">
-                <a:pos x="4302" y="439"/>
-              </a:cxn>
-              <a:cxn ang="0">
-                <a:pos x="1488" y="201"/>
-              </a:cxn>
-              <a:cxn ang="0">
-                <a:pos x="0" y="656"/>
-              </a:cxn>
-              <a:cxn ang="0">
-                <a:pos x="6" y="2"/>
-              </a:cxn>
-            </a:cxnLst>
-            <a:rect l="0" t="0" r="0" b="0"/>
-            <a:pathLst>
-              <a:path w="5772" h="656">
-                <a:moveTo>
-                  <a:pt x="6" y="2"/>
-                </a:moveTo>
-                <a:lnTo>
-                  <a:pt x="2542" y="0"/>
-                </a:lnTo>
-                <a:cubicBezTo>
-                  <a:pt x="2746" y="101"/>
-                  <a:pt x="3828" y="367"/>
-                  <a:pt x="4374" y="367"/>
-                </a:cubicBezTo>
-                <a:cubicBezTo>
-                  <a:pt x="4920" y="367"/>
-                  <a:pt x="5526" y="152"/>
-                  <a:pt x="5766" y="55"/>
-                </a:cubicBezTo>
-                <a:lnTo>
-                  <a:pt x="5772" y="213"/>
-                </a:lnTo>
-                <a:cubicBezTo>
-                  <a:pt x="5670" y="257"/>
-                  <a:pt x="5016" y="441"/>
-                  <a:pt x="4302" y="439"/>
-                </a:cubicBezTo>
-                <a:cubicBezTo>
-                  <a:pt x="3588" y="437"/>
-                  <a:pt x="2205" y="165"/>
-                  <a:pt x="1488" y="201"/>
-                </a:cubicBezTo>
-                <a:cubicBezTo>
-                  <a:pt x="750" y="209"/>
-                  <a:pt x="270" y="482"/>
-                  <a:pt x="0" y="656"/>
-                </a:cubicBezTo>
-                <a:lnTo>
-                  <a:pt x="6" y="2"/>
-                </a:lnTo>
-                <a:close/>
-              </a:path>
-            </a:pathLst>
-          </a:custGeom>
-          <a:gradFill>
-            <a:gsLst>
-              <a:gs pos="0">
-                <a:schemeClr val="accent2">
-                  <a:shade val="50000"/>
-                  <a:alpha val="45000"/>
-                  <a:satMod val="120000"/>
-                </a:schemeClr>
-              </a:gs>
-              <a:gs pos="100000">
-                <a:schemeClr val="accent3">
-                  <a:shade val="80000"/>
-                  <a:alpha val="55000"/>
-                  <a:satMod val="155000"/>
-                </a:schemeClr>
-              </a:gs>
-            </a:gsLst>
-            <a:lin ang="5400000" scaled="1"/>
-          </a:gradFill>
-          <a:ln w="9525" cap="flat" cmpd="sng" algn="ctr">
-            <a:noFill/>
-            <a:prstDash val="solid"/>
-            <a:round/>
-            <a:headEnd type="none" w="med" len="med"/>
-            <a:tailEnd type="none" w="med" len="med"/>
-          </a:ln>
-          <a:effectLst/>
-        </p:spPr>
-        <p:txBody>
-          <a:bodyPr vert="horz" wrap="square" lIns="100794" tIns="50397" rIns="100794" bIns="50397" anchor="t" compatLnSpc="1"/>
-          <a:lstStyle/>
-          <a:p>
-            <a:pPr marL="0" algn="l" rtl="0" eaLnBrk="1" latinLnBrk="0" hangingPunct="1"/>
-            <a:endParaRPr kumimoji="0" lang="en-US">
-              <a:solidFill>
-                <a:schemeClr val="tx1"/>
-              </a:solidFill>
-              <a:latin typeface="+mn-lt"/>
-              <a:ea typeface="+mn-ea"/>
-              <a:cs typeface="+mn-cs"/>
-            </a:endParaRPr>
-          </a:p>
-        </p:txBody>
-      </p:sp>
-      <p:sp>
-        <p:nvSpPr>
-          <p:cNvPr id="8" name="Freeform 7"/>
-          <p:cNvSpPr>
-            <a:spLocks/>
-          </p:cNvSpPr>
-          <p:nvPr/>
-        </p:nvSpPr>
-        <p:spPr bwMode="auto">
-          <a:xfrm>
-            <a:off x="4830299" y="-7875"/>
-            <a:ext cx="5250326" cy="703470"/>
-          </a:xfrm>
-          <a:custGeom>
-            <a:avLst>
-              <a:gd name="A1" fmla="val 0"/>
-              <a:gd name="A2" fmla="val 0"/>
-              <a:gd name="A3" fmla="val 0"/>
-              <a:gd name="A4" fmla="val 0"/>
-              <a:gd name="A5" fmla="val 0"/>
-              <a:gd name="A6" fmla="val 0"/>
-              <a:gd name="A7" fmla="val 0"/>
-              <a:gd name="A8" fmla="val 0"/>
-            </a:avLst>
-            <a:gdLst/>
-            <a:ahLst/>
-            <a:cxnLst>
-              <a:cxn ang="0">
-                <a:pos x="0" y="0"/>
-              </a:cxn>
-              <a:cxn ang="0">
-                <a:pos x="1668" y="564"/>
-              </a:cxn>
-              <a:cxn ang="0">
-                <a:pos x="3000" y="186"/>
-              </a:cxn>
-              <a:cxn ang="0">
-                <a:pos x="3000" y="6"/>
-              </a:cxn>
-              <a:cxn ang="0">
-                <a:pos x="0" y="0"/>
-              </a:cxn>
-            </a:cxnLst>
-            <a:rect l="0" t="0" r="0" b="0"/>
-            <a:pathLst>
-              <a:path w="3000" h="595">
-                <a:moveTo>
-                  <a:pt x="0" y="0"/>
-                </a:moveTo>
-                <a:cubicBezTo>
-                  <a:pt x="174" y="102"/>
-                  <a:pt x="1168" y="533"/>
-                  <a:pt x="1668" y="564"/>
-                </a:cubicBezTo>
-                <a:cubicBezTo>
-                  <a:pt x="2168" y="595"/>
-                  <a:pt x="2778" y="279"/>
-                  <a:pt x="3000" y="186"/>
-                </a:cubicBezTo>
-                <a:lnTo>
-                  <a:pt x="3000" y="6"/>
-                </a:lnTo>
-                <a:lnTo>
-                  <a:pt x="0" y="0"/>
-                </a:lnTo>
-                <a:close/>
-              </a:path>
-            </a:pathLst>
-          </a:custGeom>
-          <a:gradFill>
-            <a:gsLst>
-              <a:gs pos="0">
-                <a:schemeClr val="accent3">
-                  <a:shade val="50000"/>
-                  <a:alpha val="30000"/>
-                  <a:satMod val="130000"/>
-                </a:schemeClr>
-              </a:gs>
-              <a:gs pos="80000">
-                <a:schemeClr val="accent2">
-                  <a:shade val="75000"/>
-                  <a:alpha val="45000"/>
-                  <a:satMod val="140000"/>
-                </a:schemeClr>
-              </a:gs>
-            </a:gsLst>
-            <a:lin ang="5400000" scaled="1"/>
-          </a:gradFill>
-          <a:ln w="9525" cap="flat" cmpd="sng" algn="ctr">
-            <a:noFill/>
-            <a:prstDash val="solid"/>
-            <a:round/>
-            <a:headEnd type="none" w="med" len="med"/>
-            <a:tailEnd type="none" w="med" len="med"/>
-          </a:ln>
-          <a:effectLst/>
-        </p:spPr>
-        <p:txBody>
-          <a:bodyPr vert="horz" wrap="square" lIns="100794" tIns="50397" rIns="100794" bIns="50397" anchor="t" compatLnSpc="1"/>
-          <a:lstStyle/>
-          <a:p>
-            <a:pPr marL="0" algn="l" rtl="0" eaLnBrk="1" latinLnBrk="0" hangingPunct="1"/>
-            <a:endParaRPr kumimoji="0" lang="en-US">
-              <a:solidFill>
-                <a:schemeClr val="tx1"/>
-              </a:solidFill>
-              <a:latin typeface="+mn-lt"/>
-              <a:ea typeface="+mn-ea"/>
-              <a:cs typeface="+mn-cs"/>
-            </a:endParaRPr>
-          </a:p>
-        </p:txBody>
-      </p:sp>
-      <p:sp>
-        <p:nvSpPr>
-          <p:cNvPr id="9" name="Title Placeholder 8"/>
+          <p:cNvPr id="22" name="Title Placeholder 21"/>
           <p:cNvSpPr>
             <a:spLocks noGrp="1"/>
           </p:cNvSpPr>
@@ -3145,7 +2515,7 @@
         </p:nvSpPr>
         <p:spPr>
           <a:xfrm>
-            <a:off x="504031" y="776127"/>
+            <a:off x="504031" y="302737"/>
             <a:ext cx="9072563" cy="1259946"/>
           </a:xfrm>
           <a:prstGeom prst="rect">
@@ -3153,8 +2523,17 @@
           </a:prstGeom>
         </p:spPr>
         <p:txBody>
-          <a:bodyPr vert="horz" lIns="0" tIns="50397" rIns="0" bIns="0" anchor="b">
+          <a:bodyPr vert="horz" lIns="100794" tIns="50397" rIns="100794" bIns="50397" anchor="ctr">
             <a:normAutofit/>
+            <a:scene3d>
+              <a:camera prst="orthographicFront"/>
+              <a:lightRig rig="soft" dir="t">
+                <a:rot lat="0" lon="0" rev="16800000"/>
+              </a:lightRig>
+            </a:scene3d>
+            <a:sp3d prstMaterial="softEdge">
+              <a:bevelT w="38100" h="38100"/>
+            </a:sp3d>
           </a:bodyPr>
           <a:lstStyle/>
           <a:p>
@@ -3168,7 +2547,7 @@
       </p:sp>
       <p:sp>
         <p:nvSpPr>
-          <p:cNvPr id="30" name="Text Placeholder 29"/>
+          <p:cNvPr id="13" name="Text Placeholder 12"/>
           <p:cNvSpPr>
             <a:spLocks noGrp="1"/>
           </p:cNvSpPr>
@@ -3178,8 +2557,8 @@
         </p:nvSpPr>
         <p:spPr>
           <a:xfrm>
-            <a:off x="504031" y="2133508"/>
-            <a:ext cx="9072563" cy="4838192"/>
+            <a:off x="504031" y="1763924"/>
+            <a:ext cx="9072563" cy="5190977"/>
           </a:xfrm>
           <a:prstGeom prst="rect">
             <a:avLst/>
@@ -3230,7 +2609,7 @@
       </p:sp>
       <p:sp>
         <p:nvSpPr>
-          <p:cNvPr id="10" name="Date Placeholder 9"/>
+          <p:cNvPr id="14" name="Date Placeholder 13"/>
           <p:cNvSpPr>
             <a:spLocks noGrp="1"/>
           </p:cNvSpPr>
@@ -3240,7 +2619,7 @@
         </p:nvSpPr>
         <p:spPr>
           <a:xfrm>
-            <a:off x="504031" y="7006699"/>
+            <a:off x="504031" y="7073196"/>
             <a:ext cx="2352146" cy="402483"/>
           </a:xfrm>
           <a:prstGeom prst="rect">
@@ -3248,13 +2627,13 @@
           </a:prstGeom>
         </p:spPr>
         <p:txBody>
-          <a:bodyPr vert="horz" lIns="0" tIns="0" rIns="0" bIns="0" anchor="b"/>
+          <a:bodyPr vert="horz" lIns="100794" tIns="50397" rIns="100794" bIns="50397" anchor="b"/>
           <a:lstStyle>
             <a:lvl1pPr algn="l" eaLnBrk="1" latinLnBrk="0" hangingPunct="1">
               <a:defRPr kumimoji="0" sz="1300">
                 <a:solidFill>
-                  <a:schemeClr val="tx2">
-                    <a:shade val="90000"/>
+                  <a:schemeClr val="tx1">
+                    <a:shade val="50000"/>
                   </a:schemeClr>
                 </a:solidFill>
               </a:defRPr>
@@ -3264,9 +2643,9 @@
             <a:fld id="{7CB97365-EBCA-4027-87D5-99FC1D4DF0BB}" type="datetimeFigureOut">
               <a:rPr lang="en-US" smtClean="0"/>
               <a:pPr/>
-              <a:t>1/17/2017</a:t>
+              <a:t>1/17/2018</a:t>
             </a:fld>
-            <a:endParaRPr lang="en-US">
+            <a:endParaRPr lang="en-US" dirty="0">
               <a:solidFill>
                 <a:schemeClr val="tx1">
                   <a:shade val="50000"/>
@@ -3278,7 +2657,7 @@
       </p:sp>
       <p:sp>
         <p:nvSpPr>
-          <p:cNvPr id="22" name="Footer Placeholder 21"/>
+          <p:cNvPr id="3" name="Footer Placeholder 2"/>
           <p:cNvSpPr>
             <a:spLocks noGrp="1"/>
           </p:cNvSpPr>
@@ -3288,28 +2667,28 @@
         </p:nvSpPr>
         <p:spPr>
           <a:xfrm>
-            <a:off x="2940182" y="7006699"/>
-            <a:ext cx="3696229" cy="402483"/>
+            <a:off x="3444214" y="7073196"/>
+            <a:ext cx="3192198" cy="402483"/>
           </a:xfrm>
           <a:prstGeom prst="rect">
             <a:avLst/>
           </a:prstGeom>
         </p:spPr>
         <p:txBody>
-          <a:bodyPr vert="horz" lIns="0" tIns="0" rIns="0" bIns="0" anchor="b"/>
+          <a:bodyPr vert="horz" lIns="100794" tIns="50397" rIns="100794" bIns="50397" anchor="b"/>
           <a:lstStyle>
-            <a:lvl1pPr algn="l" eaLnBrk="1" latinLnBrk="0" hangingPunct="1">
+            <a:lvl1pPr algn="ctr" eaLnBrk="1" latinLnBrk="0" hangingPunct="1">
               <a:defRPr kumimoji="0" sz="1300">
                 <a:solidFill>
-                  <a:schemeClr val="tx2">
-                    <a:shade val="90000"/>
+                  <a:schemeClr val="tx1">
+                    <a:shade val="50000"/>
                   </a:schemeClr>
                 </a:solidFill>
               </a:defRPr>
             </a:lvl1pPr>
           </a:lstStyle>
           <a:p>
-            <a:endParaRPr kumimoji="0" lang="en-US">
+            <a:endParaRPr kumimoji="0" lang="en-US" dirty="0">
               <a:solidFill>
                 <a:schemeClr val="tx1">
                   <a:shade val="50000"/>
@@ -3321,7 +2700,7 @@
       </p:sp>
       <p:sp>
         <p:nvSpPr>
-          <p:cNvPr id="18" name="Slide Number Placeholder 17"/>
+          <p:cNvPr id="23" name="Slide Number Placeholder 22"/>
           <p:cNvSpPr>
             <a:spLocks noGrp="1"/>
           </p:cNvSpPr>
@@ -3331,7 +2710,7 @@
         </p:nvSpPr>
         <p:spPr>
           <a:xfrm>
-            <a:off x="8736542" y="7006699"/>
+            <a:off x="8736542" y="7073196"/>
             <a:ext cx="840052" cy="402483"/>
           </a:xfrm>
           <a:prstGeom prst="rect">
@@ -3339,13 +2718,13 @@
           </a:prstGeom>
         </p:spPr>
         <p:txBody>
-          <a:bodyPr vert="horz" lIns="0" tIns="0" rIns="0" bIns="0" anchor="b"/>
+          <a:bodyPr vert="horz" lIns="0" tIns="50397" rIns="0" bIns="50397" anchor="b"/>
           <a:lstStyle>
             <a:lvl1pPr algn="r" eaLnBrk="1" latinLnBrk="0" hangingPunct="1">
               <a:defRPr kumimoji="0" sz="1300">
                 <a:solidFill>
-                  <a:schemeClr val="tx2">
-                    <a:shade val="90000"/>
+                  <a:schemeClr val="tx1">
+                    <a:shade val="50000"/>
                   </a:schemeClr>
                 </a:solidFill>
               </a:defRPr>
@@ -3367,251 +2746,63 @@
           </a:p>
         </p:txBody>
       </p:sp>
-      <p:grpSp>
-        <p:nvGrpSpPr>
-          <p:cNvPr id="2" name="Group 1"/>
-          <p:cNvGrpSpPr/>
-          <p:nvPr/>
-        </p:nvGrpSpPr>
-        <p:grpSpPr>
-          <a:xfrm>
-            <a:off x="-20965" y="223117"/>
-            <a:ext cx="10120917" cy="715649"/>
-            <a:chOff x="-19045" y="216550"/>
-            <a:chExt cx="9180548" cy="649224"/>
-          </a:xfrm>
-        </p:grpSpPr>
-        <p:sp>
-          <p:nvSpPr>
-            <p:cNvPr id="12" name="Freeform 11"/>
-            <p:cNvSpPr>
-              <a:spLocks/>
-            </p:cNvSpPr>
-            <p:nvPr/>
-          </p:nvSpPr>
-          <p:spPr bwMode="auto">
-            <a:xfrm rot="21435692">
-              <a:off x="-19045" y="216550"/>
-              <a:ext cx="9163050" cy="649224"/>
-            </a:xfrm>
-            <a:custGeom>
-              <a:avLst>
-                <a:gd name="A1" fmla="val 0"/>
-                <a:gd name="A2" fmla="val 0"/>
-                <a:gd name="A3" fmla="val 0"/>
-                <a:gd name="A4" fmla="val 0"/>
-                <a:gd name="A5" fmla="val 0"/>
-                <a:gd name="A6" fmla="val 0"/>
-                <a:gd name="A7" fmla="val 0"/>
-                <a:gd name="A8" fmla="val 0"/>
-              </a:avLst>
-              <a:gdLst/>
-              <a:ahLst/>
-              <a:cxnLst>
-                <a:cxn ang="0">
-                  <a:pos x="0" y="966"/>
-                </a:cxn>
-                <a:cxn ang="0">
-                  <a:pos x="1608" y="282"/>
-                </a:cxn>
-                <a:cxn ang="0">
-                  <a:pos x="4110" y="1008"/>
-                </a:cxn>
-                <a:cxn ang="0">
-                  <a:pos x="5772" y="0"/>
-                </a:cxn>
-              </a:cxnLst>
-              <a:rect l="0" t="0" r="0" b="0"/>
-              <a:pathLst>
-                <a:path w="5772" h="1055">
-                  <a:moveTo>
-                    <a:pt x="0" y="966"/>
-                  </a:moveTo>
-                  <a:cubicBezTo>
-                    <a:pt x="282" y="738"/>
-                    <a:pt x="923" y="275"/>
-                    <a:pt x="1608" y="282"/>
-                  </a:cubicBezTo>
-                  <a:cubicBezTo>
-                    <a:pt x="2293" y="289"/>
-                    <a:pt x="3416" y="1055"/>
-                    <a:pt x="4110" y="1008"/>
-                  </a:cubicBezTo>
-                  <a:cubicBezTo>
-                    <a:pt x="4804" y="961"/>
-                    <a:pt x="5426" y="210"/>
-                    <a:pt x="5772" y="0"/>
-                  </a:cubicBezTo>
-                </a:path>
-              </a:pathLst>
-            </a:custGeom>
-            <a:noFill/>
-            <a:ln w="10795" cap="flat" cmpd="sng" algn="ctr">
-              <a:gradFill>
-                <a:gsLst>
-                  <a:gs pos="74000">
-                    <a:schemeClr val="accent3">
-                      <a:shade val="75000"/>
-                    </a:schemeClr>
-                  </a:gs>
-                  <a:gs pos="86000">
-                    <a:schemeClr val="tx1">
-                      <a:alpha val="29000"/>
-                    </a:schemeClr>
-                  </a:gs>
-                  <a:gs pos="16000">
-                    <a:schemeClr val="accent2">
-                      <a:shade val="75000"/>
-                      <a:alpha val="56000"/>
-                    </a:schemeClr>
-                  </a:gs>
-                </a:gsLst>
-                <a:lin ang="5400000" scaled="1"/>
-              </a:gradFill>
-              <a:prstDash val="solid"/>
-              <a:round/>
-              <a:headEnd type="none" w="med" len="med"/>
-              <a:tailEnd type="none" w="med" len="med"/>
-            </a:ln>
-            <a:effectLst/>
-          </p:spPr>
-          <p:txBody>
-            <a:bodyPr vert="horz" wrap="square" lIns="91440" tIns="45720" rIns="91440" bIns="45720" anchor="t" compatLnSpc="1"/>
-            <a:lstStyle/>
-            <a:p>
-              <a:endParaRPr kumimoji="0" lang="en-US"/>
-            </a:p>
-          </p:txBody>
-        </p:sp>
-        <p:sp>
-          <p:nvSpPr>
-            <p:cNvPr id="13" name="Freeform 12"/>
-            <p:cNvSpPr>
-              <a:spLocks/>
-            </p:cNvSpPr>
-            <p:nvPr/>
-          </p:nvSpPr>
-          <p:spPr bwMode="auto">
-            <a:xfrm rot="21435692">
-              <a:off x="-14309" y="290003"/>
-              <a:ext cx="9175812" cy="530352"/>
-            </a:xfrm>
-            <a:custGeom>
-              <a:avLst>
-                <a:gd name="A1" fmla="val 0"/>
-                <a:gd name="A2" fmla="val 0"/>
-                <a:gd name="A3" fmla="val 0"/>
-                <a:gd name="A4" fmla="val 0"/>
-                <a:gd name="A5" fmla="val 0"/>
-                <a:gd name="A6" fmla="val 0"/>
-                <a:gd name="A7" fmla="val 0"/>
-                <a:gd name="A8" fmla="val 0"/>
-              </a:avLst>
-              <a:gdLst/>
-              <a:ahLst/>
-              <a:cxnLst>
-                <a:cxn ang="0">
-                  <a:pos x="0" y="732"/>
-                </a:cxn>
-                <a:cxn ang="0">
-                  <a:pos x="1638" y="228"/>
-                </a:cxn>
-                <a:cxn ang="0">
-                  <a:pos x="4122" y="816"/>
-                </a:cxn>
-                <a:cxn ang="0">
-                  <a:pos x="5766" y="0"/>
-                </a:cxn>
-              </a:cxnLst>
-              <a:rect l="0" t="0" r="0" b="0"/>
-              <a:pathLst>
-                <a:path w="5766" h="854">
-                  <a:moveTo>
-                    <a:pt x="0" y="732"/>
-                  </a:moveTo>
-                  <a:cubicBezTo>
-                    <a:pt x="273" y="647"/>
-                    <a:pt x="951" y="214"/>
-                    <a:pt x="1638" y="228"/>
-                  </a:cubicBezTo>
-                  <a:cubicBezTo>
-                    <a:pt x="2325" y="242"/>
-                    <a:pt x="3434" y="854"/>
-                    <a:pt x="4122" y="816"/>
-                  </a:cubicBezTo>
-                  <a:cubicBezTo>
-                    <a:pt x="4810" y="778"/>
-                    <a:pt x="5424" y="170"/>
-                    <a:pt x="5766" y="0"/>
-                  </a:cubicBezTo>
-                </a:path>
-              </a:pathLst>
-            </a:custGeom>
-            <a:noFill/>
-            <a:ln w="9525" cap="flat" cmpd="sng" algn="ctr">
-              <a:gradFill>
-                <a:gsLst>
-                  <a:gs pos="74000">
-                    <a:schemeClr val="accent4"/>
-                  </a:gs>
-                  <a:gs pos="44000">
-                    <a:schemeClr val="accent1"/>
-                  </a:gs>
-                  <a:gs pos="33000">
-                    <a:schemeClr val="accent2">
-                      <a:alpha val="56000"/>
-                    </a:schemeClr>
-                  </a:gs>
-                </a:gsLst>
-                <a:lin ang="5400000" scaled="1"/>
-              </a:gradFill>
-              <a:prstDash val="solid"/>
-              <a:round/>
-              <a:headEnd type="none" w="med" len="med"/>
-              <a:tailEnd type="none" w="med" len="med"/>
-            </a:ln>
-            <a:effectLst/>
-          </p:spPr>
-          <p:txBody>
-            <a:bodyPr vert="horz" wrap="square" lIns="91440" tIns="45720" rIns="91440" bIns="45720" anchor="t" compatLnSpc="1"/>
-            <a:lstStyle/>
-            <a:p>
-              <a:endParaRPr kumimoji="0" lang="en-US"/>
-            </a:p>
-          </p:txBody>
-        </p:sp>
-      </p:grpSp>
     </p:spTree>
   </p:cSld>
-  <p:clrMap bg1="lt1" tx1="dk1" bg2="lt2" tx2="dk2" accent1="accent1" accent2="accent2" accent3="accent3" accent4="accent4" accent5="accent5" accent6="accent6" hlink="hlink" folHlink="folHlink"/>
+  <p:clrMap bg1="dk1" tx1="lt1" bg2="dk2" tx2="lt2" accent1="accent1" accent2="accent2" accent3="accent3" accent4="accent4" accent5="accent5" accent6="accent6" hlink="hlink" folHlink="folHlink"/>
   <p:sldLayoutIdLst>
-    <p:sldLayoutId id="2147484179" r:id="rId1"/>
-    <p:sldLayoutId id="2147484180" r:id="rId2"/>
-    <p:sldLayoutId id="2147484181" r:id="rId3"/>
-    <p:sldLayoutId id="2147484182" r:id="rId4"/>
-    <p:sldLayoutId id="2147484183" r:id="rId5"/>
-    <p:sldLayoutId id="2147484184" r:id="rId6"/>
-    <p:sldLayoutId id="2147484185" r:id="rId7"/>
-    <p:sldLayoutId id="2147484186" r:id="rId8"/>
-    <p:sldLayoutId id="2147484187" r:id="rId9"/>
-    <p:sldLayoutId id="2147484188" r:id="rId10"/>
-    <p:sldLayoutId id="2147484189" r:id="rId11"/>
+    <p:sldLayoutId id="2147484287" r:id="rId1"/>
+    <p:sldLayoutId id="2147484288" r:id="rId2"/>
+    <p:sldLayoutId id="2147484289" r:id="rId3"/>
+    <p:sldLayoutId id="2147484290" r:id="rId4"/>
+    <p:sldLayoutId id="2147484291" r:id="rId5"/>
+    <p:sldLayoutId id="2147484292" r:id="rId6"/>
+    <p:sldLayoutId id="2147484293" r:id="rId7"/>
+    <p:sldLayoutId id="2147484294" r:id="rId8"/>
+    <p:sldLayoutId id="2147484295" r:id="rId9"/>
+    <p:sldLayoutId id="2147484296" r:id="rId10"/>
+    <p:sldLayoutId id="2147484297" r:id="rId11"/>
   </p:sldLayoutIdLst>
   <p:txStyles>
     <p:titleStyle>
-      <a:lvl1pPr algn="l" rtl="0" eaLnBrk="1" latinLnBrk="0" hangingPunct="1">
+      <a:lvl1pPr algn="ctr" rtl="0" eaLnBrk="1" latinLnBrk="0" hangingPunct="1">
         <a:spcBef>
           <a:spcPct val="0"/>
         </a:spcBef>
         <a:buNone/>
-        <a:defRPr kumimoji="0" sz="5500" b="0" kern="1200">
-          <a:ln>
+        <a:defRPr kumimoji="0" sz="4500" b="1" kern="1200" cap="none" baseline="0">
+          <a:ln w="6350">
             <a:noFill/>
           </a:ln>
-          <a:solidFill>
-            <a:schemeClr val="tx2"/>
-          </a:solidFill>
-          <a:effectLst/>
+          <a:gradFill>
+            <a:gsLst>
+              <a:gs pos="0">
+                <a:schemeClr val="accent1">
+                  <a:tint val="73000"/>
+                  <a:satMod val="145000"/>
+                </a:schemeClr>
+              </a:gs>
+              <a:gs pos="73000">
+                <a:schemeClr val="accent1">
+                  <a:tint val="73000"/>
+                  <a:satMod val="145000"/>
+                </a:schemeClr>
+              </a:gs>
+              <a:gs pos="100000">
+                <a:schemeClr val="accent1">
+                  <a:tint val="83000"/>
+                  <a:satMod val="143000"/>
+                </a:schemeClr>
+              </a:gs>
+            </a:gsLst>
+            <a:lin ang="4800000" scaled="1"/>
+          </a:gradFill>
+          <a:effectLst>
+            <a:outerShdw blurRad="114300" dist="101600" dir="2700000" algn="tl" rotWithShape="0">
+              <a:srgbClr val="000000">
+                <a:alpha val="40000"/>
+              </a:srgbClr>
+            </a:outerShdw>
+          </a:effectLst>
           <a:latin typeface="+mj-lt"/>
           <a:ea typeface="+mj-ea"/>
           <a:cs typeface="+mj-cs"/>
@@ -3619,17 +2810,19 @@
       </a:lvl1pPr>
     </p:titleStyle>
     <p:bodyStyle>
-      <a:lvl1pPr marL="302383" indent="-302383" algn="l" rtl="0" eaLnBrk="1" latinLnBrk="0" hangingPunct="1">
+      <a:lvl1pPr marL="604766" indent="-453574" algn="l" rtl="0" eaLnBrk="1" latinLnBrk="0" hangingPunct="1">
         <a:spcBef>
           <a:spcPct val="20000"/>
         </a:spcBef>
         <a:buClr>
-          <a:schemeClr val="accent3"/>
+          <a:schemeClr val="tx1">
+            <a:shade val="95000"/>
+          </a:schemeClr>
         </a:buClr>
-        <a:buSzPct val="95000"/>
+        <a:buSzPct val="65000"/>
         <a:buFont typeface="Wingdings 2"/>
-        <a:buChar char=""/>
-        <a:defRPr kumimoji="0" sz="2900" kern="1200">
+        <a:buChar char=""/>
+        <a:defRPr kumimoji="0" sz="3100" kern="1200">
           <a:solidFill>
             <a:schemeClr val="tx1"/>
           </a:solidFill>
@@ -3638,16 +2831,16 @@
           <a:cs typeface="+mn-cs"/>
         </a:defRPr>
       </a:lvl1pPr>
-      <a:lvl2pPr marL="705560" indent="-272145" algn="l" rtl="0" eaLnBrk="1" latinLnBrk="0" hangingPunct="1">
+      <a:lvl2pPr marL="957546" indent="-312462" algn="l" rtl="0" eaLnBrk="1" latinLnBrk="0" hangingPunct="1">
         <a:spcBef>
           <a:spcPct val="20000"/>
         </a:spcBef>
         <a:buClr>
-          <a:schemeClr val="accent1"/>
+          <a:schemeClr val="tx1"/>
         </a:buClr>
-        <a:buSzPct val="85000"/>
+        <a:buSzPct val="80000"/>
         <a:buFont typeface="Wingdings 2"/>
-        <a:buChar char=""/>
+        <a:buChar char=""/>
         <a:defRPr kumimoji="0" sz="2600" kern="1200">
           <a:solidFill>
             <a:schemeClr val="tx1"/>
@@ -3657,17 +2850,17 @@
           <a:cs typeface="+mn-cs"/>
         </a:defRPr>
       </a:lvl2pPr>
-      <a:lvl3pPr marL="1007943" indent="-272145" algn="l" rtl="0" eaLnBrk="1" latinLnBrk="0" hangingPunct="1">
+      <a:lvl3pPr marL="1249849" indent="-251986" algn="l" rtl="0" eaLnBrk="1" latinLnBrk="0" hangingPunct="1">
         <a:spcBef>
           <a:spcPct val="20000"/>
         </a:spcBef>
         <a:buClr>
-          <a:schemeClr val="accent2"/>
+          <a:schemeClr val="tx1"/>
         </a:buClr>
-        <a:buSzPct val="70000"/>
-        <a:buFont typeface="Wingdings 2"/>
-        <a:buChar char=""/>
-        <a:defRPr kumimoji="0" sz="2300" kern="1200">
+        <a:buSzPct val="95000"/>
+        <a:buFont typeface="Wingdings"/>
+        <a:buChar char=""/>
+        <a:defRPr kumimoji="0" sz="2400" kern="1200">
           <a:solidFill>
             <a:schemeClr val="tx1"/>
           </a:solidFill>
@@ -3676,16 +2869,16 @@
           <a:cs typeface="+mn-cs"/>
         </a:defRPr>
       </a:lvl3pPr>
-      <a:lvl4pPr marL="1310326" indent="-231827" algn="l" rtl="0" eaLnBrk="1" latinLnBrk="0" hangingPunct="1">
+      <a:lvl4pPr marL="1491756" indent="-201589" algn="l" rtl="0" eaLnBrk="1" latinLnBrk="0" hangingPunct="1">
         <a:spcBef>
           <a:spcPct val="20000"/>
         </a:spcBef>
         <a:buClr>
-          <a:schemeClr val="accent3"/>
+          <a:schemeClr val="tx1"/>
         </a:buClr>
-        <a:buSzPct val="65000"/>
-        <a:buFont typeface="Wingdings 2"/>
-        <a:buChar char=""/>
+        <a:buSzPct val="100000"/>
+        <a:buFont typeface="Wingdings 3"/>
+        <a:buChar char=""/>
         <a:defRPr kumimoji="0" sz="2200" kern="1200">
           <a:solidFill>
             <a:schemeClr val="tx1"/>
@@ -3695,16 +2888,15 @@
           <a:cs typeface="+mn-cs"/>
         </a:defRPr>
       </a:lvl4pPr>
-      <a:lvl5pPr marL="1612709" indent="-231827" algn="l" rtl="0" eaLnBrk="1" latinLnBrk="0" hangingPunct="1">
+      <a:lvl5pPr marL="1703424" indent="-201589" algn="l" rtl="0" eaLnBrk="1" latinLnBrk="0" hangingPunct="1">
         <a:spcBef>
           <a:spcPct val="20000"/>
         </a:spcBef>
         <a:buClr>
-          <a:schemeClr val="accent4"/>
+          <a:schemeClr val="tx1"/>
         </a:buClr>
-        <a:buSzPct val="65000"/>
         <a:buFont typeface="Wingdings 2"/>
-        <a:buChar char=""/>
+        <a:buChar char=""/>
         <a:defRPr kumimoji="0" sz="2200" kern="1200">
           <a:solidFill>
             <a:schemeClr val="tx1"/>
@@ -3714,16 +2906,15 @@
           <a:cs typeface="+mn-cs"/>
         </a:defRPr>
       </a:lvl5pPr>
-      <a:lvl6pPr marL="1915092" indent="-231827" algn="l" rtl="0" eaLnBrk="1" latinLnBrk="0" hangingPunct="1">
+      <a:lvl6pPr marL="1945330" indent="-201589" algn="l" rtl="0" eaLnBrk="1" latinLnBrk="0" hangingPunct="1">
         <a:spcBef>
           <a:spcPct val="20000"/>
         </a:spcBef>
         <a:buClr>
-          <a:schemeClr val="accent5"/>
+          <a:schemeClr val="tx1"/>
         </a:buClr>
-        <a:buSzPct val="80000"/>
-        <a:buFont typeface="Wingdings 2"/>
-        <a:buChar char=""/>
+        <a:buFont typeface="Wingdings 3"/>
+        <a:buChar char=""/>
         <a:defRPr kumimoji="0" sz="2000" kern="1200">
           <a:solidFill>
             <a:schemeClr val="tx1"/>
@@ -3733,17 +2924,16 @@
           <a:cs typeface="+mn-cs"/>
         </a:defRPr>
       </a:lvl6pPr>
-      <a:lvl7pPr marL="2116681" indent="-201589" algn="l" rtl="0" eaLnBrk="1" latinLnBrk="0" hangingPunct="1">
+      <a:lvl7pPr marL="2167078" indent="-201589" algn="l" rtl="0" eaLnBrk="1" latinLnBrk="0" hangingPunct="1">
         <a:spcBef>
           <a:spcPct val="20000"/>
         </a:spcBef>
         <a:buClr>
-          <a:schemeClr val="accent6"/>
+          <a:schemeClr val="tx1"/>
         </a:buClr>
-        <a:buSzPct val="80000"/>
         <a:buFont typeface="Wingdings 2"/>
-        <a:buChar char=""/>
-        <a:defRPr kumimoji="0" sz="1800" kern="1200" baseline="0">
+        <a:buChar char=""/>
+        <a:defRPr kumimoji="0" sz="1800" kern="1200">
           <a:solidFill>
             <a:schemeClr val="tx1"/>
           </a:solidFill>
@@ -3752,15 +2942,16 @@
           <a:cs typeface="+mn-cs"/>
         </a:defRPr>
       </a:lvl7pPr>
-      <a:lvl8pPr marL="2419063" indent="-201589" algn="l" rtl="0" eaLnBrk="1" latinLnBrk="0" hangingPunct="1">
+      <a:lvl8pPr marL="2388825" indent="-201589" algn="l" rtl="0" eaLnBrk="1" latinLnBrk="0" hangingPunct="1">
         <a:spcBef>
           <a:spcPct val="20000"/>
         </a:spcBef>
         <a:buClr>
-          <a:schemeClr val="tx2"/>
+          <a:schemeClr val="tx1"/>
         </a:buClr>
-        <a:buChar char="•"/>
-        <a:defRPr kumimoji="0" sz="1800" kern="1200">
+        <a:buFont typeface="Wingdings 2"/>
+        <a:buChar char=""/>
+        <a:defRPr kumimoji="0" sz="1500" kern="1200">
           <a:solidFill>
             <a:schemeClr val="tx1"/>
           </a:solidFill>
@@ -3769,15 +2960,15 @@
           <a:cs typeface="+mn-cs"/>
         </a:defRPr>
       </a:lvl8pPr>
-      <a:lvl9pPr marL="2721446" indent="-201589" algn="l" rtl="0" eaLnBrk="1" latinLnBrk="0" hangingPunct="1">
+      <a:lvl9pPr marL="2610573" indent="-201589" algn="l" rtl="0" eaLnBrk="1" latinLnBrk="0" hangingPunct="1">
         <a:spcBef>
           <a:spcPct val="20000"/>
         </a:spcBef>
         <a:buClr>
-          <a:schemeClr val="tx2"/>
+          <a:schemeClr val="tx1"/>
         </a:buClr>
-        <a:buFontTx/>
-        <a:buChar char="•"/>
+        <a:buFont typeface="Wingdings 2"/>
+        <a:buChar char=""/>
         <a:defRPr kumimoji="0" sz="1500" kern="1200" baseline="0">
           <a:solidFill>
             <a:schemeClr val="tx1"/>
@@ -3911,10 +3102,15 @@
             <p:ph type="ctrTitle"/>
           </p:nvPr>
         </p:nvSpPr>
-        <p:spPr/>
+        <p:spPr>
+          <a:xfrm>
+            <a:off x="325404" y="922317"/>
+            <a:ext cx="9324578" cy="1347442"/>
+          </a:xfrm>
+        </p:spPr>
         <p:txBody>
           <a:bodyPr>
-            <a:normAutofit/>
+            <a:normAutofit fontScale="90000"/>
           </a:bodyPr>
           <a:lstStyle/>
           <a:p>
@@ -3958,7 +3154,7 @@
         </p:spPr>
         <p:txBody>
           <a:bodyPr>
-            <a:normAutofit/>
+            <a:normAutofit lnSpcReduction="10000"/>
           </a:bodyPr>
           <a:lstStyle/>
           <a:p>
@@ -3974,7 +3170,7 @@
             </a:r>
           </a:p>
           <a:p>
-            <a:endParaRPr lang="sr-Latn-RS" dirty="0" smtClean="0">
+            <a:endParaRPr lang="sr-Latn-RS" b="1" dirty="0" smtClean="0">
               <a:solidFill>
                 <a:schemeClr val="tx2">
                   <a:lumMod val="10000"/>
@@ -3984,60 +3180,57 @@
           </a:p>
           <a:p>
             <a:r>
-              <a:rPr lang="sr-Latn-RS" dirty="0" smtClean="0">
-                <a:solidFill>
-                  <a:schemeClr val="tx2">
-                    <a:lumMod val="10000"/>
-                  </a:schemeClr>
-                </a:solidFill>
-              </a:rPr>
-              <a:t>Autori</a:t>
-            </a:r>
-            <a:r>
-              <a:rPr lang="sr-Latn-RS" dirty="0" smtClean="0">
-                <a:solidFill>
-                  <a:schemeClr val="tx2">
-                    <a:lumMod val="10000"/>
-                  </a:schemeClr>
-                </a:solidFill>
-              </a:rPr>
-              <a:t>:</a:t>
-            </a:r>
-          </a:p>
-          <a:p>
-            <a:r>
-              <a:rPr lang="sr-Latn-RS" dirty="0" smtClean="0">
-                <a:solidFill>
-                  <a:schemeClr val="tx2">
-                    <a:lumMod val="10000"/>
-                  </a:schemeClr>
-                </a:solidFill>
-              </a:rPr>
-              <a:t>Lana Salai</a:t>
-            </a:r>
-          </a:p>
-          <a:p>
-            <a:r>
-              <a:rPr lang="sr-Latn-RS" dirty="0" smtClean="0">
-                <a:solidFill>
-                  <a:schemeClr val="tx2">
-                    <a:lumMod val="10000"/>
-                  </a:schemeClr>
-                </a:solidFill>
-              </a:rPr>
-              <a:t>Radenko </a:t>
-            </a:r>
-            <a:r>
-              <a:rPr lang="sr-Latn-RS" dirty="0" smtClean="0">
-                <a:solidFill>
-                  <a:schemeClr val="tx2">
-                    <a:lumMod val="10000"/>
-                  </a:schemeClr>
-                </a:solidFill>
-              </a:rPr>
-              <a:t>Banović</a:t>
-            </a:r>
-            <a:endParaRPr lang="en-US" dirty="0" smtClean="0">
+              <a:rPr lang="sr-Latn-RS" b="1" dirty="0" smtClean="0">
+                <a:solidFill>
+                  <a:schemeClr val="tx2">
+                    <a:lumMod val="10000"/>
+                  </a:schemeClr>
+                </a:solidFill>
+              </a:rPr>
+              <a:t>Autori:</a:t>
+            </a:r>
+          </a:p>
+          <a:p>
+            <a:r>
+              <a:rPr lang="en-US" b="1" dirty="0" smtClean="0">
+                <a:solidFill>
+                  <a:schemeClr val="tx2">
+                    <a:lumMod val="10000"/>
+                  </a:schemeClr>
+                </a:solidFill>
+              </a:rPr>
+              <a:t>Stefan Jovanovi</a:t>
+            </a:r>
+            <a:r>
+              <a:rPr lang="sr-Latn-RS" b="1" dirty="0" smtClean="0">
+                <a:solidFill>
+                  <a:schemeClr val="tx2">
+                    <a:lumMod val="10000"/>
+                  </a:schemeClr>
+                </a:solidFill>
+              </a:rPr>
+              <a:t>ć</a:t>
+            </a:r>
+            <a:endParaRPr lang="sr-Latn-RS" b="1" dirty="0" smtClean="0">
+              <a:solidFill>
+                <a:schemeClr val="tx2">
+                  <a:lumMod val="10000"/>
+                </a:schemeClr>
+              </a:solidFill>
+            </a:endParaRPr>
+          </a:p>
+          <a:p>
+            <a:r>
+              <a:rPr lang="en-US" b="1" dirty="0" smtClean="0">
+                <a:solidFill>
+                  <a:schemeClr val="tx2">
+                    <a:lumMod val="10000"/>
+                  </a:schemeClr>
+                </a:solidFill>
+              </a:rPr>
+              <a:t>Dejan Martinov</a:t>
+            </a:r>
+            <a:endParaRPr lang="en-US" b="1" dirty="0" smtClean="0">
               <a:solidFill>
                 <a:schemeClr val="tx2">
                   <a:lumMod val="10000"/>
@@ -4783,13 +3976,13 @@
         </p:nvSpPr>
         <p:spPr>
           <a:xfrm>
-            <a:off x="1611288" y="207938"/>
+            <a:off x="1039784" y="279375"/>
             <a:ext cx="8033045" cy="1239976"/>
           </a:xfrm>
         </p:spPr>
         <p:txBody>
           <a:bodyPr>
-            <a:normAutofit/>
+            <a:normAutofit fontScale="90000"/>
           </a:bodyPr>
           <a:lstStyle/>
           <a:p>
@@ -4908,19 +4101,19 @@
         </p:nvSpPr>
         <p:spPr>
           <a:xfrm>
-            <a:off x="539718" y="708003"/>
-            <a:ext cx="8655897" cy="2015913"/>
+            <a:off x="682594" y="0"/>
+            <a:ext cx="8655897" cy="1350945"/>
           </a:xfrm>
         </p:spPr>
         <p:txBody>
           <a:bodyPr>
-            <a:normAutofit/>
+            <a:noAutofit/>
           </a:bodyPr>
           <a:lstStyle/>
           <a:p>
-            <a:pPr algn="ctr"/>
-            <a:r>
-              <a:rPr lang="sr-Latn-RS" sz="4800" dirty="0" smtClean="0">
+            <a:pPr algn="just"/>
+            <a:r>
+              <a:rPr lang="sr-Latn-RS" sz="4000" dirty="0" smtClean="0">
                 <a:solidFill>
                   <a:schemeClr val="tx2">
                     <a:lumMod val="10000"/>
@@ -4928,10 +4121,10 @@
                 </a:solidFill>
                 <a:latin typeface="+mn-lt"/>
               </a:rPr>
-              <a:t>Zadatak:</a:t>
-            </a:r>
-            <a:r>
-              <a:rPr lang="sr-Latn-RS" dirty="0" smtClean="0">
+              <a:t/>
+            </a:r>
+            <a:br>
+              <a:rPr lang="sr-Latn-RS" sz="4000" dirty="0" smtClean="0">
                 <a:solidFill>
                   <a:schemeClr val="tx2">
                     <a:lumMod val="10000"/>
@@ -4939,10 +4132,20 @@
                 </a:solidFill>
                 <a:latin typeface="+mn-lt"/>
               </a:rPr>
+            </a:br>
+            <a:r>
+              <a:rPr lang="sr-Latn-RS" sz="4000" dirty="0" smtClean="0">
+                <a:solidFill>
+                  <a:schemeClr val="tx2">
+                    <a:lumMod val="10000"/>
+                  </a:schemeClr>
+                </a:solidFill>
+                <a:latin typeface="+mn-lt"/>
+              </a:rPr>
               <a:t/>
             </a:r>
             <a:br>
-              <a:rPr lang="sr-Latn-RS" dirty="0" smtClean="0">
+              <a:rPr lang="sr-Latn-RS" sz="4000" dirty="0" smtClean="0">
                 <a:solidFill>
                   <a:schemeClr val="tx2">
                     <a:lumMod val="10000"/>
@@ -4951,7 +4154,60 @@
                 <a:latin typeface="+mn-lt"/>
               </a:rPr>
             </a:br>
-            <a:endParaRPr lang="en-US" dirty="0">
+            <a:r>
+              <a:rPr lang="sr-Latn-RS" sz="4000" dirty="0" smtClean="0">
+                <a:solidFill>
+                  <a:schemeClr val="tx2">
+                    <a:lumMod val="10000"/>
+                  </a:schemeClr>
+                </a:solidFill>
+                <a:latin typeface="+mn-lt"/>
+              </a:rPr>
+              <a:t/>
+            </a:r>
+            <a:br>
+              <a:rPr lang="sr-Latn-RS" sz="4000" dirty="0" smtClean="0">
+                <a:solidFill>
+                  <a:schemeClr val="tx2">
+                    <a:lumMod val="10000"/>
+                  </a:schemeClr>
+                </a:solidFill>
+                <a:latin typeface="+mn-lt"/>
+              </a:rPr>
+            </a:br>
+            <a:r>
+              <a:rPr lang="sr-Latn-RS" sz="4000" dirty="0" smtClean="0">
+                <a:solidFill>
+                  <a:schemeClr val="tx2">
+                    <a:lumMod val="10000"/>
+                  </a:schemeClr>
+                </a:solidFill>
+                <a:latin typeface="+mn-lt"/>
+              </a:rPr>
+              <a:t>Zadatak</a:t>
+            </a:r>
+            <a:r>
+              <a:rPr lang="sr-Latn-RS" sz="4000" dirty="0" smtClean="0">
+                <a:solidFill>
+                  <a:schemeClr val="tx2">
+                    <a:lumMod val="10000"/>
+                  </a:schemeClr>
+                </a:solidFill>
+                <a:latin typeface="+mn-lt"/>
+              </a:rPr>
+              <a:t>:</a:t>
+            </a:r>
+            <a:br>
+              <a:rPr lang="sr-Latn-RS" sz="4000" dirty="0" smtClean="0">
+                <a:solidFill>
+                  <a:schemeClr val="tx2">
+                    <a:lumMod val="10000"/>
+                  </a:schemeClr>
+                </a:solidFill>
+                <a:latin typeface="+mn-lt"/>
+              </a:rPr>
+            </a:br>
+            <a:endParaRPr lang="en-US" sz="4000" dirty="0">
               <a:solidFill>
                 <a:schemeClr val="tx2">
                   <a:lumMod val="10000"/>
@@ -4974,9 +4230,10 @@
         </p:nvSpPr>
         <p:spPr>
           <a:xfrm>
-            <a:off x="825470" y="1993887"/>
-            <a:ext cx="8659257" cy="4714908"/>
+            <a:off x="0" y="850879"/>
+            <a:ext cx="10080625" cy="6565920"/>
           </a:xfrm>
+          <a:noFill/>
         </p:spPr>
         <p:txBody>
           <a:bodyPr>
@@ -4984,86 +4241,639 @@
           </a:bodyPr>
           <a:lstStyle/>
           <a:p>
-            <a:pPr algn="l">
-              <a:buFont typeface="Arial" pitchFamily="34" charset="0"/>
-              <a:buChar char="•"/>
+            <a:pPr lvl="1" algn="just"/>
+            <a:r>
+              <a:rPr lang="sr-Latn-RS" sz="1600" dirty="0" smtClean="0">
+                <a:solidFill>
+                  <a:schemeClr val="tx2">
+                    <a:lumMod val="10000"/>
+                  </a:schemeClr>
+                </a:solidFill>
+              </a:rPr>
+              <a:t> </a:t>
+            </a:r>
+            <a:r>
+              <a:rPr lang="sr-Latn-RS" sz="1800" dirty="0" smtClean="0">
+                <a:solidFill>
+                  <a:schemeClr val="tx2">
+                    <a:lumMod val="10000"/>
+                  </a:schemeClr>
+                </a:solidFill>
+              </a:rPr>
+              <a:t>Potrebno je implementirati TCP klijent – server aplikacije sa sledećom specifikacijom:</a:t>
+            </a:r>
+            <a:endParaRPr lang="sr-Latn-RS" sz="1200" dirty="0" smtClean="0">
+              <a:solidFill>
+                <a:schemeClr val="tx2">
+                  <a:lumMod val="10000"/>
+                </a:schemeClr>
+              </a:solidFill>
+            </a:endParaRPr>
+          </a:p>
+          <a:p>
+            <a:pPr lvl="1" algn="just">
+              <a:buClr>
+                <a:schemeClr val="accent1"/>
+              </a:buClr>
+              <a:buFont typeface="Wingdings" pitchFamily="2" charset="2"/>
+              <a:buChar char="§"/>
             </a:pPr>
             <a:r>
-              <a:rPr lang="sr-Latn-RS" sz="2800" dirty="0" smtClean="0">
-                <a:solidFill>
-                  <a:schemeClr val="tx2">
-                    <a:lumMod val="10000"/>
-                  </a:schemeClr>
-                </a:solidFill>
-              </a:rPr>
-              <a:t>Implementirati TCP klijent-server aplikacije</a:t>
-            </a:r>
-          </a:p>
-          <a:p>
-            <a:pPr algn="l">
-              <a:buFont typeface="Arial" pitchFamily="34" charset="0"/>
-              <a:buChar char="•"/>
+              <a:rPr lang="sr-Latn-RS" sz="1400" dirty="0" smtClean="0">
+                <a:solidFill>
+                  <a:schemeClr val="tx2">
+                    <a:lumMod val="10000"/>
+                  </a:schemeClr>
+                </a:solidFill>
+              </a:rPr>
+              <a:t>  Server sadrži  model  razvodnog   postrojenja  –  konfigurabilan  broj  analognih  i  digitalnih  modula. Svaki </a:t>
+            </a:r>
+          </a:p>
+          <a:p>
+            <a:pPr lvl="1" algn="just">
+              <a:buClr>
+                <a:schemeClr val="accent1"/>
+              </a:buClr>
             </a:pPr>
             <a:r>
-              <a:rPr lang="sr-Latn-RS" sz="2800" dirty="0" smtClean="0">
-                <a:solidFill>
-                  <a:schemeClr val="tx2">
-                    <a:lumMod val="10000"/>
-                  </a:schemeClr>
-                </a:solidFill>
-              </a:rPr>
-              <a:t>Ostvariti komunikaciju između klijenta i servera</a:t>
-            </a:r>
-          </a:p>
-          <a:p>
-            <a:pPr algn="l">
-              <a:buFont typeface="Arial" pitchFamily="34" charset="0"/>
-              <a:buChar char="•"/>
+              <a:rPr lang="sr-Latn-RS" sz="1400" dirty="0" smtClean="0">
+                <a:solidFill>
+                  <a:schemeClr val="tx2">
+                    <a:lumMod val="10000"/>
+                  </a:schemeClr>
+                </a:solidFill>
+              </a:rPr>
+              <a:t>analogni modul  poseduje ime i  vrednost tipa  int. Svaki  digitalni  modul  ima  ime i  stanje  tipa  </a:t>
+            </a:r>
+            <a:r>
+              <a:rPr lang="sr-Latn-RS" sz="1400" dirty="0" smtClean="0">
+                <a:solidFill>
+                  <a:schemeClr val="tx2">
+                    <a:lumMod val="10000"/>
+                  </a:schemeClr>
+                </a:solidFill>
+              </a:rPr>
+              <a:t>bool.  Imena </a:t>
+            </a:r>
+          </a:p>
+          <a:p>
+            <a:pPr lvl="1" algn="just">
+              <a:buClr>
+                <a:schemeClr val="accent1"/>
+              </a:buClr>
             </a:pPr>
             <a:r>
-              <a:rPr lang="sr-Latn-RS" sz="2800" dirty="0" smtClean="0">
-                <a:solidFill>
-                  <a:schemeClr val="tx2">
-                    <a:lumMod val="10000"/>
-                  </a:schemeClr>
-                </a:solidFill>
-              </a:rPr>
-              <a:t>Server sadrži nizove analognih i digitalnih modula</a:t>
-            </a:r>
-          </a:p>
-          <a:p>
-            <a:pPr algn="l">
-              <a:buFont typeface="Arial" pitchFamily="34" charset="0"/>
-              <a:buChar char="•"/>
+              <a:rPr lang="sr-Latn-RS" sz="1400" dirty="0" smtClean="0">
+                <a:solidFill>
+                  <a:schemeClr val="tx2">
+                    <a:lumMod val="10000"/>
+                  </a:schemeClr>
+                </a:solidFill>
+              </a:rPr>
+              <a:t>modula mogu biti maksimalne dužine 32 znaka. Analogni i digitalni moduli se čuvaju</a:t>
+            </a:r>
+            <a:r>
+              <a:rPr lang="sr-Latn-RS" sz="1400" dirty="0" smtClean="0">
+                <a:solidFill>
+                  <a:schemeClr val="tx2">
+                    <a:lumMod val="10000"/>
+                  </a:schemeClr>
+                </a:solidFill>
+              </a:rPr>
+              <a:t>u dva niza i  automatski  </a:t>
+            </a:r>
+          </a:p>
+          <a:p>
+            <a:pPr lvl="1" algn="just">
+              <a:buClr>
+                <a:schemeClr val="accent1"/>
+              </a:buClr>
             </a:pPr>
             <a:r>
-              <a:rPr lang="sr-Latn-RS" sz="2800" dirty="0" smtClean="0">
-                <a:solidFill>
-                  <a:schemeClr val="tx2">
-                    <a:lumMod val="10000"/>
-                  </a:schemeClr>
-                </a:solidFill>
-              </a:rPr>
-              <a:t>Klijent šalje pet vrsta zahteva:</a:t>
-            </a:r>
-          </a:p>
-          <a:p>
-            <a:pPr lvl="1" algn="l">
-              <a:buFont typeface="Arial" pitchFamily="34" charset="0"/>
-              <a:buChar char="•"/>
+              <a:rPr lang="sr-Latn-RS" sz="1400" dirty="0" smtClean="0">
+                <a:solidFill>
+                  <a:schemeClr val="tx2">
+                    <a:lumMod val="10000"/>
+                  </a:schemeClr>
+                </a:solidFill>
+              </a:rPr>
+              <a:t>se  generišu  prilikom  pokretanja  servera  na osnovu  prosleđenog  broja  modula.</a:t>
+            </a:r>
+          </a:p>
+          <a:p>
+            <a:pPr lvl="1" algn="just">
+              <a:buClr>
+                <a:schemeClr val="accent1"/>
+              </a:buClr>
+              <a:buFont typeface="Wingdings" pitchFamily="2" charset="2"/>
+              <a:buChar char="§"/>
             </a:pPr>
             <a:r>
-              <a:rPr lang="en-US" sz="2800" dirty="0" smtClean="0">
-                <a:solidFill>
-                  <a:schemeClr val="tx2">
-                    <a:lumMod val="10000"/>
-                  </a:schemeClr>
-                </a:solidFill>
-              </a:rPr>
-              <a:t>[</a:t>
-            </a:r>
-            <a:r>
-              <a:rPr lang="en-US" sz="2800" dirty="0" err="1" smtClean="0">
+              <a:rPr lang="sr-Latn-RS" sz="1400" dirty="0" smtClean="0">
+                <a:solidFill>
+                  <a:schemeClr val="tx2">
+                    <a:lumMod val="10000"/>
+                  </a:schemeClr>
+                </a:solidFill>
+              </a:rPr>
+              <a:t> </a:t>
+            </a:r>
+            <a:r>
+              <a:rPr lang="sr-Latn-RS" sz="1400" dirty="0" smtClean="0">
+                <a:solidFill>
+                  <a:schemeClr val="tx2">
+                    <a:lumMod val="10000"/>
+                  </a:schemeClr>
+                </a:solidFill>
+              </a:rPr>
+              <a:t> Server treba da omogući klijentu izlistavanje modula i komandovanje modulima. Pod izlistavanjem module</a:t>
+            </a:r>
+          </a:p>
+          <a:p>
+            <a:pPr lvl="1" algn="just">
+              <a:buClr>
+                <a:schemeClr val="accent1"/>
+              </a:buClr>
+            </a:pPr>
+            <a:r>
+              <a:rPr lang="sr-Latn-RS" sz="1400" dirty="0" smtClean="0">
+                <a:solidFill>
+                  <a:schemeClr val="tx2">
+                    <a:lumMod val="10000"/>
+                  </a:schemeClr>
+                </a:solidFill>
+              </a:rPr>
+              <a:t>se podrazumeva slanje imena i vrednosti/stanja modula.  Komandovanje  je  jednostavna  promena</a:t>
+            </a:r>
+            <a:r>
+              <a:rPr lang="en-US" sz="1400" dirty="0" smtClean="0">
+                <a:solidFill>
+                  <a:schemeClr val="tx2">
+                    <a:lumMod val="10000"/>
+                  </a:schemeClr>
+                </a:solidFill>
+              </a:rPr>
+              <a:t> </a:t>
+            </a:r>
+            <a:r>
+              <a:rPr lang="sr-Latn-RS" sz="1400" dirty="0" smtClean="0">
+                <a:solidFill>
+                  <a:schemeClr val="tx2">
+                    <a:lumMod val="10000"/>
+                  </a:schemeClr>
+                </a:solidFill>
+              </a:rPr>
+              <a:t> vrednosti</a:t>
+            </a:r>
+            <a:r>
+              <a:rPr lang="sr-Latn-RS" sz="1400" dirty="0" smtClean="0">
+                <a:solidFill>
+                  <a:schemeClr val="tx2">
+                    <a:lumMod val="10000"/>
+                  </a:schemeClr>
+                </a:solidFill>
+              </a:rPr>
+              <a:t>  </a:t>
+            </a:r>
+          </a:p>
+          <a:p>
+            <a:pPr lvl="1" algn="just">
+              <a:buClr>
+                <a:schemeClr val="accent1"/>
+              </a:buClr>
+            </a:pPr>
+            <a:r>
+              <a:rPr lang="sr-Latn-RS" sz="1400" dirty="0" smtClean="0">
+                <a:solidFill>
+                  <a:schemeClr val="tx2">
+                    <a:lumMod val="10000"/>
+                  </a:schemeClr>
+                </a:solidFill>
+              </a:rPr>
+              <a:t>odnosno stanja modula.</a:t>
+            </a:r>
+          </a:p>
+          <a:p>
+            <a:pPr lvl="1" algn="just">
+              <a:buClr>
+                <a:schemeClr val="accent1"/>
+              </a:buClr>
+              <a:buFont typeface="Wingdings" pitchFamily="2" charset="2"/>
+              <a:buChar char="§"/>
+            </a:pPr>
+            <a:r>
+              <a:rPr lang="sr-Latn-RS" sz="1400" dirty="0" smtClean="0">
+                <a:solidFill>
+                  <a:schemeClr val="tx2">
+                    <a:lumMod val="10000"/>
+                  </a:schemeClr>
+                </a:solidFill>
+              </a:rPr>
+              <a:t>  Klijent treba da poseduje </a:t>
+            </a:r>
+            <a:r>
+              <a:rPr lang="en-US" sz="1400" dirty="0" smtClean="0">
+                <a:solidFill>
+                  <a:schemeClr val="tx2">
+                    <a:lumMod val="10000"/>
+                  </a:schemeClr>
+                </a:solidFill>
+              </a:rPr>
+              <a:t> </a:t>
+            </a:r>
+            <a:r>
+              <a:rPr lang="sr-Latn-RS" sz="1400" dirty="0" smtClean="0">
+                <a:solidFill>
+                  <a:schemeClr val="tx2">
+                    <a:lumMod val="10000"/>
+                  </a:schemeClr>
+                </a:solidFill>
+              </a:rPr>
+              <a:t>jednostsavan </a:t>
+            </a:r>
+            <a:r>
+              <a:rPr lang="en-US" sz="1400" dirty="0" smtClean="0">
+                <a:solidFill>
+                  <a:schemeClr val="tx2">
+                    <a:lumMod val="10000"/>
+                  </a:schemeClr>
+                </a:solidFill>
+              </a:rPr>
+              <a:t> </a:t>
+            </a:r>
+            <a:r>
+              <a:rPr lang="sr-Latn-RS" sz="1400" dirty="0" smtClean="0">
+                <a:solidFill>
+                  <a:schemeClr val="tx2">
+                    <a:lumMod val="10000"/>
+                  </a:schemeClr>
+                </a:solidFill>
+              </a:rPr>
+              <a:t>tekstualni prikaz modula </a:t>
+            </a:r>
+            <a:r>
+              <a:rPr lang="en-US" sz="1400" dirty="0" smtClean="0">
+                <a:solidFill>
+                  <a:schemeClr val="tx2">
+                    <a:lumMod val="10000"/>
+                  </a:schemeClr>
+                </a:solidFill>
+              </a:rPr>
+              <a:t> </a:t>
+            </a:r>
+            <a:r>
+              <a:rPr lang="sr-Latn-RS" sz="1400" dirty="0" smtClean="0">
+                <a:solidFill>
+                  <a:schemeClr val="tx2">
+                    <a:lumMod val="10000"/>
+                  </a:schemeClr>
+                </a:solidFill>
+              </a:rPr>
+              <a:t>na serveru  -  tip, ime i vrednost odnosno</a:t>
+            </a:r>
+          </a:p>
+          <a:p>
+            <a:pPr lvl="1" algn="just">
+              <a:buClr>
+                <a:schemeClr val="accent1"/>
+              </a:buClr>
+            </a:pPr>
+            <a:r>
+              <a:rPr lang="sr-Latn-RS" sz="1400" dirty="0" smtClean="0">
+                <a:solidFill>
+                  <a:schemeClr val="tx2">
+                    <a:lumMod val="10000"/>
+                  </a:schemeClr>
+                </a:solidFill>
+              </a:rPr>
+              <a:t>s</a:t>
+            </a:r>
+            <a:r>
+              <a:rPr lang="sr-Latn-RS" sz="1400" dirty="0" smtClean="0">
+                <a:solidFill>
+                  <a:schemeClr val="tx2">
+                    <a:lumMod val="10000"/>
+                  </a:schemeClr>
+                </a:solidFill>
+              </a:rPr>
+              <a:t>tanje modula. Klijent takođe treba da omogući komandovanje modulom.</a:t>
+            </a:r>
+            <a:endParaRPr lang="sr-Latn-RS" sz="1400" dirty="0" smtClean="0">
+              <a:solidFill>
+                <a:schemeClr val="tx2">
+                  <a:lumMod val="10000"/>
+                </a:schemeClr>
+              </a:solidFill>
+            </a:endParaRPr>
+          </a:p>
+          <a:p>
+            <a:pPr lvl="1" algn="just">
+              <a:buClr>
+                <a:schemeClr val="accent1"/>
+              </a:buClr>
+            </a:pPr>
+            <a:r>
+              <a:rPr lang="en-US" sz="1800" dirty="0" smtClean="0">
+                <a:solidFill>
+                  <a:schemeClr val="tx2">
+                    <a:lumMod val="10000"/>
+                  </a:schemeClr>
+                </a:solidFill>
+              </a:rPr>
+              <a:t> </a:t>
+            </a:r>
+            <a:r>
+              <a:rPr lang="sr-Latn-RS" sz="1800" dirty="0" smtClean="0">
+                <a:solidFill>
+                  <a:schemeClr val="tx2">
+                    <a:lumMod val="10000"/>
+                  </a:schemeClr>
+                </a:solidFill>
+              </a:rPr>
+              <a:t>Sledi specifikacija komunikacionog protokola. </a:t>
+            </a:r>
+            <a:r>
+              <a:rPr lang="sr-Latn-RS" sz="1800" dirty="0" smtClean="0">
+                <a:solidFill>
+                  <a:schemeClr val="tx2">
+                    <a:lumMod val="10000"/>
+                  </a:schemeClr>
+                </a:solidFill>
+              </a:rPr>
+              <a:t>Zahtevi </a:t>
+            </a:r>
+            <a:r>
+              <a:rPr lang="en-US" sz="1800" dirty="0" smtClean="0">
+                <a:solidFill>
+                  <a:schemeClr val="tx2">
+                    <a:lumMod val="10000"/>
+                  </a:schemeClr>
+                </a:solidFill>
+              </a:rPr>
+              <a:t> </a:t>
+            </a:r>
+            <a:r>
+              <a:rPr lang="sr-Latn-RS" sz="1800" dirty="0" smtClean="0">
+                <a:solidFill>
+                  <a:schemeClr val="tx2">
+                    <a:lumMod val="10000"/>
+                  </a:schemeClr>
+                </a:solidFill>
+              </a:rPr>
+              <a:t>koje </a:t>
+            </a:r>
+            <a:r>
+              <a:rPr lang="en-US" sz="1800" dirty="0" smtClean="0">
+                <a:solidFill>
+                  <a:schemeClr val="tx2">
+                    <a:lumMod val="10000"/>
+                  </a:schemeClr>
+                </a:solidFill>
+              </a:rPr>
+              <a:t> </a:t>
+            </a:r>
+            <a:r>
+              <a:rPr lang="sr-Latn-RS" sz="1800" dirty="0" smtClean="0">
+                <a:solidFill>
+                  <a:schemeClr val="tx2">
+                    <a:lumMod val="10000"/>
+                  </a:schemeClr>
+                </a:solidFill>
+              </a:rPr>
+              <a:t>šalje</a:t>
+            </a:r>
+            <a:r>
+              <a:rPr lang="en-US" sz="1800" dirty="0" smtClean="0">
+                <a:solidFill>
+                  <a:schemeClr val="tx2">
+                    <a:lumMod val="10000"/>
+                  </a:schemeClr>
+                </a:solidFill>
+              </a:rPr>
+              <a:t> </a:t>
+            </a:r>
+            <a:r>
+              <a:rPr lang="sr-Latn-RS" sz="1800" dirty="0" smtClean="0">
+                <a:solidFill>
+                  <a:schemeClr val="tx2">
+                    <a:lumMod val="10000"/>
+                  </a:schemeClr>
+                </a:solidFill>
+              </a:rPr>
+              <a:t> klijent </a:t>
+            </a:r>
+            <a:r>
+              <a:rPr lang="en-US" sz="1800" dirty="0" smtClean="0">
+                <a:solidFill>
+                  <a:schemeClr val="tx2">
+                    <a:lumMod val="10000"/>
+                  </a:schemeClr>
+                </a:solidFill>
+              </a:rPr>
+              <a:t> </a:t>
+            </a:r>
+            <a:r>
+              <a:rPr lang="sr-Latn-RS" sz="1800" dirty="0" smtClean="0">
+                <a:solidFill>
+                  <a:schemeClr val="tx2">
+                    <a:lumMod val="10000"/>
+                  </a:schemeClr>
+                </a:solidFill>
+              </a:rPr>
+              <a:t>trebaju</a:t>
+            </a:r>
+            <a:r>
+              <a:rPr lang="en-US" sz="1800" dirty="0" smtClean="0">
+                <a:solidFill>
+                  <a:schemeClr val="tx2">
+                    <a:lumMod val="10000"/>
+                  </a:schemeClr>
+                </a:solidFill>
+              </a:rPr>
+              <a:t> </a:t>
+            </a:r>
+            <a:r>
+              <a:rPr lang="sr-Latn-RS" sz="1800" dirty="0" smtClean="0">
+                <a:solidFill>
+                  <a:schemeClr val="tx2">
+                    <a:lumMod val="10000"/>
+                  </a:schemeClr>
+                </a:solidFill>
+              </a:rPr>
+              <a:t> </a:t>
+            </a:r>
+            <a:r>
+              <a:rPr lang="en-US" sz="1800" dirty="0" smtClean="0">
+                <a:solidFill>
+                  <a:schemeClr val="tx2">
+                    <a:lumMod val="10000"/>
+                  </a:schemeClr>
+                </a:solidFill>
+              </a:rPr>
+              <a:t>b</a:t>
+            </a:r>
+            <a:r>
+              <a:rPr lang="sr-Latn-RS" sz="1800" dirty="0" smtClean="0">
+                <a:solidFill>
+                  <a:schemeClr val="tx2">
+                    <a:lumMod val="10000"/>
+                  </a:schemeClr>
+                </a:solidFill>
+              </a:rPr>
+              <a:t>iti</a:t>
+            </a:r>
+            <a:endParaRPr lang="en-US" sz="1800" dirty="0" smtClean="0">
+              <a:solidFill>
+                <a:schemeClr val="tx2">
+                  <a:lumMod val="10000"/>
+                </a:schemeClr>
+              </a:solidFill>
+            </a:endParaRPr>
+          </a:p>
+          <a:p>
+            <a:pPr lvl="1" algn="just">
+              <a:buClr>
+                <a:schemeClr val="accent1"/>
+              </a:buClr>
+            </a:pPr>
+            <a:r>
+              <a:rPr lang="sr-Latn-RS" sz="1800" dirty="0" smtClean="0">
+                <a:solidFill>
+                  <a:schemeClr val="tx2">
+                    <a:lumMod val="10000"/>
+                  </a:schemeClr>
+                </a:solidFill>
+              </a:rPr>
+              <a:t> sledećeg</a:t>
+            </a:r>
+            <a:r>
+              <a:rPr lang="en-US" sz="1800" dirty="0" smtClean="0">
+                <a:solidFill>
+                  <a:schemeClr val="tx2">
+                    <a:lumMod val="10000"/>
+                  </a:schemeClr>
+                </a:solidFill>
+              </a:rPr>
+              <a:t> </a:t>
+            </a:r>
+            <a:r>
+              <a:rPr lang="sr-Latn-RS" sz="1800" dirty="0" smtClean="0">
+                <a:solidFill>
+                  <a:schemeClr val="tx2">
+                    <a:lumMod val="10000"/>
+                  </a:schemeClr>
+                </a:solidFill>
+              </a:rPr>
+              <a:t>f</a:t>
+            </a:r>
+            <a:r>
+              <a:rPr lang="sr-Latn-RS" sz="1800" dirty="0" smtClean="0">
+                <a:solidFill>
+                  <a:schemeClr val="tx2">
+                    <a:lumMod val="10000"/>
+                  </a:schemeClr>
+                </a:solidFill>
+              </a:rPr>
+              <a:t>ormata :  </a:t>
+            </a:r>
+            <a:r>
+              <a:rPr lang="en-US" sz="1800" dirty="0" smtClean="0">
+                <a:solidFill>
+                  <a:schemeClr val="tx2">
+                    <a:lumMod val="10000"/>
+                  </a:schemeClr>
+                </a:solidFill>
+              </a:rPr>
+              <a:t>[REQUEST TYPE][OPTIONAL REQUEST DATA]</a:t>
+            </a:r>
+          </a:p>
+          <a:p>
+            <a:pPr lvl="1" algn="just">
+              <a:buClr>
+                <a:schemeClr val="accent1"/>
+              </a:buClr>
+            </a:pPr>
+            <a:r>
+              <a:rPr lang="sr-Latn-RS" sz="1400" dirty="0" smtClean="0">
+                <a:solidFill>
+                  <a:schemeClr val="tx2">
+                    <a:lumMod val="10000"/>
+                  </a:schemeClr>
+                </a:solidFill>
+              </a:rPr>
+              <a:t> </a:t>
+            </a:r>
+            <a:r>
+              <a:rPr lang="sr-Latn-RS" sz="1350" dirty="0" smtClean="0">
+                <a:solidFill>
+                  <a:schemeClr val="tx2">
+                    <a:lumMod val="10000"/>
+                  </a:schemeClr>
+                </a:solidFill>
+              </a:rPr>
+              <a:t>- </a:t>
+            </a:r>
+            <a:r>
+              <a:rPr lang="fr-FR" sz="1350" dirty="0" smtClean="0">
+                <a:solidFill>
+                  <a:schemeClr val="tx2">
+                    <a:lumMod val="10000"/>
+                  </a:schemeClr>
+                </a:solidFill>
+              </a:rPr>
+              <a:t>Tipovi zahteva i odgovora:</a:t>
+            </a:r>
+          </a:p>
+          <a:p>
+            <a:pPr lvl="1" algn="just">
+              <a:buClr>
+                <a:schemeClr val="accent1"/>
+              </a:buClr>
+              <a:buFont typeface="Wingdings" pitchFamily="2" charset="2"/>
+              <a:buChar char="§"/>
+            </a:pPr>
+            <a:r>
+              <a:rPr lang="sr-Latn-RS" sz="1350" dirty="0" smtClean="0">
+                <a:solidFill>
+                  <a:schemeClr val="tx2">
+                    <a:lumMod val="10000"/>
+                  </a:schemeClr>
+                </a:solidFill>
+              </a:rPr>
+              <a:t> </a:t>
+            </a:r>
+            <a:r>
+              <a:rPr lang="en-US" sz="1350" dirty="0" smtClean="0">
+                <a:solidFill>
+                  <a:schemeClr val="tx2">
+                    <a:lumMod val="10000"/>
+                  </a:schemeClr>
+                </a:solidFill>
+              </a:rPr>
+              <a:t> </a:t>
+            </a:r>
+            <a:r>
+              <a:rPr lang="sr-Latn-RS" sz="1350" dirty="0" smtClean="0">
+                <a:solidFill>
+                  <a:schemeClr val="tx2">
+                    <a:lumMod val="10000"/>
+                  </a:schemeClr>
+                </a:solidFill>
+              </a:rPr>
+              <a:t>Izlistavanje analognih modula –</a:t>
+            </a:r>
+            <a:r>
+              <a:rPr lang="en-US" sz="1350" dirty="0" smtClean="0">
+                <a:solidFill>
+                  <a:schemeClr val="tx2">
+                    <a:lumMod val="10000"/>
+                  </a:schemeClr>
+                </a:solidFill>
+              </a:rPr>
+              <a:t> </a:t>
+            </a:r>
+            <a:r>
+              <a:rPr lang="en-US" sz="1350" dirty="0" smtClean="0">
                 <a:solidFill>
                   <a:schemeClr val="tx2">
                     <a:lumMod val="10000"/>
@@ -5072,106 +4882,301 @@
               </a:rPr>
               <a:t>ListAnalog</a:t>
             </a:r>
-            <a:r>
-              <a:rPr lang="en-US" sz="2800" dirty="0" smtClean="0">
-                <a:solidFill>
-                  <a:schemeClr val="tx2">
-                    <a:lumMod val="10000"/>
-                  </a:schemeClr>
-                </a:solidFill>
-              </a:rPr>
-              <a:t>]</a:t>
-            </a:r>
-          </a:p>
-          <a:p>
-            <a:pPr lvl="1" algn="l">
-              <a:buFont typeface="Arial" pitchFamily="34" charset="0"/>
-              <a:buChar char="•"/>
+          </a:p>
+          <a:p>
+            <a:pPr lvl="1" algn="just">
+              <a:buClr>
+                <a:schemeClr val="accent1"/>
+              </a:buClr>
             </a:pPr>
             <a:r>
-              <a:rPr lang="en-US" sz="2800" dirty="0" smtClean="0">
-                <a:solidFill>
-                  <a:schemeClr val="tx2">
-                    <a:lumMod val="10000"/>
-                  </a:schemeClr>
-                </a:solidFill>
-              </a:rPr>
-              <a:t>[</a:t>
-            </a:r>
-            <a:r>
-              <a:rPr lang="en-US" sz="2800" dirty="0" err="1" smtClean="0">
-                <a:solidFill>
-                  <a:schemeClr val="tx2">
-                    <a:lumMod val="10000"/>
-                  </a:schemeClr>
-                </a:solidFill>
-              </a:rPr>
-              <a:t>ListDigital</a:t>
-            </a:r>
-            <a:r>
-              <a:rPr lang="en-US" sz="2800" dirty="0" smtClean="0">
-                <a:solidFill>
-                  <a:schemeClr val="tx2">
-                    <a:lumMod val="10000"/>
-                  </a:schemeClr>
-                </a:solidFill>
-              </a:rPr>
-              <a:t>]</a:t>
-            </a:r>
-          </a:p>
-          <a:p>
-            <a:pPr lvl="1" algn="l">
-              <a:buFont typeface="Arial" pitchFamily="34" charset="0"/>
-              <a:buChar char="•"/>
+              <a:rPr lang="en-US" sz="1350" dirty="0" smtClean="0">
+                <a:solidFill>
+                  <a:schemeClr val="tx2">
+                    <a:lumMod val="10000"/>
+                  </a:schemeClr>
+                </a:solidFill>
+              </a:rPr>
+              <a:t> </a:t>
+            </a:r>
+            <a:r>
+              <a:rPr lang="en-US" sz="1350" dirty="0" smtClean="0">
+                <a:solidFill>
+                  <a:schemeClr val="tx2">
+                    <a:lumMod val="10000"/>
+                  </a:schemeClr>
+                </a:solidFill>
+              </a:rPr>
+              <a:t>  Format zahteva – [ListAnalog]</a:t>
+            </a:r>
+          </a:p>
+          <a:p>
+            <a:pPr lvl="1" algn="just">
+              <a:buClr>
+                <a:schemeClr val="accent1"/>
+              </a:buClr>
             </a:pPr>
             <a:r>
-              <a:rPr lang="en-US" sz="2800" dirty="0" smtClean="0">
-                <a:solidFill>
-                  <a:schemeClr val="tx2">
-                    <a:lumMod val="10000"/>
-                  </a:schemeClr>
-                </a:solidFill>
-              </a:rPr>
-              <a:t>[</a:t>
-            </a:r>
-            <a:r>
-              <a:rPr lang="en-US" sz="2800" dirty="0" err="1" smtClean="0">
-                <a:solidFill>
-                  <a:schemeClr val="tx2">
-                    <a:lumMod val="10000"/>
-                  </a:schemeClr>
-                </a:solidFill>
-              </a:rPr>
-              <a:t>CommandAnalog</a:t>
-            </a:r>
-            <a:r>
-              <a:rPr lang="en-US" sz="2800" dirty="0" smtClean="0">
-                <a:solidFill>
-                  <a:schemeClr val="tx2">
-                    <a:lumMod val="10000"/>
-                  </a:schemeClr>
-                </a:solidFill>
-              </a:rPr>
-              <a:t>]</a:t>
-            </a:r>
-          </a:p>
-          <a:p>
-            <a:pPr lvl="1" algn="l">
-              <a:buFont typeface="Arial" pitchFamily="34" charset="0"/>
-              <a:buChar char="•"/>
+              <a:rPr lang="en-US" sz="1350" dirty="0" smtClean="0">
+                <a:solidFill>
+                  <a:schemeClr val="tx2">
+                    <a:lumMod val="10000"/>
+                  </a:schemeClr>
+                </a:solidFill>
+              </a:rPr>
+              <a:t> </a:t>
+            </a:r>
+            <a:r>
+              <a:rPr lang="en-US" sz="1350" dirty="0" smtClean="0">
+                <a:solidFill>
+                  <a:schemeClr val="tx2">
+                    <a:lumMod val="10000"/>
+                  </a:schemeClr>
+                </a:solidFill>
+              </a:rPr>
+              <a:t>  Format odgovora – [ListAnalog][RESPONSE LEN][ANALOG DEVICES]</a:t>
+            </a:r>
+          </a:p>
+          <a:p>
+            <a:pPr lvl="1" algn="just">
+              <a:buClr>
+                <a:schemeClr val="accent1"/>
+              </a:buClr>
+              <a:buFont typeface="Wingdings" pitchFamily="2" charset="2"/>
+              <a:buChar char="§"/>
             </a:pPr>
             <a:r>
-              <a:rPr lang="en-US" sz="2800" dirty="0" smtClean="0">
-                <a:solidFill>
-                  <a:schemeClr val="tx2">
-                    <a:lumMod val="10000"/>
-                  </a:schemeClr>
-                </a:solidFill>
-              </a:rPr>
-              <a:t>[</a:t>
-            </a:r>
-            <a:r>
-              <a:rPr lang="en-US" sz="2800" dirty="0" err="1" smtClean="0">
+              <a:rPr lang="en-US" sz="1350" dirty="0" smtClean="0">
+                <a:solidFill>
+                  <a:schemeClr val="tx2">
+                    <a:lumMod val="10000"/>
+                  </a:schemeClr>
+                </a:solidFill>
+              </a:rPr>
+              <a:t>  Izlistavanje digitalnih modula – ListDigital</a:t>
+            </a:r>
+          </a:p>
+          <a:p>
+            <a:pPr lvl="1" algn="just">
+              <a:buClr>
+                <a:schemeClr val="accent1"/>
+              </a:buClr>
+            </a:pPr>
+            <a:r>
+              <a:rPr lang="en-US" sz="1350" dirty="0" smtClean="0">
+                <a:solidFill>
+                  <a:schemeClr val="tx2">
+                    <a:lumMod val="10000"/>
+                  </a:schemeClr>
+                </a:solidFill>
+              </a:rPr>
+              <a:t> </a:t>
+            </a:r>
+            <a:r>
+              <a:rPr lang="en-US" sz="1350" dirty="0" smtClean="0">
+                <a:solidFill>
+                  <a:schemeClr val="tx2">
+                    <a:lumMod val="10000"/>
+                  </a:schemeClr>
+                </a:solidFill>
+              </a:rPr>
+              <a:t>  Format </a:t>
+            </a:r>
+            <a:r>
+              <a:rPr lang="en-US" sz="1350" dirty="0" smtClean="0">
+                <a:solidFill>
+                  <a:schemeClr val="tx2">
+                    <a:lumMod val="10000"/>
+                  </a:schemeClr>
+                </a:solidFill>
+              </a:rPr>
+              <a:t>zahteva – [</a:t>
+            </a:r>
+            <a:r>
+              <a:rPr lang="en-US" sz="1350" dirty="0" smtClean="0">
+                <a:solidFill>
+                  <a:schemeClr val="tx2">
+                    <a:lumMod val="10000"/>
+                  </a:schemeClr>
+                </a:solidFill>
+              </a:rPr>
+              <a:t>ListDigital]</a:t>
+            </a:r>
+            <a:endParaRPr lang="en-US" sz="1350" dirty="0" smtClean="0">
+              <a:solidFill>
+                <a:schemeClr val="tx2">
+                  <a:lumMod val="10000"/>
+                </a:schemeClr>
+              </a:solidFill>
+            </a:endParaRPr>
+          </a:p>
+          <a:p>
+            <a:pPr lvl="1" algn="just">
+              <a:buClr>
+                <a:schemeClr val="accent1"/>
+              </a:buClr>
+            </a:pPr>
+            <a:r>
+              <a:rPr lang="en-US" sz="1350" dirty="0" smtClean="0">
+                <a:solidFill>
+                  <a:schemeClr val="tx2">
+                    <a:lumMod val="10000"/>
+                  </a:schemeClr>
+                </a:solidFill>
+              </a:rPr>
+              <a:t>   Format odgovora – [</a:t>
+            </a:r>
+            <a:r>
+              <a:rPr lang="en-US" sz="1350" dirty="0" smtClean="0">
+                <a:solidFill>
+                  <a:schemeClr val="tx2">
+                    <a:lumMod val="10000"/>
+                  </a:schemeClr>
+                </a:solidFill>
+              </a:rPr>
+              <a:t>ListDigital][</a:t>
+            </a:r>
+            <a:r>
+              <a:rPr lang="en-US" sz="1350" dirty="0" smtClean="0">
+                <a:solidFill>
+                  <a:schemeClr val="tx2">
+                    <a:lumMod val="10000"/>
+                  </a:schemeClr>
+                </a:solidFill>
+              </a:rPr>
+              <a:t>RESPONSE LEN</a:t>
+            </a:r>
+            <a:r>
+              <a:rPr lang="en-US" sz="1350" dirty="0" smtClean="0">
+                <a:solidFill>
+                  <a:schemeClr val="tx2">
+                    <a:lumMod val="10000"/>
+                  </a:schemeClr>
+                </a:solidFill>
+              </a:rPr>
+              <a:t>][DIGIAL </a:t>
+            </a:r>
+            <a:r>
+              <a:rPr lang="en-US" sz="1350" dirty="0" smtClean="0">
+                <a:solidFill>
+                  <a:schemeClr val="tx2">
+                    <a:lumMod val="10000"/>
+                  </a:schemeClr>
+                </a:solidFill>
+              </a:rPr>
+              <a:t>DEVICES]</a:t>
+            </a:r>
+          </a:p>
+          <a:p>
+            <a:pPr lvl="1" algn="just">
+              <a:buClr>
+                <a:schemeClr val="accent1"/>
+              </a:buClr>
+              <a:buFont typeface="Wingdings" pitchFamily="2" charset="2"/>
+              <a:buChar char="§"/>
+            </a:pPr>
+            <a:r>
+              <a:rPr lang="en-US" sz="1350" dirty="0" smtClean="0">
+                <a:solidFill>
+                  <a:schemeClr val="tx2">
+                    <a:lumMod val="10000"/>
+                  </a:schemeClr>
+                </a:solidFill>
+              </a:rPr>
+              <a:t> </a:t>
+            </a:r>
+            <a:r>
+              <a:rPr lang="en-US" sz="1350" dirty="0" smtClean="0">
+                <a:solidFill>
+                  <a:schemeClr val="tx2">
+                    <a:lumMod val="10000"/>
+                  </a:schemeClr>
+                </a:solidFill>
+              </a:rPr>
+              <a:t> Komandovanje analognim modulom - CommandAnalog</a:t>
+            </a:r>
+          </a:p>
+          <a:p>
+            <a:pPr lvl="1" algn="just">
+              <a:buClr>
+                <a:schemeClr val="accent1"/>
+              </a:buClr>
+            </a:pPr>
+            <a:r>
+              <a:rPr lang="en-US" sz="1350" dirty="0" smtClean="0">
+                <a:solidFill>
+                  <a:schemeClr val="tx2">
+                    <a:lumMod val="10000"/>
+                  </a:schemeClr>
+                </a:solidFill>
+              </a:rPr>
+              <a:t>   Format zahteva – [CommandAnalog][DEVICE_NAME][VALUE]</a:t>
+            </a:r>
+          </a:p>
+          <a:p>
+            <a:pPr lvl="1" algn="just">
+              <a:buClr>
+                <a:schemeClr val="accent1"/>
+              </a:buClr>
+            </a:pPr>
+            <a:r>
+              <a:rPr lang="en-US" sz="1350" dirty="0" smtClean="0">
+                <a:solidFill>
+                  <a:schemeClr val="tx2">
+                    <a:lumMod val="10000"/>
+                  </a:schemeClr>
+                </a:solidFill>
+              </a:rPr>
+              <a:t>   </a:t>
+            </a:r>
+            <a:r>
+              <a:rPr lang="en-US" sz="1350" dirty="0" smtClean="0">
+                <a:solidFill>
+                  <a:schemeClr val="tx2">
+                    <a:lumMod val="10000"/>
+                  </a:schemeClr>
+                </a:solidFill>
+              </a:rPr>
+              <a:t>Format odgovora – </a:t>
+            </a:r>
+            <a:r>
+              <a:rPr lang="en-US" sz="1350" dirty="0" smtClean="0">
+                <a:solidFill>
+                  <a:schemeClr val="tx2">
+                    <a:lumMod val="10000"/>
+                  </a:schemeClr>
+                </a:solidFill>
+              </a:rPr>
+              <a:t>Nema odgovora</a:t>
+            </a:r>
+            <a:endParaRPr lang="en-US" sz="1350" dirty="0" smtClean="0">
+              <a:solidFill>
+                <a:schemeClr val="tx2">
+                  <a:lumMod val="10000"/>
+                </a:schemeClr>
+              </a:solidFill>
+            </a:endParaRPr>
+          </a:p>
+          <a:p>
+            <a:pPr lvl="1" algn="just">
+              <a:buClr>
+                <a:schemeClr val="accent1"/>
+              </a:buClr>
+              <a:buFont typeface="Wingdings" pitchFamily="2" charset="2"/>
+              <a:buChar char="§"/>
+            </a:pPr>
+            <a:r>
+              <a:rPr lang="en-US" sz="1350" dirty="0" smtClean="0">
+                <a:solidFill>
+                  <a:schemeClr val="tx2">
+                    <a:lumMod val="10000"/>
+                  </a:schemeClr>
+                </a:solidFill>
+              </a:rPr>
+              <a:t> Izlistavanje digitalnih modula – </a:t>
+            </a:r>
+            <a:r>
+              <a:rPr lang="en-US" sz="1350" dirty="0" smtClean="0">
                 <a:solidFill>
                   <a:schemeClr val="tx2">
                     <a:lumMod val="10000"/>
@@ -5180,33 +5185,201 @@
               </a:rPr>
               <a:t>CommandDigital</a:t>
             </a:r>
-            <a:r>
-              <a:rPr lang="en-US" sz="2800" dirty="0" smtClean="0">
-                <a:solidFill>
-                  <a:schemeClr val="tx2">
-                    <a:lumMod val="10000"/>
-                  </a:schemeClr>
-                </a:solidFill>
-              </a:rPr>
-              <a:t>]</a:t>
-            </a:r>
-          </a:p>
-          <a:p>
-            <a:pPr lvl="1" algn="l">
-              <a:buFont typeface="Arial" pitchFamily="34" charset="0"/>
-              <a:buChar char="•"/>
+            <a:endParaRPr lang="en-US" sz="1350" dirty="0" smtClean="0">
+              <a:solidFill>
+                <a:schemeClr val="tx2">
+                  <a:lumMod val="10000"/>
+                </a:schemeClr>
+              </a:solidFill>
+            </a:endParaRPr>
+          </a:p>
+          <a:p>
+            <a:pPr lvl="1" algn="just">
+              <a:buClr>
+                <a:schemeClr val="accent1"/>
+              </a:buClr>
             </a:pPr>
             <a:r>
-              <a:rPr lang="en-US" sz="2800" dirty="0" smtClean="0">
-                <a:solidFill>
-                  <a:schemeClr val="tx2">
-                    <a:lumMod val="10000"/>
-                  </a:schemeClr>
-                </a:solidFill>
-              </a:rPr>
-              <a:t>[End]</a:t>
-            </a:r>
-            <a:endParaRPr lang="en-US" sz="2800" dirty="0">
+              <a:rPr lang="en-US" sz="1350" dirty="0" smtClean="0">
+                <a:solidFill>
+                  <a:schemeClr val="tx2">
+                    <a:lumMod val="10000"/>
+                  </a:schemeClr>
+                </a:solidFill>
+              </a:rPr>
+              <a:t>   Format zahteva – </a:t>
+            </a:r>
+            <a:r>
+              <a:rPr lang="en-US" sz="1350" dirty="0" smtClean="0">
+                <a:solidFill>
+                  <a:schemeClr val="tx2">
+                    <a:lumMod val="10000"/>
+                  </a:schemeClr>
+                </a:solidFill>
+              </a:rPr>
+              <a:t>[CommandDigital][DEVICE_NAME][STATE]</a:t>
+            </a:r>
+            <a:endParaRPr lang="en-US" sz="1350" dirty="0" smtClean="0">
+              <a:solidFill>
+                <a:schemeClr val="tx2">
+                  <a:lumMod val="10000"/>
+                </a:schemeClr>
+              </a:solidFill>
+            </a:endParaRPr>
+          </a:p>
+          <a:p>
+            <a:pPr lvl="1" algn="just">
+              <a:buClr>
+                <a:schemeClr val="accent1"/>
+              </a:buClr>
+            </a:pPr>
+            <a:r>
+              <a:rPr lang="en-US" sz="1350" dirty="0" smtClean="0">
+                <a:solidFill>
+                  <a:schemeClr val="tx2">
+                    <a:lumMod val="10000"/>
+                  </a:schemeClr>
+                </a:solidFill>
+              </a:rPr>
+              <a:t>   Format odgovora – </a:t>
+            </a:r>
+            <a:r>
+              <a:rPr lang="en-US" sz="1350" dirty="0" smtClean="0">
+                <a:solidFill>
+                  <a:schemeClr val="tx2">
+                    <a:lumMod val="10000"/>
+                  </a:schemeClr>
+                </a:solidFill>
+              </a:rPr>
+              <a:t>Nema odgovora</a:t>
+            </a:r>
+            <a:endParaRPr lang="en-US" sz="1350" dirty="0" smtClean="0">
+              <a:solidFill>
+                <a:schemeClr val="tx2">
+                  <a:lumMod val="10000"/>
+                </a:schemeClr>
+              </a:solidFill>
+            </a:endParaRPr>
+          </a:p>
+          <a:p>
+            <a:pPr lvl="1" algn="just">
+              <a:buClr>
+                <a:schemeClr val="accent1"/>
+              </a:buClr>
+            </a:pPr>
+            <a:endParaRPr lang="fr-FR" sz="1400" dirty="0" smtClean="0">
+              <a:solidFill>
+                <a:schemeClr val="tx2">
+                  <a:lumMod val="10000"/>
+                </a:schemeClr>
+              </a:solidFill>
+            </a:endParaRPr>
+          </a:p>
+          <a:p>
+            <a:pPr lvl="1" algn="just">
+              <a:buClr>
+                <a:schemeClr val="accent1"/>
+              </a:buClr>
+            </a:pPr>
+            <a:endParaRPr lang="fr-FR" sz="1400" dirty="0" smtClean="0">
+              <a:solidFill>
+                <a:schemeClr val="tx2">
+                  <a:lumMod val="10000"/>
+                </a:schemeClr>
+              </a:solidFill>
+            </a:endParaRPr>
+          </a:p>
+          <a:p>
+            <a:pPr lvl="1" algn="just">
+              <a:buClr>
+                <a:schemeClr val="accent1"/>
+              </a:buClr>
+            </a:pPr>
+            <a:endParaRPr lang="fr-FR" sz="1400" dirty="0" smtClean="0">
+              <a:solidFill>
+                <a:schemeClr val="tx2">
+                  <a:lumMod val="10000"/>
+                </a:schemeClr>
+              </a:solidFill>
+            </a:endParaRPr>
+          </a:p>
+          <a:p>
+            <a:pPr lvl="1" algn="just">
+              <a:buClr>
+                <a:schemeClr val="accent1"/>
+              </a:buClr>
+            </a:pPr>
+            <a:endParaRPr lang="fr-FR" sz="1400" dirty="0" smtClean="0">
+              <a:solidFill>
+                <a:schemeClr val="tx2">
+                  <a:lumMod val="10000"/>
+                </a:schemeClr>
+              </a:solidFill>
+            </a:endParaRPr>
+          </a:p>
+          <a:p>
+            <a:pPr lvl="1" algn="just">
+              <a:buClr>
+                <a:schemeClr val="accent1"/>
+              </a:buClr>
+            </a:pPr>
+            <a:endParaRPr lang="fr-FR" sz="1400" dirty="0" smtClean="0">
+              <a:solidFill>
+                <a:schemeClr val="tx2">
+                  <a:lumMod val="10000"/>
+                </a:schemeClr>
+              </a:solidFill>
+            </a:endParaRPr>
+          </a:p>
+          <a:p>
+            <a:pPr lvl="1" algn="just">
+              <a:buClr>
+                <a:schemeClr val="accent1"/>
+              </a:buClr>
+            </a:pPr>
+            <a:endParaRPr lang="fr-FR" sz="1400" dirty="0" smtClean="0">
+              <a:solidFill>
+                <a:schemeClr val="tx2">
+                  <a:lumMod val="10000"/>
+                </a:schemeClr>
+              </a:solidFill>
+            </a:endParaRPr>
+          </a:p>
+          <a:p>
+            <a:pPr lvl="1" algn="just">
+              <a:buClr>
+                <a:schemeClr val="accent1"/>
+              </a:buClr>
+            </a:pPr>
+            <a:endParaRPr lang="fr-FR" sz="1400" dirty="0" smtClean="0">
+              <a:solidFill>
+                <a:schemeClr val="tx2">
+                  <a:lumMod val="10000"/>
+                </a:schemeClr>
+              </a:solidFill>
+            </a:endParaRPr>
+          </a:p>
+          <a:p>
+            <a:pPr lvl="1" algn="just">
+              <a:buClr>
+                <a:schemeClr val="accent1"/>
+              </a:buClr>
+            </a:pPr>
+            <a:endParaRPr lang="fr-FR" sz="1400" dirty="0" smtClean="0">
+              <a:solidFill>
+                <a:schemeClr val="tx2">
+                  <a:lumMod val="10000"/>
+                </a:schemeClr>
+              </a:solidFill>
+            </a:endParaRPr>
+          </a:p>
+          <a:p>
+            <a:pPr lvl="1" algn="just">
+              <a:buClr>
+                <a:schemeClr val="accent1"/>
+              </a:buClr>
+            </a:pPr>
+            <a:endParaRPr lang="fr-FR" sz="1400" dirty="0" smtClean="0">
               <a:solidFill>
                 <a:schemeClr val="tx2">
                   <a:lumMod val="10000"/>
@@ -5260,7 +5433,7 @@
         </p:nvSpPr>
         <p:spPr>
           <a:xfrm>
-            <a:off x="682594" y="493689"/>
+            <a:off x="682594" y="207937"/>
             <a:ext cx="8568531" cy="1516907"/>
           </a:xfrm>
         </p:spPr>
@@ -5614,15 +5787,38 @@
         </p:spPr>
         <p:txBody>
           <a:bodyPr>
-            <a:normAutofit/>
+            <a:normAutofit lnSpcReduction="10000"/>
           </a:bodyPr>
           <a:lstStyle/>
           <a:p>
             <a:pPr algn="l">
-              <a:buFont typeface="Arial" pitchFamily="34" charset="0"/>
-              <a:buChar char="•"/>
+              <a:buClr>
+                <a:schemeClr val="accent1"/>
+              </a:buClr>
+              <a:buFont typeface="Wingdings" pitchFamily="2" charset="2"/>
+              <a:buChar char="§"/>
             </a:pPr>
             <a:r>
+              <a:rPr lang="en-US" sz="2600" dirty="0" smtClean="0">
+                <a:solidFill>
+                  <a:schemeClr val="tx2">
+                    <a:lumMod val="10000"/>
+                  </a:schemeClr>
+                </a:solidFill>
+              </a:rPr>
+              <a:t> </a:t>
+            </a:r>
+            <a:r>
+              <a:rPr lang="sr-Latn-RS" sz="2600" dirty="0" smtClean="0">
+                <a:solidFill>
+                  <a:schemeClr val="tx2">
+                    <a:lumMod val="10000"/>
+                  </a:schemeClr>
+                </a:solidFill>
+              </a:rPr>
+              <a:t>Kreiranje </a:t>
+            </a:r>
+            <a:r>
               <a:rPr lang="sr-Latn-RS" sz="2600" dirty="0">
                 <a:solidFill>
                   <a:schemeClr val="tx2">
@@ -5630,7 +5826,7 @@
                   </a:schemeClr>
                 </a:solidFill>
               </a:rPr>
-              <a:t>Kreiranje utičnice: </a:t>
+              <a:t>utičnice: </a:t>
             </a:r>
             <a:r>
               <a:rPr lang="en-US" sz="2600" dirty="0">
@@ -5652,10 +5848,33 @@
           </a:p>
           <a:p>
             <a:pPr algn="l">
-              <a:buFont typeface="Arial" pitchFamily="34" charset="0"/>
-              <a:buChar char="•"/>
+              <a:buClr>
+                <a:schemeClr val="accent1"/>
+              </a:buClr>
+              <a:buFont typeface="Wingdings" pitchFamily="2" charset="2"/>
+              <a:buChar char="§"/>
             </a:pPr>
             <a:r>
+              <a:rPr lang="en-US" sz="2600" dirty="0" smtClean="0">
+                <a:solidFill>
+                  <a:schemeClr val="tx2">
+                    <a:lumMod val="10000"/>
+                  </a:schemeClr>
+                </a:solidFill>
+              </a:rPr>
+              <a:t> </a:t>
+            </a:r>
+            <a:r>
+              <a:rPr lang="sr-Latn-RS" sz="2600" dirty="0" smtClean="0">
+                <a:solidFill>
+                  <a:schemeClr val="tx2">
+                    <a:lumMod val="10000"/>
+                  </a:schemeClr>
+                </a:solidFill>
+              </a:rPr>
+              <a:t>Pridruživanje </a:t>
+            </a:r>
+            <a:r>
               <a:rPr lang="sr-Latn-RS" sz="2600" dirty="0">
                 <a:solidFill>
                   <a:schemeClr val="tx2">
@@ -5663,7 +5882,7 @@
                   </a:schemeClr>
                 </a:solidFill>
               </a:rPr>
-              <a:t>Pridruživanje IP adrese i komunikacione linije utičnici: </a:t>
+              <a:t>IP adrese i komunikacione linije utičnici: </a:t>
             </a:r>
             <a:r>
               <a:rPr lang="en-US" sz="2600" dirty="0">
@@ -5673,17 +5892,17 @@
                   </a:schemeClr>
                 </a:solidFill>
               </a:rPr>
-              <a:t>bind(</a:t>
-            </a:r>
-            <a:r>
-              <a:rPr lang="en-US" sz="2600" dirty="0" err="1">
-                <a:solidFill>
-                  <a:schemeClr val="tx2">
-                    <a:lumMod val="10000"/>
-                  </a:schemeClr>
-                </a:solidFill>
-              </a:rPr>
-              <a:t>socketDesc</a:t>
+              <a:t>bind(socketDesc</a:t>
+            </a:r>
+            <a:r>
+              <a:rPr lang="en-US" sz="2600" dirty="0" smtClean="0">
+                <a:solidFill>
+                  <a:schemeClr val="tx2">
+                    <a:lumMod val="10000"/>
+                  </a:schemeClr>
+                </a:solidFill>
+              </a:rPr>
+              <a:t>, (</a:t>
             </a:r>
             <a:r>
               <a:rPr lang="en-US" sz="2600" dirty="0">
@@ -5693,67 +5912,7 @@
                   </a:schemeClr>
                 </a:solidFill>
               </a:rPr>
-              <a:t>,(</a:t>
-            </a:r>
-            <a:r>
-              <a:rPr lang="en-US" sz="2600" dirty="0" err="1">
-                <a:solidFill>
-                  <a:schemeClr val="tx2">
-                    <a:lumMod val="10000"/>
-                  </a:schemeClr>
-                </a:solidFill>
-              </a:rPr>
-              <a:t>struct</a:t>
-            </a:r>
-            <a:r>
-              <a:rPr lang="en-US" sz="2600" dirty="0">
-                <a:solidFill>
-                  <a:schemeClr val="tx2">
-                    <a:lumMod val="10000"/>
-                  </a:schemeClr>
-                </a:solidFill>
-              </a:rPr>
-              <a:t> </a:t>
-            </a:r>
-            <a:r>
-              <a:rPr lang="en-US" sz="2600" dirty="0" err="1">
-                <a:solidFill>
-                  <a:schemeClr val="tx2">
-                    <a:lumMod val="10000"/>
-                  </a:schemeClr>
-                </a:solidFill>
-              </a:rPr>
-              <a:t>sockaddr</a:t>
-            </a:r>
-            <a:r>
-              <a:rPr lang="en-US" sz="2600" dirty="0">
-                <a:solidFill>
-                  <a:schemeClr val="tx2">
-                    <a:lumMod val="10000"/>
-                  </a:schemeClr>
-                </a:solidFill>
-              </a:rPr>
-              <a:t> *)&amp;server , </a:t>
-            </a:r>
-            <a:r>
-              <a:rPr lang="en-US" sz="2600" dirty="0" err="1">
-                <a:solidFill>
-                  <a:schemeClr val="tx2">
-                    <a:lumMod val="10000"/>
-                  </a:schemeClr>
-                </a:solidFill>
-              </a:rPr>
-              <a:t>sizeof</a:t>
-            </a:r>
-            <a:r>
-              <a:rPr lang="en-US" sz="2600" dirty="0">
-                <a:solidFill>
-                  <a:schemeClr val="tx2">
-                    <a:lumMod val="10000"/>
-                  </a:schemeClr>
-                </a:solidFill>
-              </a:rPr>
-              <a:t>(server))</a:t>
+              <a:t>struct sockaddr *)&amp;server , sizeof(server))</a:t>
             </a:r>
             <a:endParaRPr lang="sr-Latn-RS" sz="2600" dirty="0">
               <a:solidFill>
@@ -5765,10 +5924,33 @@
           </a:p>
           <a:p>
             <a:pPr algn="l">
-              <a:buFont typeface="Arial" pitchFamily="34" charset="0"/>
-              <a:buChar char="•"/>
+              <a:buClr>
+                <a:schemeClr val="accent1"/>
+              </a:buClr>
+              <a:buFont typeface="Wingdings" pitchFamily="2" charset="2"/>
+              <a:buChar char="§"/>
             </a:pPr>
             <a:r>
+              <a:rPr lang="en-US" sz="2600" dirty="0" smtClean="0">
+                <a:solidFill>
+                  <a:schemeClr val="tx2">
+                    <a:lumMod val="10000"/>
+                  </a:schemeClr>
+                </a:solidFill>
+              </a:rPr>
+              <a:t> </a:t>
+            </a:r>
+            <a:r>
+              <a:rPr lang="sr-Latn-RS" sz="2600" dirty="0" smtClean="0">
+                <a:solidFill>
+                  <a:schemeClr val="tx2">
+                    <a:lumMod val="10000"/>
+                  </a:schemeClr>
+                </a:solidFill>
+              </a:rPr>
+              <a:t>Slušanje </a:t>
+            </a:r>
+            <a:r>
               <a:rPr lang="sr-Latn-RS" sz="2600" dirty="0">
                 <a:solidFill>
                   <a:schemeClr val="tx2">
@@ -5776,7 +5958,7 @@
                   </a:schemeClr>
                 </a:solidFill>
               </a:rPr>
-              <a:t>Slušanje dolazne veze: </a:t>
+              <a:t>dolazne veze: </a:t>
             </a:r>
             <a:r>
               <a:rPr lang="en-US" sz="2600" dirty="0">
@@ -5786,27 +5968,7 @@
                   </a:schemeClr>
                 </a:solidFill>
               </a:rPr>
-              <a:t>listen(</a:t>
-            </a:r>
-            <a:r>
-              <a:rPr lang="en-US" sz="2600" dirty="0" err="1">
-                <a:solidFill>
-                  <a:schemeClr val="tx2">
-                    <a:lumMod val="10000"/>
-                  </a:schemeClr>
-                </a:solidFill>
-              </a:rPr>
-              <a:t>socketDesc</a:t>
-            </a:r>
-            <a:r>
-              <a:rPr lang="en-US" sz="2600" dirty="0">
-                <a:solidFill>
-                  <a:schemeClr val="tx2">
-                    <a:lumMod val="10000"/>
-                  </a:schemeClr>
-                </a:solidFill>
-              </a:rPr>
-              <a:t> , 3);</a:t>
+              <a:t>listen(socketDesc , 3);</a:t>
             </a:r>
             <a:endParaRPr lang="sr-Latn-RS" sz="2600" dirty="0">
               <a:solidFill>
@@ -5818,10 +5980,33 @@
           </a:p>
           <a:p>
             <a:pPr algn="l">
-              <a:buFont typeface="Arial" pitchFamily="34" charset="0"/>
-              <a:buChar char="•"/>
+              <a:buClr>
+                <a:schemeClr val="accent1"/>
+              </a:buClr>
+              <a:buFont typeface="Wingdings" pitchFamily="2" charset="2"/>
+              <a:buChar char="§"/>
             </a:pPr>
             <a:r>
+              <a:rPr lang="en-US" sz="2600" dirty="0" smtClean="0">
+                <a:solidFill>
+                  <a:schemeClr val="tx2">
+                    <a:lumMod val="10000"/>
+                  </a:schemeClr>
+                </a:solidFill>
+              </a:rPr>
+              <a:t> </a:t>
+            </a:r>
+            <a:r>
+              <a:rPr lang="sr-Latn-RS" sz="2600" dirty="0" smtClean="0">
+                <a:solidFill>
+                  <a:schemeClr val="tx2">
+                    <a:lumMod val="10000"/>
+                  </a:schemeClr>
+                </a:solidFill>
+              </a:rPr>
+              <a:t>Server </a:t>
+            </a:r>
+            <a:r>
               <a:rPr lang="sr-Latn-RS" sz="2600" dirty="0">
                 <a:solidFill>
                   <a:schemeClr val="tx2">
@@ -5829,7 +6014,7 @@
                   </a:schemeClr>
                 </a:solidFill>
               </a:rPr>
-              <a:t>Server prihvata dolaznu vezu: </a:t>
+              <a:t>prihvata dolaznu vezu: </a:t>
             </a:r>
             <a:r>
               <a:rPr lang="en-US" sz="2600" dirty="0">
@@ -5839,87 +6024,7 @@
                   </a:schemeClr>
                 </a:solidFill>
               </a:rPr>
-              <a:t>accept(</a:t>
-            </a:r>
-            <a:r>
-              <a:rPr lang="en-US" sz="2600" dirty="0" err="1">
-                <a:solidFill>
-                  <a:schemeClr val="tx2">
-                    <a:lumMod val="10000"/>
-                  </a:schemeClr>
-                </a:solidFill>
-              </a:rPr>
-              <a:t>socketDesc</a:t>
-            </a:r>
-            <a:r>
-              <a:rPr lang="en-US" sz="2600" dirty="0">
-                <a:solidFill>
-                  <a:schemeClr val="tx2">
-                    <a:lumMod val="10000"/>
-                  </a:schemeClr>
-                </a:solidFill>
-              </a:rPr>
-              <a:t>, (</a:t>
-            </a:r>
-            <a:r>
-              <a:rPr lang="en-US" sz="2600" dirty="0" err="1">
-                <a:solidFill>
-                  <a:schemeClr val="tx2">
-                    <a:lumMod val="10000"/>
-                  </a:schemeClr>
-                </a:solidFill>
-              </a:rPr>
-              <a:t>struct</a:t>
-            </a:r>
-            <a:r>
-              <a:rPr lang="en-US" sz="2600" dirty="0">
-                <a:solidFill>
-                  <a:schemeClr val="tx2">
-                    <a:lumMod val="10000"/>
-                  </a:schemeClr>
-                </a:solidFill>
-              </a:rPr>
-              <a:t> </a:t>
-            </a:r>
-            <a:r>
-              <a:rPr lang="en-US" sz="2600" dirty="0" err="1">
-                <a:solidFill>
-                  <a:schemeClr val="tx2">
-                    <a:lumMod val="10000"/>
-                  </a:schemeClr>
-                </a:solidFill>
-              </a:rPr>
-              <a:t>sockaddr</a:t>
-            </a:r>
-            <a:r>
-              <a:rPr lang="en-US" sz="2600" dirty="0">
-                <a:solidFill>
-                  <a:schemeClr val="tx2">
-                    <a:lumMod val="10000"/>
-                  </a:schemeClr>
-                </a:solidFill>
-              </a:rPr>
-              <a:t> *)&amp;client, (</a:t>
-            </a:r>
-            <a:r>
-              <a:rPr lang="en-US" sz="2600" dirty="0" err="1">
-                <a:solidFill>
-                  <a:schemeClr val="tx2">
-                    <a:lumMod val="10000"/>
-                  </a:schemeClr>
-                </a:solidFill>
-              </a:rPr>
-              <a:t>socklen_t</a:t>
-            </a:r>
-            <a:r>
-              <a:rPr lang="en-US" sz="2600" dirty="0">
-                <a:solidFill>
-                  <a:schemeClr val="tx2">
-                    <a:lumMod val="10000"/>
-                  </a:schemeClr>
-                </a:solidFill>
-              </a:rPr>
-              <a:t>*)&amp;c);</a:t>
+              <a:t>accept(socketDesc, (struct sockaddr *)&amp;client, (socklen_t*)&amp;c);</a:t>
             </a:r>
             <a:endParaRPr lang="sr-Latn-RS" sz="2600" dirty="0">
               <a:solidFill>
@@ -5931,10 +6036,33 @@
           </a:p>
           <a:p>
             <a:pPr algn="l">
-              <a:buFont typeface="Arial" pitchFamily="34" charset="0"/>
-              <a:buChar char="•"/>
+              <a:buClr>
+                <a:schemeClr val="accent1"/>
+              </a:buClr>
+              <a:buFont typeface="Wingdings" pitchFamily="2" charset="2"/>
+              <a:buChar char="§"/>
             </a:pPr>
             <a:r>
+              <a:rPr lang="en-US" sz="2600" dirty="0" smtClean="0">
+                <a:solidFill>
+                  <a:schemeClr val="tx2">
+                    <a:lumMod val="10000"/>
+                  </a:schemeClr>
+                </a:solidFill>
+              </a:rPr>
+              <a:t> </a:t>
+            </a:r>
+            <a:r>
+              <a:rPr lang="sr-Latn-RS" sz="2600" dirty="0" smtClean="0">
+                <a:solidFill>
+                  <a:schemeClr val="tx2">
+                    <a:lumMod val="10000"/>
+                  </a:schemeClr>
+                </a:solidFill>
+              </a:rPr>
+              <a:t>Slanje </a:t>
+            </a:r>
+            <a:r>
               <a:rPr lang="sr-Latn-RS" sz="2600" dirty="0">
                 <a:solidFill>
                   <a:schemeClr val="tx2">
@@ -5942,7 +6070,7 @@
                   </a:schemeClr>
                 </a:solidFill>
               </a:rPr>
-              <a:t>Slanje poruke: </a:t>
+              <a:t>poruke: </a:t>
             </a:r>
             <a:r>
               <a:rPr lang="en-US" sz="2600" dirty="0">
@@ -5952,27 +6080,7 @@
                   </a:schemeClr>
                 </a:solidFill>
               </a:rPr>
-              <a:t>send(</a:t>
-            </a:r>
-            <a:r>
-              <a:rPr lang="en-US" sz="2600" dirty="0" err="1">
-                <a:solidFill>
-                  <a:schemeClr val="tx2">
-                    <a:lumMod val="10000"/>
-                  </a:schemeClr>
-                </a:solidFill>
-              </a:rPr>
-              <a:t>cllientSock</a:t>
-            </a:r>
-            <a:r>
-              <a:rPr lang="en-US" sz="2600" dirty="0">
-                <a:solidFill>
-                  <a:schemeClr val="tx2">
-                    <a:lumMod val="10000"/>
-                  </a:schemeClr>
-                </a:solidFill>
-              </a:rPr>
-              <a:t>, </a:t>
+              <a:t>send(cllientSock, </a:t>
             </a:r>
             <a:r>
               <a:rPr lang="sr-Latn-RS" sz="2600" dirty="0">
@@ -6024,10 +6132,33 @@
           </a:p>
           <a:p>
             <a:pPr algn="l">
-              <a:buFont typeface="Arial" pitchFamily="34" charset="0"/>
-              <a:buChar char="•"/>
+              <a:buClr>
+                <a:schemeClr val="accent1"/>
+              </a:buClr>
+              <a:buFont typeface="Wingdings" pitchFamily="2" charset="2"/>
+              <a:buChar char="§"/>
             </a:pPr>
             <a:r>
+              <a:rPr lang="en-US" sz="2600" dirty="0" smtClean="0">
+                <a:solidFill>
+                  <a:schemeClr val="tx2">
+                    <a:lumMod val="10000"/>
+                  </a:schemeClr>
+                </a:solidFill>
+              </a:rPr>
+              <a:t> </a:t>
+            </a:r>
+            <a:r>
+              <a:rPr lang="sr-Latn-RS" sz="2600" dirty="0" smtClean="0">
+                <a:solidFill>
+                  <a:schemeClr val="tx2">
+                    <a:lumMod val="10000"/>
+                  </a:schemeClr>
+                </a:solidFill>
+              </a:rPr>
+              <a:t>Prijem </a:t>
+            </a:r>
+            <a:r>
               <a:rPr lang="sr-Latn-RS" sz="2600" dirty="0">
                 <a:solidFill>
                   <a:schemeClr val="tx2">
@@ -6035,17 +6166,7 @@
                   </a:schemeClr>
                 </a:solidFill>
               </a:rPr>
-              <a:t>Prijem poruke: </a:t>
-            </a:r>
-            <a:r>
-              <a:rPr lang="en-US" sz="2600" dirty="0" err="1">
-                <a:solidFill>
-                  <a:schemeClr val="tx2">
-                    <a:lumMod val="10000"/>
-                  </a:schemeClr>
-                </a:solidFill>
-              </a:rPr>
-              <a:t>recv</a:t>
+              <a:t>poruke: </a:t>
             </a:r>
             <a:r>
               <a:rPr lang="en-US" sz="2600" dirty="0">
@@ -6055,17 +6176,17 @@
                   </a:schemeClr>
                 </a:solidFill>
               </a:rPr>
-              <a:t>(</a:t>
-            </a:r>
-            <a:r>
-              <a:rPr lang="en-US" sz="2600" dirty="0" err="1">
-                <a:solidFill>
-                  <a:schemeClr val="tx2">
-                    <a:lumMod val="10000"/>
-                  </a:schemeClr>
-                </a:solidFill>
-              </a:rPr>
-              <a:t>cllientSock</a:t>
+              <a:t>recv(cllientSock , request , </a:t>
+            </a:r>
+            <a:r>
+              <a:rPr lang="en-US" sz="2600" dirty="0" smtClean="0">
+                <a:solidFill>
+                  <a:schemeClr val="tx2">
+                    <a:lumMod val="10000"/>
+                  </a:schemeClr>
+                </a:solidFill>
+              </a:rPr>
+              <a:t>DEFAULT_MSGLEN </a:t>
             </a:r>
             <a:r>
               <a:rPr lang="en-US" sz="2600" dirty="0">
@@ -6075,7 +6196,7 @@
                   </a:schemeClr>
                 </a:solidFill>
               </a:rPr>
-              <a:t> , request , DEFAULT_MSGLEN , 0)</a:t>
+              <a:t>, 0)</a:t>
             </a:r>
             <a:r>
               <a:rPr lang="sr-Latn-RS" sz="2600" dirty="0">
@@ -6090,10 +6211,33 @@
           </a:p>
           <a:p>
             <a:pPr algn="l">
-              <a:buFont typeface="Arial" pitchFamily="34" charset="0"/>
-              <a:buChar char="•"/>
+              <a:buClr>
+                <a:schemeClr val="accent1"/>
+              </a:buClr>
+              <a:buFont typeface="Wingdings" pitchFamily="2" charset="2"/>
+              <a:buChar char="§"/>
             </a:pPr>
             <a:r>
+              <a:rPr lang="en-US" sz="2600" dirty="0" smtClean="0">
+                <a:solidFill>
+                  <a:schemeClr val="tx2">
+                    <a:lumMod val="10000"/>
+                  </a:schemeClr>
+                </a:solidFill>
+              </a:rPr>
+              <a:t> </a:t>
+            </a:r>
+            <a:r>
+              <a:rPr lang="sr-Latn-RS" sz="2600" dirty="0" smtClean="0">
+                <a:solidFill>
+                  <a:schemeClr val="tx2">
+                    <a:lumMod val="10000"/>
+                  </a:schemeClr>
+                </a:solidFill>
+              </a:rPr>
+              <a:t>Zatvaranje </a:t>
+            </a:r>
+            <a:r>
               <a:rPr lang="sr-Latn-RS" sz="2600" dirty="0">
                 <a:solidFill>
                   <a:schemeClr val="tx2">
@@ -6101,7 +6245,7 @@
                   </a:schemeClr>
                 </a:solidFill>
               </a:rPr>
-              <a:t>Zatvaranje utičnice: </a:t>
+              <a:t>utičnice: </a:t>
             </a:r>
             <a:r>
               <a:rPr lang="en-US" sz="2600" dirty="0">
@@ -6182,7 +6326,7 @@
           <a:p>
             <a:pPr algn="ctr"/>
             <a:r>
-              <a:rPr lang="en-US" sz="4800" dirty="0" err="1" smtClean="0">
+              <a:rPr lang="en-US" sz="4800" dirty="0" smtClean="0">
                 <a:solidFill>
                   <a:schemeClr val="tx2">
                     <a:lumMod val="10000"/>
@@ -6190,7 +6334,7 @@
                 </a:solidFill>
                 <a:latin typeface="+mn-lt"/>
               </a:rPr>
-              <a:t>Serverske</a:t>
+              <a:t>Serverske funkcije – </a:t>
             </a:r>
             <a:r>
               <a:rPr lang="en-US" sz="4800" dirty="0" smtClean="0">
@@ -6201,51 +6345,7 @@
                 </a:solidFill>
                 <a:latin typeface="+mn-lt"/>
               </a:rPr>
-              <a:t> </a:t>
-            </a:r>
-            <a:r>
-              <a:rPr lang="en-US" sz="4800" dirty="0" err="1" smtClean="0">
-                <a:solidFill>
-                  <a:schemeClr val="tx2">
-                    <a:lumMod val="10000"/>
-                  </a:schemeClr>
-                </a:solidFill>
-                <a:latin typeface="+mn-lt"/>
-              </a:rPr>
-              <a:t>funkcije</a:t>
-            </a:r>
-            <a:r>
-              <a:rPr lang="en-US" sz="4800" dirty="0" smtClean="0">
-                <a:solidFill>
-                  <a:schemeClr val="tx2">
-                    <a:lumMod val="10000"/>
-                  </a:schemeClr>
-                </a:solidFill>
-                <a:latin typeface="+mn-lt"/>
-              </a:rPr>
-              <a:t> – </a:t>
-            </a:r>
-            <a:r>
-              <a:rPr lang="en-US" sz="4800" dirty="0" err="1" smtClean="0">
-                <a:solidFill>
-                  <a:schemeClr val="tx2">
-                    <a:lumMod val="10000"/>
-                  </a:schemeClr>
-                </a:solidFill>
-                <a:latin typeface="+mn-lt"/>
-              </a:rPr>
               <a:t>CheckInput</a:t>
-            </a:r>
-            <a:r>
-              <a:rPr lang="en-US" sz="4800" dirty="0" smtClean="0">
-                <a:solidFill>
-                  <a:schemeClr val="tx2">
-                    <a:lumMod val="10000"/>
-                  </a:schemeClr>
-                </a:solidFill>
-                <a:latin typeface="+mn-lt"/>
-              </a:rPr>
-              <a:t>()</a:t>
             </a:r>
             <a:endParaRPr lang="en-US" sz="4800" dirty="0">
               <a:solidFill>
@@ -6283,16 +6383,6 @@
               <a:buChar char="•"/>
             </a:pPr>
             <a:r>
-              <a:rPr lang="en-US" dirty="0" err="1" smtClean="0">
-                <a:solidFill>
-                  <a:schemeClr val="tx2">
-                    <a:lumMod val="10000"/>
-                  </a:schemeClr>
-                </a:solidFill>
-              </a:rPr>
-              <a:t>Provjerava</a:t>
-            </a:r>
-            <a:r>
               <a:rPr lang="en-US" dirty="0" smtClean="0">
                 <a:solidFill>
                   <a:schemeClr val="tx2">
@@ -6300,65 +6390,8 @@
                   </a:schemeClr>
                 </a:solidFill>
               </a:rPr>
-              <a:t> </a:t>
-            </a:r>
-            <a:r>
-              <a:rPr lang="en-US" dirty="0" err="1" smtClean="0">
-                <a:solidFill>
-                  <a:schemeClr val="tx2">
-                    <a:lumMod val="10000"/>
-                  </a:schemeClr>
-                </a:solidFill>
-              </a:rPr>
-              <a:t>sintaksnu</a:t>
-            </a:r>
-            <a:r>
-              <a:rPr lang="en-US" dirty="0" smtClean="0">
-                <a:solidFill>
-                  <a:schemeClr val="tx2">
-                    <a:lumMod val="10000"/>
-                  </a:schemeClr>
-                </a:solidFill>
-              </a:rPr>
-              <a:t> </a:t>
-            </a:r>
-            <a:r>
-              <a:rPr lang="en-US" dirty="0" err="1" smtClean="0">
-                <a:solidFill>
-                  <a:schemeClr val="tx2">
-                    <a:lumMod val="10000"/>
-                  </a:schemeClr>
-                </a:solidFill>
-              </a:rPr>
-              <a:t>ispravnost</a:t>
-            </a:r>
-            <a:r>
-              <a:rPr lang="en-US" dirty="0" smtClean="0">
-                <a:solidFill>
-                  <a:schemeClr val="tx2">
-                    <a:lumMod val="10000"/>
-                  </a:schemeClr>
-                </a:solidFill>
-              </a:rPr>
-              <a:t> </a:t>
-            </a:r>
-            <a:r>
-              <a:rPr lang="en-US" dirty="0" err="1" smtClean="0">
-                <a:solidFill>
-                  <a:schemeClr val="tx2">
-                    <a:lumMod val="10000"/>
-                  </a:schemeClr>
-                </a:solidFill>
-              </a:rPr>
-              <a:t>zahtjeva</a:t>
-            </a:r>
-            <a:endParaRPr lang="en-US" dirty="0" smtClean="0">
-              <a:solidFill>
-                <a:schemeClr val="tx2">
-                  <a:lumMod val="10000"/>
-                </a:schemeClr>
-              </a:solidFill>
-            </a:endParaRPr>
+              <a:t>Provjerava sintaksnu ispravnost zahtjeva</a:t>
+            </a:r>
           </a:p>
           <a:p>
             <a:pPr algn="l">
@@ -6366,16 +6399,6 @@
               <a:buChar char="•"/>
             </a:pPr>
             <a:r>
-              <a:rPr lang="en-US" dirty="0" err="1" smtClean="0">
-                <a:solidFill>
-                  <a:schemeClr val="tx2">
-                    <a:lumMod val="10000"/>
-                  </a:schemeClr>
-                </a:solidFill>
-              </a:rPr>
-              <a:t>Ukoliko</a:t>
-            </a:r>
-            <a:r>
               <a:rPr lang="en-US" dirty="0" smtClean="0">
                 <a:solidFill>
                   <a:schemeClr val="tx2">
@@ -6383,37 +6406,7 @@
                   </a:schemeClr>
                 </a:solidFill>
               </a:rPr>
-              <a:t> </a:t>
-            </a:r>
-            <a:r>
-              <a:rPr lang="en-US" dirty="0" err="1" smtClean="0">
-                <a:solidFill>
-                  <a:schemeClr val="tx2">
-                    <a:lumMod val="10000"/>
-                  </a:schemeClr>
-                </a:solidFill>
-              </a:rPr>
-              <a:t>postoji</a:t>
-            </a:r>
-            <a:r>
-              <a:rPr lang="en-US" dirty="0" smtClean="0">
-                <a:solidFill>
-                  <a:schemeClr val="tx2">
-                    <a:lumMod val="10000"/>
-                  </a:schemeClr>
-                </a:solidFill>
-              </a:rPr>
-              <a:t> </a:t>
-            </a:r>
-            <a:r>
-              <a:rPr lang="en-US" dirty="0" err="1" smtClean="0">
-                <a:solidFill>
-                  <a:schemeClr val="tx2">
-                    <a:lumMod val="10000"/>
-                  </a:schemeClr>
-                </a:solidFill>
-              </a:rPr>
-              <a:t>gre</a:t>
+              <a:t>Ukoliko postoji gre</a:t>
             </a:r>
             <a:r>
               <a:rPr lang="sr-Latn-RS" dirty="0" smtClean="0">
@@ -7601,58 +7594,60 @@
 </file>
 
 <file path=ppt/theme/theme1.xml><?xml version="1.0" encoding="utf-8"?>
-<a:theme xmlns:a="http://schemas.openxmlformats.org/drawingml/2006/main" name="Flow">
+<a:theme xmlns:a="http://schemas.openxmlformats.org/drawingml/2006/main" name="Apex">
   <a:themeElements>
-    <a:clrScheme name="Custom 3">
+    <a:clrScheme name="Civic">
       <a:dk1>
-        <a:srgbClr val="623023"/>
+        <a:sysClr val="windowText" lastClr="000000"/>
       </a:dk1>
       <a:lt1>
-        <a:srgbClr val="E8F3E0"/>
+        <a:sysClr val="window" lastClr="FFFFFF"/>
       </a:lt1>
       <a:dk2>
-        <a:srgbClr val="E7DEC9"/>
+        <a:srgbClr val="646B86"/>
       </a:dk2>
       <a:lt2>
-        <a:srgbClr val="E7DEC9"/>
+        <a:srgbClr val="C5D1D7"/>
       </a:lt2>
       <a:accent1>
-        <a:srgbClr val="F2E0DB"/>
+        <a:srgbClr val="D16349"/>
       </a:accent1>
       <a:accent2>
-        <a:srgbClr val="BADDA2"/>
+        <a:srgbClr val="CCB400"/>
       </a:accent2>
       <a:accent3>
-        <a:srgbClr val="E3F1D9"/>
+        <a:srgbClr val="8CADAE"/>
       </a:accent3>
       <a:accent4>
-        <a:srgbClr val="365420"/>
+        <a:srgbClr val="8C7B70"/>
       </a:accent4>
       <a:accent5>
-        <a:srgbClr val="A9543D"/>
+        <a:srgbClr val="8FB08C"/>
       </a:accent5>
       <a:accent6>
-        <a:srgbClr val="365420"/>
+        <a:srgbClr val="D19049"/>
       </a:accent6>
       <a:hlink>
-        <a:srgbClr val="8DC765"/>
+        <a:srgbClr val="00A3D6"/>
       </a:hlink>
       <a:folHlink>
-        <a:srgbClr val="66A53B"/>
+        <a:srgbClr val="694F07"/>
       </a:folHlink>
     </a:clrScheme>
-    <a:fontScheme name="Flow">
+    <a:fontScheme name="Apex">
       <a:majorFont>
-        <a:latin typeface="Calibri"/>
+        <a:latin typeface="Lucida Sans"/>
         <a:ea typeface=""/>
         <a:cs typeface=""/>
-        <a:font script="Jpan" typeface="ＭＳ Ｐゴシック"/>
-        <a:font script="Hang" typeface="HY중고딕"/>
-        <a:font script="Hans" typeface="隶书"/>
+        <a:font script="Grek" typeface="Arial"/>
+        <a:font script="Cyrl" typeface="Arial"/>
+        <a:font script="Jpan" typeface="HG丸ｺﾞｼｯｸM-PRO"/>
+        <a:font script="Hang" typeface="휴먼옛체"/>
+        <a:font script="Hans" typeface="黑体"/>
         <a:font script="Hant" typeface="微軟正黑體"/>
-        <a:font script="Arab" typeface="Traditional Arabic"/>
-        <a:font script="Hebr" typeface="Arial"/>
-        <a:font script="Thai" typeface="Cordia New"/>
+        <a:font script="Arab" typeface="Tahoma"/>
+        <a:font script="Hebr" typeface="Levenim MT"/>
+        <a:font script="Thai" typeface="FreesiaUPC"/>
         <a:font script="Ethi" typeface="Nyala"/>
         <a:font script="Beng" typeface="Vrinda"/>
         <a:font script="Gujr" typeface="Shruti"/>
@@ -7673,20 +7668,22 @@
         <a:font script="Laoo" typeface="DokChampa"/>
         <a:font script="Sinh" typeface="Iskoola Pota"/>
         <a:font script="Mong" typeface="Mongolian Baiti"/>
-        <a:font script="Viet" typeface="Arial"/>
+        <a:font script="Viet" typeface="Tahoma"/>
         <a:font script="Uigh" typeface="Microsoft Uighur"/>
       </a:majorFont>
       <a:minorFont>
-        <a:latin typeface="Constantia"/>
+        <a:latin typeface="Book Antiqua"/>
         <a:ea typeface=""/>
         <a:cs typeface=""/>
-        <a:font script="Jpan" typeface="HGP明朝E"/>
-        <a:font script="Hang" typeface="HY신명조"/>
+        <a:font script="Grek" typeface="Times New Roman"/>
+        <a:font script="Cyrl" typeface="Times New Roman"/>
+        <a:font script="Jpan" typeface="HG明朝B"/>
+        <a:font script="Hang" typeface="돋움"/>
         <a:font script="Hans" typeface="宋体"/>
         <a:font script="Hant" typeface="新細明體"/>
-        <a:font script="Arab" typeface="Majalla UI"/>
+        <a:font script="Arab" typeface="Times New Roman"/>
         <a:font script="Hebr" typeface="David"/>
-        <a:font script="Thai" typeface="Browallia New"/>
+        <a:font script="Thai" typeface="EucrosiaUPC"/>
         <a:font script="Ethi" typeface="Nyala"/>
         <a:font script="Beng" typeface="Vrinda"/>
         <a:font script="Gujr" typeface="Shruti"/>
@@ -7711,75 +7708,73 @@
         <a:font script="Uigh" typeface="Microsoft Uighur"/>
       </a:minorFont>
     </a:fontScheme>
-    <a:fmtScheme name="Flow">
+    <a:fmtScheme name="Apex">
       <a:fillStyleLst>
         <a:solidFill>
           <a:schemeClr val="phClr"/>
         </a:solidFill>
         <a:gradFill rotWithShape="1">
           <a:gsLst>
-            <a:gs pos="0">
+            <a:gs pos="20000">
               <a:schemeClr val="phClr">
-                <a:tint val="70000"/>
-                <a:satMod val="130000"/>
-              </a:schemeClr>
-            </a:gs>
-            <a:gs pos="43000">
-              <a:schemeClr val="phClr">
-                <a:tint val="44000"/>
-                <a:satMod val="165000"/>
-              </a:schemeClr>
-            </a:gs>
-            <a:gs pos="93000">
-              <a:schemeClr val="phClr">
-                <a:tint val="15000"/>
-                <a:satMod val="165000"/>
+                <a:tint val="9000"/>
               </a:schemeClr>
             </a:gs>
             <a:gs pos="100000">
               <a:schemeClr val="phClr">
-                <a:tint val="5000"/>
-                <a:satMod val="250000"/>
+                <a:tint val="70000"/>
+                <a:satMod val="100000"/>
               </a:schemeClr>
             </a:gs>
           </a:gsLst>
           <a:path path="circle">
-            <a:fillToRect l="50000" t="130000" r="50000" b="-30000"/>
+            <a:fillToRect l="-15000" t="-15000" r="115000" b="115000"/>
           </a:path>
         </a:gradFill>
         <a:gradFill rotWithShape="1">
           <a:gsLst>
             <a:gs pos="0">
               <a:schemeClr val="phClr">
-                <a:tint val="98000"/>
-                <a:shade val="25000"/>
-                <a:satMod val="250000"/>
+                <a:shade val="60000"/>
+              </a:schemeClr>
+            </a:gs>
+            <a:gs pos="33000">
+              <a:schemeClr val="phClr">
+                <a:tint val="86500"/>
+              </a:schemeClr>
+            </a:gs>
+            <a:gs pos="46750">
+              <a:schemeClr val="phClr">
+                <a:tint val="71000"/>
+                <a:satMod val="112000"/>
+              </a:schemeClr>
+            </a:gs>
+            <a:gs pos="53000">
+              <a:schemeClr val="phClr">
+                <a:tint val="71000"/>
+                <a:satMod val="112000"/>
               </a:schemeClr>
             </a:gs>
             <a:gs pos="68000">
               <a:schemeClr val="phClr">
                 <a:tint val="86000"/>
-                <a:satMod val="115000"/>
               </a:schemeClr>
             </a:gs>
             <a:gs pos="100000">
               <a:schemeClr val="phClr">
-                <a:tint val="50000"/>
-                <a:satMod val="150000"/>
+                <a:shade val="60000"/>
               </a:schemeClr>
             </a:gs>
           </a:gsLst>
-          <a:path path="circle">
-            <a:fillToRect l="50000" t="130000" r="50000" b="-30000"/>
-          </a:path>
+          <a:lin ang="8350000" scaled="1"/>
         </a:gradFill>
       </a:fillStyleLst>
       <a:lnStyleLst>
         <a:ln w="9525" cap="flat" cmpd="sng" algn="ctr">
           <a:solidFill>
             <a:schemeClr val="phClr">
-              <a:shade val="50000"/>
-              <a:satMod val="103000"/>
+              <a:shade val="48000"/>
+              <a:satMod val="110000"/>
             </a:schemeClr>
           </a:solidFill>
           <a:prstDash val="solid"/>
@@ -7800,46 +7795,40 @@
       <a:effectStyleLst>
         <a:effectStyle>
           <a:effectLst>
-            <a:outerShdw blurRad="57150" dist="38100" dir="5400000" algn="ctr" rotWithShape="0">
-              <a:schemeClr val="phClr">
-                <a:shade val="9000"/>
-                <a:satMod val="105000"/>
-                <a:alpha val="48000"/>
-              </a:schemeClr>
+            <a:outerShdw blurRad="130000" dist="101600" dir="2700000" algn="tl" rotWithShape="0">
+              <a:srgbClr val="000000">
+                <a:alpha val="35000"/>
+              </a:srgbClr>
             </a:outerShdw>
           </a:effectLst>
         </a:effectStyle>
         <a:effectStyle>
           <a:effectLst>
-            <a:outerShdw blurRad="57150" dist="38100" dir="5400000" algn="ctr" rotWithShape="0">
-              <a:schemeClr val="phClr">
-                <a:shade val="9000"/>
-                <a:satMod val="105000"/>
-                <a:alpha val="48000"/>
-              </a:schemeClr>
+            <a:outerShdw blurRad="190500" dist="228600" dir="2700000" sy="90000" rotWithShape="0">
+              <a:srgbClr val="000000">
+                <a:alpha val="25500"/>
+              </a:srgbClr>
             </a:outerShdw>
           </a:effectLst>
         </a:effectStyle>
         <a:effectStyle>
           <a:effectLst>
-            <a:outerShdw blurRad="57150" dist="38100" dir="5400000" algn="ctr" rotWithShape="0">
-              <a:schemeClr val="phClr">
-                <a:shade val="9000"/>
-                <a:satMod val="105000"/>
-                <a:alpha val="48000"/>
-              </a:schemeClr>
+            <a:outerShdw blurRad="190500" dist="228600" dir="2700000" sy="90000" rotWithShape="0">
+              <a:srgbClr val="000000">
+                <a:alpha val="25500"/>
+              </a:srgbClr>
             </a:outerShdw>
           </a:effectLst>
           <a:scene3d>
             <a:camera prst="orthographicFront" fov="0">
               <a:rot lat="0" lon="0" rev="0"/>
             </a:camera>
-            <a:lightRig rig="glow" dir="tl">
-              <a:rot lat="0" lon="0" rev="900000"/>
+            <a:lightRig rig="soft" dir="tl">
+              <a:rot lat="0" lon="0" rev="20100000"/>
             </a:lightRig>
           </a:scene3d>
-          <a:sp3d prstMaterial="powder">
-            <a:bevelT w="25400" h="38100"/>
+          <a:sp3d>
+            <a:bevelT w="50800" h="50800"/>
           </a:sp3d>
         </a:effectStyle>
       </a:effectStyleLst>
@@ -7851,41 +7840,37 @@
           <a:gsLst>
             <a:gs pos="0">
               <a:schemeClr val="phClr">
-                <a:tint val="80000"/>
-                <a:satMod val="400000"/>
-              </a:schemeClr>
-            </a:gs>
-            <a:gs pos="25000">
-              <a:schemeClr val="phClr">
-                <a:tint val="83000"/>
-                <a:satMod val="320000"/>
+                <a:tint val="50000"/>
+                <a:satMod val="180000"/>
               </a:schemeClr>
             </a:gs>
             <a:gs pos="100000">
               <a:schemeClr val="phClr">
-                <a:shade val="15000"/>
-                <a:satMod val="320000"/>
+                <a:shade val="45000"/>
+                <a:satMod val="120000"/>
               </a:schemeClr>
             </a:gs>
           </a:gsLst>
           <a:path path="circle">
-            <a:fillToRect l="10000" t="110000" r="10000" b="100000"/>
+            <a:fillToRect r="100000" b="100000"/>
           </a:path>
         </a:gradFill>
         <a:blipFill>
           <a:blip xmlns:r="http://schemas.openxmlformats.org/officeDocument/2006/relationships" r:embed="rId1">
             <a:duotone>
               <a:schemeClr val="phClr">
-                <a:shade val="90000"/>
-                <a:satMod val="150000"/>
+                <a:shade val="3000"/>
+                <a:satMod val="110000"/>
               </a:schemeClr>
               <a:schemeClr val="phClr">
-                <a:tint val="88000"/>
-                <a:satMod val="150000"/>
+                <a:tint val="60000"/>
+                <a:satMod val="425000"/>
               </a:schemeClr>
             </a:duotone>
           </a:blip>
-          <a:tile tx="0" ty="0" sx="65000" sy="65000" flip="none" algn="tl"/>
+          <a:stretch>
+            <a:fillRect/>
+          </a:stretch>
         </a:blipFill>
       </a:bgFillStyleLst>
     </a:fmtScheme>
@@ -7893,47 +7878,4 @@
   <a:objectDefaults/>
   <a:extraClrSchemeLst/>
 </a:theme>
-</file>
-
-<file path=ppt/theme/themeOverride1.xml><?xml version="1.0" encoding="utf-8"?>
-<a:themeOverride xmlns:a="http://schemas.openxmlformats.org/drawingml/2006/main">
-  <a:clrScheme name="Origin">
-    <a:dk1>
-      <a:sysClr val="windowText" lastClr="000000"/>
-    </a:dk1>
-    <a:lt1>
-      <a:sysClr val="window" lastClr="FFFFFF"/>
-    </a:lt1>
-    <a:dk2>
-      <a:srgbClr val="464653"/>
-    </a:dk2>
-    <a:lt2>
-      <a:srgbClr val="DDE9EC"/>
-    </a:lt2>
-    <a:accent1>
-      <a:srgbClr val="727CA3"/>
-    </a:accent1>
-    <a:accent2>
-      <a:srgbClr val="9FB8CD"/>
-    </a:accent2>
-    <a:accent3>
-      <a:srgbClr val="D2DA7A"/>
-    </a:accent3>
-    <a:accent4>
-      <a:srgbClr val="FADA7A"/>
-    </a:accent4>
-    <a:accent5>
-      <a:srgbClr val="B88472"/>
-    </a:accent5>
-    <a:accent6>
-      <a:srgbClr val="8E736A"/>
-    </a:accent6>
-    <a:hlink>
-      <a:srgbClr val="B292CA"/>
-    </a:hlink>
-    <a:folHlink>
-      <a:srgbClr val="6B5680"/>
-    </a:folHlink>
-  </a:clrScheme>
-</a:themeOverride>
 </file>
--- a/docs/ProjekatMreze.pptx
+++ b/docs/ProjekatMreze.pptx
@@ -9,15 +9,16 @@
     <p:sldId id="269" r:id="rId3"/>
     <p:sldId id="266" r:id="rId4"/>
     <p:sldId id="267" r:id="rId5"/>
-    <p:sldId id="270" r:id="rId6"/>
-    <p:sldId id="271" r:id="rId7"/>
-    <p:sldId id="272" r:id="rId8"/>
-    <p:sldId id="273" r:id="rId9"/>
-    <p:sldId id="274" r:id="rId10"/>
-    <p:sldId id="275" r:id="rId11"/>
-    <p:sldId id="276" r:id="rId12"/>
-    <p:sldId id="277" r:id="rId13"/>
-    <p:sldId id="268" r:id="rId14"/>
+    <p:sldId id="278" r:id="rId6"/>
+    <p:sldId id="270" r:id="rId7"/>
+    <p:sldId id="271" r:id="rId8"/>
+    <p:sldId id="272" r:id="rId9"/>
+    <p:sldId id="273" r:id="rId10"/>
+    <p:sldId id="274" r:id="rId11"/>
+    <p:sldId id="275" r:id="rId12"/>
+    <p:sldId id="276" r:id="rId13"/>
+    <p:sldId id="277" r:id="rId14"/>
+    <p:sldId id="268" r:id="rId15"/>
   </p:sldIdLst>
   <p:sldSz cx="10080625" cy="7559675"/>
   <p:notesSz cx="7559675" cy="10691813"/>
@@ -3211,13 +3212,6 @@
               </a:rPr>
               <a:t>ć</a:t>
             </a:r>
-            <a:endParaRPr lang="sr-Latn-RS" b="1" dirty="0" smtClean="0">
-              <a:solidFill>
-                <a:schemeClr val="tx2">
-                  <a:lumMod val="10000"/>
-                </a:schemeClr>
-              </a:solidFill>
-            </a:endParaRPr>
           </a:p>
           <a:p>
             <a:r>
@@ -3230,13 +3224,6 @@
               </a:rPr>
               <a:t>Dejan Martinov</a:t>
             </a:r>
-            <a:endParaRPr lang="en-US" b="1" dirty="0" smtClean="0">
-              <a:solidFill>
-                <a:schemeClr val="tx2">
-                  <a:lumMod val="10000"/>
-                </a:schemeClr>
-              </a:solidFill>
-            </a:endParaRPr>
           </a:p>
           <a:p>
             <a:endParaRPr lang="en-US" dirty="0"/>
@@ -3307,8 +3294,8 @@
         </p:nvSpPr>
         <p:spPr>
           <a:xfrm>
-            <a:off x="611156" y="493689"/>
-            <a:ext cx="8568531" cy="2673938"/>
+            <a:off x="584676" y="422252"/>
+            <a:ext cx="8568531" cy="2531062"/>
           </a:xfrm>
         </p:spPr>
         <p:txBody>
@@ -3323,6 +3310,7 @@
                     <a:lumMod val="10000"/>
                   </a:schemeClr>
                 </a:solidFill>
+                <a:effectLst/>
                 <a:uFill>
                   <a:solidFill>
                     <a:srgbClr val="FFFFFF"/>
@@ -3331,7 +3319,96 @@
                 <a:latin typeface="+mn-lt"/>
                 <a:ea typeface="DejaVu Sans"/>
               </a:rPr>
-              <a:t>Klijentske funkcije - Request()</a:t>
+              <a:t>Serverske </a:t>
+            </a:r>
+            <a:r>
+              <a:rPr lang="sr-Latn-RS" sz="4800" spc="-1" dirty="0" smtClean="0">
+                <a:solidFill>
+                  <a:schemeClr val="tx2">
+                    <a:lumMod val="10000"/>
+                  </a:schemeClr>
+                </a:solidFill>
+                <a:effectLst/>
+                <a:uFill>
+                  <a:solidFill>
+                    <a:srgbClr val="FFFFFF"/>
+                  </a:solidFill>
+                </a:uFill>
+                <a:latin typeface="+mn-lt"/>
+                <a:ea typeface="DejaVu Sans"/>
+              </a:rPr>
+              <a:t>funkcije</a:t>
+            </a:r>
+            <a:r>
+              <a:rPr lang="en-US" sz="4800" spc="-1" dirty="0" smtClean="0">
+                <a:solidFill>
+                  <a:schemeClr val="tx2">
+                    <a:lumMod val="10000"/>
+                  </a:schemeClr>
+                </a:solidFill>
+                <a:effectLst/>
+                <a:uFill>
+                  <a:solidFill>
+                    <a:srgbClr val="FFFFFF"/>
+                  </a:solidFill>
+                </a:uFill>
+                <a:latin typeface="+mn-lt"/>
+                <a:ea typeface="DejaVu Sans"/>
+              </a:rPr>
+              <a:t/>
+            </a:r>
+            <a:br>
+              <a:rPr lang="en-US" sz="4800" spc="-1" dirty="0" smtClean="0">
+                <a:solidFill>
+                  <a:schemeClr val="tx2">
+                    <a:lumMod val="10000"/>
+                  </a:schemeClr>
+                </a:solidFill>
+                <a:effectLst/>
+                <a:uFill>
+                  <a:solidFill>
+                    <a:srgbClr val="FFFFFF"/>
+                  </a:solidFill>
+                </a:uFill>
+                <a:latin typeface="+mn-lt"/>
+                <a:ea typeface="DejaVu Sans"/>
+              </a:rPr>
+            </a:br>
+            <a:r>
+              <a:rPr lang="sr-Latn-RS" sz="4800" spc="-1" dirty="0" smtClean="0">
+                <a:solidFill>
+                  <a:schemeClr val="tx2">
+                    <a:lumMod val="10000"/>
+                  </a:schemeClr>
+                </a:solidFill>
+                <a:effectLst/>
+                <a:uFill>
+                  <a:solidFill>
+                    <a:srgbClr val="FFFFFF"/>
+                  </a:solidFill>
+                </a:uFill>
+                <a:latin typeface="+mn-lt"/>
+                <a:ea typeface="DejaVu Sans"/>
+              </a:rPr>
+              <a:t>main</a:t>
+            </a:r>
+            <a:r>
+              <a:rPr lang="sr-Latn-RS" sz="4800" spc="-1" dirty="0" smtClean="0">
+                <a:solidFill>
+                  <a:schemeClr val="tx2">
+                    <a:lumMod val="10000"/>
+                  </a:schemeClr>
+                </a:solidFill>
+                <a:effectLst/>
+                <a:uFill>
+                  <a:solidFill>
+                    <a:srgbClr val="FFFFFF"/>
+                  </a:solidFill>
+                </a:uFill>
+                <a:latin typeface="+mn-lt"/>
+                <a:ea typeface="DejaVu Sans"/>
+              </a:rPr>
+              <a:t>()</a:t>
             </a:r>
             <a:r>
               <a:rPr lang="sr-Latn-RS" spc="-1" dirty="0" smtClean="0">
@@ -3376,21 +3453,22 @@
         </p:nvSpPr>
         <p:spPr>
           <a:xfrm>
-            <a:off x="539718" y="2493953"/>
+            <a:off x="584676" y="2565391"/>
             <a:ext cx="8568531" cy="4786346"/>
           </a:xfrm>
         </p:spPr>
         <p:txBody>
-          <a:bodyPr/>
+          <a:bodyPr>
+            <a:normAutofit/>
+          </a:bodyPr>
           <a:lstStyle/>
           <a:p>
-            <a:pPr marL="215956" indent="-215596" algn="just">
+            <a:pPr marL="215956" indent="-215596">
               <a:buClr>
-                <a:srgbClr val="000000"/>
+                <a:schemeClr val="accent1"/>
               </a:buClr>
-              <a:buSzPct val="45000"/>
-              <a:buFont typeface="Wingdings" charset="2"/>
-              <a:buChar char=""/>
+              <a:buFont typeface="Wingdings" pitchFamily="2" charset="2"/>
+              <a:buChar char="§"/>
             </a:pPr>
             <a:r>
               <a:rPr lang="sr-Latn-RS" sz="2800" spc="-1" dirty="0" smtClean="0">
@@ -3406,7 +3484,71 @@
                 </a:uFill>
                 <a:ea typeface="DejaVu Sans"/>
               </a:rPr>
-              <a:t>Čitanje zahteva iz terminala i slanje zateva serveru</a:t>
+              <a:t>Definisanje </a:t>
+            </a:r>
+            <a:r>
+              <a:rPr lang="sr-Latn-RS" sz="2800" spc="-1" dirty="0" smtClean="0">
+                <a:solidFill>
+                  <a:schemeClr val="tx2">
+                    <a:lumMod val="10000"/>
+                  </a:schemeClr>
+                </a:solidFill>
+                <a:uFill>
+                  <a:solidFill>
+                    <a:srgbClr val="FFFFFF"/>
+                  </a:solidFill>
+                </a:uFill>
+                <a:ea typeface="DejaVu Sans"/>
+              </a:rPr>
+              <a:t>vrednosti promenljivih </a:t>
+            </a:r>
+            <a:r>
+              <a:rPr lang="sr-Latn-RS" sz="2800" spc="-1" dirty="0" smtClean="0">
+                <a:solidFill>
+                  <a:schemeClr val="tx2">
+                    <a:lumMod val="10000"/>
+                  </a:schemeClr>
+                </a:solidFill>
+                <a:uFill>
+                  <a:solidFill>
+                    <a:srgbClr val="FFFFFF"/>
+                  </a:solidFill>
+                </a:uFill>
+                <a:ea typeface="DejaVu Sans"/>
+              </a:rPr>
+              <a:t>i pravljenje </a:t>
+            </a:r>
+            <a:r>
+              <a:rPr lang="sr-Latn-RS" sz="2800" spc="-1" dirty="0" smtClean="0">
+                <a:solidFill>
+                  <a:schemeClr val="tx2">
+                    <a:lumMod val="10000"/>
+                  </a:schemeClr>
+                </a:solidFill>
+                <a:uFill>
+                  <a:solidFill>
+                    <a:srgbClr val="FFFFFF"/>
+                  </a:solidFill>
+                </a:uFill>
+                <a:ea typeface="DejaVu Sans"/>
+              </a:rPr>
+              <a:t>nizova</a:t>
+            </a:r>
+            <a:r>
+              <a:rPr lang="en-US" sz="2800" spc="-1" dirty="0" smtClean="0">
+                <a:solidFill>
+                  <a:schemeClr val="tx2">
+                    <a:lumMod val="10000"/>
+                  </a:schemeClr>
+                </a:solidFill>
+                <a:uFill>
+                  <a:solidFill>
+                    <a:srgbClr val="FFFFFF"/>
+                  </a:solidFill>
+                </a:uFill>
+                <a:ea typeface="DejaVu Sans"/>
+              </a:rPr>
+              <a:t>.</a:t>
             </a:r>
             <a:endParaRPr lang="sr-Latn-RS" sz="2800" spc="-1" dirty="0" smtClean="0">
               <a:solidFill>
@@ -3422,13 +3564,12 @@
             </a:endParaRPr>
           </a:p>
           <a:p>
-            <a:pPr marL="215956" indent="-215596" algn="just">
+            <a:pPr marL="215956" indent="-215596">
               <a:buClr>
-                <a:srgbClr val="000000"/>
+                <a:schemeClr val="accent1"/>
               </a:buClr>
-              <a:buSzPct val="45000"/>
-              <a:buFont typeface="Wingdings" charset="2"/>
-              <a:buChar char=""/>
+              <a:buFont typeface="Wingdings" pitchFamily="2" charset="2"/>
+              <a:buChar char="§"/>
             </a:pPr>
             <a:r>
               <a:rPr lang="sr-Latn-RS" sz="2800" spc="-1" dirty="0" smtClean="0">
@@ -3444,7 +3585,55 @@
                 </a:uFill>
                 <a:ea typeface="DejaVu Sans"/>
               </a:rPr>
-              <a:t>Provera da li je poslat End, jer se tada zatvara utičnica</a:t>
+              <a:t>Provera </a:t>
+            </a:r>
+            <a:r>
+              <a:rPr lang="sr-Latn-RS" sz="2800" spc="-1" dirty="0" smtClean="0">
+                <a:solidFill>
+                  <a:schemeClr val="tx2">
+                    <a:lumMod val="10000"/>
+                  </a:schemeClr>
+                </a:solidFill>
+                <a:uFill>
+                  <a:solidFill>
+                    <a:srgbClr val="FFFFFF"/>
+                  </a:solidFill>
+                </a:uFill>
+                <a:ea typeface="DejaVu Sans"/>
+              </a:rPr>
+              <a:t>dužine </a:t>
+            </a:r>
+            <a:r>
+              <a:rPr lang="sr-Latn-RS" sz="2800" spc="-1" dirty="0" smtClean="0">
+                <a:solidFill>
+                  <a:schemeClr val="tx2">
+                    <a:lumMod val="10000"/>
+                  </a:schemeClr>
+                </a:solidFill>
+                <a:uFill>
+                  <a:solidFill>
+                    <a:srgbClr val="FFFFFF"/>
+                  </a:solidFill>
+                </a:uFill>
+                <a:ea typeface="DejaVu Sans"/>
+              </a:rPr>
+              <a:t>niza</a:t>
+            </a:r>
+            <a:r>
+              <a:rPr lang="en-US" sz="2800" spc="-1" dirty="0" smtClean="0">
+                <a:solidFill>
+                  <a:schemeClr val="tx2">
+                    <a:lumMod val="10000"/>
+                  </a:schemeClr>
+                </a:solidFill>
+                <a:uFill>
+                  <a:solidFill>
+                    <a:srgbClr val="FFFFFF"/>
+                  </a:solidFill>
+                </a:uFill>
+                <a:ea typeface="DejaVu Sans"/>
+              </a:rPr>
+              <a:t>.</a:t>
             </a:r>
             <a:endParaRPr lang="sr-Latn-RS" sz="2800" spc="-1" dirty="0" smtClean="0">
               <a:solidFill>
@@ -3460,13 +3649,12 @@
             </a:endParaRPr>
           </a:p>
           <a:p>
-            <a:pPr marL="215956" indent="-215596" algn="just">
+            <a:pPr marL="215956" indent="-215596">
               <a:buClr>
-                <a:srgbClr val="000000"/>
+                <a:schemeClr val="accent1"/>
               </a:buClr>
-              <a:buSzPct val="45000"/>
-              <a:buFont typeface="Wingdings" charset="2"/>
-              <a:buChar char=""/>
+              <a:buFont typeface="Wingdings" pitchFamily="2" charset="2"/>
+              <a:buChar char="§"/>
             </a:pPr>
             <a:r>
               <a:rPr lang="sr-Latn-RS" sz="2800" spc="-1" dirty="0" smtClean="0">
@@ -3482,7 +3670,39 @@
                 </a:uFill>
                 <a:ea typeface="DejaVu Sans"/>
               </a:rPr>
-              <a:t>Primanje stringa od strane servera u kojem očekujemo informaciju da li nam šalje niz modula, ili nam javlja da smo pogrešno uneli zahtev, ili samo menja vrednosti na serveru</a:t>
+              <a:t>Primanje poruke od klijenta u while petlji funkcijom recv</a:t>
+            </a:r>
+            <a:r>
+              <a:rPr lang="sr-Latn-RS" sz="2800" spc="-1" dirty="0" smtClean="0">
+                <a:solidFill>
+                  <a:schemeClr val="tx2">
+                    <a:lumMod val="10000"/>
+                  </a:schemeClr>
+                </a:solidFill>
+                <a:uFill>
+                  <a:solidFill>
+                    <a:srgbClr val="FFFFFF"/>
+                  </a:solidFill>
+                </a:uFill>
+                <a:ea typeface="DejaVu Sans"/>
+              </a:rPr>
+              <a:t>()</a:t>
+            </a:r>
+            <a:r>
+              <a:rPr lang="en-US" sz="2800" spc="-1" dirty="0" smtClean="0">
+                <a:solidFill>
+                  <a:schemeClr val="tx2">
+                    <a:lumMod val="10000"/>
+                  </a:schemeClr>
+                </a:solidFill>
+                <a:uFill>
+                  <a:solidFill>
+                    <a:srgbClr val="FFFFFF"/>
+                  </a:solidFill>
+                </a:uFill>
+                <a:ea typeface="DejaVu Sans"/>
+              </a:rPr>
+              <a:t>.</a:t>
             </a:r>
             <a:endParaRPr lang="sr-Latn-RS" sz="2800" spc="-1" dirty="0" smtClean="0">
               <a:solidFill>
@@ -3498,13 +3718,12 @@
             </a:endParaRPr>
           </a:p>
           <a:p>
-            <a:pPr marL="215956" indent="-215596" algn="just">
+            <a:pPr marL="215956" indent="-215596">
               <a:buClr>
-                <a:srgbClr val="000000"/>
+                <a:schemeClr val="accent1"/>
               </a:buClr>
-              <a:buSzPct val="45000"/>
-              <a:buFont typeface="Wingdings" charset="2"/>
-              <a:buChar char=""/>
+              <a:buFont typeface="Wingdings" pitchFamily="2" charset="2"/>
+              <a:buChar char="§"/>
             </a:pPr>
             <a:r>
               <a:rPr lang="sr-Latn-RS" sz="2800" spc="-1" dirty="0" smtClean="0">
@@ -3520,23 +3739,47 @@
                 </a:uFill>
                 <a:ea typeface="DejaVu Sans"/>
               </a:rPr>
-              <a:t>Ako dobijemo “Error” ispisujemo ga na terminal i možemo ponovo uneti zahtev</a:t>
-            </a:r>
-            <a:endParaRPr lang="sr-Latn-RS" sz="2800" spc="-1" dirty="0" smtClean="0">
+              <a:t>U okviru while petlje pozivaju se funkcije CheckInput() i RequestType</a:t>
+            </a:r>
+            <a:r>
+              <a:rPr lang="sr-Latn-RS" sz="2800" spc="-1" dirty="0" smtClean="0">
+                <a:solidFill>
+                  <a:schemeClr val="tx2">
+                    <a:lumMod val="10000"/>
+                  </a:schemeClr>
+                </a:solidFill>
+                <a:uFill>
+                  <a:solidFill>
+                    <a:srgbClr val="FFFFFF"/>
+                  </a:solidFill>
+                </a:uFill>
+                <a:ea typeface="DejaVu Sans"/>
+              </a:rPr>
+              <a:t>()</a:t>
+            </a:r>
+            <a:r>
+              <a:rPr lang="en-US" sz="2800" spc="-1" dirty="0" smtClean="0">
+                <a:solidFill>
+                  <a:schemeClr val="tx2">
+                    <a:lumMod val="10000"/>
+                  </a:schemeClr>
+                </a:solidFill>
+                <a:uFill>
+                  <a:solidFill>
+                    <a:srgbClr val="FFFFFF"/>
+                  </a:solidFill>
+                </a:uFill>
+                <a:ea typeface="DejaVu Sans"/>
+              </a:rPr>
+              <a:t>.</a:t>
+            </a:r>
+            <a:endParaRPr lang="en-US" sz="2800" dirty="0">
               <a:solidFill>
                 <a:schemeClr val="tx2">
                   <a:lumMod val="10000"/>
                 </a:schemeClr>
               </a:solidFill>
-              <a:uFill>
-                <a:solidFill>
-                  <a:srgbClr val="FFFFFF"/>
-                </a:solidFill>
-              </a:uFill>
             </a:endParaRPr>
-          </a:p>
-          <a:p>
-            <a:endParaRPr lang="en-US" dirty="0"/>
           </a:p>
         </p:txBody>
       </p:sp>
@@ -3584,8 +3827,8 @@
         </p:nvSpPr>
         <p:spPr>
           <a:xfrm>
-            <a:off x="611156" y="1065193"/>
-            <a:ext cx="8782845" cy="2279638"/>
+            <a:off x="611156" y="493689"/>
+            <a:ext cx="8568531" cy="2673938"/>
           </a:xfrm>
         </p:spPr>
         <p:txBody>
@@ -3600,6 +3843,7 @@
                     <a:lumMod val="10000"/>
                   </a:schemeClr>
                 </a:solidFill>
+                <a:effectLst/>
                 <a:uFill>
                   <a:solidFill>
                     <a:srgbClr val="FFFFFF"/>
@@ -3608,47 +3852,125 @@
                 <a:latin typeface="+mn-lt"/>
                 <a:ea typeface="DejaVu Sans"/>
               </a:rPr>
-              <a:t>Klijentske funkcije – Request() (2)</a:t>
+              <a:t>Klijentske </a:t>
+            </a:r>
+            <a:r>
+              <a:rPr lang="sr-Latn-RS" sz="4800" spc="-1" dirty="0" smtClean="0">
+                <a:solidFill>
+                  <a:schemeClr val="tx2">
+                    <a:lumMod val="10000"/>
+                  </a:schemeClr>
+                </a:solidFill>
+                <a:effectLst/>
+                <a:uFill>
+                  <a:solidFill>
+                    <a:srgbClr val="FFFFFF"/>
+                  </a:solidFill>
+                </a:uFill>
+                <a:latin typeface="+mn-lt"/>
+                <a:ea typeface="DejaVu Sans"/>
+              </a:rPr>
+              <a:t>funkcije</a:t>
+            </a:r>
+            <a:r>
+              <a:rPr lang="en-US" sz="4800" spc="-1" dirty="0" smtClean="0">
+                <a:solidFill>
+                  <a:schemeClr val="tx2">
+                    <a:lumMod val="10000"/>
+                  </a:schemeClr>
+                </a:solidFill>
+                <a:effectLst/>
+                <a:uFill>
+                  <a:solidFill>
+                    <a:srgbClr val="FFFFFF"/>
+                  </a:solidFill>
+                </a:uFill>
+                <a:latin typeface="+mn-lt"/>
+                <a:ea typeface="DejaVu Sans"/>
+              </a:rPr>
+              <a:t/>
+            </a:r>
+            <a:br>
+              <a:rPr lang="en-US" sz="4800" spc="-1" dirty="0" smtClean="0">
+                <a:solidFill>
+                  <a:schemeClr val="tx2">
+                    <a:lumMod val="10000"/>
+                  </a:schemeClr>
+                </a:solidFill>
+                <a:effectLst/>
+                <a:uFill>
+                  <a:solidFill>
+                    <a:srgbClr val="FFFFFF"/>
+                  </a:solidFill>
+                </a:uFill>
+                <a:latin typeface="+mn-lt"/>
+                <a:ea typeface="DejaVu Sans"/>
+              </a:rPr>
+            </a:br>
+            <a:r>
+              <a:rPr lang="sr-Latn-RS" sz="4800" spc="-1" dirty="0" smtClean="0">
+                <a:solidFill>
+                  <a:schemeClr val="tx2">
+                    <a:lumMod val="10000"/>
+                  </a:schemeClr>
+                </a:solidFill>
+                <a:effectLst/>
+                <a:uFill>
+                  <a:solidFill>
+                    <a:srgbClr val="FFFFFF"/>
+                  </a:solidFill>
+                </a:uFill>
+                <a:latin typeface="+mn-lt"/>
+                <a:ea typeface="DejaVu Sans"/>
+              </a:rPr>
+              <a:t> </a:t>
+            </a:r>
+            <a:r>
+              <a:rPr lang="sr-Latn-RS" sz="4800" spc="-1" dirty="0" smtClean="0">
+                <a:solidFill>
+                  <a:schemeClr val="tx2">
+                    <a:lumMod val="10000"/>
+                  </a:schemeClr>
+                </a:solidFill>
+                <a:effectLst/>
+                <a:uFill>
+                  <a:solidFill>
+                    <a:srgbClr val="FFFFFF"/>
+                  </a:solidFill>
+                </a:uFill>
+                <a:latin typeface="+mn-lt"/>
+                <a:ea typeface="DejaVu Sans"/>
+              </a:rPr>
+              <a:t>Request()</a:t>
             </a:r>
             <a:r>
               <a:rPr lang="sr-Latn-RS" spc="-1" dirty="0" smtClean="0">
                 <a:solidFill>
-                  <a:schemeClr val="tx2">
-                    <a:lumMod val="10000"/>
-                  </a:schemeClr>
-                </a:solidFill>
-                <a:uFill>
-                  <a:solidFill>
-                    <a:srgbClr val="FFFFFF"/>
-                  </a:solidFill>
-                </a:uFill>
-                <a:latin typeface="+mn-lt"/>
+                  <a:srgbClr val="000000"/>
+                </a:solidFill>
+                <a:uFill>
+                  <a:solidFill>
+                    <a:srgbClr val="FFFFFF"/>
+                  </a:solidFill>
+                </a:uFill>
+                <a:latin typeface="Arial"/>
               </a:rPr>
               <a:t/>
             </a:r>
             <a:br>
               <a:rPr lang="sr-Latn-RS" spc="-1" dirty="0" smtClean="0">
                 <a:solidFill>
-                  <a:schemeClr val="tx2">
-                    <a:lumMod val="10000"/>
-                  </a:schemeClr>
-                </a:solidFill>
-                <a:uFill>
-                  <a:solidFill>
-                    <a:srgbClr val="FFFFFF"/>
-                  </a:solidFill>
-                </a:uFill>
-                <a:latin typeface="+mn-lt"/>
+                  <a:srgbClr val="000000"/>
+                </a:solidFill>
+                <a:uFill>
+                  <a:solidFill>
+                    <a:srgbClr val="FFFFFF"/>
+                  </a:solidFill>
+                </a:uFill>
+                <a:latin typeface="Arial"/>
               </a:rPr>
             </a:br>
-            <a:endParaRPr lang="en-US" dirty="0">
-              <a:solidFill>
-                <a:schemeClr val="tx2">
-                  <a:lumMod val="10000"/>
-                </a:schemeClr>
-              </a:solidFill>
-              <a:latin typeface="+mn-lt"/>
-            </a:endParaRPr>
+            <a:endParaRPr lang="en-US" dirty="0"/>
           </a:p>
         </p:txBody>
       </p:sp>
@@ -3664,8 +3986,8 @@
         </p:nvSpPr>
         <p:spPr>
           <a:xfrm>
-            <a:off x="539718" y="3208333"/>
-            <a:ext cx="8568531" cy="3000396"/>
+            <a:off x="539718" y="2493953"/>
+            <a:ext cx="8568531" cy="4786346"/>
           </a:xfrm>
         </p:spPr>
         <p:txBody>
@@ -3674,11 +3996,10 @@
           <a:p>
             <a:pPr marL="215956" indent="-215596" algn="just">
               <a:buClr>
-                <a:srgbClr val="000000"/>
+                <a:schemeClr val="accent1"/>
               </a:buClr>
-              <a:buSzPct val="45000"/>
-              <a:buFont typeface="Wingdings" charset="2"/>
-              <a:buChar char=""/>
+              <a:buFont typeface="Wingdings" pitchFamily="2" charset="2"/>
+              <a:buChar char="§"/>
             </a:pPr>
             <a:r>
               <a:rPr lang="sr-Latn-RS" sz="2800" spc="-1" dirty="0" smtClean="0">
@@ -3694,7 +4015,71 @@
                 </a:uFill>
                 <a:ea typeface="DejaVu Sans"/>
               </a:rPr>
-              <a:t>Ako treba da ispišemo niz modula, prvo treba da primimo infomaciju o dužini niza, a zatim u for petlji treba da ispišemo imena modula I njihove vrijednosti;</a:t>
+              <a:t>Čitanje zahteva iz terminala i slanje </a:t>
+            </a:r>
+            <a:r>
+              <a:rPr lang="sr-Latn-RS" sz="2800" spc="-1" dirty="0" smtClean="0">
+                <a:solidFill>
+                  <a:schemeClr val="tx2">
+                    <a:lumMod val="10000"/>
+                  </a:schemeClr>
+                </a:solidFill>
+                <a:uFill>
+                  <a:solidFill>
+                    <a:srgbClr val="FFFFFF"/>
+                  </a:solidFill>
+                </a:uFill>
+                <a:ea typeface="DejaVu Sans"/>
+              </a:rPr>
+              <a:t>za</a:t>
+            </a:r>
+            <a:r>
+              <a:rPr lang="en-US" sz="2800" spc="-1" dirty="0" smtClean="0">
+                <a:solidFill>
+                  <a:schemeClr val="tx2">
+                    <a:lumMod val="10000"/>
+                  </a:schemeClr>
+                </a:solidFill>
+                <a:uFill>
+                  <a:solidFill>
+                    <a:srgbClr val="FFFFFF"/>
+                  </a:solidFill>
+                </a:uFill>
+                <a:ea typeface="DejaVu Sans"/>
+              </a:rPr>
+              <a:t>h</a:t>
+            </a:r>
+            <a:r>
+              <a:rPr lang="sr-Latn-RS" sz="2800" spc="-1" dirty="0" smtClean="0">
+                <a:solidFill>
+                  <a:schemeClr val="tx2">
+                    <a:lumMod val="10000"/>
+                  </a:schemeClr>
+                </a:solidFill>
+                <a:uFill>
+                  <a:solidFill>
+                    <a:srgbClr val="FFFFFF"/>
+                  </a:solidFill>
+                </a:uFill>
+                <a:ea typeface="DejaVu Sans"/>
+              </a:rPr>
+              <a:t>teva serveru</a:t>
+            </a:r>
+            <a:r>
+              <a:rPr lang="en-US" sz="2800" spc="-1" dirty="0" smtClean="0">
+                <a:solidFill>
+                  <a:schemeClr val="tx2">
+                    <a:lumMod val="10000"/>
+                  </a:schemeClr>
+                </a:solidFill>
+                <a:uFill>
+                  <a:solidFill>
+                    <a:srgbClr val="FFFFFF"/>
+                  </a:solidFill>
+                </a:uFill>
+                <a:ea typeface="DejaVu Sans"/>
+              </a:rPr>
+              <a:t>.</a:t>
             </a:r>
             <a:endParaRPr lang="sr-Latn-RS" sz="2800" spc="-1" dirty="0" smtClean="0">
               <a:solidFill>
@@ -3712,11 +4097,10 @@
           <a:p>
             <a:pPr marL="215956" indent="-215596" algn="just">
               <a:buClr>
-                <a:srgbClr val="000000"/>
+                <a:schemeClr val="accent1"/>
               </a:buClr>
-              <a:buSzPct val="45000"/>
-              <a:buFont typeface="Wingdings" charset="2"/>
-              <a:buChar char=""/>
+              <a:buFont typeface="Wingdings" pitchFamily="2" charset="2"/>
+              <a:buChar char="§"/>
             </a:pPr>
             <a:r>
               <a:rPr lang="sr-Latn-RS" sz="2800" spc="-1" dirty="0" smtClean="0">
@@ -3732,7 +4116,113 @@
                 </a:uFill>
                 <a:ea typeface="DejaVu Sans"/>
               </a:rPr>
-              <a:t>Ako dobijemo neku treću informaciju funkcija samo vraća - return 1;</a:t>
+              <a:t>Provera da li je poslat End, jer se tada zatvara </a:t>
+            </a:r>
+            <a:r>
+              <a:rPr lang="sr-Latn-RS" sz="2800" spc="-1" dirty="0" smtClean="0">
+                <a:solidFill>
+                  <a:schemeClr val="tx2">
+                    <a:lumMod val="10000"/>
+                  </a:schemeClr>
+                </a:solidFill>
+                <a:uFill>
+                  <a:solidFill>
+                    <a:srgbClr val="FFFFFF"/>
+                  </a:solidFill>
+                </a:uFill>
+                <a:ea typeface="DejaVu Sans"/>
+              </a:rPr>
+              <a:t>utičnica</a:t>
+            </a:r>
+            <a:r>
+              <a:rPr lang="en-US" sz="2800" spc="-1" dirty="0" smtClean="0">
+                <a:solidFill>
+                  <a:schemeClr val="tx2">
+                    <a:lumMod val="10000"/>
+                  </a:schemeClr>
+                </a:solidFill>
+                <a:uFill>
+                  <a:solidFill>
+                    <a:srgbClr val="FFFFFF"/>
+                  </a:solidFill>
+                </a:uFill>
+                <a:ea typeface="DejaVu Sans"/>
+              </a:rPr>
+              <a:t>.</a:t>
+            </a:r>
+            <a:endParaRPr lang="sr-Latn-RS" sz="2800" spc="-1" dirty="0" smtClean="0">
+              <a:solidFill>
+                <a:schemeClr val="tx2">
+                  <a:lumMod val="10000"/>
+                </a:schemeClr>
+              </a:solidFill>
+              <a:uFill>
+                <a:solidFill>
+                  <a:srgbClr val="FFFFFF"/>
+                </a:solidFill>
+              </a:uFill>
+            </a:endParaRPr>
+          </a:p>
+          <a:p>
+            <a:pPr marL="215956" indent="-215596" algn="just">
+              <a:buClr>
+                <a:schemeClr val="accent1"/>
+              </a:buClr>
+              <a:buFont typeface="Wingdings" pitchFamily="2" charset="2"/>
+              <a:buChar char="§"/>
+            </a:pPr>
+            <a:r>
+              <a:rPr lang="sr-Latn-RS" sz="2800" spc="-1" dirty="0" smtClean="0">
+                <a:solidFill>
+                  <a:schemeClr val="tx2">
+                    <a:lumMod val="10000"/>
+                  </a:schemeClr>
+                </a:solidFill>
+                <a:uFill>
+                  <a:solidFill>
+                    <a:srgbClr val="FFFFFF"/>
+                  </a:solidFill>
+                </a:uFill>
+                <a:ea typeface="DejaVu Sans"/>
+              </a:rPr>
+              <a:t>Primanje stringa od strane servera u kojem očekujemo informaciju da li nam šalje niz modula, ili nam javlja da smo pogrešno uneli zahtev, ili samo menja vrednosti na serveru</a:t>
+            </a:r>
+            <a:endParaRPr lang="sr-Latn-RS" sz="2800" spc="-1" dirty="0" smtClean="0">
+              <a:solidFill>
+                <a:schemeClr val="tx2">
+                  <a:lumMod val="10000"/>
+                </a:schemeClr>
+              </a:solidFill>
+              <a:uFill>
+                <a:solidFill>
+                  <a:srgbClr val="FFFFFF"/>
+                </a:solidFill>
+              </a:uFill>
+            </a:endParaRPr>
+          </a:p>
+          <a:p>
+            <a:pPr marL="215956" indent="-215596" algn="just">
+              <a:buClr>
+                <a:schemeClr val="accent1"/>
+              </a:buClr>
+              <a:buFont typeface="Wingdings" pitchFamily="2" charset="2"/>
+              <a:buChar char="§"/>
+            </a:pPr>
+            <a:r>
+              <a:rPr lang="sr-Latn-RS" sz="2800" spc="-1" dirty="0" smtClean="0">
+                <a:solidFill>
+                  <a:schemeClr val="tx2">
+                    <a:lumMod val="10000"/>
+                  </a:schemeClr>
+                </a:solidFill>
+                <a:uFill>
+                  <a:solidFill>
+                    <a:srgbClr val="FFFFFF"/>
+                  </a:solidFill>
+                </a:uFill>
+                <a:ea typeface="DejaVu Sans"/>
+              </a:rPr>
+              <a:t>Ako dobijemo “Error” ispisujemo ga na terminal i možemo ponovo uneti zahtev</a:t>
             </a:r>
             <a:endParaRPr lang="sr-Latn-RS" sz="2800" spc="-1" dirty="0" smtClean="0">
               <a:solidFill>
@@ -3796,8 +4286,8 @@
         </p:nvSpPr>
         <p:spPr>
           <a:xfrm>
-            <a:off x="682594" y="636565"/>
-            <a:ext cx="8568531" cy="1673807"/>
+            <a:off x="611156" y="1065193"/>
+            <a:ext cx="8782845" cy="2279638"/>
           </a:xfrm>
         </p:spPr>
         <p:txBody>
@@ -3806,17 +4296,144 @@
           <a:p>
             <a:pPr algn="ctr"/>
             <a:r>
-              <a:rPr lang="sr-Latn-RS" sz="4800" dirty="0" smtClean="0">
-                <a:solidFill>
-                  <a:schemeClr val="tx2">
-                    <a:lumMod val="10000"/>
-                  </a:schemeClr>
-                </a:solidFill>
+              <a:rPr lang="sr-Latn-RS" sz="4800" spc="-1" dirty="0" smtClean="0">
+                <a:solidFill>
+                  <a:schemeClr val="tx2">
+                    <a:lumMod val="10000"/>
+                  </a:schemeClr>
+                </a:solidFill>
+                <a:effectLst/>
+                <a:uFill>
+                  <a:solidFill>
+                    <a:srgbClr val="FFFFFF"/>
+                  </a:solidFill>
+                </a:uFill>
                 <a:latin typeface="+mn-lt"/>
-              </a:rPr>
-              <a:t>Klijentske funkcije – main()</a:t>
-            </a:r>
-            <a:endParaRPr lang="en-US" sz="4800" dirty="0">
+                <a:ea typeface="DejaVu Sans"/>
+              </a:rPr>
+              <a:t>Klijentske </a:t>
+            </a:r>
+            <a:r>
+              <a:rPr lang="sr-Latn-RS" sz="4800" spc="-1" dirty="0" smtClean="0">
+                <a:solidFill>
+                  <a:schemeClr val="tx2">
+                    <a:lumMod val="10000"/>
+                  </a:schemeClr>
+                </a:solidFill>
+                <a:effectLst/>
+                <a:uFill>
+                  <a:solidFill>
+                    <a:srgbClr val="FFFFFF"/>
+                  </a:solidFill>
+                </a:uFill>
+                <a:latin typeface="+mn-lt"/>
+                <a:ea typeface="DejaVu Sans"/>
+              </a:rPr>
+              <a:t>funkcije</a:t>
+            </a:r>
+            <a:r>
+              <a:rPr lang="en-US" sz="4800" spc="-1" dirty="0" smtClean="0">
+                <a:solidFill>
+                  <a:schemeClr val="tx2">
+                    <a:lumMod val="10000"/>
+                  </a:schemeClr>
+                </a:solidFill>
+                <a:effectLst/>
+                <a:uFill>
+                  <a:solidFill>
+                    <a:srgbClr val="FFFFFF"/>
+                  </a:solidFill>
+                </a:uFill>
+                <a:latin typeface="+mn-lt"/>
+                <a:ea typeface="DejaVu Sans"/>
+              </a:rPr>
+              <a:t/>
+            </a:r>
+            <a:br>
+              <a:rPr lang="en-US" sz="4800" spc="-1" dirty="0" smtClean="0">
+                <a:solidFill>
+                  <a:schemeClr val="tx2">
+                    <a:lumMod val="10000"/>
+                  </a:schemeClr>
+                </a:solidFill>
+                <a:effectLst/>
+                <a:uFill>
+                  <a:solidFill>
+                    <a:srgbClr val="FFFFFF"/>
+                  </a:solidFill>
+                </a:uFill>
+                <a:latin typeface="+mn-lt"/>
+                <a:ea typeface="DejaVu Sans"/>
+              </a:rPr>
+            </a:br>
+            <a:r>
+              <a:rPr lang="sr-Latn-RS" sz="4800" spc="-1" dirty="0" smtClean="0">
+                <a:solidFill>
+                  <a:schemeClr val="tx2">
+                    <a:lumMod val="10000"/>
+                  </a:schemeClr>
+                </a:solidFill>
+                <a:effectLst/>
+                <a:uFill>
+                  <a:solidFill>
+                    <a:srgbClr val="FFFFFF"/>
+                  </a:solidFill>
+                </a:uFill>
+                <a:latin typeface="+mn-lt"/>
+                <a:ea typeface="DejaVu Sans"/>
+              </a:rPr>
+              <a:t> </a:t>
+            </a:r>
+            <a:r>
+              <a:rPr lang="sr-Latn-RS" sz="4800" spc="-1" dirty="0" smtClean="0">
+                <a:solidFill>
+                  <a:schemeClr val="tx2">
+                    <a:lumMod val="10000"/>
+                  </a:schemeClr>
+                </a:solidFill>
+                <a:effectLst/>
+                <a:uFill>
+                  <a:solidFill>
+                    <a:srgbClr val="FFFFFF"/>
+                  </a:solidFill>
+                </a:uFill>
+                <a:latin typeface="+mn-lt"/>
+                <a:ea typeface="DejaVu Sans"/>
+              </a:rPr>
+              <a:t>Request() (2)</a:t>
+            </a:r>
+            <a:r>
+              <a:rPr lang="sr-Latn-RS" spc="-1" dirty="0" smtClean="0">
+                <a:solidFill>
+                  <a:schemeClr val="tx2">
+                    <a:lumMod val="10000"/>
+                  </a:schemeClr>
+                </a:solidFill>
+                <a:uFill>
+                  <a:solidFill>
+                    <a:srgbClr val="FFFFFF"/>
+                  </a:solidFill>
+                </a:uFill>
+                <a:latin typeface="+mn-lt"/>
+              </a:rPr>
+              <a:t/>
+            </a:r>
+            <a:br>
+              <a:rPr lang="sr-Latn-RS" spc="-1" dirty="0" smtClean="0">
+                <a:solidFill>
+                  <a:schemeClr val="tx2">
+                    <a:lumMod val="10000"/>
+                  </a:schemeClr>
+                </a:solidFill>
+                <a:uFill>
+                  <a:solidFill>
+                    <a:srgbClr val="FFFFFF"/>
+                  </a:solidFill>
+                </a:uFill>
+                <a:latin typeface="+mn-lt"/>
+              </a:rPr>
+            </a:br>
+            <a:endParaRPr lang="en-US" dirty="0">
               <a:solidFill>
                 <a:schemeClr val="tx2">
                   <a:lumMod val="10000"/>
@@ -3839,21 +4456,20 @@
         </p:nvSpPr>
         <p:spPr>
           <a:xfrm>
-            <a:off x="584676" y="2981391"/>
-            <a:ext cx="8568531" cy="3370214"/>
+            <a:off x="539718" y="3208333"/>
+            <a:ext cx="8568531" cy="3000396"/>
           </a:xfrm>
         </p:spPr>
         <p:txBody>
-          <a:bodyPr>
-            <a:normAutofit/>
-          </a:bodyPr>
+          <a:bodyPr/>
           <a:lstStyle/>
           <a:p>
             <a:pPr marL="215956" indent="-215596" algn="just">
               <a:buClr>
-                <a:srgbClr val="000000"/>
+                <a:schemeClr val="accent1"/>
               </a:buClr>
-              <a:buSzPct val="45000"/>
+              <a:buFont typeface="Wingdings" pitchFamily="2" charset="2"/>
+              <a:buChar char="§"/>
             </a:pPr>
             <a:r>
               <a:rPr lang="sr-Latn-RS" sz="2800" spc="-1" dirty="0" smtClean="0">
@@ -3869,7 +4485,87 @@
                 </a:uFill>
                 <a:ea typeface="DejaVu Sans"/>
               </a:rPr>
-              <a:t>U okviru main funkcije, pored standardnog koda koji je neophodan za uspostavljanje TCP konekcije, imamo while(1) petlju koja sve vreme poziva funkciju Request();</a:t>
+              <a:t>Ako treba da ispišemo niz modula, prvo treba da primimo infomaciju o dužini niza, a zatim u for petlji treba da ispišemo imena modula </a:t>
+            </a:r>
+            <a:r>
+              <a:rPr lang="en-US" sz="2800" spc="-1" dirty="0" err="1" smtClean="0">
+                <a:solidFill>
+                  <a:schemeClr val="tx2">
+                    <a:lumMod val="10000"/>
+                  </a:schemeClr>
+                </a:solidFill>
+                <a:uFill>
+                  <a:solidFill>
+                    <a:srgbClr val="FFFFFF"/>
+                  </a:solidFill>
+                </a:uFill>
+                <a:ea typeface="DejaVu Sans"/>
+              </a:rPr>
+              <a:t>i</a:t>
+            </a:r>
+            <a:r>
+              <a:rPr lang="sr-Latn-RS" sz="2800" spc="-1" dirty="0" smtClean="0">
+                <a:solidFill>
+                  <a:schemeClr val="tx2">
+                    <a:lumMod val="10000"/>
+                  </a:schemeClr>
+                </a:solidFill>
+                <a:uFill>
+                  <a:solidFill>
+                    <a:srgbClr val="FFFFFF"/>
+                  </a:solidFill>
+                </a:uFill>
+                <a:ea typeface="DejaVu Sans"/>
+              </a:rPr>
+              <a:t> </a:t>
+            </a:r>
+            <a:r>
+              <a:rPr lang="sr-Latn-RS" sz="2800" spc="-1" dirty="0" smtClean="0">
+                <a:solidFill>
+                  <a:schemeClr val="tx2">
+                    <a:lumMod val="10000"/>
+                  </a:schemeClr>
+                </a:solidFill>
+                <a:uFill>
+                  <a:solidFill>
+                    <a:srgbClr val="FFFFFF"/>
+                  </a:solidFill>
+                </a:uFill>
+                <a:ea typeface="DejaVu Sans"/>
+              </a:rPr>
+              <a:t>njihove </a:t>
+            </a:r>
+            <a:r>
+              <a:rPr lang="sr-Latn-RS" sz="2800" spc="-1" dirty="0" smtClean="0">
+                <a:solidFill>
+                  <a:schemeClr val="tx2">
+                    <a:lumMod val="10000"/>
+                  </a:schemeClr>
+                </a:solidFill>
+                <a:uFill>
+                  <a:solidFill>
+                    <a:srgbClr val="FFFFFF"/>
+                  </a:solidFill>
+                </a:uFill>
+                <a:ea typeface="DejaVu Sans"/>
+              </a:rPr>
+              <a:t>vrednosti</a:t>
+            </a:r>
+            <a:r>
+              <a:rPr lang="en-US" sz="2800" spc="-1" dirty="0" smtClean="0">
+                <a:solidFill>
+                  <a:schemeClr val="tx2">
+                    <a:lumMod val="10000"/>
+                  </a:schemeClr>
+                </a:solidFill>
+                <a:uFill>
+                  <a:solidFill>
+                    <a:srgbClr val="FFFFFF"/>
+                  </a:solidFill>
+                </a:uFill>
+                <a:ea typeface="DejaVu Sans"/>
+              </a:rPr>
+              <a:t>.</a:t>
             </a:r>
             <a:endParaRPr lang="sr-Latn-RS" sz="2800" spc="-1" dirty="0" smtClean="0">
               <a:solidFill>
@@ -3887,9 +4583,10 @@
           <a:p>
             <a:pPr marL="215956" indent="-215596" algn="just">
               <a:buClr>
-                <a:srgbClr val="000000"/>
+                <a:schemeClr val="accent1"/>
               </a:buClr>
-              <a:buSzPct val="45000"/>
+              <a:buFont typeface="Wingdings" pitchFamily="2" charset="2"/>
+              <a:buChar char="§"/>
             </a:pPr>
             <a:r>
               <a:rPr lang="sr-Latn-RS" sz="2800" spc="-1" dirty="0" smtClean="0">
@@ -3905,7 +4602,103 @@
                 </a:uFill>
                 <a:ea typeface="DejaVu Sans"/>
               </a:rPr>
-              <a:t>Program se završava kada funkcija Request() vrati 0, odnosno kada klijent pošalje zahtev End;</a:t>
+              <a:t>Ako dobijemo neku treću informaciju </a:t>
+            </a:r>
+            <a:r>
+              <a:rPr lang="en-US" sz="2800" spc="-1" dirty="0" err="1" smtClean="0">
+                <a:solidFill>
+                  <a:schemeClr val="tx2">
+                    <a:lumMod val="10000"/>
+                  </a:schemeClr>
+                </a:solidFill>
+                <a:uFill>
+                  <a:solidFill>
+                    <a:srgbClr val="FFFFFF"/>
+                  </a:solidFill>
+                </a:uFill>
+                <a:ea typeface="DejaVu Sans"/>
+              </a:rPr>
+              <a:t>povratna</a:t>
+            </a:r>
+            <a:r>
+              <a:rPr lang="en-US" sz="2800" spc="-1" dirty="0" smtClean="0">
+                <a:solidFill>
+                  <a:schemeClr val="tx2">
+                    <a:lumMod val="10000"/>
+                  </a:schemeClr>
+                </a:solidFill>
+                <a:uFill>
+                  <a:solidFill>
+                    <a:srgbClr val="FFFFFF"/>
+                  </a:solidFill>
+                </a:uFill>
+                <a:ea typeface="DejaVu Sans"/>
+              </a:rPr>
+              <a:t> </a:t>
+            </a:r>
+            <a:r>
+              <a:rPr lang="en-US" sz="2800" spc="-1" dirty="0" err="1" smtClean="0">
+                <a:solidFill>
+                  <a:schemeClr val="tx2">
+                    <a:lumMod val="10000"/>
+                  </a:schemeClr>
+                </a:solidFill>
+                <a:uFill>
+                  <a:solidFill>
+                    <a:srgbClr val="FFFFFF"/>
+                  </a:solidFill>
+                </a:uFill>
+                <a:ea typeface="DejaVu Sans"/>
+              </a:rPr>
+              <a:t>vrednost</a:t>
+            </a:r>
+            <a:r>
+              <a:rPr lang="en-US" sz="2800" spc="-1" dirty="0" smtClean="0">
+                <a:solidFill>
+                  <a:schemeClr val="tx2">
+                    <a:lumMod val="10000"/>
+                  </a:schemeClr>
+                </a:solidFill>
+                <a:uFill>
+                  <a:solidFill>
+                    <a:srgbClr val="FFFFFF"/>
+                  </a:solidFill>
+                </a:uFill>
+                <a:ea typeface="DejaVu Sans"/>
+              </a:rPr>
+              <a:t> </a:t>
+            </a:r>
+            <a:r>
+              <a:rPr lang="en-US" sz="2800" spc="-1" dirty="0" err="1" smtClean="0">
+                <a:solidFill>
+                  <a:schemeClr val="tx2">
+                    <a:lumMod val="10000"/>
+                  </a:schemeClr>
+                </a:solidFill>
+                <a:uFill>
+                  <a:solidFill>
+                    <a:srgbClr val="FFFFFF"/>
+                  </a:solidFill>
+                </a:uFill>
+                <a:ea typeface="DejaVu Sans"/>
+              </a:rPr>
+              <a:t>funkcije</a:t>
+            </a:r>
+            <a:r>
+              <a:rPr lang="en-US" sz="2800" spc="-1" dirty="0" smtClean="0">
+                <a:solidFill>
+                  <a:schemeClr val="tx2">
+                    <a:lumMod val="10000"/>
+                  </a:schemeClr>
+                </a:solidFill>
+                <a:uFill>
+                  <a:solidFill>
+                    <a:srgbClr val="FFFFFF"/>
+                  </a:solidFill>
+                </a:uFill>
+                <a:ea typeface="DejaVu Sans"/>
+              </a:rPr>
+              <a:t> je ‘-1’.</a:t>
             </a:r>
             <a:endParaRPr lang="sr-Latn-RS" sz="2800" spc="-1" dirty="0" smtClean="0">
               <a:solidFill>
@@ -3921,14 +4714,7 @@
             </a:endParaRPr>
           </a:p>
           <a:p>
-            <a:pPr algn="just"/>
-            <a:endParaRPr lang="en-US" sz="2800" dirty="0">
-              <a:solidFill>
-                <a:schemeClr val="tx2">
-                  <a:lumMod val="10000"/>
-                </a:schemeClr>
-              </a:solidFill>
-            </a:endParaRPr>
+            <a:endParaRPr lang="en-US" dirty="0"/>
           </a:p>
         </p:txBody>
       </p:sp>
@@ -3971,6 +4757,300 @@
             <a:spLocks noGrp="1"/>
           </p:cNvSpPr>
           <p:nvPr>
+            <p:ph type="title"/>
+          </p:nvPr>
+        </p:nvSpPr>
+        <p:spPr>
+          <a:xfrm>
+            <a:off x="682594" y="636565"/>
+            <a:ext cx="8568531" cy="1673807"/>
+          </a:xfrm>
+        </p:spPr>
+        <p:txBody>
+          <a:bodyPr/>
+          <a:lstStyle/>
+          <a:p>
+            <a:pPr algn="ctr"/>
+            <a:r>
+              <a:rPr lang="sr-Latn-RS" sz="4800" dirty="0" smtClean="0">
+                <a:solidFill>
+                  <a:schemeClr val="tx2">
+                    <a:lumMod val="10000"/>
+                  </a:schemeClr>
+                </a:solidFill>
+                <a:effectLst/>
+                <a:latin typeface="+mn-lt"/>
+              </a:rPr>
+              <a:t>Klijentske </a:t>
+            </a:r>
+            <a:r>
+              <a:rPr lang="sr-Latn-RS" sz="4800" dirty="0" smtClean="0">
+                <a:solidFill>
+                  <a:schemeClr val="tx2">
+                    <a:lumMod val="10000"/>
+                  </a:schemeClr>
+                </a:solidFill>
+                <a:effectLst/>
+                <a:latin typeface="+mn-lt"/>
+              </a:rPr>
+              <a:t>funkcije</a:t>
+            </a:r>
+            <a:r>
+              <a:rPr lang="en-US" sz="4800" dirty="0" smtClean="0">
+                <a:solidFill>
+                  <a:schemeClr val="tx2">
+                    <a:lumMod val="10000"/>
+                  </a:schemeClr>
+                </a:solidFill>
+                <a:effectLst/>
+                <a:latin typeface="+mn-lt"/>
+              </a:rPr>
+              <a:t/>
+            </a:r>
+            <a:br>
+              <a:rPr lang="en-US" sz="4800" dirty="0" smtClean="0">
+                <a:solidFill>
+                  <a:schemeClr val="tx2">
+                    <a:lumMod val="10000"/>
+                  </a:schemeClr>
+                </a:solidFill>
+                <a:effectLst/>
+                <a:latin typeface="+mn-lt"/>
+              </a:rPr>
+            </a:br>
+            <a:r>
+              <a:rPr lang="sr-Latn-RS" sz="4800" dirty="0" smtClean="0">
+                <a:solidFill>
+                  <a:schemeClr val="tx2">
+                    <a:lumMod val="10000"/>
+                  </a:schemeClr>
+                </a:solidFill>
+                <a:effectLst/>
+                <a:latin typeface="+mn-lt"/>
+              </a:rPr>
+              <a:t>main</a:t>
+            </a:r>
+            <a:r>
+              <a:rPr lang="sr-Latn-RS" sz="4800" dirty="0" smtClean="0">
+                <a:solidFill>
+                  <a:schemeClr val="tx2">
+                    <a:lumMod val="10000"/>
+                  </a:schemeClr>
+                </a:solidFill>
+                <a:effectLst/>
+                <a:latin typeface="+mn-lt"/>
+              </a:rPr>
+              <a:t>()</a:t>
+            </a:r>
+            <a:endParaRPr lang="en-US" sz="4800" dirty="0">
+              <a:solidFill>
+                <a:schemeClr val="tx2">
+                  <a:lumMod val="10000"/>
+                </a:schemeClr>
+              </a:solidFill>
+              <a:effectLst/>
+              <a:latin typeface="+mn-lt"/>
+            </a:endParaRPr>
+          </a:p>
+        </p:txBody>
+      </p:sp>
+      <p:sp>
+        <p:nvSpPr>
+          <p:cNvPr id="3" name="Text Placeholder 2"/>
+          <p:cNvSpPr>
+            <a:spLocks noGrp="1"/>
+          </p:cNvSpPr>
+          <p:nvPr>
+            <p:ph type="body" idx="1"/>
+          </p:nvPr>
+        </p:nvSpPr>
+        <p:spPr>
+          <a:xfrm>
+            <a:off x="754032" y="3422647"/>
+            <a:ext cx="8568531" cy="3370214"/>
+          </a:xfrm>
+        </p:spPr>
+        <p:txBody>
+          <a:bodyPr>
+            <a:normAutofit/>
+          </a:bodyPr>
+          <a:lstStyle/>
+          <a:p>
+            <a:pPr marL="215956" indent="-215596" algn="just">
+              <a:buClr>
+                <a:schemeClr val="accent1"/>
+              </a:buClr>
+              <a:buFont typeface="Wingdings" pitchFamily="2" charset="2"/>
+              <a:buChar char="§"/>
+            </a:pPr>
+            <a:r>
+              <a:rPr lang="sr-Latn-RS" sz="2800" spc="-1" dirty="0" smtClean="0">
+                <a:solidFill>
+                  <a:schemeClr val="tx2">
+                    <a:lumMod val="10000"/>
+                  </a:schemeClr>
+                </a:solidFill>
+                <a:uFill>
+                  <a:solidFill>
+                    <a:srgbClr val="FFFFFF"/>
+                  </a:solidFill>
+                </a:uFill>
+                <a:ea typeface="DejaVu Sans"/>
+              </a:rPr>
+              <a:t>U okviru main funkcije, pored standardnog koda koji je neophodan za uspostavljanje TCP konekcije, imamo while(1) petlju koja sve vreme poziva funkciju Request();</a:t>
+            </a:r>
+            <a:endParaRPr lang="sr-Latn-RS" sz="2800" spc="-1" dirty="0" smtClean="0">
+              <a:solidFill>
+                <a:schemeClr val="tx2">
+                  <a:lumMod val="10000"/>
+                </a:schemeClr>
+              </a:solidFill>
+              <a:uFill>
+                <a:solidFill>
+                  <a:srgbClr val="FFFFFF"/>
+                </a:solidFill>
+              </a:uFill>
+            </a:endParaRPr>
+          </a:p>
+          <a:p>
+            <a:pPr marL="215956" indent="-215596" algn="just">
+              <a:buClr>
+                <a:schemeClr val="accent1"/>
+              </a:buClr>
+              <a:buFont typeface="Wingdings" pitchFamily="2" charset="2"/>
+              <a:buChar char="§"/>
+            </a:pPr>
+            <a:r>
+              <a:rPr lang="sr-Latn-RS" sz="2800" spc="-1" dirty="0" smtClean="0">
+                <a:solidFill>
+                  <a:schemeClr val="tx2">
+                    <a:lumMod val="10000"/>
+                  </a:schemeClr>
+                </a:solidFill>
+                <a:uFill>
+                  <a:solidFill>
+                    <a:srgbClr val="FFFFFF"/>
+                  </a:solidFill>
+                </a:uFill>
+                <a:ea typeface="DejaVu Sans"/>
+              </a:rPr>
+              <a:t>Program se završava kada funkcija Request() vrati </a:t>
+            </a:r>
+            <a:r>
+              <a:rPr lang="en-US" sz="2800" spc="-1" dirty="0" smtClean="0">
+                <a:solidFill>
+                  <a:schemeClr val="tx2">
+                    <a:lumMod val="10000"/>
+                  </a:schemeClr>
+                </a:solidFill>
+                <a:uFill>
+                  <a:solidFill>
+                    <a:srgbClr val="FFFFFF"/>
+                  </a:solidFill>
+                </a:uFill>
+                <a:ea typeface="DejaVu Sans"/>
+              </a:rPr>
+              <a:t>‘-1’</a:t>
+            </a:r>
+            <a:r>
+              <a:rPr lang="sr-Latn-RS" sz="2800" spc="-1" dirty="0" smtClean="0">
+                <a:solidFill>
+                  <a:schemeClr val="tx2">
+                    <a:lumMod val="10000"/>
+                  </a:schemeClr>
+                </a:solidFill>
+                <a:uFill>
+                  <a:solidFill>
+                    <a:srgbClr val="FFFFFF"/>
+                  </a:solidFill>
+                </a:uFill>
+                <a:ea typeface="DejaVu Sans"/>
+              </a:rPr>
+              <a:t>, </a:t>
+            </a:r>
+            <a:r>
+              <a:rPr lang="sr-Latn-RS" sz="2800" spc="-1" dirty="0" smtClean="0">
+                <a:solidFill>
+                  <a:schemeClr val="tx2">
+                    <a:lumMod val="10000"/>
+                  </a:schemeClr>
+                </a:solidFill>
+                <a:uFill>
+                  <a:solidFill>
+                    <a:srgbClr val="FFFFFF"/>
+                  </a:solidFill>
+                </a:uFill>
+                <a:ea typeface="DejaVu Sans"/>
+              </a:rPr>
+              <a:t>odnosno kada klijent pošalje zahtev End;</a:t>
+            </a:r>
+            <a:endParaRPr lang="sr-Latn-RS" sz="2800" spc="-1" dirty="0" smtClean="0">
+              <a:solidFill>
+                <a:schemeClr val="tx2">
+                  <a:lumMod val="10000"/>
+                </a:schemeClr>
+              </a:solidFill>
+              <a:uFill>
+                <a:solidFill>
+                  <a:srgbClr val="FFFFFF"/>
+                </a:solidFill>
+              </a:uFill>
+            </a:endParaRPr>
+          </a:p>
+          <a:p>
+            <a:pPr algn="just">
+              <a:buFont typeface="Arial" pitchFamily="34" charset="0"/>
+              <a:buChar char="•"/>
+            </a:pPr>
+            <a:endParaRPr lang="en-US" sz="2800" dirty="0">
+              <a:solidFill>
+                <a:schemeClr val="tx2">
+                  <a:lumMod val="10000"/>
+                </a:schemeClr>
+              </a:solidFill>
+            </a:endParaRPr>
+          </a:p>
+        </p:txBody>
+      </p:sp>
+    </p:spTree>
+  </p:cSld>
+  <p:clrMapOvr>
+    <a:masterClrMapping/>
+  </p:clrMapOvr>
+  <p:timing>
+    <p:tnLst>
+      <p:par>
+        <p:cTn id="1" dur="indefinite" restart="never" nodeType="tmRoot"/>
+      </p:par>
+    </p:tnLst>
+  </p:timing>
+</p:sld>
+</file>
+
+<file path=ppt/slides/slide14.xml><?xml version="1.0" encoding="utf-8"?>
+<p:sld xmlns:a="http://schemas.openxmlformats.org/drawingml/2006/main" xmlns:r="http://schemas.openxmlformats.org/officeDocument/2006/relationships" xmlns:p="http://schemas.openxmlformats.org/presentationml/2006/main">
+  <p:cSld>
+    <p:spTree>
+      <p:nvGrpSpPr>
+        <p:cNvPr id="1" name=""/>
+        <p:cNvGrpSpPr/>
+        <p:nvPr/>
+      </p:nvGrpSpPr>
+      <p:grpSpPr>
+        <a:xfrm>
+          <a:off x="0" y="0"/>
+          <a:ext cx="0" cy="0"/>
+          <a:chOff x="0" y="0"/>
+          <a:chExt cx="0" cy="0"/>
+        </a:xfrm>
+      </p:grpSpPr>
+      <p:sp>
+        <p:nvSpPr>
+          <p:cNvPr id="2" name="Title 1"/>
+          <p:cNvSpPr>
+            <a:spLocks noGrp="1"/>
+          </p:cNvSpPr>
+          <p:nvPr>
             <p:ph type="ctrTitle"/>
           </p:nvPr>
         </p:nvSpPr>
@@ -3994,9 +5074,57 @@
                     <a:lumMod val="10000"/>
                   </a:schemeClr>
                 </a:solidFill>
+                <a:effectLst/>
                 <a:latin typeface="+mn-lt"/>
               </a:rPr>
-              <a:t>Interfejs server - klijent</a:t>
+              <a:t>Interfejs </a:t>
+            </a:r>
+            <a:r>
+              <a:rPr lang="en-US" sz="4800" dirty="0" smtClean="0">
+                <a:solidFill>
+                  <a:schemeClr val="tx2">
+                    <a:lumMod val="10000"/>
+                  </a:schemeClr>
+                </a:solidFill>
+                <a:effectLst/>
+                <a:latin typeface="+mn-lt"/>
+              </a:rPr>
+              <a:t/>
+            </a:r>
+            <a:br>
+              <a:rPr lang="en-US" sz="4800" dirty="0" smtClean="0">
+                <a:solidFill>
+                  <a:schemeClr val="tx2">
+                    <a:lumMod val="10000"/>
+                  </a:schemeClr>
+                </a:solidFill>
+                <a:effectLst/>
+                <a:latin typeface="+mn-lt"/>
+              </a:rPr>
+            </a:br>
+            <a:r>
+              <a:rPr lang="sr-Latn-RS" sz="4800" dirty="0" smtClean="0">
+                <a:solidFill>
+                  <a:schemeClr val="tx2">
+                    <a:lumMod val="10000"/>
+                  </a:schemeClr>
+                </a:solidFill>
+                <a:effectLst/>
+                <a:latin typeface="+mn-lt"/>
+              </a:rPr>
+              <a:t>server </a:t>
+            </a:r>
+            <a:r>
+              <a:rPr lang="sr-Latn-RS" sz="4800" dirty="0">
+                <a:solidFill>
+                  <a:schemeClr val="tx2">
+                    <a:lumMod val="10000"/>
+                  </a:schemeClr>
+                </a:solidFill>
+                <a:effectLst/>
+                <a:latin typeface="+mn-lt"/>
+              </a:rPr>
+              <a:t>- klijent</a:t>
             </a:r>
             <a:endParaRPr lang="en-US" sz="4800" dirty="0">
               <a:solidFill>
@@ -4004,59 +5132,12 @@
                   <a:lumMod val="10000"/>
                 </a:schemeClr>
               </a:solidFill>
+              <a:effectLst/>
               <a:latin typeface="+mn-lt"/>
             </a:endParaRPr>
           </a:p>
         </p:txBody>
       </p:sp>
-      <p:pic>
-        <p:nvPicPr>
-          <p:cNvPr id="4" name="Picture 3" descr="Screenshot_1.png"/>
-          <p:cNvPicPr>
-            <a:picLocks noChangeAspect="1"/>
-          </p:cNvPicPr>
-          <p:nvPr/>
-        </p:nvPicPr>
-        <p:blipFill>
-          <a:blip r:embed="rId2"/>
-          <a:stretch>
-            <a:fillRect/>
-          </a:stretch>
-        </p:blipFill>
-        <p:spPr>
-          <a:xfrm>
-            <a:off x="825470" y="1993887"/>
-            <a:ext cx="7661327" cy="1357322"/>
-          </a:xfrm>
-          <a:prstGeom prst="rect">
-            <a:avLst/>
-          </a:prstGeom>
-        </p:spPr>
-      </p:pic>
-      <p:pic>
-        <p:nvPicPr>
-          <p:cNvPr id="5" name="Picture 4" descr="Screenshot_2.png"/>
-          <p:cNvPicPr>
-            <a:picLocks noChangeAspect="1"/>
-          </p:cNvPicPr>
-          <p:nvPr/>
-        </p:nvPicPr>
-        <p:blipFill>
-          <a:blip r:embed="rId3"/>
-          <a:stretch>
-            <a:fillRect/>
-          </a:stretch>
-        </p:blipFill>
-        <p:spPr>
-          <a:xfrm>
-            <a:off x="825470" y="3636961"/>
-            <a:ext cx="6554258" cy="3071834"/>
-          </a:xfrm>
-          <a:prstGeom prst="rect">
-            <a:avLst/>
-          </a:prstGeom>
-        </p:spPr>
-      </p:pic>
     </p:spTree>
   </p:cSld>
   <p:clrMapOvr>
@@ -4182,6 +5263,7 @@
                     <a:lumMod val="10000"/>
                   </a:schemeClr>
                 </a:solidFill>
+                <a:effectLst/>
                 <a:latin typeface="+mn-lt"/>
               </a:rPr>
               <a:t>Zadatak</a:t>
@@ -4303,17 +5385,7 @@
                   </a:schemeClr>
                 </a:solidFill>
               </a:rPr>
-              <a:t>analogni modul  poseduje ime i  vrednost tipa  int. Svaki  digitalni  modul  ima  ime i  stanje  tipa  </a:t>
-            </a:r>
-            <a:r>
-              <a:rPr lang="sr-Latn-RS" sz="1400" dirty="0" smtClean="0">
-                <a:solidFill>
-                  <a:schemeClr val="tx2">
-                    <a:lumMod val="10000"/>
-                  </a:schemeClr>
-                </a:solidFill>
-              </a:rPr>
-              <a:t>bool.  Imena </a:t>
+              <a:t>analogni modul  poseduje ime i  vrednost tipa  int. Svaki  digitalni  modul  ima  ime i  stanje  tipa  bool.  Imena </a:t>
             </a:r>
           </a:p>
           <a:p>
@@ -4330,17 +5402,7 @@
                   </a:schemeClr>
                 </a:solidFill>
               </a:rPr>
-              <a:t>modula mogu biti maksimalne dužine 32 znaka. Analogni i digitalni moduli se čuvaju</a:t>
-            </a:r>
-            <a:r>
-              <a:rPr lang="sr-Latn-RS" sz="1400" dirty="0" smtClean="0">
-                <a:solidFill>
-                  <a:schemeClr val="tx2">
-                    <a:lumMod val="10000"/>
-                  </a:schemeClr>
-                </a:solidFill>
-              </a:rPr>
-              <a:t>u dva niza i  automatski  </a:t>
+              <a:t>modula mogu biti maksimalne dužine 32 znaka. Analogni i digitalni moduli se čuvajuu dva niza i  automatski  </a:t>
             </a:r>
           </a:p>
           <a:p>
@@ -4376,17 +5438,7 @@
                   </a:schemeClr>
                 </a:solidFill>
               </a:rPr>
-              <a:t> </a:t>
-            </a:r>
-            <a:r>
-              <a:rPr lang="sr-Latn-RS" sz="1400" dirty="0" smtClean="0">
-                <a:solidFill>
-                  <a:schemeClr val="tx2">
-                    <a:lumMod val="10000"/>
-                  </a:schemeClr>
-                </a:solidFill>
-              </a:rPr>
-              <a:t> Server treba da omogući klijentu izlistavanje modula i komandovanje modulima. Pod izlistavanjem module</a:t>
+              <a:t>  Server treba da omogući klijentu izlistavanje modula i komandovanje modulima. Pod izlistavanjem module</a:t>
             </a:r>
           </a:p>
           <a:p>
@@ -4423,17 +5475,7 @@
                   </a:schemeClr>
                 </a:solidFill>
               </a:rPr>
-              <a:t> vrednosti</a:t>
-            </a:r>
-            <a:r>
-              <a:rPr lang="sr-Latn-RS" sz="1400" dirty="0" smtClean="0">
-                <a:solidFill>
-                  <a:schemeClr val="tx2">
-                    <a:lumMod val="10000"/>
-                  </a:schemeClr>
-                </a:solidFill>
-              </a:rPr>
-              <a:t>  </a:t>
+              <a:t> vrednosti  </a:t>
             </a:r>
           </a:p>
           <a:p>
@@ -4546,25 +5588,8 @@
                   </a:schemeClr>
                 </a:solidFill>
               </a:rPr>
-              <a:t>s</a:t>
-            </a:r>
-            <a:r>
-              <a:rPr lang="sr-Latn-RS" sz="1400" dirty="0" smtClean="0">
-                <a:solidFill>
-                  <a:schemeClr val="tx2">
-                    <a:lumMod val="10000"/>
-                  </a:schemeClr>
-                </a:solidFill>
-              </a:rPr>
-              <a:t>tanje modula. Klijent takođe treba da omogući komandovanje modulom.</a:t>
-            </a:r>
-            <a:endParaRPr lang="sr-Latn-RS" sz="1400" dirty="0" smtClean="0">
-              <a:solidFill>
-                <a:schemeClr val="tx2">
-                  <a:lumMod val="10000"/>
-                </a:schemeClr>
-              </a:solidFill>
-            </a:endParaRPr>
+              <a:t>stanje modula. Klijent takođe treba da omogući komandovanje modulom.</a:t>
+            </a:r>
           </a:p>
           <a:p>
             <a:pPr lvl="1" algn="just">
@@ -4590,17 +5615,7 @@
                   </a:schemeClr>
                 </a:solidFill>
               </a:rPr>
-              <a:t>Sledi specifikacija komunikacionog protokola. </a:t>
-            </a:r>
-            <a:r>
-              <a:rPr lang="sr-Latn-RS" sz="1800" dirty="0" smtClean="0">
-                <a:solidFill>
-                  <a:schemeClr val="tx2">
-                    <a:lumMod val="10000"/>
-                  </a:schemeClr>
-                </a:solidFill>
-              </a:rPr>
-              <a:t>Zahtevi </a:t>
+              <a:t>Sledi specifikacija komunikacionog protokola. Zahtevi </a:t>
             </a:r>
             <a:r>
               <a:rPr lang="en-US" sz="1800" dirty="0" smtClean="0">
@@ -4764,17 +5779,7 @@
                   </a:schemeClr>
                 </a:solidFill>
               </a:rPr>
-              <a:t>f</a:t>
-            </a:r>
-            <a:r>
-              <a:rPr lang="sr-Latn-RS" sz="1800" dirty="0" smtClean="0">
-                <a:solidFill>
-                  <a:schemeClr val="tx2">
-                    <a:lumMod val="10000"/>
-                  </a:schemeClr>
-                </a:solidFill>
-              </a:rPr>
-              <a:t>ormata :  </a:t>
+              <a:t>formata :  </a:t>
             </a:r>
             <a:r>
               <a:rPr lang="en-US" sz="1800" dirty="0" smtClean="0">
@@ -4870,17 +5875,7 @@
                   </a:schemeClr>
                 </a:solidFill>
               </a:rPr>
-              <a:t> </a:t>
-            </a:r>
-            <a:r>
-              <a:rPr lang="en-US" sz="1350" dirty="0" smtClean="0">
-                <a:solidFill>
-                  <a:schemeClr val="tx2">
-                    <a:lumMod val="10000"/>
-                  </a:schemeClr>
-                </a:solidFill>
-              </a:rPr>
-              <a:t>ListAnalog</a:t>
+              <a:t> ListAnalog</a:t>
             </a:r>
           </a:p>
           <a:p>
@@ -4897,17 +5892,7 @@
                   </a:schemeClr>
                 </a:solidFill>
               </a:rPr>
-              <a:t> </a:t>
-            </a:r>
-            <a:r>
-              <a:rPr lang="en-US" sz="1350" dirty="0" smtClean="0">
-                <a:solidFill>
-                  <a:schemeClr val="tx2">
-                    <a:lumMod val="10000"/>
-                  </a:schemeClr>
-                </a:solidFill>
-              </a:rPr>
-              <a:t>  Format zahteva – [ListAnalog]</a:t>
+              <a:t>   Format zahteva – [ListAnalog]</a:t>
             </a:r>
           </a:p>
           <a:p>
@@ -4924,17 +5909,7 @@
                   </a:schemeClr>
                 </a:solidFill>
               </a:rPr>
-              <a:t> </a:t>
-            </a:r>
-            <a:r>
-              <a:rPr lang="en-US" sz="1350" dirty="0" smtClean="0">
-                <a:solidFill>
-                  <a:schemeClr val="tx2">
-                    <a:lumMod val="10000"/>
-                  </a:schemeClr>
-                </a:solidFill>
-              </a:rPr>
-              <a:t>  Format odgovora – [ListAnalog][RESPONSE LEN][ANALOG DEVICES]</a:t>
+              <a:t>   Format odgovora – [ListAnalog][RESPONSE LEN][ANALOG DEVICES]</a:t>
             </a:r>
           </a:p>
           <a:p>
@@ -4970,45 +5945,8 @@
                   </a:schemeClr>
                 </a:solidFill>
               </a:rPr>
-              <a:t> </a:t>
-            </a:r>
-            <a:r>
-              <a:rPr lang="en-US" sz="1350" dirty="0" smtClean="0">
-                <a:solidFill>
-                  <a:schemeClr val="tx2">
-                    <a:lumMod val="10000"/>
-                  </a:schemeClr>
-                </a:solidFill>
-              </a:rPr>
-              <a:t>  Format </a:t>
-            </a:r>
-            <a:r>
-              <a:rPr lang="en-US" sz="1350" dirty="0" smtClean="0">
-                <a:solidFill>
-                  <a:schemeClr val="tx2">
-                    <a:lumMod val="10000"/>
-                  </a:schemeClr>
-                </a:solidFill>
-              </a:rPr>
-              <a:t>zahteva – [</a:t>
-            </a:r>
-            <a:r>
-              <a:rPr lang="en-US" sz="1350" dirty="0" smtClean="0">
-                <a:solidFill>
-                  <a:schemeClr val="tx2">
-                    <a:lumMod val="10000"/>
-                  </a:schemeClr>
-                </a:solidFill>
-              </a:rPr>
-              <a:t>ListDigital]</a:t>
-            </a:r>
-            <a:endParaRPr lang="en-US" sz="1350" dirty="0" smtClean="0">
-              <a:solidFill>
-                <a:schemeClr val="tx2">
-                  <a:lumMod val="10000"/>
-                </a:schemeClr>
-              </a:solidFill>
-            </a:endParaRPr>
+              <a:t>   Format zahteva – [ListDigital]</a:t>
+            </a:r>
           </a:p>
           <a:p>
             <a:pPr lvl="1" algn="just">
@@ -5024,47 +5962,7 @@
                   </a:schemeClr>
                 </a:solidFill>
               </a:rPr>
-              <a:t>   Format odgovora – [</a:t>
-            </a:r>
-            <a:r>
-              <a:rPr lang="en-US" sz="1350" dirty="0" smtClean="0">
-                <a:solidFill>
-                  <a:schemeClr val="tx2">
-                    <a:lumMod val="10000"/>
-                  </a:schemeClr>
-                </a:solidFill>
-              </a:rPr>
-              <a:t>ListDigital][</a:t>
-            </a:r>
-            <a:r>
-              <a:rPr lang="en-US" sz="1350" dirty="0" smtClean="0">
-                <a:solidFill>
-                  <a:schemeClr val="tx2">
-                    <a:lumMod val="10000"/>
-                  </a:schemeClr>
-                </a:solidFill>
-              </a:rPr>
-              <a:t>RESPONSE LEN</a:t>
-            </a:r>
-            <a:r>
-              <a:rPr lang="en-US" sz="1350" dirty="0" smtClean="0">
-                <a:solidFill>
-                  <a:schemeClr val="tx2">
-                    <a:lumMod val="10000"/>
-                  </a:schemeClr>
-                </a:solidFill>
-              </a:rPr>
-              <a:t>][DIGIAL </a:t>
-            </a:r>
-            <a:r>
-              <a:rPr lang="en-US" sz="1350" dirty="0" smtClean="0">
-                <a:solidFill>
-                  <a:schemeClr val="tx2">
-                    <a:lumMod val="10000"/>
-                  </a:schemeClr>
-                </a:solidFill>
-              </a:rPr>
-              <a:t>DEVICES]</a:t>
+              <a:t>   Format odgovora – [ListDigital][RESPONSE LEN][DIGIAL DEVICES]</a:t>
             </a:r>
           </a:p>
           <a:p>
@@ -5083,17 +5981,7 @@
                   </a:schemeClr>
                 </a:solidFill>
               </a:rPr>
-              <a:t> </a:t>
-            </a:r>
-            <a:r>
-              <a:rPr lang="en-US" sz="1350" dirty="0" smtClean="0">
-                <a:solidFill>
-                  <a:schemeClr val="tx2">
-                    <a:lumMod val="10000"/>
-                  </a:schemeClr>
-                </a:solidFill>
-              </a:rPr>
-              <a:t> Komandovanje analognim modulom - CommandAnalog</a:t>
+              <a:t>  Komandovanje analognim modulom - CommandAnalog</a:t>
             </a:r>
           </a:p>
           <a:p>
@@ -5127,35 +6015,8 @@
                   </a:schemeClr>
                 </a:solidFill>
               </a:rPr>
-              <a:t>   </a:t>
-            </a:r>
-            <a:r>
-              <a:rPr lang="en-US" sz="1350" dirty="0" smtClean="0">
-                <a:solidFill>
-                  <a:schemeClr val="tx2">
-                    <a:lumMod val="10000"/>
-                  </a:schemeClr>
-                </a:solidFill>
-              </a:rPr>
-              <a:t>Format odgovora – </a:t>
-            </a:r>
-            <a:r>
-              <a:rPr lang="en-US" sz="1350" dirty="0" smtClean="0">
-                <a:solidFill>
-                  <a:schemeClr val="tx2">
-                    <a:lumMod val="10000"/>
-                  </a:schemeClr>
-                </a:solidFill>
-              </a:rPr>
-              <a:t>Nema odgovora</a:t>
-            </a:r>
-            <a:endParaRPr lang="en-US" sz="1350" dirty="0" smtClean="0">
-              <a:solidFill>
-                <a:schemeClr val="tx2">
-                  <a:lumMod val="10000"/>
-                </a:schemeClr>
-              </a:solidFill>
-            </a:endParaRPr>
+              <a:t>   Format odgovora – Nema odgovora</a:t>
+            </a:r>
           </a:p>
           <a:p>
             <a:pPr lvl="1" algn="just">
@@ -5173,25 +6034,8 @@
                   </a:schemeClr>
                 </a:solidFill>
               </a:rPr>
-              <a:t> Izlistavanje digitalnih modula – </a:t>
-            </a:r>
-            <a:r>
-              <a:rPr lang="en-US" sz="1350" dirty="0" smtClean="0">
-                <a:solidFill>
-                  <a:schemeClr val="tx2">
-                    <a:lumMod val="10000"/>
-                  </a:schemeClr>
-                </a:solidFill>
-              </a:rPr>
-              <a:t>CommandDigital</a:t>
-            </a:r>
-            <a:endParaRPr lang="en-US" sz="1350" dirty="0" smtClean="0">
-              <a:solidFill>
-                <a:schemeClr val="tx2">
-                  <a:lumMod val="10000"/>
-                </a:schemeClr>
-              </a:solidFill>
-            </a:endParaRPr>
+              <a:t> Izlistavanje digitalnih modula – CommandDigital</a:t>
+            </a:r>
           </a:p>
           <a:p>
             <a:pPr lvl="1" algn="just">
@@ -5207,25 +6051,8 @@
                   </a:schemeClr>
                 </a:solidFill>
               </a:rPr>
-              <a:t>   Format zahteva – </a:t>
-            </a:r>
-            <a:r>
-              <a:rPr lang="en-US" sz="1350" dirty="0" smtClean="0">
-                <a:solidFill>
-                  <a:schemeClr val="tx2">
-                    <a:lumMod val="10000"/>
-                  </a:schemeClr>
-                </a:solidFill>
-              </a:rPr>
-              <a:t>[CommandDigital][DEVICE_NAME][STATE]</a:t>
-            </a:r>
-            <a:endParaRPr lang="en-US" sz="1350" dirty="0" smtClean="0">
-              <a:solidFill>
-                <a:schemeClr val="tx2">
-                  <a:lumMod val="10000"/>
-                </a:schemeClr>
-              </a:solidFill>
-            </a:endParaRPr>
+              <a:t>   Format zahteva – [CommandDigital][DEVICE_NAME][STATE]</a:t>
+            </a:r>
           </a:p>
           <a:p>
             <a:pPr lvl="1" algn="just">
@@ -5241,25 +6068,8 @@
                   </a:schemeClr>
                 </a:solidFill>
               </a:rPr>
-              <a:t>   Format odgovora – </a:t>
-            </a:r>
-            <a:r>
-              <a:rPr lang="en-US" sz="1350" dirty="0" smtClean="0">
-                <a:solidFill>
-                  <a:schemeClr val="tx2">
-                    <a:lumMod val="10000"/>
-                  </a:schemeClr>
-                </a:solidFill>
-              </a:rPr>
-              <a:t>Nema odgovora</a:t>
-            </a:r>
-            <a:endParaRPr lang="en-US" sz="1350" dirty="0" smtClean="0">
-              <a:solidFill>
-                <a:schemeClr val="tx2">
-                  <a:lumMod val="10000"/>
-                </a:schemeClr>
-              </a:solidFill>
-            </a:endParaRPr>
+              <a:t>   Format odgovora – Nema odgovora</a:t>
+            </a:r>
           </a:p>
           <a:p>
             <a:pPr lvl="1" algn="just">
@@ -5487,10 +6297,23 @@
           <a:lstStyle/>
           <a:p>
             <a:pPr algn="l">
-              <a:buFont typeface="Arial" pitchFamily="34" charset="0"/>
-              <a:buChar char="•"/>
+              <a:buClr>
+                <a:schemeClr val="accent1"/>
+              </a:buClr>
+              <a:buFont typeface="Wingdings" pitchFamily="2" charset="2"/>
+              <a:buChar char="§"/>
             </a:pPr>
             <a:r>
+              <a:rPr lang="en-US" sz="2800" dirty="0" smtClean="0">
+                <a:solidFill>
+                  <a:schemeClr val="tx2">
+                    <a:lumMod val="10000"/>
+                  </a:schemeClr>
+                </a:solidFill>
+              </a:rPr>
+              <a:t> </a:t>
+            </a:r>
+            <a:r>
               <a:rPr lang="sr-Latn-RS" sz="2800" dirty="0" smtClean="0">
                 <a:solidFill>
                   <a:schemeClr val="tx2">
@@ -5498,13 +6321,43 @@
                   </a:schemeClr>
                 </a:solidFill>
               </a:rPr>
-              <a:t>Neophodna je uspostava konekcije</a:t>
-            </a:r>
+              <a:t>Neophodna </a:t>
+            </a:r>
+            <a:r>
+              <a:rPr lang="sr-Latn-RS" sz="2800" dirty="0" smtClean="0">
+                <a:solidFill>
+                  <a:schemeClr val="tx2">
+                    <a:lumMod val="10000"/>
+                  </a:schemeClr>
+                </a:solidFill>
+              </a:rPr>
+              <a:t>je uspostava </a:t>
+            </a:r>
+            <a:r>
+              <a:rPr lang="sr-Latn-RS" sz="2800" dirty="0" smtClean="0">
+                <a:solidFill>
+                  <a:schemeClr val="tx2">
+                    <a:lumMod val="10000"/>
+                  </a:schemeClr>
+                </a:solidFill>
+              </a:rPr>
+              <a:t>konekcije</a:t>
+            </a:r>
+            <a:endParaRPr lang="sr-Latn-RS" sz="2800" dirty="0" smtClean="0">
+              <a:solidFill>
+                <a:schemeClr val="tx2">
+                  <a:lumMod val="10000"/>
+                </a:schemeClr>
+              </a:solidFill>
+            </a:endParaRPr>
           </a:p>
           <a:p>
             <a:pPr algn="l">
-              <a:buFont typeface="Arial" pitchFamily="34" charset="0"/>
-              <a:buChar char="•"/>
+              <a:buClr>
+                <a:schemeClr val="accent1"/>
+              </a:buClr>
+              <a:buFont typeface="Wingdings" pitchFamily="2" charset="2"/>
+              <a:buChar char="§"/>
             </a:pPr>
             <a:r>
               <a:rPr lang="en-US" sz="2800" dirty="0" smtClean="0">
@@ -5514,7 +6367,17 @@
                   </a:schemeClr>
                 </a:solidFill>
               </a:rPr>
-              <a:t>O</a:t>
+              <a:t> O</a:t>
+            </a:r>
+            <a:r>
+              <a:rPr lang="sr-Latn-RS" sz="2800" dirty="0" smtClean="0">
+                <a:solidFill>
+                  <a:schemeClr val="tx2">
+                    <a:lumMod val="10000"/>
+                  </a:schemeClr>
+                </a:solidFill>
+              </a:rPr>
+              <a:t>snovna </a:t>
             </a:r>
             <a:r>
               <a:rPr lang="sr-Latn-RS" sz="2800" dirty="0">
@@ -5524,23 +6387,26 @@
                   </a:schemeClr>
                 </a:solidFill>
               </a:rPr>
-              <a:t>snovna jedinica prenosa je segment podataka</a:t>
+              <a:t>jedinica prenosa je segment podataka</a:t>
             </a:r>
           </a:p>
           <a:p>
             <a:pPr algn="l">
-              <a:buFont typeface="Arial" pitchFamily="34" charset="0"/>
-              <a:buChar char="•"/>
+              <a:buClr>
+                <a:schemeClr val="accent1"/>
+              </a:buClr>
+              <a:buFont typeface="Wingdings" pitchFamily="2" charset="2"/>
+              <a:buChar char="§"/>
             </a:pPr>
             <a:r>
-              <a:rPr lang="en-US" sz="2800" dirty="0">
-                <a:solidFill>
-                  <a:schemeClr val="tx2">
-                    <a:lumMod val="10000"/>
-                  </a:schemeClr>
-                </a:solidFill>
-              </a:rPr>
-              <a:t>G</a:t>
+              <a:rPr lang="en-US" sz="2800" dirty="0" smtClean="0">
+                <a:solidFill>
+                  <a:schemeClr val="tx2">
+                    <a:lumMod val="10000"/>
+                  </a:schemeClr>
+                </a:solidFill>
+              </a:rPr>
+              <a:t> G</a:t>
             </a:r>
             <a:r>
               <a:rPr lang="sr-Latn-RS" sz="2800" dirty="0">
@@ -5555,18 +6421,21 @@
           </a:p>
           <a:p>
             <a:pPr algn="l">
-              <a:buFont typeface="Arial" pitchFamily="34" charset="0"/>
-              <a:buChar char="•"/>
+              <a:buClr>
+                <a:schemeClr val="accent1"/>
+              </a:buClr>
+              <a:buFont typeface="Wingdings" pitchFamily="2" charset="2"/>
+              <a:buChar char="§"/>
             </a:pPr>
             <a:r>
-              <a:rPr lang="en-US" sz="2800" dirty="0">
-                <a:solidFill>
-                  <a:schemeClr val="tx2">
-                    <a:lumMod val="10000"/>
-                  </a:schemeClr>
-                </a:solidFill>
-              </a:rPr>
-              <a:t>S</a:t>
+              <a:rPr lang="en-US" sz="2800" dirty="0" smtClean="0">
+                <a:solidFill>
+                  <a:schemeClr val="tx2">
+                    <a:lumMod val="10000"/>
+                  </a:schemeClr>
+                </a:solidFill>
+              </a:rPr>
+              <a:t> S</a:t>
             </a:r>
             <a:r>
               <a:rPr lang="sr-Latn-RS" sz="2800" dirty="0">
@@ -5581,18 +6450,21 @@
           </a:p>
           <a:p>
             <a:pPr algn="l">
-              <a:buFont typeface="Arial" pitchFamily="34" charset="0"/>
-              <a:buChar char="•"/>
+              <a:buClr>
+                <a:schemeClr val="accent1"/>
+              </a:buClr>
+              <a:buFont typeface="Wingdings" pitchFamily="2" charset="2"/>
+              <a:buChar char="§"/>
             </a:pPr>
             <a:r>
-              <a:rPr lang="en-US" sz="2800" dirty="0">
-                <a:solidFill>
-                  <a:schemeClr val="tx2">
-                    <a:lumMod val="10000"/>
-                  </a:schemeClr>
-                </a:solidFill>
-              </a:rPr>
-              <a:t>P</a:t>
+              <a:rPr lang="en-US" sz="2800" dirty="0" smtClean="0">
+                <a:solidFill>
+                  <a:schemeClr val="tx2">
+                    <a:lumMod val="10000"/>
+                  </a:schemeClr>
+                </a:solidFill>
+              </a:rPr>
+              <a:t> P</a:t>
             </a:r>
             <a:r>
               <a:rPr lang="sr-Latn-RS" sz="2800" dirty="0">
@@ -5607,18 +6479,41 @@
           </a:p>
           <a:p>
             <a:pPr algn="l">
-              <a:buFont typeface="Arial" pitchFamily="34" charset="0"/>
-              <a:buChar char="•"/>
+              <a:buClr>
+                <a:schemeClr val="accent1"/>
+              </a:buClr>
+              <a:buFont typeface="Wingdings" pitchFamily="2" charset="2"/>
+              <a:buChar char="§"/>
             </a:pPr>
             <a:r>
-              <a:rPr lang="en-US" sz="2800" dirty="0">
-                <a:solidFill>
-                  <a:schemeClr val="tx2">
-                    <a:lumMod val="10000"/>
-                  </a:schemeClr>
-                </a:solidFill>
-              </a:rPr>
-              <a:t>P</a:t>
+              <a:rPr lang="en-US" sz="2800" dirty="0" smtClean="0">
+                <a:solidFill>
+                  <a:schemeClr val="tx2">
+                    <a:lumMod val="10000"/>
+                  </a:schemeClr>
+                </a:solidFill>
+              </a:rPr>
+              <a:t> P</a:t>
+            </a:r>
+            <a:r>
+              <a:rPr lang="sr-Latn-RS" sz="2800" dirty="0" smtClean="0">
+                <a:solidFill>
+                  <a:schemeClr val="tx2">
+                    <a:lumMod val="10000"/>
+                  </a:schemeClr>
+                </a:solidFill>
+              </a:rPr>
+              <a:t>rijemnik </a:t>
+            </a:r>
+            <a:r>
+              <a:rPr lang="sr-Latn-RS" sz="2800" dirty="0" smtClean="0">
+                <a:solidFill>
+                  <a:schemeClr val="tx2">
+                    <a:lumMod val="10000"/>
+                  </a:schemeClr>
+                </a:solidFill>
+              </a:rPr>
+              <a:t>naznačava količinu </a:t>
             </a:r>
             <a:r>
               <a:rPr lang="sr-Latn-RS" sz="2800" dirty="0">
@@ -5628,43 +6523,26 @@
                   </a:schemeClr>
                 </a:solidFill>
               </a:rPr>
-              <a:t>rijemnik </a:t>
-            </a:r>
-            <a:r>
-              <a:rPr lang="sr-Latn-RS" sz="2800" dirty="0" smtClean="0">
-                <a:solidFill>
-                  <a:schemeClr val="tx2">
-                    <a:lumMod val="10000"/>
-                  </a:schemeClr>
-                </a:solidFill>
-              </a:rPr>
-              <a:t>naznačava količinu </a:t>
-            </a:r>
-            <a:r>
-              <a:rPr lang="sr-Latn-RS" sz="2800" dirty="0">
-                <a:solidFill>
-                  <a:schemeClr val="tx2">
-                    <a:lumMod val="10000"/>
-                  </a:schemeClr>
-                </a:solidFill>
-              </a:rPr>
               <a:t>podataka koju je spreman da primi</a:t>
             </a:r>
           </a:p>
           <a:p>
             <a:pPr algn="l">
-              <a:buFont typeface="Arial" pitchFamily="34" charset="0"/>
-              <a:buChar char="•"/>
+              <a:buClr>
+                <a:schemeClr val="accent1"/>
+              </a:buClr>
+              <a:buFont typeface="Wingdings" pitchFamily="2" charset="2"/>
+              <a:buChar char="§"/>
             </a:pPr>
             <a:r>
-              <a:rPr lang="en-US" sz="2800" dirty="0">
-                <a:solidFill>
-                  <a:schemeClr val="tx2">
-                    <a:lumMod val="10000"/>
-                  </a:schemeClr>
-                </a:solidFill>
-              </a:rPr>
-              <a:t>O</a:t>
+              <a:rPr lang="en-US" sz="2800" dirty="0" smtClean="0">
+                <a:solidFill>
+                  <a:schemeClr val="tx2">
+                    <a:lumMod val="10000"/>
+                  </a:schemeClr>
+                </a:solidFill>
+              </a:rPr>
+              <a:t> O</a:t>
             </a:r>
             <a:r>
               <a:rPr lang="sr-Latn-RS" sz="2800" dirty="0">
@@ -5736,7 +6614,7 @@
         </p:nvSpPr>
         <p:spPr>
           <a:xfrm>
-            <a:off x="1325536" y="207937"/>
+            <a:off x="1039784" y="422251"/>
             <a:ext cx="8175922" cy="1025662"/>
           </a:xfrm>
         </p:spPr>
@@ -5748,15 +6626,40 @@
           <a:p>
             <a:pPr algn="ctr"/>
             <a:r>
-              <a:rPr lang="sr-Latn-RS" sz="3600" dirty="0">
-                <a:solidFill>
-                  <a:schemeClr val="tx2">
-                    <a:lumMod val="10000"/>
-                  </a:schemeClr>
-                </a:solidFill>
+              <a:rPr lang="sr-Latn-RS" sz="3600" dirty="0" smtClean="0">
+                <a:solidFill>
+                  <a:schemeClr val="tx2">
+                    <a:lumMod val="10000"/>
+                  </a:schemeClr>
+                </a:solidFill>
+                <a:effectLst/>
                 <a:latin typeface="+mn-lt"/>
               </a:rPr>
-              <a:t>Funkcije neophodne za uspostavu veze:</a:t>
+              <a:t>Funkcije neophodne za uspostav</a:t>
+            </a:r>
+            <a:r>
+              <a:rPr lang="en-US" sz="3600" dirty="0" smtClean="0">
+                <a:solidFill>
+                  <a:schemeClr val="tx2">
+                    <a:lumMod val="10000"/>
+                  </a:schemeClr>
+                </a:solidFill>
+                <a:effectLst/>
+                <a:latin typeface="+mn-lt"/>
+              </a:rPr>
+              <a:t>ljanje</a:t>
+            </a:r>
+            <a:r>
+              <a:rPr lang="sr-Latn-RS" sz="3600" dirty="0" smtClean="0">
+                <a:solidFill>
+                  <a:schemeClr val="tx2">
+                    <a:lumMod val="10000"/>
+                  </a:schemeClr>
+                </a:solidFill>
+                <a:effectLst/>
+                <a:latin typeface="+mn-lt"/>
+              </a:rPr>
+              <a:t> veze:</a:t>
             </a:r>
             <a:endParaRPr lang="en-US" sz="3600" dirty="0">
               <a:solidFill>
@@ -5764,6 +6667,7 @@
                   <a:lumMod val="10000"/>
                 </a:schemeClr>
               </a:solidFill>
+              <a:effectLst/>
               <a:latin typeface="+mn-lt"/>
             </a:endParaRPr>
           </a:p>
@@ -5786,8 +6690,8 @@
           </a:xfrm>
         </p:spPr>
         <p:txBody>
-          <a:bodyPr>
-            <a:normAutofit lnSpcReduction="10000"/>
+          <a:bodyPr numCol="1">
+            <a:normAutofit/>
           </a:bodyPr>
           <a:lstStyle/>
           <a:p>
@@ -5799,7 +6703,7 @@
               <a:buChar char="§"/>
             </a:pPr>
             <a:r>
-              <a:rPr lang="en-US" sz="2600" dirty="0" smtClean="0">
+              <a:rPr lang="en-US" sz="2000" dirty="0" smtClean="0">
                 <a:solidFill>
                   <a:schemeClr val="tx2">
                     <a:lumMod val="10000"/>
@@ -5809,7 +6713,7 @@
               <a:t> </a:t>
             </a:r>
             <a:r>
-              <a:rPr lang="sr-Latn-RS" sz="2600" dirty="0" smtClean="0">
+              <a:rPr lang="sr-Latn-RS" sz="2000" dirty="0" smtClean="0">
                 <a:solidFill>
                   <a:schemeClr val="tx2">
                     <a:lumMod val="10000"/>
@@ -5819,7 +6723,7 @@
               <a:t>Kreiranje </a:t>
             </a:r>
             <a:r>
-              <a:rPr lang="sr-Latn-RS" sz="2600" dirty="0">
+              <a:rPr lang="sr-Latn-RS" sz="2000" dirty="0">
                 <a:solidFill>
                   <a:schemeClr val="tx2">
                     <a:lumMod val="10000"/>
@@ -5828,17 +6732,31 @@
               </a:rPr>
               <a:t>utičnice: </a:t>
             </a:r>
-            <a:r>
-              <a:rPr lang="en-US" sz="2600" dirty="0">
-                <a:solidFill>
-                  <a:schemeClr val="tx2">
-                    <a:lumMod val="10000"/>
-                  </a:schemeClr>
-                </a:solidFill>
-              </a:rPr>
-              <a:t>socket(AF_INET , SOCK_STREAM , 0);</a:t>
-            </a:r>
-            <a:endParaRPr lang="sr-Latn-RS" sz="2600" dirty="0">
+            <a:endParaRPr lang="en-US" sz="2000" dirty="0" smtClean="0">
+              <a:solidFill>
+                <a:schemeClr val="tx2">
+                  <a:lumMod val="10000"/>
+                </a:schemeClr>
+              </a:solidFill>
+            </a:endParaRPr>
+          </a:p>
+          <a:p>
+            <a:pPr algn="l">
+              <a:buClr>
+                <a:schemeClr val="accent1"/>
+              </a:buClr>
+            </a:pPr>
+            <a:r>
+              <a:rPr lang="en-US" sz="2000" dirty="0" smtClean="0">
+                <a:solidFill>
+                  <a:schemeClr val="tx2">
+                    <a:lumMod val="10000"/>
+                  </a:schemeClr>
+                </a:solidFill>
+              </a:rPr>
+              <a:t>      socket(AF_INET , SOCK_STREAM , 0)</a:t>
+            </a:r>
+            <a:endParaRPr lang="sr-Latn-RS" sz="2000" dirty="0">
               <a:solidFill>
                 <a:schemeClr val="tx2">
                   <a:lumMod val="10000"/>
@@ -5855,7 +6773,7 @@
               <a:buChar char="§"/>
             </a:pPr>
             <a:r>
-              <a:rPr lang="en-US" sz="2600" dirty="0" smtClean="0">
+              <a:rPr lang="en-US" sz="2000" dirty="0" smtClean="0">
                 <a:solidFill>
                   <a:schemeClr val="tx2">
                     <a:lumMod val="10000"/>
@@ -5865,7 +6783,7 @@
               <a:t> </a:t>
             </a:r>
             <a:r>
-              <a:rPr lang="sr-Latn-RS" sz="2600" dirty="0" smtClean="0">
+              <a:rPr lang="sr-Latn-RS" sz="2000" dirty="0" smtClean="0">
                 <a:solidFill>
                   <a:schemeClr val="tx2">
                     <a:lumMod val="10000"/>
@@ -5875,7 +6793,7 @@
               <a:t>Pridruživanje </a:t>
             </a:r>
             <a:r>
-              <a:rPr lang="sr-Latn-RS" sz="2600" dirty="0">
+              <a:rPr lang="sr-Latn-RS" sz="2000" dirty="0">
                 <a:solidFill>
                   <a:schemeClr val="tx2">
                     <a:lumMod val="10000"/>
@@ -5884,8 +6802,42 @@
               </a:rPr>
               <a:t>IP adrese i komunikacione linije utičnici: </a:t>
             </a:r>
-            <a:r>
-              <a:rPr lang="en-US" sz="2600" dirty="0">
+            <a:endParaRPr lang="en-US" sz="2000" dirty="0" smtClean="0">
+              <a:solidFill>
+                <a:schemeClr val="tx2">
+                  <a:lumMod val="10000"/>
+                </a:schemeClr>
+              </a:solidFill>
+            </a:endParaRPr>
+          </a:p>
+          <a:p>
+            <a:pPr algn="l">
+              <a:buClr>
+                <a:schemeClr val="accent1"/>
+              </a:buClr>
+            </a:pPr>
+            <a:r>
+              <a:rPr lang="en-US" sz="2000" dirty="0" smtClean="0">
+                <a:solidFill>
+                  <a:schemeClr val="tx2">
+                    <a:lumMod val="10000"/>
+                  </a:schemeClr>
+                </a:solidFill>
+              </a:rPr>
+              <a:t> </a:t>
+            </a:r>
+            <a:r>
+              <a:rPr lang="en-US" sz="2000" dirty="0" smtClean="0">
+                <a:solidFill>
+                  <a:schemeClr val="tx2">
+                    <a:lumMod val="10000"/>
+                  </a:schemeClr>
+                </a:solidFill>
+              </a:rPr>
+              <a:t>     </a:t>
+            </a:r>
+            <a:r>
+              <a:rPr lang="en-US" sz="2000" dirty="0" smtClean="0">
                 <a:solidFill>
                   <a:schemeClr val="tx2">
                     <a:lumMod val="10000"/>
@@ -5895,7 +6847,7 @@
               <a:t>bind(socketDesc</a:t>
             </a:r>
             <a:r>
-              <a:rPr lang="en-US" sz="2600" dirty="0" smtClean="0">
+              <a:rPr lang="en-US" sz="2000" dirty="0" smtClean="0">
                 <a:solidFill>
                   <a:schemeClr val="tx2">
                     <a:lumMod val="10000"/>
@@ -5905,7 +6857,7 @@
               <a:t>, (</a:t>
             </a:r>
             <a:r>
-              <a:rPr lang="en-US" sz="2600" dirty="0">
+              <a:rPr lang="en-US" sz="2000" dirty="0">
                 <a:solidFill>
                   <a:schemeClr val="tx2">
                     <a:lumMod val="10000"/>
@@ -5914,7 +6866,7 @@
               </a:rPr>
               <a:t>struct sockaddr *)&amp;server , sizeof(server))</a:t>
             </a:r>
-            <a:endParaRPr lang="sr-Latn-RS" sz="2600" dirty="0">
+            <a:endParaRPr lang="sr-Latn-RS" sz="2000" dirty="0">
               <a:solidFill>
                 <a:schemeClr val="tx2">
                   <a:lumMod val="10000"/>
@@ -5931,7 +6883,7 @@
               <a:buChar char="§"/>
             </a:pPr>
             <a:r>
-              <a:rPr lang="en-US" sz="2600" dirty="0" smtClean="0">
+              <a:rPr lang="en-US" sz="2000" dirty="0" smtClean="0">
                 <a:solidFill>
                   <a:schemeClr val="tx2">
                     <a:lumMod val="10000"/>
@@ -5941,7 +6893,7 @@
               <a:t> </a:t>
             </a:r>
             <a:r>
-              <a:rPr lang="sr-Latn-RS" sz="2600" dirty="0" smtClean="0">
+              <a:rPr lang="sr-Latn-RS" sz="2000" dirty="0" smtClean="0">
                 <a:solidFill>
                   <a:schemeClr val="tx2">
                     <a:lumMod val="10000"/>
@@ -5951,7 +6903,7 @@
               <a:t>Slušanje </a:t>
             </a:r>
             <a:r>
-              <a:rPr lang="sr-Latn-RS" sz="2600" dirty="0">
+              <a:rPr lang="sr-Latn-RS" sz="2000" dirty="0">
                 <a:solidFill>
                   <a:schemeClr val="tx2">
                     <a:lumMod val="10000"/>
@@ -5960,17 +6912,71 @@
               </a:rPr>
               <a:t>dolazne veze: </a:t>
             </a:r>
-            <a:r>
-              <a:rPr lang="en-US" sz="2600" dirty="0">
-                <a:solidFill>
-                  <a:schemeClr val="tx2">
-                    <a:lumMod val="10000"/>
-                  </a:schemeClr>
-                </a:solidFill>
-              </a:rPr>
-              <a:t>listen(socketDesc , 3);</a:t>
-            </a:r>
-            <a:endParaRPr lang="sr-Latn-RS" sz="2600" dirty="0">
+            <a:endParaRPr lang="en-US" sz="2000" dirty="0" smtClean="0">
+              <a:solidFill>
+                <a:schemeClr val="tx2">
+                  <a:lumMod val="10000"/>
+                </a:schemeClr>
+              </a:solidFill>
+            </a:endParaRPr>
+          </a:p>
+          <a:p>
+            <a:pPr algn="l">
+              <a:buClr>
+                <a:schemeClr val="accent1"/>
+              </a:buClr>
+            </a:pPr>
+            <a:r>
+              <a:rPr lang="en-US" sz="2000" dirty="0" smtClean="0">
+                <a:solidFill>
+                  <a:schemeClr val="tx2">
+                    <a:lumMod val="10000"/>
+                  </a:schemeClr>
+                </a:solidFill>
+              </a:rPr>
+              <a:t> </a:t>
+            </a:r>
+            <a:r>
+              <a:rPr lang="en-US" sz="2000" dirty="0" smtClean="0">
+                <a:solidFill>
+                  <a:schemeClr val="tx2">
+                    <a:lumMod val="10000"/>
+                  </a:schemeClr>
+                </a:solidFill>
+              </a:rPr>
+              <a:t>     </a:t>
+            </a:r>
+            <a:r>
+              <a:rPr lang="en-US" sz="2000" dirty="0" smtClean="0">
+                <a:solidFill>
+                  <a:schemeClr val="tx2">
+                    <a:lumMod val="10000"/>
+                  </a:schemeClr>
+                </a:solidFill>
+              </a:rPr>
+              <a:t>listen(socketDesc </a:t>
+            </a:r>
+            <a:r>
+              <a:rPr lang="en-US" sz="2000" dirty="0">
+                <a:solidFill>
+                  <a:schemeClr val="tx2">
+                    <a:lumMod val="10000"/>
+                  </a:schemeClr>
+                </a:solidFill>
+              </a:rPr>
+              <a:t>, 3</a:t>
+            </a:r>
+            <a:r>
+              <a:rPr lang="en-US" sz="2000" dirty="0" smtClean="0">
+                <a:solidFill>
+                  <a:schemeClr val="tx2">
+                    <a:lumMod val="10000"/>
+                  </a:schemeClr>
+                </a:solidFill>
+              </a:rPr>
+              <a:t>)</a:t>
+            </a:r>
+            <a:endParaRPr lang="sr-Latn-RS" sz="2000" dirty="0">
               <a:solidFill>
                 <a:schemeClr val="tx2">
                   <a:lumMod val="10000"/>
@@ -5987,7 +6993,7 @@
               <a:buChar char="§"/>
             </a:pPr>
             <a:r>
-              <a:rPr lang="en-US" sz="2600" dirty="0" smtClean="0">
+              <a:rPr lang="en-US" sz="2000" dirty="0" smtClean="0">
                 <a:solidFill>
                   <a:schemeClr val="tx2">
                     <a:lumMod val="10000"/>
@@ -5997,7 +7003,7 @@
               <a:t> </a:t>
             </a:r>
             <a:r>
-              <a:rPr lang="sr-Latn-RS" sz="2600" dirty="0" smtClean="0">
+              <a:rPr lang="sr-Latn-RS" sz="2000" dirty="0" smtClean="0">
                 <a:solidFill>
                   <a:schemeClr val="tx2">
                     <a:lumMod val="10000"/>
@@ -6007,7 +7013,7 @@
               <a:t>Server </a:t>
             </a:r>
             <a:r>
-              <a:rPr lang="sr-Latn-RS" sz="2600" dirty="0">
+              <a:rPr lang="sr-Latn-RS" sz="2000" dirty="0">
                 <a:solidFill>
                   <a:schemeClr val="tx2">
                     <a:lumMod val="10000"/>
@@ -6016,17 +7022,71 @@
               </a:rPr>
               <a:t>prihvata dolaznu vezu: </a:t>
             </a:r>
-            <a:r>
-              <a:rPr lang="en-US" sz="2600" dirty="0">
-                <a:solidFill>
-                  <a:schemeClr val="tx2">
-                    <a:lumMod val="10000"/>
-                  </a:schemeClr>
-                </a:solidFill>
-              </a:rPr>
-              <a:t>accept(socketDesc, (struct sockaddr *)&amp;client, (socklen_t*)&amp;c);</a:t>
-            </a:r>
-            <a:endParaRPr lang="sr-Latn-RS" sz="2600" dirty="0">
+            <a:endParaRPr lang="en-US" sz="2000" dirty="0" smtClean="0">
+              <a:solidFill>
+                <a:schemeClr val="tx2">
+                  <a:lumMod val="10000"/>
+                </a:schemeClr>
+              </a:solidFill>
+            </a:endParaRPr>
+          </a:p>
+          <a:p>
+            <a:pPr algn="l">
+              <a:buClr>
+                <a:schemeClr val="accent1"/>
+              </a:buClr>
+            </a:pPr>
+            <a:r>
+              <a:rPr lang="en-US" sz="2000" dirty="0" smtClean="0">
+                <a:solidFill>
+                  <a:schemeClr val="tx2">
+                    <a:lumMod val="10000"/>
+                  </a:schemeClr>
+                </a:solidFill>
+              </a:rPr>
+              <a:t> </a:t>
+            </a:r>
+            <a:r>
+              <a:rPr lang="en-US" sz="2000" dirty="0" smtClean="0">
+                <a:solidFill>
+                  <a:schemeClr val="tx2">
+                    <a:lumMod val="10000"/>
+                  </a:schemeClr>
+                </a:solidFill>
+              </a:rPr>
+              <a:t>     </a:t>
+            </a:r>
+            <a:r>
+              <a:rPr lang="en-US" sz="2000" dirty="0" smtClean="0">
+                <a:solidFill>
+                  <a:schemeClr val="tx2">
+                    <a:lumMod val="10000"/>
+                  </a:schemeClr>
+                </a:solidFill>
+              </a:rPr>
+              <a:t>accept(socketDesc</a:t>
+            </a:r>
+            <a:r>
+              <a:rPr lang="en-US" sz="2000" dirty="0">
+                <a:solidFill>
+                  <a:schemeClr val="tx2">
+                    <a:lumMod val="10000"/>
+                  </a:schemeClr>
+                </a:solidFill>
+              </a:rPr>
+              <a:t>, (struct sockaddr *)&amp;client, (socklen_t*)&amp;c</a:t>
+            </a:r>
+            <a:r>
+              <a:rPr lang="en-US" sz="2000" dirty="0" smtClean="0">
+                <a:solidFill>
+                  <a:schemeClr val="tx2">
+                    <a:lumMod val="10000"/>
+                  </a:schemeClr>
+                </a:solidFill>
+              </a:rPr>
+              <a:t>)</a:t>
+            </a:r>
+            <a:endParaRPr lang="sr-Latn-RS" sz="2000" dirty="0">
               <a:solidFill>
                 <a:schemeClr val="tx2">
                   <a:lumMod val="10000"/>
@@ -6043,7 +7103,7 @@
               <a:buChar char="§"/>
             </a:pPr>
             <a:r>
-              <a:rPr lang="en-US" sz="2600" dirty="0" smtClean="0">
+              <a:rPr lang="en-US" sz="2000" dirty="0" smtClean="0">
                 <a:solidFill>
                   <a:schemeClr val="tx2">
                     <a:lumMod val="10000"/>
@@ -6053,7 +7113,7 @@
               <a:t> </a:t>
             </a:r>
             <a:r>
-              <a:rPr lang="sr-Latn-RS" sz="2600" dirty="0" smtClean="0">
+              <a:rPr lang="sr-Latn-RS" sz="2000" dirty="0" smtClean="0">
                 <a:solidFill>
                   <a:schemeClr val="tx2">
                     <a:lumMod val="10000"/>
@@ -6063,7 +7123,7 @@
               <a:t>Slanje </a:t>
             </a:r>
             <a:r>
-              <a:rPr lang="sr-Latn-RS" sz="2600" dirty="0">
+              <a:rPr lang="sr-Latn-RS" sz="2000" dirty="0">
                 <a:solidFill>
                   <a:schemeClr val="tx2">
                     <a:lumMod val="10000"/>
@@ -6072,18 +7132,42 @@
               </a:rPr>
               <a:t>poruke: </a:t>
             </a:r>
-            <a:r>
-              <a:rPr lang="en-US" sz="2600" dirty="0">
-                <a:solidFill>
-                  <a:schemeClr val="tx2">
-                    <a:lumMod val="10000"/>
-                  </a:schemeClr>
-                </a:solidFill>
-              </a:rPr>
-              <a:t>send(cllientSock, </a:t>
-            </a:r>
-            <a:r>
-              <a:rPr lang="sr-Latn-RS" sz="2600" dirty="0">
+            <a:endParaRPr lang="en-US" sz="2000" dirty="0" smtClean="0">
+              <a:solidFill>
+                <a:schemeClr val="tx2">
+                  <a:lumMod val="10000"/>
+                </a:schemeClr>
+              </a:solidFill>
+            </a:endParaRPr>
+          </a:p>
+          <a:p>
+            <a:pPr algn="l">
+              <a:buClr>
+                <a:schemeClr val="accent1"/>
+              </a:buClr>
+            </a:pPr>
+            <a:r>
+              <a:rPr lang="en-US" sz="2000" dirty="0" smtClean="0">
+                <a:solidFill>
+                  <a:schemeClr val="tx2">
+                    <a:lumMod val="10000"/>
+                  </a:schemeClr>
+                </a:solidFill>
+              </a:rPr>
+              <a:t>      send(cllientSock</a:t>
+            </a:r>
+            <a:r>
+              <a:rPr lang="en-US" sz="2000" dirty="0">
+                <a:solidFill>
+                  <a:schemeClr val="tx2">
+                    <a:lumMod val="10000"/>
+                  </a:schemeClr>
+                </a:solidFill>
+              </a:rPr>
+              <a:t>, </a:t>
+            </a:r>
+            <a:r>
+              <a:rPr lang="sr-Latn-RS" sz="2000" dirty="0">
                 <a:solidFill>
                   <a:schemeClr val="tx2">
                     <a:lumMod val="10000"/>
@@ -6093,7 +7177,7 @@
               <a:t>message</a:t>
             </a:r>
             <a:r>
-              <a:rPr lang="en-US" sz="2600" dirty="0">
+              <a:rPr lang="en-US" sz="2000" dirty="0">
                 <a:solidFill>
                   <a:schemeClr val="tx2">
                     <a:lumMod val="10000"/>
@@ -6103,7 +7187,7 @@
               <a:t>, </a:t>
             </a:r>
             <a:r>
-              <a:rPr lang="sr-Latn-RS" sz="2600" dirty="0">
+              <a:rPr lang="sr-Latn-RS" sz="2000" dirty="0">
                 <a:solidFill>
                   <a:schemeClr val="tx2">
                     <a:lumMod val="10000"/>
@@ -6113,16 +7197,26 @@
               <a:t>DEFAULT_MSGLEN</a:t>
             </a:r>
             <a:r>
-              <a:rPr lang="en-US" sz="2600" dirty="0">
-                <a:solidFill>
-                  <a:schemeClr val="tx2">
-                    <a:lumMod val="10000"/>
-                  </a:schemeClr>
-                </a:solidFill>
-              </a:rPr>
-              <a:t>, 0);</a:t>
-            </a:r>
-            <a:endParaRPr lang="sr-Latn-RS" sz="2600" dirty="0">
+              <a:rPr lang="en-US" sz="2000" dirty="0">
+                <a:solidFill>
+                  <a:schemeClr val="tx2">
+                    <a:lumMod val="10000"/>
+                  </a:schemeClr>
+                </a:solidFill>
+              </a:rPr>
+              <a:t>, 0</a:t>
+            </a:r>
+            <a:r>
+              <a:rPr lang="en-US" sz="2000" dirty="0" smtClean="0">
+                <a:solidFill>
+                  <a:schemeClr val="tx2">
+                    <a:lumMod val="10000"/>
+                  </a:schemeClr>
+                </a:solidFill>
+              </a:rPr>
+              <a:t>)</a:t>
+            </a:r>
+            <a:endParaRPr lang="sr-Latn-RS" sz="2000" dirty="0">
               <a:solidFill>
                 <a:schemeClr val="tx2">
                   <a:lumMod val="10000"/>
@@ -6139,7 +7233,7 @@
               <a:buChar char="§"/>
             </a:pPr>
             <a:r>
-              <a:rPr lang="en-US" sz="2600" dirty="0" smtClean="0">
+              <a:rPr lang="en-US" sz="2000" dirty="0" smtClean="0">
                 <a:solidFill>
                   <a:schemeClr val="tx2">
                     <a:lumMod val="10000"/>
@@ -6149,7 +7243,7 @@
               <a:t> </a:t>
             </a:r>
             <a:r>
-              <a:rPr lang="sr-Latn-RS" sz="2600" dirty="0" smtClean="0">
+              <a:rPr lang="sr-Latn-RS" sz="2000" dirty="0" smtClean="0">
                 <a:solidFill>
                   <a:schemeClr val="tx2">
                     <a:lumMod val="10000"/>
@@ -6159,7 +7253,7 @@
               <a:t>Prijem </a:t>
             </a:r>
             <a:r>
-              <a:rPr lang="sr-Latn-RS" sz="2600" dirty="0">
+              <a:rPr lang="sr-Latn-RS" sz="2000" dirty="0">
                 <a:solidFill>
                   <a:schemeClr val="tx2">
                     <a:lumMod val="10000"/>
@@ -6168,18 +7262,62 @@
               </a:rPr>
               <a:t>poruke: </a:t>
             </a:r>
-            <a:r>
-              <a:rPr lang="en-US" sz="2600" dirty="0">
-                <a:solidFill>
-                  <a:schemeClr val="tx2">
-                    <a:lumMod val="10000"/>
-                  </a:schemeClr>
-                </a:solidFill>
-              </a:rPr>
-              <a:t>recv(cllientSock , request , </a:t>
-            </a:r>
-            <a:r>
-              <a:rPr lang="en-US" sz="2600" dirty="0" smtClean="0">
+            <a:endParaRPr lang="en-US" sz="2000" dirty="0" smtClean="0">
+              <a:solidFill>
+                <a:schemeClr val="tx2">
+                  <a:lumMod val="10000"/>
+                </a:schemeClr>
+              </a:solidFill>
+            </a:endParaRPr>
+          </a:p>
+          <a:p>
+            <a:pPr algn="l">
+              <a:buClr>
+                <a:schemeClr val="accent1"/>
+              </a:buClr>
+            </a:pPr>
+            <a:r>
+              <a:rPr lang="en-US" sz="2000" dirty="0" smtClean="0">
+                <a:solidFill>
+                  <a:schemeClr val="tx2">
+                    <a:lumMod val="10000"/>
+                  </a:schemeClr>
+                </a:solidFill>
+              </a:rPr>
+              <a:t> </a:t>
+            </a:r>
+            <a:r>
+              <a:rPr lang="en-US" sz="2000" dirty="0" smtClean="0">
+                <a:solidFill>
+                  <a:schemeClr val="tx2">
+                    <a:lumMod val="10000"/>
+                  </a:schemeClr>
+                </a:solidFill>
+              </a:rPr>
+              <a:t>     </a:t>
+            </a:r>
+            <a:r>
+              <a:rPr lang="en-US" sz="2000" dirty="0" smtClean="0">
+                <a:solidFill>
+                  <a:schemeClr val="tx2">
+                    <a:lumMod val="10000"/>
+                  </a:schemeClr>
+                </a:solidFill>
+              </a:rPr>
+              <a:t>recv(cllientSock </a:t>
+            </a:r>
+            <a:r>
+              <a:rPr lang="en-US" sz="2000" dirty="0">
+                <a:solidFill>
+                  <a:schemeClr val="tx2">
+                    <a:lumMod val="10000"/>
+                  </a:schemeClr>
+                </a:solidFill>
+              </a:rPr>
+              <a:t>, request , </a:t>
+            </a:r>
+            <a:r>
+              <a:rPr lang="en-US" sz="2000" dirty="0" smtClean="0">
                 <a:solidFill>
                   <a:schemeClr val="tx2">
                     <a:lumMod val="10000"/>
@@ -6189,25 +7327,32 @@
               <a:t>DEFAULT_MSGLEN </a:t>
             </a:r>
             <a:r>
-              <a:rPr lang="en-US" sz="2600" dirty="0">
-                <a:solidFill>
-                  <a:schemeClr val="tx2">
-                    <a:lumMod val="10000"/>
-                  </a:schemeClr>
-                </a:solidFill>
-              </a:rPr>
-              <a:t>, 0)</a:t>
-            </a:r>
-            <a:r>
-              <a:rPr lang="sr-Latn-RS" sz="2600" dirty="0">
-                <a:solidFill>
-                  <a:schemeClr val="tx2">
-                    <a:lumMod val="10000"/>
-                  </a:schemeClr>
-                </a:solidFill>
-              </a:rPr>
-              <a:t>;</a:t>
-            </a:r>
+              <a:rPr lang="en-US" sz="2000" dirty="0">
+                <a:solidFill>
+                  <a:schemeClr val="tx2">
+                    <a:lumMod val="10000"/>
+                  </a:schemeClr>
+                </a:solidFill>
+              </a:rPr>
+              <a:t>, 0</a:t>
+            </a:r>
+            <a:r>
+              <a:rPr lang="en-US" sz="2000" dirty="0" smtClean="0">
+                <a:solidFill>
+                  <a:schemeClr val="tx2">
+                    <a:lumMod val="10000"/>
+                  </a:schemeClr>
+                </a:solidFill>
+              </a:rPr>
+              <a:t>)</a:t>
+            </a:r>
+            <a:endParaRPr lang="sr-Latn-RS" sz="2000" dirty="0">
+              <a:solidFill>
+                <a:schemeClr val="tx2">
+                  <a:lumMod val="10000"/>
+                </a:schemeClr>
+              </a:solidFill>
+            </a:endParaRPr>
           </a:p>
           <a:p>
             <a:pPr algn="l">
@@ -6218,7 +7363,7 @@
               <a:buChar char="§"/>
             </a:pPr>
             <a:r>
-              <a:rPr lang="en-US" sz="2600" dirty="0" smtClean="0">
+              <a:rPr lang="en-US" sz="2000" dirty="0" smtClean="0">
                 <a:solidFill>
                   <a:schemeClr val="tx2">
                     <a:lumMod val="10000"/>
@@ -6228,7 +7373,7 @@
               <a:t> </a:t>
             </a:r>
             <a:r>
-              <a:rPr lang="sr-Latn-RS" sz="2600" dirty="0" smtClean="0">
+              <a:rPr lang="sr-Latn-RS" sz="2000" dirty="0" smtClean="0">
                 <a:solidFill>
                   <a:schemeClr val="tx2">
                     <a:lumMod val="10000"/>
@@ -6238,7 +7383,7 @@
               <a:t>Zatvaranje </a:t>
             </a:r>
             <a:r>
-              <a:rPr lang="sr-Latn-RS" sz="2600" dirty="0">
+              <a:rPr lang="sr-Latn-RS" sz="2000" dirty="0">
                 <a:solidFill>
                   <a:schemeClr val="tx2">
                     <a:lumMod val="10000"/>
@@ -6247,17 +7392,51 @@
               </a:rPr>
               <a:t>utičnice: </a:t>
             </a:r>
-            <a:r>
-              <a:rPr lang="en-US" sz="2600" dirty="0">
-                <a:solidFill>
-                  <a:schemeClr val="tx2">
-                    <a:lumMod val="10000"/>
-                  </a:schemeClr>
-                </a:solidFill>
-              </a:rPr>
-              <a:t>close(sock);</a:t>
-            </a:r>
-            <a:endParaRPr lang="sr-Latn-RS" sz="2600" dirty="0">
+            <a:endParaRPr lang="en-US" sz="2000" dirty="0" smtClean="0">
+              <a:solidFill>
+                <a:schemeClr val="tx2">
+                  <a:lumMod val="10000"/>
+                </a:schemeClr>
+              </a:solidFill>
+            </a:endParaRPr>
+          </a:p>
+          <a:p>
+            <a:pPr algn="l">
+              <a:buClr>
+                <a:schemeClr val="accent1"/>
+              </a:buClr>
+            </a:pPr>
+            <a:r>
+              <a:rPr lang="en-US" sz="2000" dirty="0" smtClean="0">
+                <a:solidFill>
+                  <a:schemeClr val="tx2">
+                    <a:lumMod val="10000"/>
+                  </a:schemeClr>
+                </a:solidFill>
+              </a:rPr>
+              <a:t> </a:t>
+            </a:r>
+            <a:r>
+              <a:rPr lang="en-US" sz="2000" dirty="0" smtClean="0">
+                <a:solidFill>
+                  <a:schemeClr val="tx2">
+                    <a:lumMod val="10000"/>
+                  </a:schemeClr>
+                </a:solidFill>
+              </a:rPr>
+              <a:t>     </a:t>
+            </a:r>
+            <a:r>
+              <a:rPr lang="en-US" sz="2000" dirty="0" smtClean="0">
+                <a:solidFill>
+                  <a:schemeClr val="tx2">
+                    <a:lumMod val="10000"/>
+                  </a:schemeClr>
+                </a:solidFill>
+              </a:rPr>
+              <a:t>close(socketDesc)</a:t>
+            </a:r>
+            <a:endParaRPr lang="sr-Latn-RS" sz="2000" dirty="0">
               <a:solidFill>
                 <a:schemeClr val="tx2">
                   <a:lumMod val="10000"/>
@@ -6286,6 +7465,54 @@
 </file>
 
 <file path=ppt/slides/slide5.xml><?xml version="1.0" encoding="utf-8"?>
+<p:sld xmlns:a="http://schemas.openxmlformats.org/drawingml/2006/main" xmlns:r="http://schemas.openxmlformats.org/officeDocument/2006/relationships" xmlns:p="http://schemas.openxmlformats.org/presentationml/2006/main">
+  <p:cSld>
+    <p:spTree>
+      <p:nvGrpSpPr>
+        <p:cNvPr id="1" name=""/>
+        <p:cNvGrpSpPr/>
+        <p:nvPr/>
+      </p:nvGrpSpPr>
+      <p:grpSpPr>
+        <a:xfrm>
+          <a:off x="0" y="0"/>
+          <a:ext cx="0" cy="0"/>
+          <a:chOff x="0" y="0"/>
+          <a:chExt cx="0" cy="0"/>
+        </a:xfrm>
+      </p:grpSpPr>
+      <p:pic>
+        <p:nvPicPr>
+          <p:cNvPr id="8" name="Content Placeholder 7" descr="dsds.png"/>
+          <p:cNvPicPr>
+            <a:picLocks noGrp="1" noChangeAspect="1"/>
+          </p:cNvPicPr>
+          <p:nvPr>
+            <p:ph idx="1"/>
+          </p:nvPr>
+        </p:nvPicPr>
+        <p:blipFill>
+          <a:blip r:embed="rId2"/>
+          <a:stretch>
+            <a:fillRect/>
+          </a:stretch>
+        </p:blipFill>
+        <p:spPr>
+          <a:xfrm>
+            <a:off x="2111354" y="207937"/>
+            <a:ext cx="5715040" cy="7045264"/>
+          </a:xfrm>
+        </p:spPr>
+      </p:pic>
+    </p:spTree>
+  </p:cSld>
+  <p:clrMapOvr>
+    <a:masterClrMapping/>
+  </p:clrMapOvr>
+</p:sld>
+</file>
+
+<file path=ppt/slides/slide6.xml><?xml version="1.0" encoding="utf-8"?>
 <p:sld xmlns:a="http://schemas.openxmlformats.org/drawingml/2006/main" xmlns:r="http://schemas.openxmlformats.org/officeDocument/2006/relationships" xmlns:p="http://schemas.openxmlformats.org/presentationml/2006/main">
   <p:cSld>
     <p:spTree>
@@ -6326,33 +7553,161 @@
           <a:p>
             <a:pPr algn="ctr"/>
             <a:r>
-              <a:rPr lang="en-US" sz="4800" dirty="0" smtClean="0">
-                <a:solidFill>
-                  <a:schemeClr val="tx2">
-                    <a:lumMod val="10000"/>
-                  </a:schemeClr>
-                </a:solidFill>
+              <a:rPr lang="en-US" sz="4800" cap="none" dirty="0" err="1" smtClean="0">
+                <a:solidFill>
+                  <a:schemeClr val="tx2">
+                    <a:lumMod val="10000"/>
+                  </a:schemeClr>
+                </a:solidFill>
+                <a:effectLst>
+                  <a:outerShdw blurRad="38100" dist="38100" dir="2700000" algn="tl">
+                    <a:srgbClr val="000000">
+                      <a:alpha val="43137"/>
+                    </a:srgbClr>
+                  </a:outerShdw>
+                </a:effectLst>
                 <a:latin typeface="+mn-lt"/>
               </a:rPr>
-              <a:t>Serverske funkcije – </a:t>
-            </a:r>
-            <a:r>
-              <a:rPr lang="en-US" sz="4800" dirty="0" smtClean="0">
-                <a:solidFill>
-                  <a:schemeClr val="tx2">
-                    <a:lumMod val="10000"/>
-                  </a:schemeClr>
-                </a:solidFill>
+              <a:t>Serverske</a:t>
+            </a:r>
+            <a:r>
+              <a:rPr lang="en-US" sz="4800" cap="none" dirty="0" smtClean="0">
+                <a:solidFill>
+                  <a:schemeClr val="tx2">
+                    <a:lumMod val="10000"/>
+                  </a:schemeClr>
+                </a:solidFill>
+                <a:effectLst>
+                  <a:outerShdw blurRad="38100" dist="38100" dir="2700000" algn="tl" rotWithShape="0">
+                    <a:srgbClr val="000000">
+                      <a:alpha val="43137"/>
+                    </a:srgbClr>
+                  </a:outerShdw>
+                </a:effectLst>
                 <a:latin typeface="+mn-lt"/>
               </a:rPr>
-              <a:t>CheckInput</a:t>
-            </a:r>
-            <a:endParaRPr lang="en-US" sz="4800" dirty="0">
+              <a:t> </a:t>
+            </a:r>
+            <a:r>
+              <a:rPr lang="en-US" sz="4800" cap="none" dirty="0" err="1" smtClean="0">
+                <a:solidFill>
+                  <a:schemeClr val="tx2">
+                    <a:lumMod val="10000"/>
+                  </a:schemeClr>
+                </a:solidFill>
+                <a:effectLst>
+                  <a:outerShdw blurRad="38100" dist="38100" dir="2700000" algn="tl" rotWithShape="0">
+                    <a:srgbClr val="000000">
+                      <a:alpha val="43137"/>
+                    </a:srgbClr>
+                  </a:outerShdw>
+                </a:effectLst>
+                <a:latin typeface="+mn-lt"/>
+              </a:rPr>
+              <a:t>funkcije</a:t>
+            </a:r>
+            <a:r>
+              <a:rPr lang="en-US" sz="4800" cap="none" dirty="0" smtClean="0">
+                <a:solidFill>
+                  <a:schemeClr val="tx2">
+                    <a:lumMod val="10000"/>
+                  </a:schemeClr>
+                </a:solidFill>
+                <a:effectLst>
+                  <a:outerShdw blurRad="38100" dist="38100" dir="2700000" algn="tl" rotWithShape="0">
+                    <a:srgbClr val="000000">
+                      <a:alpha val="43137"/>
+                    </a:srgbClr>
+                  </a:outerShdw>
+                </a:effectLst>
+                <a:latin typeface="+mn-lt"/>
+              </a:rPr>
+              <a:t>  </a:t>
+            </a:r>
+            <a:br>
+              <a:rPr lang="en-US" sz="4800" cap="none" dirty="0" smtClean="0">
+                <a:solidFill>
+                  <a:schemeClr val="tx2">
+                    <a:lumMod val="10000"/>
+                  </a:schemeClr>
+                </a:solidFill>
+                <a:effectLst>
+                  <a:outerShdw blurRad="38100" dist="38100" dir="2700000" algn="tl" rotWithShape="0">
+                    <a:srgbClr val="000000">
+                      <a:alpha val="43137"/>
+                    </a:srgbClr>
+                  </a:outerShdw>
+                </a:effectLst>
+                <a:latin typeface="+mn-lt"/>
+              </a:rPr>
+            </a:br>
+            <a:r>
+              <a:rPr lang="en-US" sz="4800" cap="none" dirty="0" err="1" smtClean="0">
+                <a:solidFill>
+                  <a:schemeClr val="tx2">
+                    <a:lumMod val="10000"/>
+                  </a:schemeClr>
+                </a:solidFill>
+                <a:effectLst>
+                  <a:outerShdw blurRad="38100" dist="38100" dir="2700000" algn="tl" rotWithShape="0">
+                    <a:srgbClr val="000000">
+                      <a:alpha val="43137"/>
+                    </a:srgbClr>
+                  </a:outerShdw>
+                </a:effectLst>
+                <a:latin typeface="+mn-lt"/>
+              </a:rPr>
+              <a:t>C</a:t>
+            </a:r>
+            <a:r>
+              <a:rPr lang="en-US" sz="4800" cap="none" dirty="0" err="1" smtClean="0">
+                <a:solidFill>
+                  <a:schemeClr val="tx2">
+                    <a:lumMod val="10000"/>
+                  </a:schemeClr>
+                </a:solidFill>
+                <a:effectLst>
+                  <a:outerShdw blurRad="38100" dist="38100" dir="2700000" algn="tl" rotWithShape="0">
+                    <a:srgbClr val="000000">
+                      <a:alpha val="43137"/>
+                    </a:srgbClr>
+                  </a:outerShdw>
+                </a:effectLst>
+                <a:latin typeface="+mn-lt"/>
+              </a:rPr>
+              <a:t>heckInput</a:t>
+            </a:r>
+            <a:r>
+              <a:rPr lang="en-US" sz="4800" cap="none" dirty="0" smtClean="0">
+                <a:solidFill>
+                  <a:schemeClr val="tx2">
+                    <a:lumMod val="10000"/>
+                  </a:schemeClr>
+                </a:solidFill>
+                <a:effectLst>
+                  <a:outerShdw blurRad="38100" dist="38100" dir="2700000" algn="tl" rotWithShape="0">
+                    <a:srgbClr val="000000">
+                      <a:alpha val="43137"/>
+                    </a:srgbClr>
+                  </a:outerShdw>
+                </a:effectLst>
+                <a:latin typeface="+mn-lt"/>
+              </a:rPr>
+              <a:t>()</a:t>
+            </a:r>
+            <a:endParaRPr lang="en-US" sz="4800" cap="none" dirty="0">
               <a:solidFill>
                 <a:schemeClr val="tx2">
                   <a:lumMod val="10000"/>
                 </a:schemeClr>
               </a:solidFill>
+              <a:effectLst>
+                <a:outerShdw blurRad="38100" dist="38100" dir="2700000" algn="tl" rotWithShape="0">
+                  <a:srgbClr val="000000">
+                    <a:alpha val="43137"/>
+                  </a:srgbClr>
+                </a:outerShdw>
+              </a:effectLst>
               <a:latin typeface="+mn-lt"/>
             </a:endParaRPr>
           </a:p>
@@ -6379,8 +7734,11 @@
           <a:lstStyle/>
           <a:p>
             <a:pPr algn="l">
-              <a:buFont typeface="Arial" pitchFamily="34" charset="0"/>
-              <a:buChar char="•"/>
+              <a:buClr>
+                <a:schemeClr val="accent1"/>
+              </a:buClr>
+              <a:buFont typeface="Wingdings" pitchFamily="2" charset="2"/>
+              <a:buChar char="§"/>
             </a:pPr>
             <a:r>
               <a:rPr lang="en-US" dirty="0" smtClean="0">
@@ -6390,13 +7748,103 @@
                   </a:schemeClr>
                 </a:solidFill>
               </a:rPr>
-              <a:t>Provjerava sintaksnu ispravnost zahtjeva</a:t>
-            </a:r>
+              <a:t> </a:t>
+            </a:r>
+            <a:r>
+              <a:rPr lang="en-US" dirty="0" err="1" smtClean="0">
+                <a:solidFill>
+                  <a:schemeClr val="tx2">
+                    <a:lumMod val="10000"/>
+                  </a:schemeClr>
+                </a:solidFill>
+              </a:rPr>
+              <a:t>Proverava</a:t>
+            </a:r>
+            <a:r>
+              <a:rPr lang="en-US" dirty="0" smtClean="0">
+                <a:solidFill>
+                  <a:schemeClr val="tx2">
+                    <a:lumMod val="10000"/>
+                  </a:schemeClr>
+                </a:solidFill>
+              </a:rPr>
+              <a:t> </a:t>
+            </a:r>
+            <a:r>
+              <a:rPr lang="en-US" dirty="0" smtClean="0">
+                <a:solidFill>
+                  <a:schemeClr val="tx2">
+                    <a:lumMod val="10000"/>
+                  </a:schemeClr>
+                </a:solidFill>
+              </a:rPr>
+              <a:t>sintaksnu </a:t>
+            </a:r>
+            <a:r>
+              <a:rPr lang="en-US" dirty="0" err="1" smtClean="0">
+                <a:solidFill>
+                  <a:schemeClr val="tx2">
+                    <a:lumMod val="10000"/>
+                  </a:schemeClr>
+                </a:solidFill>
+              </a:rPr>
+              <a:t>ispravnost</a:t>
+            </a:r>
+            <a:r>
+              <a:rPr lang="en-US" dirty="0" smtClean="0">
+                <a:solidFill>
+                  <a:schemeClr val="tx2">
+                    <a:lumMod val="10000"/>
+                  </a:schemeClr>
+                </a:solidFill>
+              </a:rPr>
+              <a:t> </a:t>
+            </a:r>
+            <a:r>
+              <a:rPr lang="en-US" dirty="0" err="1" smtClean="0">
+                <a:solidFill>
+                  <a:schemeClr val="tx2">
+                    <a:lumMod val="10000"/>
+                  </a:schemeClr>
+                </a:solidFill>
+              </a:rPr>
+              <a:t>zahteva</a:t>
+            </a:r>
+            <a:r>
+              <a:rPr lang="en-US" dirty="0" smtClean="0">
+                <a:solidFill>
+                  <a:schemeClr val="tx2">
+                    <a:lumMod val="10000"/>
+                  </a:schemeClr>
+                </a:solidFill>
+              </a:rPr>
+              <a:t>,</a:t>
+            </a:r>
+            <a:r>
+              <a:rPr lang="sr-Latn-RS" dirty="0" smtClean="0">
+                <a:solidFill>
+                  <a:schemeClr val="tx2">
+                    <a:lumMod val="10000"/>
+                  </a:schemeClr>
+                </a:solidFill>
+              </a:rPr>
+              <a:t> odnosno da li format zahteva odgovara nekom od ponuđenih</a:t>
+            </a:r>
+            <a:endParaRPr lang="en-US" dirty="0" smtClean="0">
+              <a:solidFill>
+                <a:schemeClr val="tx2">
+                  <a:lumMod val="10000"/>
+                </a:schemeClr>
+              </a:solidFill>
+            </a:endParaRPr>
           </a:p>
           <a:p>
             <a:pPr algn="l">
-              <a:buFont typeface="Arial" pitchFamily="34" charset="0"/>
-              <a:buChar char="•"/>
+              <a:buClr>
+                <a:schemeClr val="accent1"/>
+              </a:buClr>
+              <a:buFont typeface="Wingdings" pitchFamily="2" charset="2"/>
+              <a:buChar char="§"/>
             </a:pPr>
             <a:r>
               <a:rPr lang="en-US" dirty="0" smtClean="0">
@@ -6406,7 +7854,37 @@
                   </a:schemeClr>
                 </a:solidFill>
               </a:rPr>
-              <a:t>Ukoliko postoji gre</a:t>
+              <a:t> </a:t>
+            </a:r>
+            <a:r>
+              <a:rPr lang="en-US" dirty="0" err="1" smtClean="0">
+                <a:solidFill>
+                  <a:schemeClr val="tx2">
+                    <a:lumMod val="10000"/>
+                  </a:schemeClr>
+                </a:solidFill>
+              </a:rPr>
+              <a:t>Ukoliko</a:t>
+            </a:r>
+            <a:r>
+              <a:rPr lang="en-US" dirty="0" smtClean="0">
+                <a:solidFill>
+                  <a:schemeClr val="tx2">
+                    <a:lumMod val="10000"/>
+                  </a:schemeClr>
+                </a:solidFill>
+              </a:rPr>
+              <a:t> </a:t>
+            </a:r>
+            <a:r>
+              <a:rPr lang="en-US" dirty="0" smtClean="0">
+                <a:solidFill>
+                  <a:schemeClr val="tx2">
+                    <a:lumMod val="10000"/>
+                  </a:schemeClr>
+                </a:solidFill>
+              </a:rPr>
+              <a:t>postoji gre</a:t>
             </a:r>
             <a:r>
               <a:rPr lang="sr-Latn-RS" dirty="0" smtClean="0">
@@ -6436,7 +7914,17 @@
                   </a:schemeClr>
                 </a:solidFill>
               </a:rPr>
-              <a:t> i </a:t>
+              <a:t> </a:t>
+            </a:r>
+            <a:r>
+              <a:rPr lang="sr-Latn-RS" dirty="0" smtClean="0">
+                <a:solidFill>
+                  <a:schemeClr val="tx2">
+                    <a:lumMod val="10000"/>
+                  </a:schemeClr>
+                </a:solidFill>
+              </a:rPr>
+              <a:t>i povratna vrednost funkcije je </a:t>
             </a:r>
             <a:r>
               <a:rPr lang="en-US" dirty="0" smtClean="0">
@@ -6446,6 +7934,62 @@
                   </a:schemeClr>
                 </a:solidFill>
               </a:rPr>
+              <a:t>‘-</a:t>
+            </a:r>
+            <a:r>
+              <a:rPr lang="sr-Latn-RS" dirty="0" smtClean="0">
+                <a:solidFill>
+                  <a:schemeClr val="tx2">
+                    <a:lumMod val="10000"/>
+                  </a:schemeClr>
+                </a:solidFill>
+              </a:rPr>
+              <a:t>1</a:t>
+            </a:r>
+            <a:r>
+              <a:rPr lang="en-US" dirty="0" smtClean="0">
+                <a:solidFill>
+                  <a:schemeClr val="tx2">
+                    <a:lumMod val="10000"/>
+                  </a:schemeClr>
+                </a:solidFill>
+              </a:rPr>
+              <a:t>’</a:t>
+            </a:r>
+            <a:r>
+              <a:rPr lang="sr-Latn-RS" dirty="0" smtClean="0">
+                <a:solidFill>
+                  <a:schemeClr val="tx2">
+                    <a:lumMod val="10000"/>
+                  </a:schemeClr>
+                </a:solidFill>
+              </a:rPr>
+              <a:t>.</a:t>
+            </a:r>
+            <a:endParaRPr lang="sr-Latn-RS" dirty="0" smtClean="0">
+              <a:solidFill>
+                <a:schemeClr val="tx2">
+                  <a:lumMod val="10000"/>
+                </a:schemeClr>
+              </a:solidFill>
+            </a:endParaRPr>
+          </a:p>
+          <a:p>
+            <a:pPr algn="l">
+              <a:buClr>
+                <a:schemeClr val="accent1"/>
+              </a:buClr>
+              <a:buFont typeface="Wingdings" pitchFamily="2" charset="2"/>
+              <a:buChar char="§"/>
+            </a:pPr>
+            <a:r>
+              <a:rPr lang="en-US" dirty="0" smtClean="0">
+                <a:solidFill>
+                  <a:schemeClr val="tx2">
+                    <a:lumMod val="10000"/>
+                  </a:schemeClr>
+                </a:solidFill>
+              </a:rPr>
               <a:t> </a:t>
             </a:r>
             <a:r>
@@ -6456,14 +8000,8 @@
                   </a:schemeClr>
                 </a:solidFill>
               </a:rPr>
-              <a:t>funkcija vraća – return 0</a:t>
-            </a:r>
-          </a:p>
-          <a:p>
-            <a:pPr algn="l">
-              <a:buFont typeface="Arial" pitchFamily="34" charset="0"/>
-              <a:buChar char="•"/>
-            </a:pPr>
+              <a:t>Ako </a:t>
+            </a:r>
             <a:r>
               <a:rPr lang="sr-Latn-RS" dirty="0" smtClean="0">
                 <a:solidFill>
@@ -6472,8 +8010,55 @@
                   </a:schemeClr>
                 </a:solidFill>
               </a:rPr>
-              <a:t>Ako je sintaksa ispravna, funkcija vraća – return 1</a:t>
-            </a:r>
+              <a:t>je sintaksa ispravna, </a:t>
+            </a:r>
+            <a:r>
+              <a:rPr lang="sr-Latn-RS" dirty="0" smtClean="0">
+                <a:solidFill>
+                  <a:schemeClr val="tx2">
+                    <a:lumMod val="10000"/>
+                  </a:schemeClr>
+                </a:solidFill>
+              </a:rPr>
+              <a:t>povratna vrednost funckije je </a:t>
+            </a:r>
+            <a:r>
+              <a:rPr lang="en-US" dirty="0" smtClean="0">
+                <a:solidFill>
+                  <a:schemeClr val="tx2">
+                    <a:lumMod val="10000"/>
+                  </a:schemeClr>
+                </a:solidFill>
+              </a:rPr>
+              <a:t>‘</a:t>
+            </a:r>
+            <a:r>
+              <a:rPr lang="sr-Latn-RS" dirty="0" smtClean="0">
+                <a:solidFill>
+                  <a:schemeClr val="tx2">
+                    <a:lumMod val="10000"/>
+                  </a:schemeClr>
+                </a:solidFill>
+              </a:rPr>
+              <a:t>0</a:t>
+            </a:r>
+            <a:r>
+              <a:rPr lang="en-US" dirty="0" smtClean="0">
+                <a:solidFill>
+                  <a:schemeClr val="tx2">
+                    <a:lumMod val="10000"/>
+                  </a:schemeClr>
+                </a:solidFill>
+              </a:rPr>
+              <a:t>’.</a:t>
+            </a:r>
+            <a:endParaRPr lang="sr-Latn-RS" dirty="0" smtClean="0">
+              <a:solidFill>
+                <a:schemeClr val="tx2">
+                  <a:lumMod val="10000"/>
+                </a:schemeClr>
+              </a:solidFill>
+            </a:endParaRPr>
           </a:p>
           <a:p>
             <a:pPr algn="l">
@@ -6481,250 +8066,6 @@
               <a:buChar char="•"/>
             </a:pPr>
             <a:endParaRPr lang="sr-Latn-RS" dirty="0" smtClean="0"/>
-          </a:p>
-        </p:txBody>
-      </p:sp>
-    </p:spTree>
-  </p:cSld>
-  <p:clrMapOvr>
-    <a:masterClrMapping/>
-  </p:clrMapOvr>
-  <p:timing>
-    <p:tnLst>
-      <p:par>
-        <p:cTn id="1" dur="indefinite" restart="never" nodeType="tmRoot"/>
-      </p:par>
-    </p:tnLst>
-  </p:timing>
-</p:sld>
-</file>
-
-<file path=ppt/slides/slide6.xml><?xml version="1.0" encoding="utf-8"?>
-<p:sld xmlns:a="http://schemas.openxmlformats.org/drawingml/2006/main" xmlns:r="http://schemas.openxmlformats.org/officeDocument/2006/relationships" xmlns:p="http://schemas.openxmlformats.org/presentationml/2006/main">
-  <p:cSld>
-    <p:spTree>
-      <p:nvGrpSpPr>
-        <p:cNvPr id="1" name=""/>
-        <p:cNvGrpSpPr/>
-        <p:nvPr/>
-      </p:nvGrpSpPr>
-      <p:grpSpPr>
-        <a:xfrm>
-          <a:off x="0" y="0"/>
-          <a:ext cx="0" cy="0"/>
-          <a:chOff x="0" y="0"/>
-          <a:chExt cx="0" cy="0"/>
-        </a:xfrm>
-      </p:grpSpPr>
-      <p:sp>
-        <p:nvSpPr>
-          <p:cNvPr id="2" name="Title 1"/>
-          <p:cNvSpPr>
-            <a:spLocks noGrp="1"/>
-          </p:cNvSpPr>
-          <p:nvPr>
-            <p:ph type="ctrTitle"/>
-          </p:nvPr>
-        </p:nvSpPr>
-        <p:spPr>
-          <a:xfrm>
-            <a:off x="1111222" y="279375"/>
-            <a:ext cx="8655897" cy="2587417"/>
-          </a:xfrm>
-        </p:spPr>
-        <p:txBody>
-          <a:bodyPr>
-            <a:normAutofit/>
-          </a:bodyPr>
-          <a:lstStyle/>
-          <a:p>
-            <a:pPr algn="ctr"/>
-            <a:r>
-              <a:rPr lang="sr-Latn-RS" sz="4800" spc="-1" dirty="0" smtClean="0">
-                <a:solidFill>
-                  <a:schemeClr val="tx2">
-                    <a:lumMod val="10000"/>
-                  </a:schemeClr>
-                </a:solidFill>
-                <a:uFill>
-                  <a:solidFill>
-                    <a:srgbClr val="FFFFFF"/>
-                  </a:solidFill>
-                </a:uFill>
-                <a:latin typeface="+mn-lt"/>
-                <a:ea typeface="DejaVu Sans"/>
-              </a:rPr>
-              <a:t>Serverske funkcije - RequestType()</a:t>
-            </a:r>
-            <a:r>
-              <a:rPr lang="sr-Latn-RS" sz="4800" spc="-1" dirty="0" smtClean="0">
-                <a:solidFill>
-                  <a:srgbClr val="000000"/>
-                </a:solidFill>
-                <a:uFill>
-                  <a:solidFill>
-                    <a:srgbClr val="FFFFFF"/>
-                  </a:solidFill>
-                </a:uFill>
-                <a:latin typeface="+mn-lt"/>
-              </a:rPr>
-              <a:t/>
-            </a:r>
-            <a:br>
-              <a:rPr lang="sr-Latn-RS" sz="4800" spc="-1" dirty="0" smtClean="0">
-                <a:solidFill>
-                  <a:srgbClr val="000000"/>
-                </a:solidFill>
-                <a:uFill>
-                  <a:solidFill>
-                    <a:srgbClr val="FFFFFF"/>
-                  </a:solidFill>
-                </a:uFill>
-                <a:latin typeface="+mn-lt"/>
-              </a:rPr>
-            </a:br>
-            <a:endParaRPr lang="en-US" sz="4800" dirty="0">
-              <a:latin typeface="+mn-lt"/>
-            </a:endParaRPr>
-          </a:p>
-        </p:txBody>
-      </p:sp>
-      <p:sp>
-        <p:nvSpPr>
-          <p:cNvPr id="3" name="Subtitle 2"/>
-          <p:cNvSpPr>
-            <a:spLocks noGrp="1"/>
-          </p:cNvSpPr>
-          <p:nvPr>
-            <p:ph type="subTitle" idx="1"/>
-          </p:nvPr>
-        </p:nvSpPr>
-        <p:spPr>
-          <a:xfrm>
-            <a:off x="588036" y="2351077"/>
-            <a:ext cx="9167184" cy="4786346"/>
-          </a:xfrm>
-        </p:spPr>
-        <p:txBody>
-          <a:bodyPr/>
-          <a:lstStyle/>
-          <a:p>
-            <a:pPr marL="215956" indent="-215596" algn="just">
-              <a:buClr>
-                <a:srgbClr val="000000"/>
-              </a:buClr>
-              <a:buSzPct val="45000"/>
-              <a:buFont typeface="Wingdings" charset="2"/>
-              <a:buChar char=""/>
-            </a:pPr>
-            <a:r>
-              <a:rPr lang="sr-Latn-RS" sz="2800" spc="-1" dirty="0" smtClean="0">
-                <a:solidFill>
-                  <a:schemeClr val="tx2">
-                    <a:lumMod val="10000"/>
-                  </a:schemeClr>
-                </a:solidFill>
-                <a:uFill>
-                  <a:solidFill>
-                    <a:srgbClr val="FFFFFF"/>
-                  </a:solidFill>
-                </a:uFill>
-                <a:ea typeface="DejaVu Sans"/>
-              </a:rPr>
-              <a:t>Zahteve tipa [List] prosleđuje funkciji ListModules(), a zateve tipa [Command] funkciji CommandModules();</a:t>
-            </a:r>
-            <a:endParaRPr lang="sr-Latn-RS" spc="-1" dirty="0" smtClean="0">
-              <a:solidFill>
-                <a:schemeClr val="tx2">
-                  <a:lumMod val="10000"/>
-                </a:schemeClr>
-              </a:solidFill>
-              <a:uFill>
-                <a:solidFill>
-                  <a:srgbClr val="FFFFFF"/>
-                </a:solidFill>
-              </a:uFill>
-            </a:endParaRPr>
-          </a:p>
-          <a:p>
-            <a:pPr marL="215956" indent="-215596" algn="just">
-              <a:buClr>
-                <a:srgbClr val="000000"/>
-              </a:buClr>
-              <a:buSzPct val="45000"/>
-              <a:buFont typeface="Wingdings" charset="2"/>
-              <a:buChar char=""/>
-            </a:pPr>
-            <a:r>
-              <a:rPr lang="sr-Latn-RS" sz="2800" spc="-1" dirty="0" smtClean="0">
-                <a:solidFill>
-                  <a:schemeClr val="tx2">
-                    <a:lumMod val="10000"/>
-                  </a:schemeClr>
-                </a:solidFill>
-                <a:uFill>
-                  <a:solidFill>
-                    <a:srgbClr val="FFFFFF"/>
-                  </a:solidFill>
-                </a:uFill>
-                <a:ea typeface="DejaVu Sans"/>
-              </a:rPr>
-              <a:t>U zavisnosti od tipa zahteva, početni string delimo uz pomoć funkcije strtok() na manje stringove koje posebno prosleđujemo radi lakše obrade;</a:t>
-            </a:r>
-            <a:endParaRPr lang="sr-Latn-RS" spc="-1" dirty="0" smtClean="0">
-              <a:solidFill>
-                <a:schemeClr val="tx2">
-                  <a:lumMod val="10000"/>
-                </a:schemeClr>
-              </a:solidFill>
-              <a:uFill>
-                <a:solidFill>
-                  <a:srgbClr val="FFFFFF"/>
-                </a:solidFill>
-              </a:uFill>
-            </a:endParaRPr>
-          </a:p>
-          <a:p>
-            <a:pPr marL="215956" indent="-215596" algn="just">
-              <a:buClr>
-                <a:srgbClr val="000000"/>
-              </a:buClr>
-              <a:buSzPct val="45000"/>
-              <a:buFont typeface="Wingdings" charset="2"/>
-              <a:buChar char=""/>
-            </a:pPr>
-            <a:r>
-              <a:rPr lang="sr-Latn-RS" sz="2800" spc="-1" dirty="0" smtClean="0">
-                <a:solidFill>
-                  <a:schemeClr val="tx2">
-                    <a:lumMod val="10000"/>
-                  </a:schemeClr>
-                </a:solidFill>
-                <a:uFill>
-                  <a:solidFill>
-                    <a:srgbClr val="FFFFFF"/>
-                  </a:solidFill>
-                </a:uFill>
-                <a:ea typeface="DejaVu Sans"/>
-              </a:rPr>
-              <a:t>Proveravamo da li je zahtev tipa End, tada vraćamo return 0;</a:t>
-            </a:r>
-            <a:endParaRPr lang="sr-Latn-RS" spc="-1" dirty="0" smtClean="0">
-              <a:solidFill>
-                <a:schemeClr val="tx2">
-                  <a:lumMod val="10000"/>
-                </a:schemeClr>
-              </a:solidFill>
-              <a:uFill>
-                <a:solidFill>
-                  <a:srgbClr val="FFFFFF"/>
-                </a:solidFill>
-              </a:uFill>
-            </a:endParaRPr>
-          </a:p>
-          <a:p>
-            <a:pPr algn="just"/>
-            <a:endParaRPr lang="en-US" dirty="0"/>
           </a:p>
         </p:txBody>
       </p:sp>
@@ -6772,8 +8113,8 @@
         </p:nvSpPr>
         <p:spPr>
           <a:xfrm>
-            <a:off x="682594" y="207937"/>
-            <a:ext cx="8655897" cy="2786082"/>
+            <a:off x="682594" y="279375"/>
+            <a:ext cx="8655897" cy="2587417"/>
           </a:xfrm>
         </p:spPr>
         <p:txBody>
@@ -6784,33 +8125,107 @@
           <a:p>
             <a:pPr algn="ctr"/>
             <a:r>
+              <a:rPr lang="sr-Latn-RS" sz="4800" cap="none" spc="-1" dirty="0" smtClean="0">
+                <a:solidFill>
+                  <a:schemeClr val="tx2">
+                    <a:lumMod val="10000"/>
+                  </a:schemeClr>
+                </a:solidFill>
+                <a:effectLst/>
+                <a:uFill>
+                  <a:solidFill>
+                    <a:srgbClr val="FFFFFF"/>
+                  </a:solidFill>
+                </a:uFill>
+                <a:latin typeface="+mn-lt"/>
+                <a:ea typeface="DejaVu Sans"/>
+              </a:rPr>
+              <a:t>Serverske funkcije </a:t>
+            </a:r>
+            <a:r>
+              <a:rPr lang="en-US" sz="4800" cap="none" spc="-1" dirty="0" smtClean="0">
+                <a:solidFill>
+                  <a:schemeClr val="tx2">
+                    <a:lumMod val="10000"/>
+                  </a:schemeClr>
+                </a:solidFill>
+                <a:effectLst/>
+                <a:uFill>
+                  <a:solidFill>
+                    <a:srgbClr val="FFFFFF"/>
+                  </a:solidFill>
+                </a:uFill>
+                <a:latin typeface="+mn-lt"/>
+                <a:ea typeface="DejaVu Sans"/>
+              </a:rPr>
+              <a:t>R</a:t>
+            </a:r>
+            <a:r>
+              <a:rPr lang="sr-Latn-RS" sz="4800" cap="none" spc="-1" dirty="0" smtClean="0">
+                <a:solidFill>
+                  <a:schemeClr val="tx2">
+                    <a:lumMod val="10000"/>
+                  </a:schemeClr>
+                </a:solidFill>
+                <a:effectLst/>
+                <a:uFill>
+                  <a:solidFill>
+                    <a:srgbClr val="FFFFFF"/>
+                  </a:solidFill>
+                </a:uFill>
+                <a:latin typeface="+mn-lt"/>
+                <a:ea typeface="DejaVu Sans"/>
+              </a:rPr>
+              <a:t>equest</a:t>
+            </a:r>
+            <a:r>
+              <a:rPr lang="en-US" sz="4800" cap="none" spc="-1" dirty="0" smtClean="0">
+                <a:solidFill>
+                  <a:schemeClr val="tx2">
+                    <a:lumMod val="10000"/>
+                  </a:schemeClr>
+                </a:solidFill>
+                <a:effectLst/>
+                <a:uFill>
+                  <a:solidFill>
+                    <a:srgbClr val="FFFFFF"/>
+                  </a:solidFill>
+                </a:uFill>
+                <a:latin typeface="+mn-lt"/>
+                <a:ea typeface="DejaVu Sans"/>
+              </a:rPr>
+              <a:t>T</a:t>
+            </a:r>
+            <a:r>
+              <a:rPr lang="sr-Latn-RS" sz="4800" cap="none" spc="-1" dirty="0" smtClean="0">
+                <a:solidFill>
+                  <a:schemeClr val="tx2">
+                    <a:lumMod val="10000"/>
+                  </a:schemeClr>
+                </a:solidFill>
+                <a:effectLst/>
+                <a:uFill>
+                  <a:solidFill>
+                    <a:srgbClr val="FFFFFF"/>
+                  </a:solidFill>
+                </a:uFill>
+                <a:latin typeface="+mn-lt"/>
+                <a:ea typeface="DejaVu Sans"/>
+              </a:rPr>
+              <a:t>ype()</a:t>
+            </a:r>
+            <a:r>
               <a:rPr lang="sr-Latn-RS" sz="4800" spc="-1" dirty="0" smtClean="0">
                 <a:solidFill>
-                  <a:schemeClr val="tx2">
-                    <a:lumMod val="10000"/>
-                  </a:schemeClr>
-                </a:solidFill>
+                  <a:srgbClr val="000000"/>
+                </a:solidFill>
+                <a:effectLst/>
                 <a:uFill>
                   <a:solidFill>
                     <a:srgbClr val="FFFFFF"/>
                   </a:solidFill>
                 </a:uFill>
                 <a:latin typeface="+mn-lt"/>
-                <a:ea typeface="DejaVu Sans"/>
-              </a:rPr>
-              <a:t>Serverske funkcije - ListModules()</a:t>
-            </a:r>
-            <a:r>
-              <a:rPr lang="sr-Latn-RS" sz="4800" spc="-1" dirty="0" smtClean="0">
-                <a:solidFill>
-                  <a:srgbClr val="000000"/>
-                </a:solidFill>
-                <a:uFill>
-                  <a:solidFill>
-                    <a:srgbClr val="FFFFFF"/>
-                  </a:solidFill>
-                </a:uFill>
-                <a:latin typeface="Arial"/>
               </a:rPr>
               <a:t/>
             </a:r>
@@ -6819,15 +8234,19 @@
                 <a:solidFill>
                   <a:srgbClr val="000000"/>
                 </a:solidFill>
-                <a:uFill>
-                  <a:solidFill>
-                    <a:srgbClr val="FFFFFF"/>
-                  </a:solidFill>
-                </a:uFill>
-                <a:latin typeface="Arial"/>
+                <a:effectLst/>
+                <a:uFill>
+                  <a:solidFill>
+                    <a:srgbClr val="FFFFFF"/>
+                  </a:solidFill>
+                </a:uFill>
+                <a:latin typeface="+mn-lt"/>
               </a:rPr>
             </a:br>
-            <a:endParaRPr lang="en-US" sz="4800" dirty="0"/>
+            <a:endParaRPr lang="en-US" sz="4800" dirty="0">
+              <a:effectLst/>
+              <a:latin typeface="+mn-lt"/>
+            </a:endParaRPr>
           </a:p>
         </p:txBody>
       </p:sp>
@@ -6843,8 +8262,8 @@
         </p:nvSpPr>
         <p:spPr>
           <a:xfrm>
-            <a:off x="588036" y="2708267"/>
-            <a:ext cx="8659257" cy="4572032"/>
+            <a:off x="468280" y="3136895"/>
+            <a:ext cx="9167184" cy="4149780"/>
           </a:xfrm>
         </p:spPr>
         <p:txBody>
@@ -6853,11 +8272,11 @@
           <a:p>
             <a:pPr marL="215956" indent="-215596" algn="just">
               <a:buClr>
-                <a:srgbClr val="000000"/>
+                <a:schemeClr val="accent1"/>
               </a:buClr>
-              <a:buSzPct val="45000"/>
-              <a:buFont typeface="Wingdings" charset="2"/>
-              <a:buChar char=""/>
+              <a:buSzPct val="67000"/>
+              <a:buFont typeface="Wingdings" pitchFamily="2" charset="2"/>
+              <a:buChar char="§"/>
             </a:pPr>
             <a:r>
               <a:rPr lang="sr-Latn-RS" sz="2800" spc="-1" dirty="0" smtClean="0">
@@ -6873,7 +8292,39 @@
                 </a:uFill>
                 <a:ea typeface="DejaVu Sans"/>
               </a:rPr>
-              <a:t>Šaljemo klijentu informaciju za dobijeni niz elemenata;</a:t>
+              <a:t>Zahteve tipa [List] prosleđuje funkciji ListModules(), a zateve tipa [Command] funkciji CommandModules</a:t>
+            </a:r>
+            <a:r>
+              <a:rPr lang="sr-Latn-RS" sz="2800" spc="-1" dirty="0" smtClean="0">
+                <a:solidFill>
+                  <a:schemeClr val="tx2">
+                    <a:lumMod val="10000"/>
+                  </a:schemeClr>
+                </a:solidFill>
+                <a:uFill>
+                  <a:solidFill>
+                    <a:srgbClr val="FFFFFF"/>
+                  </a:solidFill>
+                </a:uFill>
+                <a:ea typeface="DejaVu Sans"/>
+              </a:rPr>
+              <a:t>()</a:t>
+            </a:r>
+            <a:r>
+              <a:rPr lang="en-US" sz="2800" spc="-1" dirty="0" smtClean="0">
+                <a:solidFill>
+                  <a:schemeClr val="tx2">
+                    <a:lumMod val="10000"/>
+                  </a:schemeClr>
+                </a:solidFill>
+                <a:uFill>
+                  <a:solidFill>
+                    <a:srgbClr val="FFFFFF"/>
+                  </a:solidFill>
+                </a:uFill>
+                <a:ea typeface="DejaVu Sans"/>
+              </a:rPr>
+              <a:t>.</a:t>
             </a:r>
             <a:endParaRPr lang="sr-Latn-RS" spc="-1" dirty="0" smtClean="0">
               <a:solidFill>
@@ -6891,11 +8342,11 @@
           <a:p>
             <a:pPr marL="215956" indent="-215596" algn="just">
               <a:buClr>
-                <a:srgbClr val="000000"/>
+                <a:schemeClr val="accent1"/>
               </a:buClr>
-              <a:buSzPct val="45000"/>
-              <a:buFont typeface="Wingdings" charset="2"/>
-              <a:buChar char=""/>
+              <a:buSzPct val="67000"/>
+              <a:buFont typeface="Wingdings" pitchFamily="2" charset="2"/>
+              <a:buChar char="§"/>
             </a:pPr>
             <a:r>
               <a:rPr lang="sr-Latn-RS" sz="2800" spc="-1" dirty="0" smtClean="0">
@@ -6911,7 +8362,39 @@
                 </a:uFill>
                 <a:ea typeface="DejaVu Sans"/>
               </a:rPr>
-              <a:t>Provjeravamo da li je traženi niz elemenata tipa Analog, ili tipa Digital</a:t>
+              <a:t>U zavisnosti od tipa zahteva, početni string delimo uz pomoć funkcije strtok() na manje stringove koje posebno prosleđujemo radi lakše </a:t>
+            </a:r>
+            <a:r>
+              <a:rPr lang="sr-Latn-RS" sz="2800" spc="-1" dirty="0" smtClean="0">
+                <a:solidFill>
+                  <a:schemeClr val="tx2">
+                    <a:lumMod val="10000"/>
+                  </a:schemeClr>
+                </a:solidFill>
+                <a:uFill>
+                  <a:solidFill>
+                    <a:srgbClr val="FFFFFF"/>
+                  </a:solidFill>
+                </a:uFill>
+                <a:ea typeface="DejaVu Sans"/>
+              </a:rPr>
+              <a:t>obrade</a:t>
+            </a:r>
+            <a:r>
+              <a:rPr lang="en-US" sz="2800" spc="-1" dirty="0" smtClean="0">
+                <a:solidFill>
+                  <a:schemeClr val="tx2">
+                    <a:lumMod val="10000"/>
+                  </a:schemeClr>
+                </a:solidFill>
+                <a:uFill>
+                  <a:solidFill>
+                    <a:srgbClr val="FFFFFF"/>
+                  </a:solidFill>
+                </a:uFill>
+                <a:ea typeface="DejaVu Sans"/>
+              </a:rPr>
+              <a:t>.</a:t>
             </a:r>
             <a:endParaRPr lang="sr-Latn-RS" spc="-1" dirty="0" smtClean="0">
               <a:solidFill>
@@ -6929,13 +8412,109 @@
           <a:p>
             <a:pPr marL="215956" indent="-215596" algn="just">
               <a:buClr>
-                <a:srgbClr val="000000"/>
+                <a:schemeClr val="accent1"/>
               </a:buClr>
-              <a:buSzPct val="45000"/>
-              <a:buFont typeface="Wingdings" charset="2"/>
-              <a:buChar char=""/>
+              <a:buSzPct val="67000"/>
+              <a:buFont typeface="Wingdings" pitchFamily="2" charset="2"/>
+              <a:buChar char="§"/>
             </a:pPr>
             <a:r>
+              <a:rPr lang="en-US" sz="2800" spc="-1" dirty="0" err="1" smtClean="0">
+                <a:solidFill>
+                  <a:schemeClr val="tx2">
+                    <a:lumMod val="10000"/>
+                  </a:schemeClr>
+                </a:solidFill>
+                <a:uFill>
+                  <a:solidFill>
+                    <a:srgbClr val="FFFFFF"/>
+                  </a:solidFill>
+                </a:uFill>
+                <a:ea typeface="DejaVu Sans"/>
+              </a:rPr>
+              <a:t>Ukoliko</a:t>
+            </a:r>
+            <a:r>
+              <a:rPr lang="en-US" sz="2800" spc="-1" dirty="0" smtClean="0">
+                <a:solidFill>
+                  <a:schemeClr val="tx2">
+                    <a:lumMod val="10000"/>
+                  </a:schemeClr>
+                </a:solidFill>
+                <a:uFill>
+                  <a:solidFill>
+                    <a:srgbClr val="FFFFFF"/>
+                  </a:solidFill>
+                </a:uFill>
+                <a:ea typeface="DejaVu Sans"/>
+              </a:rPr>
+              <a:t> je </a:t>
+            </a:r>
+            <a:r>
+              <a:rPr lang="en-US" sz="2800" spc="-1" dirty="0" err="1" smtClean="0">
+                <a:solidFill>
+                  <a:schemeClr val="tx2">
+                    <a:lumMod val="10000"/>
+                  </a:schemeClr>
+                </a:solidFill>
+                <a:uFill>
+                  <a:solidFill>
+                    <a:srgbClr val="FFFFFF"/>
+                  </a:solidFill>
+                </a:uFill>
+                <a:ea typeface="DejaVu Sans"/>
+              </a:rPr>
+              <a:t>zahtev</a:t>
+            </a:r>
+            <a:r>
+              <a:rPr lang="en-US" sz="2800" spc="-1" dirty="0" smtClean="0">
+                <a:solidFill>
+                  <a:schemeClr val="tx2">
+                    <a:lumMod val="10000"/>
+                  </a:schemeClr>
+                </a:solidFill>
+                <a:uFill>
+                  <a:solidFill>
+                    <a:srgbClr val="FFFFFF"/>
+                  </a:solidFill>
+                </a:uFill>
+                <a:ea typeface="DejaVu Sans"/>
+              </a:rPr>
+              <a:t> </a:t>
+            </a:r>
+            <a:r>
+              <a:rPr lang="en-US" sz="2800" spc="-1" dirty="0" err="1" smtClean="0">
+                <a:solidFill>
+                  <a:schemeClr val="tx2">
+                    <a:lumMod val="10000"/>
+                  </a:schemeClr>
+                </a:solidFill>
+                <a:uFill>
+                  <a:solidFill>
+                    <a:srgbClr val="FFFFFF"/>
+                  </a:solidFill>
+                </a:uFill>
+                <a:ea typeface="DejaVu Sans"/>
+              </a:rPr>
+              <a:t>tipa</a:t>
+            </a:r>
+            <a:r>
+              <a:rPr lang="en-US" sz="2800" spc="-1" dirty="0" smtClean="0">
+                <a:solidFill>
+                  <a:schemeClr val="tx2">
+                    <a:lumMod val="10000"/>
+                  </a:schemeClr>
+                </a:solidFill>
+                <a:uFill>
+                  <a:solidFill>
+                    <a:srgbClr val="FFFFFF"/>
+                  </a:solidFill>
+                </a:uFill>
+                <a:ea typeface="DejaVu Sans"/>
+              </a:rPr>
+              <a:t> </a:t>
+            </a:r>
+            <a:r>
               <a:rPr lang="sr-Latn-RS" sz="2800" spc="-1" dirty="0" smtClean="0">
                 <a:solidFill>
                   <a:schemeClr val="tx2">
@@ -6949,7 +8528,151 @@
                 </a:uFill>
                 <a:ea typeface="DejaVu Sans"/>
               </a:rPr>
-              <a:t>Zatim šaljemo informaciju o dužini niza;</a:t>
+              <a:t>End</a:t>
+            </a:r>
+            <a:r>
+              <a:rPr lang="en-US" sz="2800" spc="-1" dirty="0" smtClean="0">
+                <a:solidFill>
+                  <a:schemeClr val="tx2">
+                    <a:lumMod val="10000"/>
+                  </a:schemeClr>
+                </a:solidFill>
+                <a:uFill>
+                  <a:solidFill>
+                    <a:srgbClr val="FFFFFF"/>
+                  </a:solidFill>
+                </a:uFill>
+                <a:ea typeface="DejaVu Sans"/>
+              </a:rPr>
+              <a:t>, </a:t>
+            </a:r>
+            <a:r>
+              <a:rPr lang="en-US" sz="2800" spc="-1" dirty="0" err="1" smtClean="0">
+                <a:solidFill>
+                  <a:schemeClr val="tx2">
+                    <a:lumMod val="10000"/>
+                  </a:schemeClr>
+                </a:solidFill>
+                <a:uFill>
+                  <a:solidFill>
+                    <a:srgbClr val="FFFFFF"/>
+                  </a:solidFill>
+                </a:uFill>
+                <a:ea typeface="DejaVu Sans"/>
+              </a:rPr>
+              <a:t>zatvara</a:t>
+            </a:r>
+            <a:r>
+              <a:rPr lang="en-US" sz="2800" spc="-1" dirty="0" smtClean="0">
+                <a:solidFill>
+                  <a:schemeClr val="tx2">
+                    <a:lumMod val="10000"/>
+                  </a:schemeClr>
+                </a:solidFill>
+                <a:uFill>
+                  <a:solidFill>
+                    <a:srgbClr val="FFFFFF"/>
+                  </a:solidFill>
+                </a:uFill>
+                <a:ea typeface="DejaVu Sans"/>
+              </a:rPr>
+              <a:t> se </a:t>
+            </a:r>
+            <a:r>
+              <a:rPr lang="en-US" sz="2800" spc="-1" dirty="0" err="1" smtClean="0">
+                <a:solidFill>
+                  <a:schemeClr val="tx2">
+                    <a:lumMod val="10000"/>
+                  </a:schemeClr>
+                </a:solidFill>
+                <a:uFill>
+                  <a:solidFill>
+                    <a:srgbClr val="FFFFFF"/>
+                  </a:solidFill>
+                </a:uFill>
+                <a:ea typeface="DejaVu Sans"/>
+              </a:rPr>
+              <a:t>konekcija</a:t>
+            </a:r>
+            <a:r>
+              <a:rPr lang="en-US" sz="2800" spc="-1" dirty="0" smtClean="0">
+                <a:solidFill>
+                  <a:schemeClr val="tx2">
+                    <a:lumMod val="10000"/>
+                  </a:schemeClr>
+                </a:solidFill>
+                <a:uFill>
+                  <a:solidFill>
+                    <a:srgbClr val="FFFFFF"/>
+                  </a:solidFill>
+                </a:uFill>
+                <a:ea typeface="DejaVu Sans"/>
+              </a:rPr>
+              <a:t> </a:t>
+            </a:r>
+            <a:r>
+              <a:rPr lang="en-US" sz="2800" spc="-1" dirty="0" err="1" smtClean="0">
+                <a:solidFill>
+                  <a:schemeClr val="tx2">
+                    <a:lumMod val="10000"/>
+                  </a:schemeClr>
+                </a:solidFill>
+                <a:uFill>
+                  <a:solidFill>
+                    <a:srgbClr val="FFFFFF"/>
+                  </a:solidFill>
+                </a:uFill>
+                <a:ea typeface="DejaVu Sans"/>
+              </a:rPr>
+              <a:t>i</a:t>
+            </a:r>
+            <a:r>
+              <a:rPr lang="en-US" sz="2800" spc="-1" dirty="0" smtClean="0">
+                <a:solidFill>
+                  <a:schemeClr val="tx2">
+                    <a:lumMod val="10000"/>
+                  </a:schemeClr>
+                </a:solidFill>
+                <a:uFill>
+                  <a:solidFill>
+                    <a:srgbClr val="FFFFFF"/>
+                  </a:solidFill>
+                </a:uFill>
+                <a:ea typeface="DejaVu Sans"/>
+              </a:rPr>
+              <a:t> program </a:t>
+            </a:r>
+            <a:r>
+              <a:rPr lang="en-US" sz="2800" spc="-1" dirty="0" err="1" smtClean="0">
+                <a:solidFill>
+                  <a:schemeClr val="tx2">
+                    <a:lumMod val="10000"/>
+                  </a:schemeClr>
+                </a:solidFill>
+                <a:uFill>
+                  <a:solidFill>
+                    <a:srgbClr val="FFFFFF"/>
+                  </a:solidFill>
+                </a:uFill>
+                <a:ea typeface="DejaVu Sans"/>
+              </a:rPr>
+              <a:t>zav</a:t>
+            </a:r>
+            <a:r>
+              <a:rPr lang="sr-Latn-RS" sz="2800" spc="-1" dirty="0" smtClean="0">
+                <a:solidFill>
+                  <a:schemeClr val="tx2">
+                    <a:lumMod val="10000"/>
+                  </a:schemeClr>
+                </a:solidFill>
+                <a:uFill>
+                  <a:solidFill>
+                    <a:srgbClr val="FFFFFF"/>
+                  </a:solidFill>
+                </a:uFill>
+                <a:ea typeface="DejaVu Sans"/>
+              </a:rPr>
+              <a:t>šava sa radom.</a:t>
             </a:r>
             <a:endParaRPr lang="sr-Latn-RS" spc="-1" dirty="0" smtClean="0">
               <a:solidFill>
@@ -6965,51 +8688,8 @@
             </a:endParaRPr>
           </a:p>
           <a:p>
-            <a:pPr marL="215956" indent="-215596" algn="just">
-              <a:buClr>
-                <a:srgbClr val="000000"/>
-              </a:buClr>
-              <a:buSzPct val="45000"/>
-              <a:buFont typeface="Wingdings" charset="2"/>
-              <a:buChar char=""/>
-            </a:pPr>
-            <a:r>
-              <a:rPr lang="sr-Latn-RS" sz="2800" spc="-1" dirty="0" smtClean="0">
-                <a:solidFill>
-                  <a:schemeClr val="tx2">
-                    <a:lumMod val="10000"/>
-                  </a:schemeClr>
-                </a:solidFill>
-                <a:uFill>
-                  <a:solidFill>
-                    <a:srgbClr val="FFFFFF"/>
-                  </a:solidFill>
-                </a:uFill>
-                <a:ea typeface="DejaVu Sans"/>
-              </a:rPr>
-              <a:t>For petljom prolazimo kroz niz, i šaljemo naziv, pa vrijednost modula;</a:t>
-            </a:r>
-            <a:endParaRPr lang="sr-Latn-RS" spc="-1" dirty="0" smtClean="0">
-              <a:solidFill>
-                <a:schemeClr val="tx2">
-                  <a:lumMod val="10000"/>
-                </a:schemeClr>
-              </a:solidFill>
-              <a:uFill>
-                <a:solidFill>
-                  <a:srgbClr val="FFFFFF"/>
-                </a:solidFill>
-              </a:uFill>
-            </a:endParaRPr>
-          </a:p>
-          <a:p>
-            <a:endParaRPr lang="en-US" dirty="0">
-              <a:solidFill>
-                <a:schemeClr val="tx2">
-                  <a:lumMod val="10000"/>
-                </a:schemeClr>
-              </a:solidFill>
-            </a:endParaRPr>
+            <a:pPr algn="just"/>
+            <a:endParaRPr lang="en-US" dirty="0"/>
           </a:p>
         </p:txBody>
       </p:sp>
@@ -7052,108 +8732,277 @@
             <a:spLocks noGrp="1"/>
           </p:cNvSpPr>
           <p:nvPr>
-            <p:ph type="title"/>
+            <p:ph type="ctrTitle"/>
           </p:nvPr>
         </p:nvSpPr>
         <p:spPr>
           <a:xfrm>
-            <a:off x="584676" y="279376"/>
-            <a:ext cx="8568531" cy="2673938"/>
+            <a:off x="682594" y="207937"/>
+            <a:ext cx="8655897" cy="2786082"/>
+          </a:xfrm>
+        </p:spPr>
+        <p:txBody>
+          <a:bodyPr>
+            <a:normAutofit/>
+          </a:bodyPr>
+          <a:lstStyle/>
+          <a:p>
+            <a:r>
+              <a:rPr lang="sr-Latn-RS" sz="4800" spc="-1" dirty="0" smtClean="0">
+                <a:solidFill>
+                  <a:schemeClr val="tx2">
+                    <a:lumMod val="10000"/>
+                  </a:schemeClr>
+                </a:solidFill>
+                <a:effectLst/>
+                <a:uFill>
+                  <a:solidFill>
+                    <a:srgbClr val="FFFFFF"/>
+                  </a:solidFill>
+                </a:uFill>
+                <a:latin typeface="Times New Roman" pitchFamily="18" charset="0"/>
+                <a:ea typeface="DejaVu Sans"/>
+                <a:cs typeface="Times New Roman" pitchFamily="18" charset="0"/>
+              </a:rPr>
+              <a:t>S</a:t>
+            </a:r>
+            <a:r>
+              <a:rPr lang="sr-Latn-RS" sz="4800" cap="none" spc="-1" dirty="0" smtClean="0">
+                <a:solidFill>
+                  <a:schemeClr val="tx2">
+                    <a:lumMod val="10000"/>
+                  </a:schemeClr>
+                </a:solidFill>
+                <a:effectLst/>
+                <a:uFill>
+                  <a:solidFill>
+                    <a:srgbClr val="FFFFFF"/>
+                  </a:solidFill>
+                </a:uFill>
+                <a:latin typeface="Times New Roman" pitchFamily="18" charset="0"/>
+                <a:ea typeface="DejaVu Sans"/>
+                <a:cs typeface="Times New Roman" pitchFamily="18" charset="0"/>
+              </a:rPr>
+              <a:t>erverske</a:t>
+            </a:r>
+            <a:r>
+              <a:rPr lang="sr-Latn-RS" sz="4800" cap="none" spc="-1" dirty="0" smtClean="0">
+                <a:solidFill>
+                  <a:schemeClr val="tx2">
+                    <a:lumMod val="10000"/>
+                  </a:schemeClr>
+                </a:solidFill>
+                <a:effectLst/>
+                <a:uFill>
+                  <a:solidFill>
+                    <a:srgbClr val="FFFFFF"/>
+                  </a:solidFill>
+                </a:uFill>
+                <a:latin typeface="+mn-lt"/>
+                <a:ea typeface="DejaVu Sans"/>
+              </a:rPr>
+              <a:t> </a:t>
+            </a:r>
+            <a:r>
+              <a:rPr lang="en-US" sz="4800" cap="none" spc="-1" dirty="0" err="1" smtClean="0">
+                <a:solidFill>
+                  <a:schemeClr val="tx2">
+                    <a:lumMod val="10000"/>
+                  </a:schemeClr>
+                </a:solidFill>
+                <a:effectLst/>
+                <a:uFill>
+                  <a:solidFill>
+                    <a:srgbClr val="FFFFFF"/>
+                  </a:solidFill>
+                </a:uFill>
+                <a:latin typeface="+mn-lt"/>
+                <a:ea typeface="DejaVu Sans"/>
+              </a:rPr>
+              <a:t>funckije</a:t>
+            </a:r>
+            <a:r>
+              <a:rPr lang="en-US" sz="4800" cap="none" spc="-1" dirty="0" smtClean="0">
+                <a:solidFill>
+                  <a:schemeClr val="tx2">
+                    <a:lumMod val="10000"/>
+                  </a:schemeClr>
+                </a:solidFill>
+                <a:effectLst/>
+                <a:uFill>
+                  <a:solidFill>
+                    <a:srgbClr val="FFFFFF"/>
+                  </a:solidFill>
+                </a:uFill>
+                <a:latin typeface="+mn-lt"/>
+                <a:ea typeface="DejaVu Sans"/>
+              </a:rPr>
+              <a:t/>
+            </a:r>
+            <a:br>
+              <a:rPr lang="en-US" sz="4800" cap="none" spc="-1" dirty="0" smtClean="0">
+                <a:solidFill>
+                  <a:schemeClr val="tx2">
+                    <a:lumMod val="10000"/>
+                  </a:schemeClr>
+                </a:solidFill>
+                <a:effectLst/>
+                <a:uFill>
+                  <a:solidFill>
+                    <a:srgbClr val="FFFFFF"/>
+                  </a:solidFill>
+                </a:uFill>
+                <a:latin typeface="+mn-lt"/>
+                <a:ea typeface="DejaVu Sans"/>
+              </a:rPr>
+            </a:br>
+            <a:r>
+              <a:rPr lang="sr-Latn-RS" sz="4800" cap="none" spc="-1" dirty="0" smtClean="0">
+                <a:solidFill>
+                  <a:schemeClr val="tx2">
+                    <a:lumMod val="10000"/>
+                  </a:schemeClr>
+                </a:solidFill>
+                <a:effectLst/>
+                <a:uFill>
+                  <a:solidFill>
+                    <a:srgbClr val="FFFFFF"/>
+                  </a:solidFill>
+                </a:uFill>
+                <a:latin typeface="+mn-lt"/>
+                <a:ea typeface="DejaVu Sans"/>
+              </a:rPr>
+              <a:t>List</a:t>
+            </a:r>
+            <a:r>
+              <a:rPr lang="en-US" sz="4800" cap="none" spc="-1" dirty="0" smtClean="0">
+                <a:solidFill>
+                  <a:schemeClr val="tx2">
+                    <a:lumMod val="10000"/>
+                  </a:schemeClr>
+                </a:solidFill>
+                <a:effectLst/>
+                <a:uFill>
+                  <a:solidFill>
+                    <a:srgbClr val="FFFFFF"/>
+                  </a:solidFill>
+                </a:uFill>
+                <a:latin typeface="+mn-lt"/>
+                <a:ea typeface="DejaVu Sans"/>
+              </a:rPr>
+              <a:t>M</a:t>
+            </a:r>
+            <a:r>
+              <a:rPr lang="sr-Latn-RS" sz="4800" cap="none" spc="-1" dirty="0" smtClean="0">
+                <a:solidFill>
+                  <a:schemeClr val="tx2">
+                    <a:lumMod val="10000"/>
+                  </a:schemeClr>
+                </a:solidFill>
+                <a:effectLst/>
+                <a:uFill>
+                  <a:solidFill>
+                    <a:srgbClr val="FFFFFF"/>
+                  </a:solidFill>
+                </a:uFill>
+                <a:latin typeface="+mn-lt"/>
+                <a:ea typeface="DejaVu Sans"/>
+              </a:rPr>
+              <a:t>odules</a:t>
+            </a:r>
+            <a:r>
+              <a:rPr lang="sr-Latn-RS" sz="4800" spc="-1" dirty="0" smtClean="0">
+                <a:solidFill>
+                  <a:schemeClr val="tx2">
+                    <a:lumMod val="10000"/>
+                  </a:schemeClr>
+                </a:solidFill>
+                <a:effectLst/>
+                <a:uFill>
+                  <a:solidFill>
+                    <a:srgbClr val="FFFFFF"/>
+                  </a:solidFill>
+                </a:uFill>
+                <a:latin typeface="+mn-lt"/>
+                <a:ea typeface="DejaVu Sans"/>
+              </a:rPr>
+              <a:t>()</a:t>
+            </a:r>
+            <a:r>
+              <a:rPr lang="sr-Latn-RS" sz="4800" spc="-1" dirty="0" smtClean="0">
+                <a:solidFill>
+                  <a:srgbClr val="000000"/>
+                </a:solidFill>
+                <a:uFill>
+                  <a:solidFill>
+                    <a:srgbClr val="FFFFFF"/>
+                  </a:solidFill>
+                </a:uFill>
+                <a:latin typeface="Arial"/>
+              </a:rPr>
+              <a:t/>
+            </a:r>
+            <a:br>
+              <a:rPr lang="sr-Latn-RS" sz="4800" spc="-1" dirty="0" smtClean="0">
+                <a:solidFill>
+                  <a:srgbClr val="000000"/>
+                </a:solidFill>
+                <a:uFill>
+                  <a:solidFill>
+                    <a:srgbClr val="FFFFFF"/>
+                  </a:solidFill>
+                </a:uFill>
+                <a:latin typeface="Arial"/>
+              </a:rPr>
+            </a:br>
+            <a:endParaRPr lang="en-US" sz="4800" dirty="0"/>
+          </a:p>
+        </p:txBody>
+      </p:sp>
+      <p:sp>
+        <p:nvSpPr>
+          <p:cNvPr id="3" name="Subtitle 2"/>
+          <p:cNvSpPr>
+            <a:spLocks noGrp="1"/>
+          </p:cNvSpPr>
+          <p:nvPr>
+            <p:ph type="subTitle" idx="1"/>
+          </p:nvPr>
+        </p:nvSpPr>
+        <p:spPr>
+          <a:xfrm>
+            <a:off x="611156" y="3351209"/>
+            <a:ext cx="8659257" cy="3714776"/>
           </a:xfrm>
         </p:spPr>
         <p:txBody>
           <a:bodyPr/>
           <a:lstStyle/>
           <a:p>
-            <a:pPr algn="ctr"/>
-            <a:r>
-              <a:rPr lang="sr-Latn-RS" sz="4800" spc="-1" dirty="0" smtClean="0">
-                <a:solidFill>
-                  <a:schemeClr val="tx2">
-                    <a:lumMod val="10000"/>
-                  </a:schemeClr>
-                </a:solidFill>
-                <a:uFill>
-                  <a:solidFill>
-                    <a:srgbClr val="FFFFFF"/>
-                  </a:solidFill>
-                </a:uFill>
-                <a:latin typeface="+mn-lt"/>
-                <a:ea typeface="DejaVu Sans"/>
-              </a:rPr>
-              <a:t>Serverske funckije - CommandModules()</a:t>
-            </a:r>
-            <a:r>
-              <a:rPr lang="sr-Latn-RS" sz="4800" spc="-1" dirty="0" smtClean="0">
-                <a:solidFill>
-                  <a:schemeClr val="tx2">
-                    <a:lumMod val="10000"/>
-                  </a:schemeClr>
-                </a:solidFill>
-                <a:uFill>
-                  <a:solidFill>
-                    <a:srgbClr val="FFFFFF"/>
-                  </a:solidFill>
-                </a:uFill>
-                <a:latin typeface="+mn-lt"/>
-              </a:rPr>
-              <a:t/>
-            </a:r>
-            <a:br>
-              <a:rPr lang="sr-Latn-RS" sz="4800" spc="-1" dirty="0" smtClean="0">
-                <a:solidFill>
-                  <a:schemeClr val="tx2">
-                    <a:lumMod val="10000"/>
-                  </a:schemeClr>
-                </a:solidFill>
-                <a:uFill>
-                  <a:solidFill>
-                    <a:srgbClr val="FFFFFF"/>
-                  </a:solidFill>
-                </a:uFill>
-                <a:latin typeface="+mn-lt"/>
-              </a:rPr>
-            </a:br>
-            <a:endParaRPr lang="en-US" sz="4800" dirty="0">
-              <a:solidFill>
-                <a:schemeClr val="tx2">
-                  <a:lumMod val="10000"/>
-                </a:schemeClr>
-              </a:solidFill>
-              <a:latin typeface="+mn-lt"/>
-            </a:endParaRPr>
-          </a:p>
-        </p:txBody>
-      </p:sp>
-      <p:sp>
-        <p:nvSpPr>
-          <p:cNvPr id="3" name="Text Placeholder 2"/>
-          <p:cNvSpPr>
-            <a:spLocks noGrp="1"/>
-          </p:cNvSpPr>
-          <p:nvPr>
-            <p:ph type="body" idx="1"/>
-          </p:nvPr>
-        </p:nvSpPr>
-        <p:spPr>
-          <a:xfrm>
-            <a:off x="584676" y="2981391"/>
-            <a:ext cx="8568531" cy="4227470"/>
-          </a:xfrm>
-        </p:spPr>
-        <p:txBody>
-          <a:bodyPr/>
-          <a:lstStyle/>
-          <a:p>
             <a:pPr marL="215956" indent="-215596" algn="just">
               <a:buClr>
-                <a:srgbClr val="000000"/>
+                <a:schemeClr val="accent1"/>
               </a:buClr>
-              <a:buSzPct val="45000"/>
-              <a:buFont typeface="Wingdings" charset="2"/>
-              <a:buChar char=""/>
+              <a:buFont typeface="Wingdings" pitchFamily="2" charset="2"/>
+              <a:buChar char="§"/>
             </a:pPr>
             <a:r>
+              <a:rPr lang="en-US" sz="2800" spc="-1" dirty="0" smtClean="0">
+                <a:solidFill>
+                  <a:schemeClr val="tx2">
+                    <a:lumMod val="10000"/>
+                  </a:schemeClr>
+                </a:solidFill>
+                <a:uFill>
+                  <a:solidFill>
+                    <a:srgbClr val="FFFFFF"/>
+                  </a:solidFill>
+                </a:uFill>
+                <a:ea typeface="DejaVu Sans"/>
+              </a:rPr>
+              <a:t> </a:t>
+            </a:r>
+            <a:r>
               <a:rPr lang="sr-Latn-RS" sz="2800" spc="-1" dirty="0" smtClean="0">
                 <a:solidFill>
                   <a:schemeClr val="tx2">
@@ -7167,9 +9016,57 @@
                 </a:uFill>
                 <a:ea typeface="DejaVu Sans"/>
               </a:rPr>
-              <a:t>Proveravamo da li je zahtev tipa Analog ili tipa Digital;</a:t>
-            </a:r>
-            <a:endParaRPr lang="sr-Latn-RS" sz="2800" spc="-1" dirty="0" smtClean="0">
+              <a:t>Šaljemo </a:t>
+            </a:r>
+            <a:r>
+              <a:rPr lang="sr-Latn-RS" sz="2800" spc="-1" dirty="0" smtClean="0">
+                <a:solidFill>
+                  <a:schemeClr val="tx2">
+                    <a:lumMod val="10000"/>
+                  </a:schemeClr>
+                </a:solidFill>
+                <a:uFill>
+                  <a:solidFill>
+                    <a:srgbClr val="FFFFFF"/>
+                  </a:solidFill>
+                </a:uFill>
+                <a:ea typeface="DejaVu Sans"/>
+              </a:rPr>
+              <a:t>klijentu informaciju za dobijeni niz </a:t>
+            </a:r>
+            <a:r>
+              <a:rPr lang="sr-Latn-RS" sz="2800" spc="-1" dirty="0" smtClean="0">
+                <a:solidFill>
+                  <a:schemeClr val="tx2">
+                    <a:lumMod val="10000"/>
+                  </a:schemeClr>
+                </a:solidFill>
+                <a:uFill>
+                  <a:solidFill>
+                    <a:srgbClr val="FFFFFF"/>
+                  </a:solidFill>
+                </a:uFill>
+                <a:ea typeface="DejaVu Sans"/>
+              </a:rPr>
+              <a:t>elemenata</a:t>
+            </a:r>
+            <a:r>
+              <a:rPr lang="en-US" sz="2800" spc="-1" dirty="0" smtClean="0">
+                <a:solidFill>
+                  <a:schemeClr val="tx2">
+                    <a:lumMod val="10000"/>
+                  </a:schemeClr>
+                </a:solidFill>
+                <a:uFill>
+                  <a:solidFill>
+                    <a:srgbClr val="FFFFFF"/>
+                  </a:solidFill>
+                </a:uFill>
+                <a:ea typeface="DejaVu Sans"/>
+              </a:rPr>
+              <a:t>.</a:t>
+            </a:r>
+            <a:endParaRPr lang="sr-Latn-RS" spc="-1" dirty="0" smtClean="0">
               <a:solidFill>
                 <a:schemeClr val="tx2">
                   <a:lumMod val="10000"/>
@@ -7185,11 +9082,10 @@
           <a:p>
             <a:pPr marL="215956" indent="-215596" algn="just">
               <a:buClr>
-                <a:srgbClr val="000000"/>
+                <a:schemeClr val="accent1"/>
               </a:buClr>
-              <a:buSzPct val="45000"/>
-              <a:buFont typeface="Wingdings" charset="2"/>
-              <a:buChar char=""/>
+              <a:buFont typeface="Wingdings" pitchFamily="2" charset="2"/>
+              <a:buChar char="§"/>
             </a:pPr>
             <a:r>
               <a:rPr lang="sr-Latn-RS" sz="2800" spc="-1" dirty="0" smtClean="0">
@@ -7205,9 +9101,89 @@
                 </a:uFill>
                 <a:ea typeface="DejaVu Sans"/>
               </a:rPr>
-              <a:t>For petljom prolazimo kroz niz, tražeći odgovarajući naziv modula;</a:t>
-            </a:r>
-            <a:endParaRPr lang="sr-Latn-RS" sz="2800" spc="-1" dirty="0" smtClean="0">
+              <a:t>Proveravamo </a:t>
+            </a:r>
+            <a:r>
+              <a:rPr lang="sr-Latn-RS" sz="2800" spc="-1" dirty="0" smtClean="0">
+                <a:solidFill>
+                  <a:schemeClr val="tx2">
+                    <a:lumMod val="10000"/>
+                  </a:schemeClr>
+                </a:solidFill>
+                <a:uFill>
+                  <a:solidFill>
+                    <a:srgbClr val="FFFFFF"/>
+                  </a:solidFill>
+                </a:uFill>
+                <a:ea typeface="DejaVu Sans"/>
+              </a:rPr>
+              <a:t>da li je traženi niz elemenata tipa </a:t>
+            </a:r>
+            <a:r>
+              <a:rPr lang="sr-Latn-RS" sz="2800" spc="-1" dirty="0" smtClean="0">
+                <a:solidFill>
+                  <a:schemeClr val="tx2">
+                    <a:lumMod val="10000"/>
+                  </a:schemeClr>
+                </a:solidFill>
+                <a:uFill>
+                  <a:solidFill>
+                    <a:srgbClr val="FFFFFF"/>
+                  </a:solidFill>
+                </a:uFill>
+                <a:ea typeface="DejaVu Sans"/>
+              </a:rPr>
+              <a:t>Analog </a:t>
+            </a:r>
+            <a:r>
+              <a:rPr lang="sr-Latn-RS" sz="2800" spc="-1" dirty="0" smtClean="0">
+                <a:solidFill>
+                  <a:schemeClr val="tx2">
+                    <a:lumMod val="10000"/>
+                  </a:schemeClr>
+                </a:solidFill>
+                <a:uFill>
+                  <a:solidFill>
+                    <a:srgbClr val="FFFFFF"/>
+                  </a:solidFill>
+                </a:uFill>
+                <a:ea typeface="DejaVu Sans"/>
+              </a:rPr>
+              <a:t>ili tipa </a:t>
+            </a:r>
+            <a:r>
+              <a:rPr lang="sr-Latn-RS" sz="2800" spc="-1" dirty="0" smtClean="0">
+                <a:solidFill>
+                  <a:schemeClr val="tx2">
+                    <a:lumMod val="10000"/>
+                  </a:schemeClr>
+                </a:solidFill>
+                <a:uFill>
+                  <a:solidFill>
+                    <a:srgbClr val="FFFFFF"/>
+                  </a:solidFill>
+                </a:uFill>
+                <a:ea typeface="DejaVu Sans"/>
+              </a:rPr>
+              <a:t>Digital</a:t>
+            </a:r>
+            <a:r>
+              <a:rPr lang="en-US" sz="2800" spc="-1" dirty="0" smtClean="0">
+                <a:solidFill>
+                  <a:schemeClr val="tx2">
+                    <a:lumMod val="10000"/>
+                  </a:schemeClr>
+                </a:solidFill>
+                <a:uFill>
+                  <a:solidFill>
+                    <a:srgbClr val="FFFFFF"/>
+                  </a:solidFill>
+                </a:uFill>
+                <a:ea typeface="DejaVu Sans"/>
+              </a:rPr>
+              <a:t>.</a:t>
+            </a:r>
+            <a:endParaRPr lang="sr-Latn-RS" spc="-1" dirty="0" smtClean="0">
               <a:solidFill>
                 <a:schemeClr val="tx2">
                   <a:lumMod val="10000"/>
@@ -7223,11 +9199,10 @@
           <a:p>
             <a:pPr marL="215956" indent="-215596" algn="just">
               <a:buClr>
-                <a:srgbClr val="000000"/>
+                <a:schemeClr val="accent1"/>
               </a:buClr>
-              <a:buSzPct val="45000"/>
-              <a:buFont typeface="Wingdings" charset="2"/>
-              <a:buChar char=""/>
+              <a:buFont typeface="Wingdings" pitchFamily="2" charset="2"/>
+              <a:buChar char="§"/>
             </a:pPr>
             <a:r>
               <a:rPr lang="sr-Latn-RS" sz="2800" spc="-1" dirty="0" smtClean="0">
@@ -7243,9 +9218,41 @@
                 </a:uFill>
                 <a:ea typeface="DejaVu Sans"/>
               </a:rPr>
-              <a:t>Kada pronađeno modul traženog imena, menjamo mu vrednost;</a:t>
-            </a:r>
-            <a:endParaRPr lang="sr-Latn-RS" sz="2800" spc="-1" dirty="0" smtClean="0">
+              <a:t>Zatim šaljemo informaciju o dužini </a:t>
+            </a:r>
+            <a:r>
+              <a:rPr lang="sr-Latn-RS" sz="2800" spc="-1" dirty="0" smtClean="0">
+                <a:solidFill>
+                  <a:schemeClr val="tx2">
+                    <a:lumMod val="10000"/>
+                  </a:schemeClr>
+                </a:solidFill>
+                <a:uFill>
+                  <a:solidFill>
+                    <a:srgbClr val="FFFFFF"/>
+                  </a:solidFill>
+                </a:uFill>
+                <a:ea typeface="DejaVu Sans"/>
+              </a:rPr>
+              <a:t>niza</a:t>
+            </a:r>
+            <a:r>
+              <a:rPr lang="en-US" sz="2800" spc="-1" dirty="0" smtClean="0">
+                <a:solidFill>
+                  <a:schemeClr val="tx2">
+                    <a:lumMod val="10000"/>
+                  </a:schemeClr>
+                </a:solidFill>
+                <a:uFill>
+                  <a:solidFill>
+                    <a:srgbClr val="FFFFFF"/>
+                  </a:solidFill>
+                </a:uFill>
+                <a:ea typeface="DejaVu Sans"/>
+              </a:rPr>
+              <a:t>.</a:t>
+            </a:r>
+            <a:endParaRPr lang="sr-Latn-RS" spc="-1" dirty="0" smtClean="0">
               <a:solidFill>
                 <a:schemeClr val="tx2">
                   <a:lumMod val="10000"/>
@@ -7261,11 +9268,10 @@
           <a:p>
             <a:pPr marL="215956" indent="-215596" algn="just">
               <a:buClr>
-                <a:srgbClr val="000000"/>
+                <a:schemeClr val="accent1"/>
               </a:buClr>
-              <a:buSzPct val="45000"/>
-              <a:buFont typeface="Wingdings" charset="2"/>
-              <a:buChar char=""/>
+              <a:buFont typeface="Wingdings" pitchFamily="2" charset="2"/>
+              <a:buChar char="§"/>
             </a:pPr>
             <a:r>
               <a:rPr lang="sr-Latn-RS" sz="2800" spc="-1" dirty="0" smtClean="0">
@@ -7281,9 +9287,73 @@
                 </a:uFill>
                 <a:ea typeface="DejaVu Sans"/>
               </a:rPr>
-              <a:t>Na kraju klijentu šaljemo informaciju da vršimo operaciju upisivanja</a:t>
-            </a:r>
-            <a:endParaRPr lang="sr-Latn-RS" sz="2800" spc="-1" dirty="0" smtClean="0">
+              <a:t>For petljom prolazimo kroz </a:t>
+            </a:r>
+            <a:r>
+              <a:rPr lang="sr-Latn-RS" sz="2800" spc="-1" dirty="0" smtClean="0">
+                <a:solidFill>
+                  <a:schemeClr val="tx2">
+                    <a:lumMod val="10000"/>
+                  </a:schemeClr>
+                </a:solidFill>
+                <a:uFill>
+                  <a:solidFill>
+                    <a:srgbClr val="FFFFFF"/>
+                  </a:solidFill>
+                </a:uFill>
+                <a:ea typeface="DejaVu Sans"/>
+              </a:rPr>
+              <a:t>niz </a:t>
+            </a:r>
+            <a:r>
+              <a:rPr lang="sr-Latn-RS" sz="2800" spc="-1" dirty="0" smtClean="0">
+                <a:solidFill>
+                  <a:schemeClr val="tx2">
+                    <a:lumMod val="10000"/>
+                  </a:schemeClr>
+                </a:solidFill>
+                <a:uFill>
+                  <a:solidFill>
+                    <a:srgbClr val="FFFFFF"/>
+                  </a:solidFill>
+                </a:uFill>
+                <a:ea typeface="DejaVu Sans"/>
+              </a:rPr>
+              <a:t>i šaljemo naziv, pa </a:t>
+            </a:r>
+            <a:r>
+              <a:rPr lang="sr-Latn-RS" sz="2800" spc="-1" dirty="0" smtClean="0">
+                <a:solidFill>
+                  <a:schemeClr val="tx2">
+                    <a:lumMod val="10000"/>
+                  </a:schemeClr>
+                </a:solidFill>
+                <a:uFill>
+                  <a:solidFill>
+                    <a:srgbClr val="FFFFFF"/>
+                  </a:solidFill>
+                </a:uFill>
+                <a:ea typeface="DejaVu Sans"/>
+              </a:rPr>
+              <a:t>vrednost modula</a:t>
+            </a:r>
+            <a:r>
+              <a:rPr lang="en-US" sz="2800" spc="-1" dirty="0" smtClean="0">
+                <a:solidFill>
+                  <a:schemeClr val="tx2">
+                    <a:lumMod val="10000"/>
+                  </a:schemeClr>
+                </a:solidFill>
+                <a:uFill>
+                  <a:solidFill>
+                    <a:srgbClr val="FFFFFF"/>
+                  </a:solidFill>
+                </a:uFill>
+                <a:ea typeface="DejaVu Sans"/>
+              </a:rPr>
+              <a:t>.</a:t>
+            </a:r>
+            <a:endParaRPr lang="sr-Latn-RS" spc="-1" dirty="0" smtClean="0">
               <a:solidFill>
                 <a:schemeClr val="tx2">
                   <a:lumMod val="10000"/>
@@ -7351,8 +9421,8 @@
         </p:nvSpPr>
         <p:spPr>
           <a:xfrm>
-            <a:off x="584676" y="422252"/>
-            <a:ext cx="8568531" cy="2531062"/>
+            <a:off x="584676" y="279376"/>
+            <a:ext cx="8568531" cy="2673938"/>
           </a:xfrm>
         </p:spPr>
         <p:txBody>
@@ -7367,6 +9437,7 @@
                     <a:lumMod val="10000"/>
                   </a:schemeClr>
                 </a:solidFill>
+                <a:effectLst/>
                 <a:uFill>
                   <a:solidFill>
                     <a:srgbClr val="FFFFFF"/>
@@ -7375,36 +9446,119 @@
                 <a:latin typeface="+mn-lt"/>
                 <a:ea typeface="DejaVu Sans"/>
               </a:rPr>
-              <a:t>Serverske funkcije - main()</a:t>
-            </a:r>
-            <a:r>
-              <a:rPr lang="sr-Latn-RS" spc="-1" dirty="0" smtClean="0">
-                <a:solidFill>
-                  <a:srgbClr val="000000"/>
-                </a:solidFill>
-                <a:uFill>
-                  <a:solidFill>
-                    <a:srgbClr val="FFFFFF"/>
-                  </a:solidFill>
-                </a:uFill>
-                <a:latin typeface="Arial"/>
+              <a:t>Serverske </a:t>
+            </a:r>
+            <a:r>
+              <a:rPr lang="sr-Latn-RS" sz="4800" spc="-1" dirty="0" smtClean="0">
+                <a:solidFill>
+                  <a:schemeClr val="tx2">
+                    <a:lumMod val="10000"/>
+                  </a:schemeClr>
+                </a:solidFill>
+                <a:effectLst/>
+                <a:uFill>
+                  <a:solidFill>
+                    <a:srgbClr val="FFFFFF"/>
+                  </a:solidFill>
+                </a:uFill>
+                <a:latin typeface="+mn-lt"/>
+                <a:ea typeface="DejaVu Sans"/>
+              </a:rPr>
+              <a:t>funckij</a:t>
+            </a:r>
+            <a:r>
+              <a:rPr lang="en-US" sz="4800" spc="-1" dirty="0" smtClean="0">
+                <a:solidFill>
+                  <a:schemeClr val="tx2">
+                    <a:lumMod val="10000"/>
+                  </a:schemeClr>
+                </a:solidFill>
+                <a:effectLst/>
+                <a:uFill>
+                  <a:solidFill>
+                    <a:srgbClr val="FFFFFF"/>
+                  </a:solidFill>
+                </a:uFill>
+                <a:latin typeface="+mn-lt"/>
+                <a:ea typeface="DejaVu Sans"/>
+              </a:rPr>
+              <a:t>e</a:t>
+            </a:r>
+            <a:r>
+              <a:rPr lang="sr-Latn-RS" sz="4800" spc="-1" dirty="0" smtClean="0">
+                <a:solidFill>
+                  <a:schemeClr val="tx2">
+                    <a:lumMod val="10000"/>
+                  </a:schemeClr>
+                </a:solidFill>
+                <a:effectLst/>
+                <a:uFill>
+                  <a:solidFill>
+                    <a:srgbClr val="FFFFFF"/>
+                  </a:solidFill>
+                </a:uFill>
+                <a:latin typeface="+mn-lt"/>
+                <a:ea typeface="DejaVu Sans"/>
+              </a:rPr>
+              <a:t> </a:t>
+            </a:r>
+            <a:r>
+              <a:rPr lang="sr-Latn-RS" sz="4800" spc="-1" dirty="0" smtClean="0">
+                <a:solidFill>
+                  <a:schemeClr val="tx2">
+                    <a:lumMod val="10000"/>
+                  </a:schemeClr>
+                </a:solidFill>
+                <a:effectLst/>
+                <a:uFill>
+                  <a:solidFill>
+                    <a:srgbClr val="FFFFFF"/>
+                  </a:solidFill>
+                </a:uFill>
+                <a:latin typeface="+mn-lt"/>
+                <a:ea typeface="DejaVu Sans"/>
+              </a:rPr>
+              <a:t>CommandModules()</a:t>
+            </a:r>
+            <a:r>
+              <a:rPr lang="sr-Latn-RS" sz="4800" spc="-1" dirty="0" smtClean="0">
+                <a:solidFill>
+                  <a:schemeClr val="tx2">
+                    <a:lumMod val="10000"/>
+                  </a:schemeClr>
+                </a:solidFill>
+                <a:uFill>
+                  <a:solidFill>
+                    <a:srgbClr val="FFFFFF"/>
+                  </a:solidFill>
+                </a:uFill>
+                <a:latin typeface="+mn-lt"/>
               </a:rPr>
               <a:t/>
             </a:r>
             <a:br>
-              <a:rPr lang="sr-Latn-RS" spc="-1" dirty="0" smtClean="0">
-                <a:solidFill>
-                  <a:srgbClr val="000000"/>
-                </a:solidFill>
-                <a:uFill>
-                  <a:solidFill>
-                    <a:srgbClr val="FFFFFF"/>
-                  </a:solidFill>
-                </a:uFill>
-                <a:latin typeface="Arial"/>
+              <a:rPr lang="sr-Latn-RS" sz="4800" spc="-1" dirty="0" smtClean="0">
+                <a:solidFill>
+                  <a:schemeClr val="tx2">
+                    <a:lumMod val="10000"/>
+                  </a:schemeClr>
+                </a:solidFill>
+                <a:uFill>
+                  <a:solidFill>
+                    <a:srgbClr val="FFFFFF"/>
+                  </a:solidFill>
+                </a:uFill>
+                <a:latin typeface="+mn-lt"/>
               </a:rPr>
             </a:br>
-            <a:endParaRPr lang="en-US" dirty="0"/>
+            <a:endParaRPr lang="en-US" sz="4800" dirty="0">
+              <a:solidFill>
+                <a:schemeClr val="tx2">
+                  <a:lumMod val="10000"/>
+                </a:schemeClr>
+              </a:solidFill>
+              <a:latin typeface="+mn-lt"/>
+            </a:endParaRPr>
           </a:p>
         </p:txBody>
       </p:sp>
@@ -7420,23 +9574,20 @@
         </p:nvSpPr>
         <p:spPr>
           <a:xfrm>
-            <a:off x="584676" y="2565391"/>
-            <a:ext cx="8568531" cy="4786346"/>
+            <a:off x="584676" y="2981391"/>
+            <a:ext cx="8568531" cy="4227470"/>
           </a:xfrm>
         </p:spPr>
         <p:txBody>
-          <a:bodyPr>
-            <a:normAutofit/>
-          </a:bodyPr>
+          <a:bodyPr/>
           <a:lstStyle/>
           <a:p>
-            <a:pPr marL="215956" indent="-215596">
+            <a:pPr marL="215956" indent="-215596" algn="just">
               <a:buClr>
-                <a:srgbClr val="000000"/>
+                <a:schemeClr val="accent1"/>
               </a:buClr>
-              <a:buSzPct val="45000"/>
-              <a:buFont typeface="Wingdings" charset="2"/>
-              <a:buChar char=""/>
+              <a:buFont typeface="Wingdings" pitchFamily="2" charset="2"/>
+              <a:buChar char="§"/>
             </a:pPr>
             <a:r>
               <a:rPr lang="sr-Latn-RS" sz="2800" spc="-1" dirty="0" smtClean="0">
@@ -7452,7 +9603,39 @@
                 </a:uFill>
                 <a:ea typeface="DejaVu Sans"/>
               </a:rPr>
-              <a:t>Definisanje vrijednosti promijenljivih i pravljenje nizova</a:t>
+              <a:t>Proveravamo da li je zahtev tipa Analog ili tipa </a:t>
+            </a:r>
+            <a:r>
+              <a:rPr lang="sr-Latn-RS" sz="2800" spc="-1" dirty="0" smtClean="0">
+                <a:solidFill>
+                  <a:schemeClr val="tx2">
+                    <a:lumMod val="10000"/>
+                  </a:schemeClr>
+                </a:solidFill>
+                <a:uFill>
+                  <a:solidFill>
+                    <a:srgbClr val="FFFFFF"/>
+                  </a:solidFill>
+                </a:uFill>
+                <a:ea typeface="DejaVu Sans"/>
+              </a:rPr>
+              <a:t>Digital</a:t>
+            </a:r>
+            <a:r>
+              <a:rPr lang="en-US" sz="2800" spc="-1" dirty="0" smtClean="0">
+                <a:solidFill>
+                  <a:schemeClr val="tx2">
+                    <a:lumMod val="10000"/>
+                  </a:schemeClr>
+                </a:solidFill>
+                <a:uFill>
+                  <a:solidFill>
+                    <a:srgbClr val="FFFFFF"/>
+                  </a:solidFill>
+                </a:uFill>
+                <a:ea typeface="DejaVu Sans"/>
+              </a:rPr>
+              <a:t>.</a:t>
             </a:r>
             <a:endParaRPr lang="sr-Latn-RS" sz="2800" spc="-1" dirty="0" smtClean="0">
               <a:solidFill>
@@ -7468,13 +9651,12 @@
             </a:endParaRPr>
           </a:p>
           <a:p>
-            <a:pPr marL="215956" indent="-215596">
+            <a:pPr marL="215956" indent="-215596" algn="just">
               <a:buClr>
-                <a:srgbClr val="000000"/>
+                <a:schemeClr val="accent1"/>
               </a:buClr>
-              <a:buSzPct val="45000"/>
-              <a:buFont typeface="Wingdings" charset="2"/>
-              <a:buChar char=""/>
+              <a:buFont typeface="Wingdings" pitchFamily="2" charset="2"/>
+              <a:buChar char="§"/>
             </a:pPr>
             <a:r>
               <a:rPr lang="sr-Latn-RS" sz="2800" spc="-1" dirty="0" smtClean="0">
@@ -7490,7 +9672,71 @@
                 </a:uFill>
                 <a:ea typeface="DejaVu Sans"/>
               </a:rPr>
-              <a:t>Provjera dužine niza</a:t>
+              <a:t>For petljom prolazimo kroz </a:t>
+            </a:r>
+            <a:r>
+              <a:rPr lang="sr-Latn-RS" sz="2800" spc="-1" dirty="0" smtClean="0">
+                <a:solidFill>
+                  <a:schemeClr val="tx2">
+                    <a:lumMod val="10000"/>
+                  </a:schemeClr>
+                </a:solidFill>
+                <a:uFill>
+                  <a:solidFill>
+                    <a:srgbClr val="FFFFFF"/>
+                  </a:solidFill>
+                </a:uFill>
+                <a:ea typeface="DejaVu Sans"/>
+              </a:rPr>
+              <a:t>niz </a:t>
+            </a:r>
+            <a:r>
+              <a:rPr lang="sr-Latn-RS" sz="2800" spc="-1" dirty="0" smtClean="0">
+                <a:solidFill>
+                  <a:schemeClr val="tx2">
+                    <a:lumMod val="10000"/>
+                  </a:schemeClr>
+                </a:solidFill>
+                <a:uFill>
+                  <a:solidFill>
+                    <a:srgbClr val="FFFFFF"/>
+                  </a:solidFill>
+                </a:uFill>
+                <a:ea typeface="DejaVu Sans"/>
+              </a:rPr>
+              <a:t>tražeći odgovarajući naziv </a:t>
+            </a:r>
+            <a:r>
+              <a:rPr lang="sr-Latn-RS" sz="2800" spc="-1" dirty="0" smtClean="0">
+                <a:solidFill>
+                  <a:schemeClr val="tx2">
+                    <a:lumMod val="10000"/>
+                  </a:schemeClr>
+                </a:solidFill>
+                <a:uFill>
+                  <a:solidFill>
+                    <a:srgbClr val="FFFFFF"/>
+                  </a:solidFill>
+                </a:uFill>
+                <a:ea typeface="DejaVu Sans"/>
+              </a:rPr>
+              <a:t>modula</a:t>
+            </a:r>
+            <a:r>
+              <a:rPr lang="en-US" sz="2800" spc="-1" dirty="0" smtClean="0">
+                <a:solidFill>
+                  <a:schemeClr val="tx2">
+                    <a:lumMod val="10000"/>
+                  </a:schemeClr>
+                </a:solidFill>
+                <a:uFill>
+                  <a:solidFill>
+                    <a:srgbClr val="FFFFFF"/>
+                  </a:solidFill>
+                </a:uFill>
+                <a:ea typeface="DejaVu Sans"/>
+              </a:rPr>
+              <a:t>.</a:t>
             </a:r>
             <a:endParaRPr lang="sr-Latn-RS" sz="2800" spc="-1" dirty="0" smtClean="0">
               <a:solidFill>
@@ -7506,13 +9752,12 @@
             </a:endParaRPr>
           </a:p>
           <a:p>
-            <a:pPr marL="215956" indent="-215596">
+            <a:pPr marL="215956" indent="-215596" algn="just">
               <a:buClr>
-                <a:srgbClr val="000000"/>
+                <a:schemeClr val="accent1"/>
               </a:buClr>
-              <a:buSzPct val="45000"/>
-              <a:buFont typeface="Wingdings" charset="2"/>
-              <a:buChar char=""/>
+              <a:buFont typeface="Wingdings" pitchFamily="2" charset="2"/>
+              <a:buChar char="§"/>
             </a:pPr>
             <a:r>
               <a:rPr lang="sr-Latn-RS" sz="2800" spc="-1" dirty="0" smtClean="0">
@@ -7528,7 +9773,39 @@
                 </a:uFill>
                 <a:ea typeface="DejaVu Sans"/>
               </a:rPr>
-              <a:t>Primanje poruke od klijenta u while petlji funkcijom recv()</a:t>
+              <a:t>Kada pronađeno modul traženog imena, menjamo mu </a:t>
+            </a:r>
+            <a:r>
+              <a:rPr lang="sr-Latn-RS" sz="2800" spc="-1" dirty="0" smtClean="0">
+                <a:solidFill>
+                  <a:schemeClr val="tx2">
+                    <a:lumMod val="10000"/>
+                  </a:schemeClr>
+                </a:solidFill>
+                <a:uFill>
+                  <a:solidFill>
+                    <a:srgbClr val="FFFFFF"/>
+                  </a:solidFill>
+                </a:uFill>
+                <a:ea typeface="DejaVu Sans"/>
+              </a:rPr>
+              <a:t>vrednost</a:t>
+            </a:r>
+            <a:r>
+              <a:rPr lang="en-US" sz="2800" spc="-1" dirty="0" smtClean="0">
+                <a:solidFill>
+                  <a:schemeClr val="tx2">
+                    <a:lumMod val="10000"/>
+                  </a:schemeClr>
+                </a:solidFill>
+                <a:uFill>
+                  <a:solidFill>
+                    <a:srgbClr val="FFFFFF"/>
+                  </a:solidFill>
+                </a:uFill>
+                <a:ea typeface="DejaVu Sans"/>
+              </a:rPr>
+              <a:t>.</a:t>
             </a:r>
             <a:endParaRPr lang="sr-Latn-RS" sz="2800" spc="-1" dirty="0" smtClean="0">
               <a:solidFill>
@@ -7544,13 +9821,12 @@
             </a:endParaRPr>
           </a:p>
           <a:p>
-            <a:pPr marL="215956" indent="-215596">
+            <a:pPr marL="215956" indent="-215596" algn="just">
               <a:buClr>
-                <a:srgbClr val="000000"/>
+                <a:schemeClr val="accent1"/>
               </a:buClr>
-              <a:buSzPct val="45000"/>
-              <a:buFont typeface="Wingdings" charset="2"/>
-              <a:buChar char=""/>
+              <a:buFont typeface="Wingdings" pitchFamily="2" charset="2"/>
+              <a:buChar char="§"/>
             </a:pPr>
             <a:r>
               <a:rPr lang="sr-Latn-RS" sz="2800" spc="-1" dirty="0" smtClean="0">
@@ -7566,9 +9842,55 @@
                 </a:uFill>
                 <a:ea typeface="DejaVu Sans"/>
               </a:rPr>
-              <a:t>U okviru while petlje pozivaju se funkcije CheckInput() i RequestType()</a:t>
-            </a:r>
-            <a:endParaRPr lang="en-US" sz="2800" dirty="0">
+              <a:t>Na kraju klijentu šaljemo informaciju da vršimo operaciju </a:t>
+            </a:r>
+            <a:r>
+              <a:rPr lang="sr-Latn-RS" sz="2800" spc="-1" dirty="0" smtClean="0">
+                <a:solidFill>
+                  <a:schemeClr val="tx2">
+                    <a:lumMod val="10000"/>
+                  </a:schemeClr>
+                </a:solidFill>
+                <a:uFill>
+                  <a:solidFill>
+                    <a:srgbClr val="FFFFFF"/>
+                  </a:solidFill>
+                </a:uFill>
+                <a:ea typeface="DejaVu Sans"/>
+              </a:rPr>
+              <a:t>upisivanja</a:t>
+            </a:r>
+            <a:r>
+              <a:rPr lang="en-US" sz="2800" spc="-1" dirty="0" smtClean="0">
+                <a:solidFill>
+                  <a:schemeClr val="tx2">
+                    <a:lumMod val="10000"/>
+                  </a:schemeClr>
+                </a:solidFill>
+                <a:uFill>
+                  <a:solidFill>
+                    <a:srgbClr val="FFFFFF"/>
+                  </a:solidFill>
+                </a:uFill>
+                <a:ea typeface="DejaVu Sans"/>
+              </a:rPr>
+              <a:t>.</a:t>
+            </a:r>
+            <a:endParaRPr lang="sr-Latn-RS" sz="2800" spc="-1" dirty="0" smtClean="0">
+              <a:solidFill>
+                <a:schemeClr val="tx2">
+                  <a:lumMod val="10000"/>
+                </a:schemeClr>
+              </a:solidFill>
+              <a:uFill>
+                <a:solidFill>
+                  <a:srgbClr val="FFFFFF"/>
+                </a:solidFill>
+              </a:uFill>
+            </a:endParaRPr>
+          </a:p>
+          <a:p>
+            <a:endParaRPr lang="en-US" dirty="0">
               <a:solidFill>
                 <a:schemeClr val="tx2">
                   <a:lumMod val="10000"/>

--- a/docs/ProjekatMreze.pptx
+++ b/docs/ProjekatMreze.pptx
@@ -19,6 +19,7 @@
     <p:sldId id="276" r:id="rId13"/>
     <p:sldId id="277" r:id="rId14"/>
     <p:sldId id="268" r:id="rId15"/>
+    <p:sldId id="279" r:id="rId16"/>
   </p:sldIdLst>
   <p:sldSz cx="10080625" cy="7559675"/>
   <p:notesSz cx="7559675" cy="10691813"/>
@@ -232,7 +233,7 @@
             <a:fld id="{7CB97365-EBCA-4027-87D5-99FC1D4DF0BB}" type="datetimeFigureOut">
               <a:rPr lang="en-US" smtClean="0"/>
               <a:pPr/>
-              <a:t>1/17/2018</a:t>
+              <a:t>1/18/2018</a:t>
             </a:fld>
             <a:endParaRPr lang="en-US" dirty="0"/>
           </a:p>
@@ -460,7 +461,7 @@
             <a:fld id="{7CB97365-EBCA-4027-87D5-99FC1D4DF0BB}" type="datetimeFigureOut">
               <a:rPr lang="en-US" smtClean="0"/>
               <a:pPr/>
-              <a:t>1/17/2018</a:t>
+              <a:t>1/18/2018</a:t>
             </a:fld>
             <a:endParaRPr lang="en-US" dirty="0"/>
           </a:p>
@@ -637,7 +638,7 @@
             <a:fld id="{7CB97365-EBCA-4027-87D5-99FC1D4DF0BB}" type="datetimeFigureOut">
               <a:rPr lang="en-US" smtClean="0"/>
               <a:pPr/>
-              <a:t>1/17/2018</a:t>
+              <a:t>1/18/2018</a:t>
             </a:fld>
             <a:endParaRPr lang="en-US" dirty="0"/>
           </a:p>
@@ -804,7 +805,7 @@
             <a:fld id="{7CB97365-EBCA-4027-87D5-99FC1D4DF0BB}" type="datetimeFigureOut">
               <a:rPr lang="en-US" smtClean="0"/>
               <a:pPr/>
-              <a:t>1/17/2018</a:t>
+              <a:t>1/18/2018</a:t>
             </a:fld>
             <a:endParaRPr lang="en-US" dirty="0"/>
           </a:p>
@@ -1050,7 +1051,7 @@
             <a:fld id="{7CB97365-EBCA-4027-87D5-99FC1D4DF0BB}" type="datetimeFigureOut">
               <a:rPr lang="en-US" smtClean="0"/>
               <a:pPr/>
-              <a:t>1/17/2018</a:t>
+              <a:t>1/18/2018</a:t>
             </a:fld>
             <a:endParaRPr lang="en-US" dirty="0"/>
           </a:p>
@@ -1316,7 +1317,7 @@
             <a:fld id="{7CB97365-EBCA-4027-87D5-99FC1D4DF0BB}" type="datetimeFigureOut">
               <a:rPr lang="en-US" smtClean="0"/>
               <a:pPr/>
-              <a:t>1/17/2018</a:t>
+              <a:t>1/18/2018</a:t>
             </a:fld>
             <a:endParaRPr lang="en-US" dirty="0"/>
           </a:p>
@@ -1692,7 +1693,7 @@
             <a:fld id="{7CB97365-EBCA-4027-87D5-99FC1D4DF0BB}" type="datetimeFigureOut">
               <a:rPr lang="en-US" smtClean="0"/>
               <a:pPr/>
-              <a:t>1/17/2018</a:t>
+              <a:t>1/18/2018</a:t>
             </a:fld>
             <a:endParaRPr lang="en-US" dirty="0"/>
           </a:p>
@@ -1807,7 +1808,7 @@
             <a:fld id="{7CB97365-EBCA-4027-87D5-99FC1D4DF0BB}" type="datetimeFigureOut">
               <a:rPr lang="en-US" smtClean="0"/>
               <a:pPr/>
-              <a:t>1/17/2018</a:t>
+              <a:t>1/18/2018</a:t>
             </a:fld>
             <a:endParaRPr lang="en-US" dirty="0"/>
           </a:p>
@@ -1899,7 +1900,7 @@
             <a:fld id="{7CB97365-EBCA-4027-87D5-99FC1D4DF0BB}" type="datetimeFigureOut">
               <a:rPr lang="en-US" smtClean="0"/>
               <a:pPr/>
-              <a:t>1/17/2018</a:t>
+              <a:t>1/18/2018</a:t>
             </a:fld>
             <a:endParaRPr lang="en-US" dirty="0"/>
           </a:p>
@@ -2159,7 +2160,7 @@
             <a:fld id="{7CB97365-EBCA-4027-87D5-99FC1D4DF0BB}" type="datetimeFigureOut">
               <a:rPr lang="en-US" smtClean="0"/>
               <a:pPr/>
-              <a:t>1/17/2018</a:t>
+              <a:t>1/18/2018</a:t>
             </a:fld>
             <a:endParaRPr lang="en-US" dirty="0"/>
           </a:p>
@@ -2425,7 +2426,7 @@
             <a:fld id="{7CB97365-EBCA-4027-87D5-99FC1D4DF0BB}" type="datetimeFigureOut">
               <a:rPr lang="en-US" smtClean="0"/>
               <a:pPr/>
-              <a:t>1/17/2018</a:t>
+              <a:t>1/18/2018</a:t>
             </a:fld>
             <a:endParaRPr lang="en-US" dirty="0"/>
           </a:p>
@@ -2644,7 +2645,7 @@
             <a:fld id="{7CB97365-EBCA-4027-87D5-99FC1D4DF0BB}" type="datetimeFigureOut">
               <a:rPr lang="en-US" smtClean="0"/>
               <a:pPr/>
-              <a:t>1/17/2018</a:t>
+              <a:t>1/18/2018</a:t>
             </a:fld>
             <a:endParaRPr lang="en-US" dirty="0">
               <a:solidFill>
@@ -3319,10 +3320,10 @@
                 <a:latin typeface="+mn-lt"/>
                 <a:ea typeface="DejaVu Sans"/>
               </a:rPr>
-              <a:t>Serverske </a:t>
-            </a:r>
-            <a:r>
-              <a:rPr lang="sr-Latn-RS" sz="4800" spc="-1" dirty="0" smtClean="0">
+              <a:t>Serverske funkcije</a:t>
+            </a:r>
+            <a:r>
+              <a:rPr lang="en-US" sz="4800" spc="-1" dirty="0" smtClean="0">
                 <a:solidFill>
                   <a:schemeClr val="tx2">
                     <a:lumMod val="10000"/>
@@ -3337,9 +3338,9 @@
                 <a:latin typeface="+mn-lt"/>
                 <a:ea typeface="DejaVu Sans"/>
               </a:rPr>
-              <a:t>funkcije</a:t>
-            </a:r>
-            <a:r>
+              <a:t/>
+            </a:r>
+            <a:br>
               <a:rPr lang="en-US" sz="4800" spc="-1" dirty="0" smtClean="0">
                 <a:solidFill>
                   <a:schemeClr val="tx2">
@@ -3355,10 +3356,9 @@
                 <a:latin typeface="+mn-lt"/>
                 <a:ea typeface="DejaVu Sans"/>
               </a:rPr>
-              <a:t/>
-            </a:r>
-            <a:br>
-              <a:rPr lang="en-US" sz="4800" spc="-1" dirty="0" smtClean="0">
+            </a:br>
+            <a:r>
+              <a:rPr lang="sr-Latn-RS" sz="4800" spc="-1" dirty="0" smtClean="0">
                 <a:solidFill>
                   <a:schemeClr val="tx2">
                     <a:lumMod val="10000"/>
@@ -3373,42 +3373,7 @@
                 <a:latin typeface="+mn-lt"/>
                 <a:ea typeface="DejaVu Sans"/>
               </a:rPr>
-            </a:br>
-            <a:r>
-              <a:rPr lang="sr-Latn-RS" sz="4800" spc="-1" dirty="0" smtClean="0">
-                <a:solidFill>
-                  <a:schemeClr val="tx2">
-                    <a:lumMod val="10000"/>
-                  </a:schemeClr>
-                </a:solidFill>
-                <a:effectLst/>
-                <a:uFill>
-                  <a:solidFill>
-                    <a:srgbClr val="FFFFFF"/>
-                  </a:solidFill>
-                </a:uFill>
-                <a:latin typeface="+mn-lt"/>
-                <a:ea typeface="DejaVu Sans"/>
-              </a:rPr>
-              <a:t>main</a:t>
-            </a:r>
-            <a:r>
-              <a:rPr lang="sr-Latn-RS" sz="4800" spc="-1" dirty="0" smtClean="0">
-                <a:solidFill>
-                  <a:schemeClr val="tx2">
-                    <a:lumMod val="10000"/>
-                  </a:schemeClr>
-                </a:solidFill>
-                <a:effectLst/>
-                <a:uFill>
-                  <a:solidFill>
-                    <a:srgbClr val="FFFFFF"/>
-                  </a:solidFill>
-                </a:uFill>
-                <a:latin typeface="+mn-lt"/>
-                <a:ea typeface="DejaVu Sans"/>
-              </a:rPr>
-              <a:t>()</a:t>
+              <a:t>main()</a:t>
             </a:r>
             <a:r>
               <a:rPr lang="sr-Latn-RS" spc="-1" dirty="0" smtClean="0">
@@ -3484,55 +3449,7 @@
                 </a:uFill>
                 <a:ea typeface="DejaVu Sans"/>
               </a:rPr>
-              <a:t>Definisanje </a:t>
-            </a:r>
-            <a:r>
-              <a:rPr lang="sr-Latn-RS" sz="2800" spc="-1" dirty="0" smtClean="0">
-                <a:solidFill>
-                  <a:schemeClr val="tx2">
-                    <a:lumMod val="10000"/>
-                  </a:schemeClr>
-                </a:solidFill>
-                <a:uFill>
-                  <a:solidFill>
-                    <a:srgbClr val="FFFFFF"/>
-                  </a:solidFill>
-                </a:uFill>
-                <a:ea typeface="DejaVu Sans"/>
-              </a:rPr>
-              <a:t>vrednosti promenljivih </a:t>
-            </a:r>
-            <a:r>
-              <a:rPr lang="sr-Latn-RS" sz="2800" spc="-1" dirty="0" smtClean="0">
-                <a:solidFill>
-                  <a:schemeClr val="tx2">
-                    <a:lumMod val="10000"/>
-                  </a:schemeClr>
-                </a:solidFill>
-                <a:uFill>
-                  <a:solidFill>
-                    <a:srgbClr val="FFFFFF"/>
-                  </a:solidFill>
-                </a:uFill>
-                <a:ea typeface="DejaVu Sans"/>
-              </a:rPr>
-              <a:t>i pravljenje </a:t>
-            </a:r>
-            <a:r>
-              <a:rPr lang="sr-Latn-RS" sz="2800" spc="-1" dirty="0" smtClean="0">
-                <a:solidFill>
-                  <a:schemeClr val="tx2">
-                    <a:lumMod val="10000"/>
-                  </a:schemeClr>
-                </a:solidFill>
-                <a:uFill>
-                  <a:solidFill>
-                    <a:srgbClr val="FFFFFF"/>
-                  </a:solidFill>
-                </a:uFill>
-                <a:ea typeface="DejaVu Sans"/>
-              </a:rPr>
-              <a:t>nizova</a:t>
+              <a:t>Definisanje vrednosti promenljivih i pravljenje nizova</a:t>
             </a:r>
             <a:r>
               <a:rPr lang="en-US" sz="2800" spc="-1" dirty="0" smtClean="0">
@@ -3585,39 +3502,7 @@
                 </a:uFill>
                 <a:ea typeface="DejaVu Sans"/>
               </a:rPr>
-              <a:t>Provera </a:t>
-            </a:r>
-            <a:r>
-              <a:rPr lang="sr-Latn-RS" sz="2800" spc="-1" dirty="0" smtClean="0">
-                <a:solidFill>
-                  <a:schemeClr val="tx2">
-                    <a:lumMod val="10000"/>
-                  </a:schemeClr>
-                </a:solidFill>
-                <a:uFill>
-                  <a:solidFill>
-                    <a:srgbClr val="FFFFFF"/>
-                  </a:solidFill>
-                </a:uFill>
-                <a:ea typeface="DejaVu Sans"/>
-              </a:rPr>
-              <a:t>dužine </a:t>
-            </a:r>
-            <a:r>
-              <a:rPr lang="sr-Latn-RS" sz="2800" spc="-1" dirty="0" smtClean="0">
-                <a:solidFill>
-                  <a:schemeClr val="tx2">
-                    <a:lumMod val="10000"/>
-                  </a:schemeClr>
-                </a:solidFill>
-                <a:uFill>
-                  <a:solidFill>
-                    <a:srgbClr val="FFFFFF"/>
-                  </a:solidFill>
-                </a:uFill>
-                <a:ea typeface="DejaVu Sans"/>
-              </a:rPr>
-              <a:t>niza</a:t>
+              <a:t>Provera dužine niza</a:t>
             </a:r>
             <a:r>
               <a:rPr lang="en-US" sz="2800" spc="-1" dirty="0" smtClean="0">
@@ -3670,23 +3555,7 @@
                 </a:uFill>
                 <a:ea typeface="DejaVu Sans"/>
               </a:rPr>
-              <a:t>Primanje poruke od klijenta u while petlji funkcijom recv</a:t>
-            </a:r>
-            <a:r>
-              <a:rPr lang="sr-Latn-RS" sz="2800" spc="-1" dirty="0" smtClean="0">
-                <a:solidFill>
-                  <a:schemeClr val="tx2">
-                    <a:lumMod val="10000"/>
-                  </a:schemeClr>
-                </a:solidFill>
-                <a:uFill>
-                  <a:solidFill>
-                    <a:srgbClr val="FFFFFF"/>
-                  </a:solidFill>
-                </a:uFill>
-                <a:ea typeface="DejaVu Sans"/>
-              </a:rPr>
-              <a:t>()</a:t>
+              <a:t>Primanje poruke od klijenta u while petlji funkcijom recv()</a:t>
             </a:r>
             <a:r>
               <a:rPr lang="en-US" sz="2800" spc="-1" dirty="0" smtClean="0">
@@ -3739,23 +3608,7 @@
                 </a:uFill>
                 <a:ea typeface="DejaVu Sans"/>
               </a:rPr>
-              <a:t>U okviru while petlje pozivaju se funkcije CheckInput() i RequestType</a:t>
-            </a:r>
-            <a:r>
-              <a:rPr lang="sr-Latn-RS" sz="2800" spc="-1" dirty="0" smtClean="0">
-                <a:solidFill>
-                  <a:schemeClr val="tx2">
-                    <a:lumMod val="10000"/>
-                  </a:schemeClr>
-                </a:solidFill>
-                <a:uFill>
-                  <a:solidFill>
-                    <a:srgbClr val="FFFFFF"/>
-                  </a:solidFill>
-                </a:uFill>
-                <a:ea typeface="DejaVu Sans"/>
-              </a:rPr>
-              <a:t>()</a:t>
+              <a:t>U okviru while petlje pozivaju se funkcije CheckInput() i RequestType()</a:t>
             </a:r>
             <a:r>
               <a:rPr lang="en-US" sz="2800" spc="-1" dirty="0" smtClean="0">
@@ -3852,10 +3705,10 @@
                 <a:latin typeface="+mn-lt"/>
                 <a:ea typeface="DejaVu Sans"/>
               </a:rPr>
-              <a:t>Klijentske </a:t>
-            </a:r>
-            <a:r>
-              <a:rPr lang="sr-Latn-RS" sz="4800" spc="-1" dirty="0" smtClean="0">
+              <a:t>Klijentske funkcije</a:t>
+            </a:r>
+            <a:r>
+              <a:rPr lang="en-US" sz="4800" spc="-1" dirty="0" smtClean="0">
                 <a:solidFill>
                   <a:schemeClr val="tx2">
                     <a:lumMod val="10000"/>
@@ -3870,9 +3723,9 @@
                 <a:latin typeface="+mn-lt"/>
                 <a:ea typeface="DejaVu Sans"/>
               </a:rPr>
-              <a:t>funkcije</a:t>
-            </a:r>
-            <a:r>
+              <a:t/>
+            </a:r>
+            <a:br>
               <a:rPr lang="en-US" sz="4800" spc="-1" dirty="0" smtClean="0">
                 <a:solidFill>
                   <a:schemeClr val="tx2">
@@ -3888,10 +3741,9 @@
                 <a:latin typeface="+mn-lt"/>
                 <a:ea typeface="DejaVu Sans"/>
               </a:rPr>
-              <a:t/>
-            </a:r>
-            <a:br>
-              <a:rPr lang="en-US" sz="4800" spc="-1" dirty="0" smtClean="0">
+            </a:br>
+            <a:r>
+              <a:rPr lang="sr-Latn-RS" sz="4800" spc="-1" dirty="0" smtClean="0">
                 <a:solidFill>
                   <a:schemeClr val="tx2">
                     <a:lumMod val="10000"/>
@@ -3906,7 +3758,8 @@
                 <a:latin typeface="+mn-lt"/>
                 <a:ea typeface="DejaVu Sans"/>
               </a:rPr>
-            </a:br>
+              <a:t> Request</a:t>
+            </a:r>
             <a:r>
               <a:rPr lang="sr-Latn-RS" sz="4800" spc="-1" dirty="0" smtClean="0">
                 <a:solidFill>
@@ -3923,10 +3776,10 @@
                 <a:latin typeface="+mn-lt"/>
                 <a:ea typeface="DejaVu Sans"/>
               </a:rPr>
-              <a:t> </a:t>
-            </a:r>
-            <a:r>
-              <a:rPr lang="sr-Latn-RS" sz="4800" spc="-1" dirty="0" smtClean="0">
+              <a:t>()</a:t>
+            </a:r>
+            <a:r>
+              <a:rPr lang="en-US" sz="4800" spc="-1" dirty="0" smtClean="0">
                 <a:solidFill>
                   <a:schemeClr val="tx2">
                     <a:lumMod val="10000"/>
@@ -3941,7 +3794,7 @@
                 <a:latin typeface="+mn-lt"/>
                 <a:ea typeface="DejaVu Sans"/>
               </a:rPr>
-              <a:t>Request()</a:t>
+              <a:t> (1)</a:t>
             </a:r>
             <a:r>
               <a:rPr lang="sr-Latn-RS" spc="-1" dirty="0" smtClean="0">
@@ -4015,23 +3868,7 @@
                 </a:uFill>
                 <a:ea typeface="DejaVu Sans"/>
               </a:rPr>
-              <a:t>Čitanje zahteva iz terminala i slanje </a:t>
-            </a:r>
-            <a:r>
-              <a:rPr lang="sr-Latn-RS" sz="2800" spc="-1" dirty="0" smtClean="0">
-                <a:solidFill>
-                  <a:schemeClr val="tx2">
-                    <a:lumMod val="10000"/>
-                  </a:schemeClr>
-                </a:solidFill>
-                <a:uFill>
-                  <a:solidFill>
-                    <a:srgbClr val="FFFFFF"/>
-                  </a:solidFill>
-                </a:uFill>
-                <a:ea typeface="DejaVu Sans"/>
-              </a:rPr>
-              <a:t>za</a:t>
+              <a:t>Čitanje zahteva iz terminala i slanje za</a:t>
             </a:r>
             <a:r>
               <a:rPr lang="en-US" sz="2800" spc="-1" dirty="0" smtClean="0">
@@ -4116,23 +3953,7 @@
                 </a:uFill>
                 <a:ea typeface="DejaVu Sans"/>
               </a:rPr>
-              <a:t>Provera da li je poslat End, jer se tada zatvara </a:t>
-            </a:r>
-            <a:r>
-              <a:rPr lang="sr-Latn-RS" sz="2800" spc="-1" dirty="0" smtClean="0">
-                <a:solidFill>
-                  <a:schemeClr val="tx2">
-                    <a:lumMod val="10000"/>
-                  </a:schemeClr>
-                </a:solidFill>
-                <a:uFill>
-                  <a:solidFill>
-                    <a:srgbClr val="FFFFFF"/>
-                  </a:solidFill>
-                </a:uFill>
-                <a:ea typeface="DejaVu Sans"/>
-              </a:rPr>
-              <a:t>utičnica</a:t>
+              <a:t>Provera da li je poslat End, jer se tada zatvara utičnica</a:t>
             </a:r>
             <a:r>
               <a:rPr lang="en-US" sz="2800" spc="-1" dirty="0" smtClean="0">
@@ -4311,10 +4132,10 @@
                 <a:latin typeface="+mn-lt"/>
                 <a:ea typeface="DejaVu Sans"/>
               </a:rPr>
-              <a:t>Klijentske </a:t>
-            </a:r>
-            <a:r>
-              <a:rPr lang="sr-Latn-RS" sz="4800" spc="-1" dirty="0" smtClean="0">
+              <a:t>Klijentske funkcije</a:t>
+            </a:r>
+            <a:r>
+              <a:rPr lang="en-US" sz="4800" spc="-1" dirty="0" smtClean="0">
                 <a:solidFill>
                   <a:schemeClr val="tx2">
                     <a:lumMod val="10000"/>
@@ -4329,9 +4150,9 @@
                 <a:latin typeface="+mn-lt"/>
                 <a:ea typeface="DejaVu Sans"/>
               </a:rPr>
-              <a:t>funkcije</a:t>
-            </a:r>
-            <a:r>
+              <a:t/>
+            </a:r>
+            <a:br>
               <a:rPr lang="en-US" sz="4800" spc="-1" dirty="0" smtClean="0">
                 <a:solidFill>
                   <a:schemeClr val="tx2">
@@ -4347,10 +4168,9 @@
                 <a:latin typeface="+mn-lt"/>
                 <a:ea typeface="DejaVu Sans"/>
               </a:rPr>
-              <a:t/>
-            </a:r>
-            <a:br>
-              <a:rPr lang="en-US" sz="4800" spc="-1" dirty="0" smtClean="0">
+            </a:br>
+            <a:r>
+              <a:rPr lang="sr-Latn-RS" sz="4800" spc="-1" dirty="0" smtClean="0">
                 <a:solidFill>
                   <a:schemeClr val="tx2">
                     <a:lumMod val="10000"/>
@@ -4365,42 +4185,7 @@
                 <a:latin typeface="+mn-lt"/>
                 <a:ea typeface="DejaVu Sans"/>
               </a:rPr>
-            </a:br>
-            <a:r>
-              <a:rPr lang="sr-Latn-RS" sz="4800" spc="-1" dirty="0" smtClean="0">
-                <a:solidFill>
-                  <a:schemeClr val="tx2">
-                    <a:lumMod val="10000"/>
-                  </a:schemeClr>
-                </a:solidFill>
-                <a:effectLst/>
-                <a:uFill>
-                  <a:solidFill>
-                    <a:srgbClr val="FFFFFF"/>
-                  </a:solidFill>
-                </a:uFill>
-                <a:latin typeface="+mn-lt"/>
-                <a:ea typeface="DejaVu Sans"/>
-              </a:rPr>
-              <a:t> </a:t>
-            </a:r>
-            <a:r>
-              <a:rPr lang="sr-Latn-RS" sz="4800" spc="-1" dirty="0" smtClean="0">
-                <a:solidFill>
-                  <a:schemeClr val="tx2">
-                    <a:lumMod val="10000"/>
-                  </a:schemeClr>
-                </a:solidFill>
-                <a:effectLst/>
-                <a:uFill>
-                  <a:solidFill>
-                    <a:srgbClr val="FFFFFF"/>
-                  </a:solidFill>
-                </a:uFill>
-                <a:latin typeface="+mn-lt"/>
-                <a:ea typeface="DejaVu Sans"/>
-              </a:rPr>
-              <a:t>Request() (2)</a:t>
+              <a:t> Request() (2)</a:t>
             </a:r>
             <a:r>
               <a:rPr lang="sr-Latn-RS" spc="-1" dirty="0" smtClean="0">
@@ -4488,7 +4273,7 @@
               <a:t>Ako treba da ispišemo niz modula, prvo treba da primimo infomaciju o dužini niza, a zatim u for petlji treba da ispišemo imena modula </a:t>
             </a:r>
             <a:r>
-              <a:rPr lang="en-US" sz="2800" spc="-1" dirty="0" err="1" smtClean="0">
+              <a:rPr lang="en-US" sz="2800" spc="-1" dirty="0" smtClean="0">
                 <a:solidFill>
                   <a:schemeClr val="tx2">
                     <a:lumMod val="10000"/>
@@ -4517,39 +4302,7 @@
                 </a:uFill>
                 <a:ea typeface="DejaVu Sans"/>
               </a:rPr>
-              <a:t> </a:t>
-            </a:r>
-            <a:r>
-              <a:rPr lang="sr-Latn-RS" sz="2800" spc="-1" dirty="0" smtClean="0">
-                <a:solidFill>
-                  <a:schemeClr val="tx2">
-                    <a:lumMod val="10000"/>
-                  </a:schemeClr>
-                </a:solidFill>
-                <a:uFill>
-                  <a:solidFill>
-                    <a:srgbClr val="FFFFFF"/>
-                  </a:solidFill>
-                </a:uFill>
-                <a:ea typeface="DejaVu Sans"/>
-              </a:rPr>
-              <a:t>njihove </a:t>
-            </a:r>
-            <a:r>
-              <a:rPr lang="sr-Latn-RS" sz="2800" spc="-1" dirty="0" smtClean="0">
-                <a:solidFill>
-                  <a:schemeClr val="tx2">
-                    <a:lumMod val="10000"/>
-                  </a:schemeClr>
-                </a:solidFill>
-                <a:uFill>
-                  <a:solidFill>
-                    <a:srgbClr val="FFFFFF"/>
-                  </a:solidFill>
-                </a:uFill>
-                <a:ea typeface="DejaVu Sans"/>
-              </a:rPr>
-              <a:t>vrednosti</a:t>
+              <a:t> njihove vrednosti</a:t>
             </a:r>
             <a:r>
               <a:rPr lang="en-US" sz="2800" spc="-1" dirty="0" smtClean="0">
@@ -4605,7 +4358,7 @@
               <a:t>Ako dobijemo neku treću informaciju </a:t>
             </a:r>
             <a:r>
-              <a:rPr lang="en-US" sz="2800" spc="-1" dirty="0" err="1" smtClean="0">
+              <a:rPr lang="en-US" sz="2800" spc="-1" dirty="0" smtClean="0">
                 <a:solidFill>
                   <a:schemeClr val="tx2">
                     <a:lumMod val="10000"/>
@@ -4618,87 +4371,7 @@
                 </a:uFill>
                 <a:ea typeface="DejaVu Sans"/>
               </a:rPr>
-              <a:t>povratna</a:t>
-            </a:r>
-            <a:r>
-              <a:rPr lang="en-US" sz="2800" spc="-1" dirty="0" smtClean="0">
-                <a:solidFill>
-                  <a:schemeClr val="tx2">
-                    <a:lumMod val="10000"/>
-                  </a:schemeClr>
-                </a:solidFill>
-                <a:uFill>
-                  <a:solidFill>
-                    <a:srgbClr val="FFFFFF"/>
-                  </a:solidFill>
-                </a:uFill>
-                <a:ea typeface="DejaVu Sans"/>
-              </a:rPr>
-              <a:t> </a:t>
-            </a:r>
-            <a:r>
-              <a:rPr lang="en-US" sz="2800" spc="-1" dirty="0" err="1" smtClean="0">
-                <a:solidFill>
-                  <a:schemeClr val="tx2">
-                    <a:lumMod val="10000"/>
-                  </a:schemeClr>
-                </a:solidFill>
-                <a:uFill>
-                  <a:solidFill>
-                    <a:srgbClr val="FFFFFF"/>
-                  </a:solidFill>
-                </a:uFill>
-                <a:ea typeface="DejaVu Sans"/>
-              </a:rPr>
-              <a:t>vrednost</a:t>
-            </a:r>
-            <a:r>
-              <a:rPr lang="en-US" sz="2800" spc="-1" dirty="0" smtClean="0">
-                <a:solidFill>
-                  <a:schemeClr val="tx2">
-                    <a:lumMod val="10000"/>
-                  </a:schemeClr>
-                </a:solidFill>
-                <a:uFill>
-                  <a:solidFill>
-                    <a:srgbClr val="FFFFFF"/>
-                  </a:solidFill>
-                </a:uFill>
-                <a:ea typeface="DejaVu Sans"/>
-              </a:rPr>
-              <a:t> </a:t>
-            </a:r>
-            <a:r>
-              <a:rPr lang="en-US" sz="2800" spc="-1" dirty="0" err="1" smtClean="0">
-                <a:solidFill>
-                  <a:schemeClr val="tx2">
-                    <a:lumMod val="10000"/>
-                  </a:schemeClr>
-                </a:solidFill>
-                <a:uFill>
-                  <a:solidFill>
-                    <a:srgbClr val="FFFFFF"/>
-                  </a:solidFill>
-                </a:uFill>
-                <a:ea typeface="DejaVu Sans"/>
-              </a:rPr>
-              <a:t>funkcije</a:t>
-            </a:r>
-            <a:r>
-              <a:rPr lang="en-US" sz="2800" spc="-1" dirty="0" smtClean="0">
-                <a:solidFill>
-                  <a:schemeClr val="tx2">
-                    <a:lumMod val="10000"/>
-                  </a:schemeClr>
-                </a:solidFill>
-                <a:uFill>
-                  <a:solidFill>
-                    <a:srgbClr val="FFFFFF"/>
-                  </a:solidFill>
-                </a:uFill>
-                <a:ea typeface="DejaVu Sans"/>
-              </a:rPr>
-              <a:t> je ‘-1’.</a:t>
+              <a:t>povratna vrednost funkcije je ‘-1’.</a:t>
             </a:r>
             <a:endParaRPr lang="sr-Latn-RS" sz="2800" spc="-1" dirty="0" smtClean="0">
               <a:solidFill>
@@ -4781,10 +4454,10 @@
                 <a:effectLst/>
                 <a:latin typeface="+mn-lt"/>
               </a:rPr>
-              <a:t>Klijentske </a:t>
-            </a:r>
-            <a:r>
-              <a:rPr lang="sr-Latn-RS" sz="4800" dirty="0" smtClean="0">
+              <a:t>Klijentske funkcije</a:t>
+            </a:r>
+            <a:r>
+              <a:rPr lang="en-US" sz="4800" dirty="0" smtClean="0">
                 <a:solidFill>
                   <a:schemeClr val="tx2">
                     <a:lumMod val="10000"/>
@@ -4793,9 +4466,9 @@
                 <a:effectLst/>
                 <a:latin typeface="+mn-lt"/>
               </a:rPr>
-              <a:t>funkcije</a:t>
-            </a:r>
-            <a:r>
+              <a:t/>
+            </a:r>
+            <a:br>
               <a:rPr lang="en-US" sz="4800" dirty="0" smtClean="0">
                 <a:solidFill>
                   <a:schemeClr val="tx2">
@@ -4805,10 +4478,9 @@
                 <a:effectLst/>
                 <a:latin typeface="+mn-lt"/>
               </a:rPr>
-              <a:t/>
-            </a:r>
-            <a:br>
-              <a:rPr lang="en-US" sz="4800" dirty="0" smtClean="0">
+            </a:br>
+            <a:r>
+              <a:rPr lang="sr-Latn-RS" sz="4800" dirty="0" smtClean="0">
                 <a:solidFill>
                   <a:schemeClr val="tx2">
                     <a:lumMod val="10000"/>
@@ -4817,30 +4489,7 @@
                 <a:effectLst/>
                 <a:latin typeface="+mn-lt"/>
               </a:rPr>
-            </a:br>
-            <a:r>
-              <a:rPr lang="sr-Latn-RS" sz="4800" dirty="0" smtClean="0">
-                <a:solidFill>
-                  <a:schemeClr val="tx2">
-                    <a:lumMod val="10000"/>
-                  </a:schemeClr>
-                </a:solidFill>
-                <a:effectLst/>
-                <a:latin typeface="+mn-lt"/>
-              </a:rPr>
-              <a:t>main</a:t>
-            </a:r>
-            <a:r>
-              <a:rPr lang="sr-Latn-RS" sz="4800" dirty="0" smtClean="0">
-                <a:solidFill>
-                  <a:schemeClr val="tx2">
-                    <a:lumMod val="10000"/>
-                  </a:schemeClr>
-                </a:solidFill>
-                <a:effectLst/>
-                <a:latin typeface="+mn-lt"/>
-              </a:rPr>
-              <a:t>()</a:t>
+              <a:t>main()</a:t>
             </a:r>
             <a:endParaRPr lang="en-US" sz="4800" dirty="0">
               <a:solidFill>
@@ -4966,23 +4615,7 @@
                 </a:uFill>
                 <a:ea typeface="DejaVu Sans"/>
               </a:rPr>
-              <a:t>, </a:t>
-            </a:r>
-            <a:r>
-              <a:rPr lang="sr-Latn-RS" sz="2800" spc="-1" dirty="0" smtClean="0">
-                <a:solidFill>
-                  <a:schemeClr val="tx2">
-                    <a:lumMod val="10000"/>
-                  </a:schemeClr>
-                </a:solidFill>
-                <a:uFill>
-                  <a:solidFill>
-                    <a:srgbClr val="FFFFFF"/>
-                  </a:solidFill>
-                </a:uFill>
-                <a:ea typeface="DejaVu Sans"/>
-              </a:rPr>
-              <a:t>odnosno kada klijent pošalje zahtev End;</a:t>
+              <a:t>, odnosno kada klijent pošalje zahtev End;</a:t>
             </a:r>
             <a:endParaRPr lang="sr-Latn-RS" sz="2800" spc="-1" dirty="0" smtClean="0">
               <a:solidFill>
@@ -5056,19 +4689,19 @@
         </p:nvSpPr>
         <p:spPr>
           <a:xfrm>
-            <a:off x="1039784" y="279375"/>
+            <a:off x="1039784" y="-149253"/>
             <a:ext cx="8033045" cy="1239976"/>
           </a:xfrm>
         </p:spPr>
         <p:txBody>
           <a:bodyPr>
-            <a:normAutofit fontScale="90000"/>
+            <a:normAutofit/>
           </a:bodyPr>
           <a:lstStyle/>
           <a:p>
             <a:pPr algn="ctr"/>
             <a:r>
-              <a:rPr lang="sr-Latn-RS" sz="4800" dirty="0">
+              <a:rPr lang="sr-Latn-RS" sz="4800" cap="none" dirty="0" smtClean="0">
                 <a:solidFill>
                   <a:schemeClr val="tx2">
                     <a:lumMod val="10000"/>
@@ -5080,7 +4713,7 @@
               <a:t>Interfejs </a:t>
             </a:r>
             <a:r>
-              <a:rPr lang="en-US" sz="4800" dirty="0" smtClean="0">
+              <a:rPr lang="en-US" sz="4800" cap="none" dirty="0" smtClean="0">
                 <a:solidFill>
                   <a:schemeClr val="tx2">
                     <a:lumMod val="10000"/>
@@ -5089,10 +4722,10 @@
                 <a:effectLst/>
                 <a:latin typeface="+mn-lt"/>
               </a:rPr>
-              <a:t/>
-            </a:r>
-            <a:br>
-              <a:rPr lang="en-US" sz="4800" dirty="0" smtClean="0">
+              <a:t>- </a:t>
+            </a:r>
+            <a:r>
+              <a:rPr lang="sr-Latn-RS" sz="4800" cap="none" dirty="0" smtClean="0">
                 <a:solidFill>
                   <a:schemeClr val="tx2">
                     <a:lumMod val="10000"/>
@@ -5101,32 +4734,9 @@
                 <a:effectLst/>
                 <a:latin typeface="+mn-lt"/>
               </a:rPr>
-            </a:br>
-            <a:r>
-              <a:rPr lang="sr-Latn-RS" sz="4800" dirty="0" smtClean="0">
-                <a:solidFill>
-                  <a:schemeClr val="tx2">
-                    <a:lumMod val="10000"/>
-                  </a:schemeClr>
-                </a:solidFill>
-                <a:effectLst/>
-                <a:latin typeface="+mn-lt"/>
-              </a:rPr>
-              <a:t>server </a:t>
-            </a:r>
-            <a:r>
-              <a:rPr lang="sr-Latn-RS" sz="4800" dirty="0">
-                <a:solidFill>
-                  <a:schemeClr val="tx2">
-                    <a:lumMod val="10000"/>
-                  </a:schemeClr>
-                </a:solidFill>
-                <a:effectLst/>
-                <a:latin typeface="+mn-lt"/>
-              </a:rPr>
-              <a:t>- klijent</a:t>
-            </a:r>
-            <a:endParaRPr lang="en-US" sz="4800" dirty="0">
+              <a:t>server</a:t>
+            </a:r>
+            <a:endParaRPr lang="en-US" sz="4800" cap="none" dirty="0">
               <a:solidFill>
                 <a:schemeClr val="tx2">
                   <a:lumMod val="10000"/>
@@ -5138,6 +4748,30 @@
           </a:p>
         </p:txBody>
       </p:sp>
+      <p:pic>
+        <p:nvPicPr>
+          <p:cNvPr id="3" name="Picture 2" descr="temp.jpg"/>
+          <p:cNvPicPr>
+            <a:picLocks noChangeAspect="1"/>
+          </p:cNvPicPr>
+          <p:nvPr/>
+        </p:nvPicPr>
+        <p:blipFill>
+          <a:blip r:embed="rId2"/>
+          <a:stretch>
+            <a:fillRect/>
+          </a:stretch>
+        </p:blipFill>
+        <p:spPr>
+          <a:xfrm>
+            <a:off x="1396974" y="1279507"/>
+            <a:ext cx="7316037" cy="6088728"/>
+          </a:xfrm>
+          <a:prstGeom prst="rect">
+            <a:avLst/>
+          </a:prstGeom>
+        </p:spPr>
+      </p:pic>
     </p:spTree>
   </p:cSld>
   <p:clrMapOvr>
@@ -5150,6 +4784,130 @@
       </p:par>
     </p:tnLst>
   </p:timing>
+</p:sld>
+</file>
+
+<file path=ppt/slides/slide15.xml><?xml version="1.0" encoding="utf-8"?>
+<p:sld xmlns:a="http://schemas.openxmlformats.org/drawingml/2006/main" xmlns:r="http://schemas.openxmlformats.org/officeDocument/2006/relationships" xmlns:p="http://schemas.openxmlformats.org/presentationml/2006/main">
+  <p:cSld>
+    <p:spTree>
+      <p:nvGrpSpPr>
+        <p:cNvPr id="1" name=""/>
+        <p:cNvGrpSpPr/>
+        <p:nvPr/>
+      </p:nvGrpSpPr>
+      <p:grpSpPr>
+        <a:xfrm>
+          <a:off x="0" y="0"/>
+          <a:ext cx="0" cy="0"/>
+          <a:chOff x="0" y="0"/>
+          <a:chExt cx="0" cy="0"/>
+        </a:xfrm>
+      </p:grpSpPr>
+      <p:sp>
+        <p:nvSpPr>
+          <p:cNvPr id="2" name="Title 1"/>
+          <p:cNvSpPr>
+            <a:spLocks noGrp="1"/>
+          </p:cNvSpPr>
+          <p:nvPr>
+            <p:ph type="title"/>
+          </p:nvPr>
+        </p:nvSpPr>
+        <p:spPr/>
+        <p:txBody>
+          <a:bodyPr/>
+          <a:lstStyle/>
+          <a:p>
+            <a:r>
+              <a:rPr lang="sr-Latn-RS" sz="4400" dirty="0" smtClean="0">
+                <a:solidFill>
+                  <a:schemeClr val="tx2">
+                    <a:lumMod val="10000"/>
+                  </a:schemeClr>
+                </a:solidFill>
+                <a:effectLst/>
+              </a:rPr>
+              <a:t>Interfejs </a:t>
+            </a:r>
+            <a:r>
+              <a:rPr lang="en-US" sz="4400" dirty="0" smtClean="0">
+                <a:solidFill>
+                  <a:schemeClr val="tx2">
+                    <a:lumMod val="10000"/>
+                  </a:schemeClr>
+                </a:solidFill>
+                <a:effectLst/>
+              </a:rPr>
+              <a:t>- </a:t>
+            </a:r>
+            <a:r>
+              <a:rPr lang="en-US" sz="4400" dirty="0" smtClean="0">
+                <a:solidFill>
+                  <a:schemeClr val="tx2">
+                    <a:lumMod val="10000"/>
+                  </a:schemeClr>
+                </a:solidFill>
+                <a:effectLst/>
+              </a:rPr>
+              <a:t>client</a:t>
+            </a:r>
+            <a:endParaRPr lang="en-US" dirty="0"/>
+          </a:p>
+        </p:txBody>
+      </p:sp>
+      <p:pic>
+        <p:nvPicPr>
+          <p:cNvPr id="6" name="Content Placeholder 5" descr="temp2.jpg"/>
+          <p:cNvPicPr>
+            <a:picLocks noGrp="1" noChangeAspect="1"/>
+          </p:cNvPicPr>
+          <p:nvPr>
+            <p:ph idx="1"/>
+          </p:nvPr>
+        </p:nvPicPr>
+        <p:blipFill>
+          <a:blip r:embed="rId2"/>
+          <a:stretch>
+            <a:fillRect/>
+          </a:stretch>
+        </p:blipFill>
+        <p:spPr>
+          <a:xfrm>
+            <a:off x="682594" y="1636698"/>
+            <a:ext cx="4143404" cy="5143536"/>
+          </a:xfrm>
+        </p:spPr>
+      </p:pic>
+      <p:pic>
+        <p:nvPicPr>
+          <p:cNvPr id="7" name="Picture 6" descr="temp3.jpg"/>
+          <p:cNvPicPr>
+            <a:picLocks noChangeAspect="1"/>
+          </p:cNvPicPr>
+          <p:nvPr/>
+        </p:nvPicPr>
+        <p:blipFill>
+          <a:blip r:embed="rId3"/>
+          <a:stretch>
+            <a:fillRect/>
+          </a:stretch>
+        </p:blipFill>
+        <p:spPr>
+          <a:xfrm>
+            <a:off x="5111750" y="1636698"/>
+            <a:ext cx="4156981" cy="5153472"/>
+          </a:xfrm>
+          <a:prstGeom prst="rect">
+            <a:avLst/>
+          </a:prstGeom>
+        </p:spPr>
+      </p:pic>
+    </p:spTree>
+  </p:cSld>
+  <p:clrMapOvr>
+    <a:masterClrMapping/>
+  </p:clrMapOvr>
 </p:sld>
 </file>
 
@@ -6321,35 +6079,8 @@
                   </a:schemeClr>
                 </a:solidFill>
               </a:rPr>
-              <a:t>Neophodna </a:t>
-            </a:r>
-            <a:r>
-              <a:rPr lang="sr-Latn-RS" sz="2800" dirty="0" smtClean="0">
-                <a:solidFill>
-                  <a:schemeClr val="tx2">
-                    <a:lumMod val="10000"/>
-                  </a:schemeClr>
-                </a:solidFill>
-              </a:rPr>
-              <a:t>je uspostava </a:t>
-            </a:r>
-            <a:r>
-              <a:rPr lang="sr-Latn-RS" sz="2800" dirty="0" smtClean="0">
-                <a:solidFill>
-                  <a:schemeClr val="tx2">
-                    <a:lumMod val="10000"/>
-                  </a:schemeClr>
-                </a:solidFill>
-              </a:rPr>
-              <a:t>konekcije</a:t>
-            </a:r>
-            <a:endParaRPr lang="sr-Latn-RS" sz="2800" dirty="0" smtClean="0">
-              <a:solidFill>
-                <a:schemeClr val="tx2">
-                  <a:lumMod val="10000"/>
-                </a:schemeClr>
-              </a:solidFill>
-            </a:endParaRPr>
+              <a:t>Neophodna je uspostava konekcije</a:t>
+            </a:r>
           </a:p>
           <a:p>
             <a:pPr algn="l">
@@ -6503,17 +6234,7 @@
                   </a:schemeClr>
                 </a:solidFill>
               </a:rPr>
-              <a:t>rijemnik </a:t>
-            </a:r>
-            <a:r>
-              <a:rPr lang="sr-Latn-RS" sz="2800" dirty="0" smtClean="0">
-                <a:solidFill>
-                  <a:schemeClr val="tx2">
-                    <a:lumMod val="10000"/>
-                  </a:schemeClr>
-                </a:solidFill>
-              </a:rPr>
-              <a:t>naznačava količinu </a:t>
+              <a:t>rijemnik naznačava količinu </a:t>
             </a:r>
             <a:r>
               <a:rPr lang="sr-Latn-RS" sz="2800" dirty="0">
@@ -6824,37 +6545,7 @@
                   </a:schemeClr>
                 </a:solidFill>
               </a:rPr>
-              <a:t> </a:t>
-            </a:r>
-            <a:r>
-              <a:rPr lang="en-US" sz="2000" dirty="0" smtClean="0">
-                <a:solidFill>
-                  <a:schemeClr val="tx2">
-                    <a:lumMod val="10000"/>
-                  </a:schemeClr>
-                </a:solidFill>
-              </a:rPr>
-              <a:t>     </a:t>
-            </a:r>
-            <a:r>
-              <a:rPr lang="en-US" sz="2000" dirty="0" smtClean="0">
-                <a:solidFill>
-                  <a:schemeClr val="tx2">
-                    <a:lumMod val="10000"/>
-                  </a:schemeClr>
-                </a:solidFill>
-              </a:rPr>
-              <a:t>bind(socketDesc</a:t>
-            </a:r>
-            <a:r>
-              <a:rPr lang="en-US" sz="2000" dirty="0" smtClean="0">
-                <a:solidFill>
-                  <a:schemeClr val="tx2">
-                    <a:lumMod val="10000"/>
-                  </a:schemeClr>
-                </a:solidFill>
-              </a:rPr>
-              <a:t>, (</a:t>
+              <a:t>      bind(socketDesc, (</a:t>
             </a:r>
             <a:r>
               <a:rPr lang="en-US" sz="2000" dirty="0">
@@ -6934,27 +6625,7 @@
                   </a:schemeClr>
                 </a:solidFill>
               </a:rPr>
-              <a:t> </a:t>
-            </a:r>
-            <a:r>
-              <a:rPr lang="en-US" sz="2000" dirty="0" smtClean="0">
-                <a:solidFill>
-                  <a:schemeClr val="tx2">
-                    <a:lumMod val="10000"/>
-                  </a:schemeClr>
-                </a:solidFill>
-              </a:rPr>
-              <a:t>     </a:t>
-            </a:r>
-            <a:r>
-              <a:rPr lang="en-US" sz="2000" dirty="0" smtClean="0">
-                <a:solidFill>
-                  <a:schemeClr val="tx2">
-                    <a:lumMod val="10000"/>
-                  </a:schemeClr>
-                </a:solidFill>
-              </a:rPr>
-              <a:t>listen(socketDesc </a:t>
+              <a:t>      listen(socketDesc </a:t>
             </a:r>
             <a:r>
               <a:rPr lang="en-US" sz="2000" dirty="0">
@@ -7044,27 +6715,7 @@
                   </a:schemeClr>
                 </a:solidFill>
               </a:rPr>
-              <a:t> </a:t>
-            </a:r>
-            <a:r>
-              <a:rPr lang="en-US" sz="2000" dirty="0" smtClean="0">
-                <a:solidFill>
-                  <a:schemeClr val="tx2">
-                    <a:lumMod val="10000"/>
-                  </a:schemeClr>
-                </a:solidFill>
-              </a:rPr>
-              <a:t>     </a:t>
-            </a:r>
-            <a:r>
-              <a:rPr lang="en-US" sz="2000" dirty="0" smtClean="0">
-                <a:solidFill>
-                  <a:schemeClr val="tx2">
-                    <a:lumMod val="10000"/>
-                  </a:schemeClr>
-                </a:solidFill>
-              </a:rPr>
-              <a:t>accept(socketDesc</a:t>
+              <a:t>      accept(socketDesc</a:t>
             </a:r>
             <a:r>
               <a:rPr lang="en-US" sz="2000" dirty="0">
@@ -7284,27 +6935,7 @@
                   </a:schemeClr>
                 </a:solidFill>
               </a:rPr>
-              <a:t> </a:t>
-            </a:r>
-            <a:r>
-              <a:rPr lang="en-US" sz="2000" dirty="0" smtClean="0">
-                <a:solidFill>
-                  <a:schemeClr val="tx2">
-                    <a:lumMod val="10000"/>
-                  </a:schemeClr>
-                </a:solidFill>
-              </a:rPr>
-              <a:t>     </a:t>
-            </a:r>
-            <a:r>
-              <a:rPr lang="en-US" sz="2000" dirty="0" smtClean="0">
-                <a:solidFill>
-                  <a:schemeClr val="tx2">
-                    <a:lumMod val="10000"/>
-                  </a:schemeClr>
-                </a:solidFill>
-              </a:rPr>
-              <a:t>recv(cllientSock </a:t>
+              <a:t>      recv(cllientSock </a:t>
             </a:r>
             <a:r>
               <a:rPr lang="en-US" sz="2000" dirty="0">
@@ -7414,27 +7045,7 @@
                   </a:schemeClr>
                 </a:solidFill>
               </a:rPr>
-              <a:t> </a:t>
-            </a:r>
-            <a:r>
-              <a:rPr lang="en-US" sz="2000" dirty="0" smtClean="0">
-                <a:solidFill>
-                  <a:schemeClr val="tx2">
-                    <a:lumMod val="10000"/>
-                  </a:schemeClr>
-                </a:solidFill>
-              </a:rPr>
-              <a:t>     </a:t>
-            </a:r>
-            <a:r>
-              <a:rPr lang="en-US" sz="2000" dirty="0" smtClean="0">
-                <a:solidFill>
-                  <a:schemeClr val="tx2">
-                    <a:lumMod val="10000"/>
-                  </a:schemeClr>
-                </a:solidFill>
-              </a:rPr>
-              <a:t>close(socketDesc)</a:t>
+              <a:t>      close(socketDesc)</a:t>
             </a:r>
             <a:endParaRPr lang="sr-Latn-RS" sz="2000" dirty="0">
               <a:solidFill>
@@ -7553,7 +7164,7 @@
           <a:p>
             <a:pPr algn="ctr"/>
             <a:r>
-              <a:rPr lang="en-US" sz="4800" cap="none" dirty="0" err="1" smtClean="0">
+              <a:rPr lang="en-US" sz="4800" cap="none" dirty="0" smtClean="0">
                 <a:solidFill>
                   <a:schemeClr val="tx2">
                     <a:lumMod val="10000"/>
@@ -7586,10 +7197,10 @@
                 </a:effectLst>
                 <a:latin typeface="+mn-lt"/>
               </a:rPr>
-              <a:t> </a:t>
-            </a:r>
-            <a:r>
-              <a:rPr lang="en-US" sz="4800" cap="none" dirty="0" err="1" smtClean="0">
+              <a:t> funkcije  </a:t>
+            </a:r>
+            <a:br>
+              <a:rPr lang="en-US" sz="4800" cap="none" dirty="0" smtClean="0">
                 <a:solidFill>
                   <a:schemeClr val="tx2">
                     <a:lumMod val="10000"/>
@@ -7604,8 +7215,7 @@
                 </a:effectLst>
                 <a:latin typeface="+mn-lt"/>
               </a:rPr>
-              <a:t>funkcije</a:t>
-            </a:r>
+            </a:br>
             <a:r>
               <a:rPr lang="en-US" sz="4800" cap="none" dirty="0" smtClean="0">
                 <a:solidFill>
@@ -7622,78 +7232,7 @@
                 </a:effectLst>
                 <a:latin typeface="+mn-lt"/>
               </a:rPr>
-              <a:t>  </a:t>
-            </a:r>
-            <a:br>
-              <a:rPr lang="en-US" sz="4800" cap="none" dirty="0" smtClean="0">
-                <a:solidFill>
-                  <a:schemeClr val="tx2">
-                    <a:lumMod val="10000"/>
-                  </a:schemeClr>
-                </a:solidFill>
-                <a:effectLst>
-                  <a:outerShdw blurRad="38100" dist="38100" dir="2700000" algn="tl" rotWithShape="0">
-                    <a:srgbClr val="000000">
-                      <a:alpha val="43137"/>
-                    </a:srgbClr>
-                  </a:outerShdw>
-                </a:effectLst>
-                <a:latin typeface="+mn-lt"/>
-              </a:rPr>
-            </a:br>
-            <a:r>
-              <a:rPr lang="en-US" sz="4800" cap="none" dirty="0" err="1" smtClean="0">
-                <a:solidFill>
-                  <a:schemeClr val="tx2">
-                    <a:lumMod val="10000"/>
-                  </a:schemeClr>
-                </a:solidFill>
-                <a:effectLst>
-                  <a:outerShdw blurRad="38100" dist="38100" dir="2700000" algn="tl" rotWithShape="0">
-                    <a:srgbClr val="000000">
-                      <a:alpha val="43137"/>
-                    </a:srgbClr>
-                  </a:outerShdw>
-                </a:effectLst>
-                <a:latin typeface="+mn-lt"/>
-              </a:rPr>
-              <a:t>C</a:t>
-            </a:r>
-            <a:r>
-              <a:rPr lang="en-US" sz="4800" cap="none" dirty="0" err="1" smtClean="0">
-                <a:solidFill>
-                  <a:schemeClr val="tx2">
-                    <a:lumMod val="10000"/>
-                  </a:schemeClr>
-                </a:solidFill>
-                <a:effectLst>
-                  <a:outerShdw blurRad="38100" dist="38100" dir="2700000" algn="tl" rotWithShape="0">
-                    <a:srgbClr val="000000">
-                      <a:alpha val="43137"/>
-                    </a:srgbClr>
-                  </a:outerShdw>
-                </a:effectLst>
-                <a:latin typeface="+mn-lt"/>
-              </a:rPr>
-              <a:t>heckInput</a:t>
-            </a:r>
-            <a:r>
-              <a:rPr lang="en-US" sz="4800" cap="none" dirty="0" smtClean="0">
-                <a:solidFill>
-                  <a:schemeClr val="tx2">
-                    <a:lumMod val="10000"/>
-                  </a:schemeClr>
-                </a:solidFill>
-                <a:effectLst>
-                  <a:outerShdw blurRad="38100" dist="38100" dir="2700000" algn="tl" rotWithShape="0">
-                    <a:srgbClr val="000000">
-                      <a:alpha val="43137"/>
-                    </a:srgbClr>
-                  </a:outerShdw>
-                </a:effectLst>
-                <a:latin typeface="+mn-lt"/>
-              </a:rPr>
-              <a:t>()</a:t>
+              <a:t>CheckInput()</a:t>
             </a:r>
             <a:endParaRPr lang="en-US" sz="4800" cap="none" dirty="0">
               <a:solidFill>
@@ -7748,77 +7287,7 @@
                   </a:schemeClr>
                 </a:solidFill>
               </a:rPr>
-              <a:t> </a:t>
-            </a:r>
-            <a:r>
-              <a:rPr lang="en-US" dirty="0" err="1" smtClean="0">
-                <a:solidFill>
-                  <a:schemeClr val="tx2">
-                    <a:lumMod val="10000"/>
-                  </a:schemeClr>
-                </a:solidFill>
-              </a:rPr>
-              <a:t>Proverava</a:t>
-            </a:r>
-            <a:r>
-              <a:rPr lang="en-US" dirty="0" smtClean="0">
-                <a:solidFill>
-                  <a:schemeClr val="tx2">
-                    <a:lumMod val="10000"/>
-                  </a:schemeClr>
-                </a:solidFill>
-              </a:rPr>
-              <a:t> </a:t>
-            </a:r>
-            <a:r>
-              <a:rPr lang="en-US" dirty="0" smtClean="0">
-                <a:solidFill>
-                  <a:schemeClr val="tx2">
-                    <a:lumMod val="10000"/>
-                  </a:schemeClr>
-                </a:solidFill>
-              </a:rPr>
-              <a:t>sintaksnu </a:t>
-            </a:r>
-            <a:r>
-              <a:rPr lang="en-US" dirty="0" err="1" smtClean="0">
-                <a:solidFill>
-                  <a:schemeClr val="tx2">
-                    <a:lumMod val="10000"/>
-                  </a:schemeClr>
-                </a:solidFill>
-              </a:rPr>
-              <a:t>ispravnost</a:t>
-            </a:r>
-            <a:r>
-              <a:rPr lang="en-US" dirty="0" smtClean="0">
-                <a:solidFill>
-                  <a:schemeClr val="tx2">
-                    <a:lumMod val="10000"/>
-                  </a:schemeClr>
-                </a:solidFill>
-              </a:rPr>
-              <a:t> </a:t>
-            </a:r>
-            <a:r>
-              <a:rPr lang="en-US" dirty="0" err="1" smtClean="0">
-                <a:solidFill>
-                  <a:schemeClr val="tx2">
-                    <a:lumMod val="10000"/>
-                  </a:schemeClr>
-                </a:solidFill>
-              </a:rPr>
-              <a:t>zahteva</a:t>
-            </a:r>
-            <a:r>
-              <a:rPr lang="en-US" dirty="0" smtClean="0">
-                <a:solidFill>
-                  <a:schemeClr val="tx2">
-                    <a:lumMod val="10000"/>
-                  </a:schemeClr>
-                </a:solidFill>
-              </a:rPr>
-              <a:t>,</a:t>
+              <a:t> Proverava sintaksnu ispravnost zahteva,</a:t>
             </a:r>
             <a:r>
               <a:rPr lang="sr-Latn-RS" dirty="0" smtClean="0">
@@ -7854,17 +7323,17 @@
                   </a:schemeClr>
                 </a:solidFill>
               </a:rPr>
-              <a:t> </a:t>
-            </a:r>
-            <a:r>
-              <a:rPr lang="en-US" dirty="0" err="1" smtClean="0">
-                <a:solidFill>
-                  <a:schemeClr val="tx2">
-                    <a:lumMod val="10000"/>
-                  </a:schemeClr>
-                </a:solidFill>
-              </a:rPr>
-              <a:t>Ukoliko</a:t>
+              <a:t> Ukoliko postoji gre</a:t>
+            </a:r>
+            <a:r>
+              <a:rPr lang="sr-Latn-RS" dirty="0" smtClean="0">
+                <a:solidFill>
+                  <a:schemeClr val="tx2">
+                    <a:lumMod val="10000"/>
+                  </a:schemeClr>
+                </a:solidFill>
+              </a:rPr>
+              <a:t>ška – vraća klijentu </a:t>
             </a:r>
             <a:r>
               <a:rPr lang="en-US" dirty="0" smtClean="0">
@@ -7874,7 +7343,17 @@
                   </a:schemeClr>
                 </a:solidFill>
               </a:rPr>
-              <a:t> </a:t>
+              <a:t>“Error”</a:t>
+            </a:r>
+            <a:r>
+              <a:rPr lang="sr-Latn-RS" dirty="0" smtClean="0">
+                <a:solidFill>
+                  <a:schemeClr val="tx2">
+                    <a:lumMod val="10000"/>
+                  </a:schemeClr>
+                </a:solidFill>
+              </a:rPr>
+              <a:t> i povratna vrednost funkcije je </a:t>
             </a:r>
             <a:r>
               <a:rPr lang="en-US" dirty="0" smtClean="0">
@@ -7884,7 +7363,7 @@
                   </a:schemeClr>
                 </a:solidFill>
               </a:rPr>
-              <a:t>postoji gre</a:t>
+              <a:t>‘-</a:t>
             </a:r>
             <a:r>
               <a:rPr lang="sr-Latn-RS" dirty="0" smtClean="0">
@@ -7894,7 +7373,7 @@
                   </a:schemeClr>
                 </a:solidFill>
               </a:rPr>
-              <a:t>ška – vraća klijentu </a:t>
+              <a:t>1</a:t>
             </a:r>
             <a:r>
               <a:rPr lang="en-US" dirty="0" smtClean="0">
@@ -7904,7 +7383,7 @@
                   </a:schemeClr>
                 </a:solidFill>
               </a:rPr>
-              <a:t>“Error”</a:t>
+              <a:t>’</a:t>
             </a:r>
             <a:r>
               <a:rPr lang="sr-Latn-RS" dirty="0" smtClean="0">
@@ -7914,65 +7393,8 @@
                   </a:schemeClr>
                 </a:solidFill>
               </a:rPr>
-              <a:t> </a:t>
-            </a:r>
-            <a:r>
-              <a:rPr lang="sr-Latn-RS" dirty="0" smtClean="0">
-                <a:solidFill>
-                  <a:schemeClr val="tx2">
-                    <a:lumMod val="10000"/>
-                  </a:schemeClr>
-                </a:solidFill>
-              </a:rPr>
-              <a:t>i povratna vrednost funkcije je </a:t>
-            </a:r>
-            <a:r>
-              <a:rPr lang="en-US" dirty="0" smtClean="0">
-                <a:solidFill>
-                  <a:schemeClr val="tx2">
-                    <a:lumMod val="10000"/>
-                  </a:schemeClr>
-                </a:solidFill>
-              </a:rPr>
-              <a:t>‘-</a:t>
-            </a:r>
-            <a:r>
-              <a:rPr lang="sr-Latn-RS" dirty="0" smtClean="0">
-                <a:solidFill>
-                  <a:schemeClr val="tx2">
-                    <a:lumMod val="10000"/>
-                  </a:schemeClr>
-                </a:solidFill>
-              </a:rPr>
-              <a:t>1</a:t>
-            </a:r>
-            <a:r>
-              <a:rPr lang="en-US" dirty="0" smtClean="0">
-                <a:solidFill>
-                  <a:schemeClr val="tx2">
-                    <a:lumMod val="10000"/>
-                  </a:schemeClr>
-                </a:solidFill>
-              </a:rPr>
-              <a:t>’</a:t>
-            </a:r>
-            <a:r>
-              <a:rPr lang="sr-Latn-RS" dirty="0" smtClean="0">
-                <a:solidFill>
-                  <a:schemeClr val="tx2">
-                    <a:lumMod val="10000"/>
-                  </a:schemeClr>
-                </a:solidFill>
-              </a:rPr>
               <a:t>.</a:t>
             </a:r>
-            <a:endParaRPr lang="sr-Latn-RS" dirty="0" smtClean="0">
-              <a:solidFill>
-                <a:schemeClr val="tx2">
-                  <a:lumMod val="10000"/>
-                </a:schemeClr>
-              </a:solidFill>
-            </a:endParaRPr>
           </a:p>
           <a:p>
             <a:pPr algn="l">
@@ -8000,27 +7422,7 @@
                   </a:schemeClr>
                 </a:solidFill>
               </a:rPr>
-              <a:t>Ako </a:t>
-            </a:r>
-            <a:r>
-              <a:rPr lang="sr-Latn-RS" dirty="0" smtClean="0">
-                <a:solidFill>
-                  <a:schemeClr val="tx2">
-                    <a:lumMod val="10000"/>
-                  </a:schemeClr>
-                </a:solidFill>
-              </a:rPr>
-              <a:t>je sintaksa ispravna, </a:t>
-            </a:r>
-            <a:r>
-              <a:rPr lang="sr-Latn-RS" dirty="0" smtClean="0">
-                <a:solidFill>
-                  <a:schemeClr val="tx2">
-                    <a:lumMod val="10000"/>
-                  </a:schemeClr>
-                </a:solidFill>
-              </a:rPr>
-              <a:t>povratna vrednost funckije je </a:t>
+              <a:t>Ako je sintaksa ispravna, povratna vrednost funckije je </a:t>
             </a:r>
             <a:r>
               <a:rPr lang="en-US" dirty="0" smtClean="0">
@@ -8292,23 +7694,7 @@
                 </a:uFill>
                 <a:ea typeface="DejaVu Sans"/>
               </a:rPr>
-              <a:t>Zahteve tipa [List] prosleđuje funkciji ListModules(), a zateve tipa [Command] funkciji CommandModules</a:t>
-            </a:r>
-            <a:r>
-              <a:rPr lang="sr-Latn-RS" sz="2800" spc="-1" dirty="0" smtClean="0">
-                <a:solidFill>
-                  <a:schemeClr val="tx2">
-                    <a:lumMod val="10000"/>
-                  </a:schemeClr>
-                </a:solidFill>
-                <a:uFill>
-                  <a:solidFill>
-                    <a:srgbClr val="FFFFFF"/>
-                  </a:solidFill>
-                </a:uFill>
-                <a:ea typeface="DejaVu Sans"/>
-              </a:rPr>
-              <a:t>()</a:t>
+              <a:t>Zahteve tipa [List] prosleđuje funkciji ListModules(), a zateve tipa [Command] funkciji CommandModules()</a:t>
             </a:r>
             <a:r>
               <a:rPr lang="en-US" sz="2800" spc="-1" dirty="0" smtClean="0">
@@ -8362,23 +7748,7 @@
                 </a:uFill>
                 <a:ea typeface="DejaVu Sans"/>
               </a:rPr>
-              <a:t>U zavisnosti od tipa zahteva, početni string delimo uz pomoć funkcije strtok() na manje stringove koje posebno prosleđujemo radi lakše </a:t>
-            </a:r>
-            <a:r>
-              <a:rPr lang="sr-Latn-RS" sz="2800" spc="-1" dirty="0" smtClean="0">
-                <a:solidFill>
-                  <a:schemeClr val="tx2">
-                    <a:lumMod val="10000"/>
-                  </a:schemeClr>
-                </a:solidFill>
-                <a:uFill>
-                  <a:solidFill>
-                    <a:srgbClr val="FFFFFF"/>
-                  </a:solidFill>
-                </a:uFill>
-                <a:ea typeface="DejaVu Sans"/>
-              </a:rPr>
-              <a:t>obrade</a:t>
+              <a:t>U zavisnosti od tipa zahteva, početni string delimo uz pomoć funkcije strtok() na manje stringove koje posebno prosleđujemo radi lakše obrade</a:t>
             </a:r>
             <a:r>
               <a:rPr lang="en-US" sz="2800" spc="-1" dirty="0" smtClean="0">
@@ -8419,7 +7789,7 @@
               <a:buChar char="§"/>
             </a:pPr>
             <a:r>
-              <a:rPr lang="en-US" sz="2800" spc="-1" dirty="0" err="1" smtClean="0">
+              <a:rPr lang="en-US" sz="2800" spc="-1" dirty="0" smtClean="0">
                 <a:solidFill>
                   <a:schemeClr val="tx2">
                     <a:lumMod val="10000"/>
@@ -8432,7 +7802,23 @@
                 </a:uFill>
                 <a:ea typeface="DejaVu Sans"/>
               </a:rPr>
-              <a:t>Ukoliko</a:t>
+              <a:t>Ukoliko je zahtev tipa </a:t>
+            </a:r>
+            <a:r>
+              <a:rPr lang="sr-Latn-RS" sz="2800" spc="-1" dirty="0" smtClean="0">
+                <a:solidFill>
+                  <a:schemeClr val="tx2">
+                    <a:lumMod val="10000"/>
+                  </a:schemeClr>
+                </a:solidFill>
+                <a:uFill>
+                  <a:solidFill>
+                    <a:srgbClr val="FFFFFF"/>
+                  </a:solidFill>
+                </a:uFill>
+                <a:ea typeface="DejaVu Sans"/>
+              </a:rPr>
+              <a:t>End</a:t>
             </a:r>
             <a:r>
               <a:rPr lang="en-US" sz="2800" spc="-1" dirty="0" smtClean="0">
@@ -8448,199 +7834,7 @@
                 </a:uFill>
                 <a:ea typeface="DejaVu Sans"/>
               </a:rPr>
-              <a:t> je </a:t>
-            </a:r>
-            <a:r>
-              <a:rPr lang="en-US" sz="2800" spc="-1" dirty="0" err="1" smtClean="0">
-                <a:solidFill>
-                  <a:schemeClr val="tx2">
-                    <a:lumMod val="10000"/>
-                  </a:schemeClr>
-                </a:solidFill>
-                <a:uFill>
-                  <a:solidFill>
-                    <a:srgbClr val="FFFFFF"/>
-                  </a:solidFill>
-                </a:uFill>
-                <a:ea typeface="DejaVu Sans"/>
-              </a:rPr>
-              <a:t>zahtev</a:t>
-            </a:r>
-            <a:r>
-              <a:rPr lang="en-US" sz="2800" spc="-1" dirty="0" smtClean="0">
-                <a:solidFill>
-                  <a:schemeClr val="tx2">
-                    <a:lumMod val="10000"/>
-                  </a:schemeClr>
-                </a:solidFill>
-                <a:uFill>
-                  <a:solidFill>
-                    <a:srgbClr val="FFFFFF"/>
-                  </a:solidFill>
-                </a:uFill>
-                <a:ea typeface="DejaVu Sans"/>
-              </a:rPr>
-              <a:t> </a:t>
-            </a:r>
-            <a:r>
-              <a:rPr lang="en-US" sz="2800" spc="-1" dirty="0" err="1" smtClean="0">
-                <a:solidFill>
-                  <a:schemeClr val="tx2">
-                    <a:lumMod val="10000"/>
-                  </a:schemeClr>
-                </a:solidFill>
-                <a:uFill>
-                  <a:solidFill>
-                    <a:srgbClr val="FFFFFF"/>
-                  </a:solidFill>
-                </a:uFill>
-                <a:ea typeface="DejaVu Sans"/>
-              </a:rPr>
-              <a:t>tipa</a:t>
-            </a:r>
-            <a:r>
-              <a:rPr lang="en-US" sz="2800" spc="-1" dirty="0" smtClean="0">
-                <a:solidFill>
-                  <a:schemeClr val="tx2">
-                    <a:lumMod val="10000"/>
-                  </a:schemeClr>
-                </a:solidFill>
-                <a:uFill>
-                  <a:solidFill>
-                    <a:srgbClr val="FFFFFF"/>
-                  </a:solidFill>
-                </a:uFill>
-                <a:ea typeface="DejaVu Sans"/>
-              </a:rPr>
-              <a:t> </a:t>
-            </a:r>
-            <a:r>
-              <a:rPr lang="sr-Latn-RS" sz="2800" spc="-1" dirty="0" smtClean="0">
-                <a:solidFill>
-                  <a:schemeClr val="tx2">
-                    <a:lumMod val="10000"/>
-                  </a:schemeClr>
-                </a:solidFill>
-                <a:uFill>
-                  <a:solidFill>
-                    <a:srgbClr val="FFFFFF"/>
-                  </a:solidFill>
-                </a:uFill>
-                <a:ea typeface="DejaVu Sans"/>
-              </a:rPr>
-              <a:t>End</a:t>
-            </a:r>
-            <a:r>
-              <a:rPr lang="en-US" sz="2800" spc="-1" dirty="0" smtClean="0">
-                <a:solidFill>
-                  <a:schemeClr val="tx2">
-                    <a:lumMod val="10000"/>
-                  </a:schemeClr>
-                </a:solidFill>
-                <a:uFill>
-                  <a:solidFill>
-                    <a:srgbClr val="FFFFFF"/>
-                  </a:solidFill>
-                </a:uFill>
-                <a:ea typeface="DejaVu Sans"/>
-              </a:rPr>
-              <a:t>, </a:t>
-            </a:r>
-            <a:r>
-              <a:rPr lang="en-US" sz="2800" spc="-1" dirty="0" err="1" smtClean="0">
-                <a:solidFill>
-                  <a:schemeClr val="tx2">
-                    <a:lumMod val="10000"/>
-                  </a:schemeClr>
-                </a:solidFill>
-                <a:uFill>
-                  <a:solidFill>
-                    <a:srgbClr val="FFFFFF"/>
-                  </a:solidFill>
-                </a:uFill>
-                <a:ea typeface="DejaVu Sans"/>
-              </a:rPr>
-              <a:t>zatvara</a:t>
-            </a:r>
-            <a:r>
-              <a:rPr lang="en-US" sz="2800" spc="-1" dirty="0" smtClean="0">
-                <a:solidFill>
-                  <a:schemeClr val="tx2">
-                    <a:lumMod val="10000"/>
-                  </a:schemeClr>
-                </a:solidFill>
-                <a:uFill>
-                  <a:solidFill>
-                    <a:srgbClr val="FFFFFF"/>
-                  </a:solidFill>
-                </a:uFill>
-                <a:ea typeface="DejaVu Sans"/>
-              </a:rPr>
-              <a:t> se </a:t>
-            </a:r>
-            <a:r>
-              <a:rPr lang="en-US" sz="2800" spc="-1" dirty="0" err="1" smtClean="0">
-                <a:solidFill>
-                  <a:schemeClr val="tx2">
-                    <a:lumMod val="10000"/>
-                  </a:schemeClr>
-                </a:solidFill>
-                <a:uFill>
-                  <a:solidFill>
-                    <a:srgbClr val="FFFFFF"/>
-                  </a:solidFill>
-                </a:uFill>
-                <a:ea typeface="DejaVu Sans"/>
-              </a:rPr>
-              <a:t>konekcija</a:t>
-            </a:r>
-            <a:r>
-              <a:rPr lang="en-US" sz="2800" spc="-1" dirty="0" smtClean="0">
-                <a:solidFill>
-                  <a:schemeClr val="tx2">
-                    <a:lumMod val="10000"/>
-                  </a:schemeClr>
-                </a:solidFill>
-                <a:uFill>
-                  <a:solidFill>
-                    <a:srgbClr val="FFFFFF"/>
-                  </a:solidFill>
-                </a:uFill>
-                <a:ea typeface="DejaVu Sans"/>
-              </a:rPr>
-              <a:t> </a:t>
-            </a:r>
-            <a:r>
-              <a:rPr lang="en-US" sz="2800" spc="-1" dirty="0" err="1" smtClean="0">
-                <a:solidFill>
-                  <a:schemeClr val="tx2">
-                    <a:lumMod val="10000"/>
-                  </a:schemeClr>
-                </a:solidFill>
-                <a:uFill>
-                  <a:solidFill>
-                    <a:srgbClr val="FFFFFF"/>
-                  </a:solidFill>
-                </a:uFill>
-                <a:ea typeface="DejaVu Sans"/>
-              </a:rPr>
-              <a:t>i</a:t>
-            </a:r>
-            <a:r>
-              <a:rPr lang="en-US" sz="2800" spc="-1" dirty="0" smtClean="0">
-                <a:solidFill>
-                  <a:schemeClr val="tx2">
-                    <a:lumMod val="10000"/>
-                  </a:schemeClr>
-                </a:solidFill>
-                <a:uFill>
-                  <a:solidFill>
-                    <a:srgbClr val="FFFFFF"/>
-                  </a:solidFill>
-                </a:uFill>
-                <a:ea typeface="DejaVu Sans"/>
-              </a:rPr>
-              <a:t> program </a:t>
+              <a:t>, zatvara se konekcija i program </a:t>
             </a:r>
             <a:r>
               <a:rPr lang="en-US" sz="2800" spc="-1" dirty="0" err="1" smtClean="0">
@@ -8804,7 +7998,7 @@
               <a:t> </a:t>
             </a:r>
             <a:r>
-              <a:rPr lang="en-US" sz="4800" cap="none" spc="-1" dirty="0" err="1" smtClean="0">
+              <a:rPr lang="en-US" sz="4800" cap="none" spc="-1" dirty="0" smtClean="0">
                 <a:solidFill>
                   <a:schemeClr val="tx2">
                     <a:lumMod val="10000"/>
@@ -8820,24 +8014,6 @@
                 <a:ea typeface="DejaVu Sans"/>
               </a:rPr>
               <a:t>funckije</a:t>
-            </a:r>
-            <a:r>
-              <a:rPr lang="en-US" sz="4800" cap="none" spc="-1" dirty="0" smtClean="0">
-                <a:solidFill>
-                  <a:schemeClr val="tx2">
-                    <a:lumMod val="10000"/>
-                  </a:schemeClr>
-                </a:solidFill>
-                <a:effectLst/>
-                <a:uFill>
-                  <a:solidFill>
-                    <a:srgbClr val="FFFFFF"/>
-                  </a:solidFill>
-                </a:uFill>
-                <a:latin typeface="+mn-lt"/>
-                <a:ea typeface="DejaVu Sans"/>
-              </a:rPr>
-              <a:t/>
             </a:r>
             <a:br>
               <a:rPr lang="en-US" sz="4800" cap="none" spc="-1" dirty="0" smtClean="0">
@@ -9016,39 +8192,7 @@
                 </a:uFill>
                 <a:ea typeface="DejaVu Sans"/>
               </a:rPr>
-              <a:t>Šaljemo </a:t>
-            </a:r>
-            <a:r>
-              <a:rPr lang="sr-Latn-RS" sz="2800" spc="-1" dirty="0" smtClean="0">
-                <a:solidFill>
-                  <a:schemeClr val="tx2">
-                    <a:lumMod val="10000"/>
-                  </a:schemeClr>
-                </a:solidFill>
-                <a:uFill>
-                  <a:solidFill>
-                    <a:srgbClr val="FFFFFF"/>
-                  </a:solidFill>
-                </a:uFill>
-                <a:ea typeface="DejaVu Sans"/>
-              </a:rPr>
-              <a:t>klijentu informaciju za dobijeni niz </a:t>
-            </a:r>
-            <a:r>
-              <a:rPr lang="sr-Latn-RS" sz="2800" spc="-1" dirty="0" smtClean="0">
-                <a:solidFill>
-                  <a:schemeClr val="tx2">
-                    <a:lumMod val="10000"/>
-                  </a:schemeClr>
-                </a:solidFill>
-                <a:uFill>
-                  <a:solidFill>
-                    <a:srgbClr val="FFFFFF"/>
-                  </a:solidFill>
-                </a:uFill>
-                <a:ea typeface="DejaVu Sans"/>
-              </a:rPr>
-              <a:t>elemenata</a:t>
+              <a:t>Šaljemo klijentu informaciju za dobijeni niz elemenata</a:t>
             </a:r>
             <a:r>
               <a:rPr lang="en-US" sz="2800" spc="-1" dirty="0" smtClean="0">
@@ -9101,71 +8245,7 @@
                 </a:uFill>
                 <a:ea typeface="DejaVu Sans"/>
               </a:rPr>
-              <a:t>Proveravamo </a:t>
-            </a:r>
-            <a:r>
-              <a:rPr lang="sr-Latn-RS" sz="2800" spc="-1" dirty="0" smtClean="0">
-                <a:solidFill>
-                  <a:schemeClr val="tx2">
-                    <a:lumMod val="10000"/>
-                  </a:schemeClr>
-                </a:solidFill>
-                <a:uFill>
-                  <a:solidFill>
-                    <a:srgbClr val="FFFFFF"/>
-                  </a:solidFill>
-                </a:uFill>
-                <a:ea typeface="DejaVu Sans"/>
-              </a:rPr>
-              <a:t>da li je traženi niz elemenata tipa </a:t>
-            </a:r>
-            <a:r>
-              <a:rPr lang="sr-Latn-RS" sz="2800" spc="-1" dirty="0" smtClean="0">
-                <a:solidFill>
-                  <a:schemeClr val="tx2">
-                    <a:lumMod val="10000"/>
-                  </a:schemeClr>
-                </a:solidFill>
-                <a:uFill>
-                  <a:solidFill>
-                    <a:srgbClr val="FFFFFF"/>
-                  </a:solidFill>
-                </a:uFill>
-                <a:ea typeface="DejaVu Sans"/>
-              </a:rPr>
-              <a:t>Analog </a:t>
-            </a:r>
-            <a:r>
-              <a:rPr lang="sr-Latn-RS" sz="2800" spc="-1" dirty="0" smtClean="0">
-                <a:solidFill>
-                  <a:schemeClr val="tx2">
-                    <a:lumMod val="10000"/>
-                  </a:schemeClr>
-                </a:solidFill>
-                <a:uFill>
-                  <a:solidFill>
-                    <a:srgbClr val="FFFFFF"/>
-                  </a:solidFill>
-                </a:uFill>
-                <a:ea typeface="DejaVu Sans"/>
-              </a:rPr>
-              <a:t>ili tipa </a:t>
-            </a:r>
-            <a:r>
-              <a:rPr lang="sr-Latn-RS" sz="2800" spc="-1" dirty="0" smtClean="0">
-                <a:solidFill>
-                  <a:schemeClr val="tx2">
-                    <a:lumMod val="10000"/>
-                  </a:schemeClr>
-                </a:solidFill>
-                <a:uFill>
-                  <a:solidFill>
-                    <a:srgbClr val="FFFFFF"/>
-                  </a:solidFill>
-                </a:uFill>
-                <a:ea typeface="DejaVu Sans"/>
-              </a:rPr>
-              <a:t>Digital</a:t>
+              <a:t>Proveravamo da li je traženi niz elemenata tipa Analog ili tipa Digital</a:t>
             </a:r>
             <a:r>
               <a:rPr lang="en-US" sz="2800" spc="-1" dirty="0" smtClean="0">
@@ -9218,23 +8298,7 @@
                 </a:uFill>
                 <a:ea typeface="DejaVu Sans"/>
               </a:rPr>
-              <a:t>Zatim šaljemo informaciju o dužini </a:t>
-            </a:r>
-            <a:r>
-              <a:rPr lang="sr-Latn-RS" sz="2800" spc="-1" dirty="0" smtClean="0">
-                <a:solidFill>
-                  <a:schemeClr val="tx2">
-                    <a:lumMod val="10000"/>
-                  </a:schemeClr>
-                </a:solidFill>
-                <a:uFill>
-                  <a:solidFill>
-                    <a:srgbClr val="FFFFFF"/>
-                  </a:solidFill>
-                </a:uFill>
-                <a:ea typeface="DejaVu Sans"/>
-              </a:rPr>
-              <a:t>niza</a:t>
+              <a:t>Zatim šaljemo informaciju o dužini niza</a:t>
             </a:r>
             <a:r>
               <a:rPr lang="en-US" sz="2800" spc="-1" dirty="0" smtClean="0">
@@ -9287,55 +8351,7 @@
                 </a:uFill>
                 <a:ea typeface="DejaVu Sans"/>
               </a:rPr>
-              <a:t>For petljom prolazimo kroz </a:t>
-            </a:r>
-            <a:r>
-              <a:rPr lang="sr-Latn-RS" sz="2800" spc="-1" dirty="0" smtClean="0">
-                <a:solidFill>
-                  <a:schemeClr val="tx2">
-                    <a:lumMod val="10000"/>
-                  </a:schemeClr>
-                </a:solidFill>
-                <a:uFill>
-                  <a:solidFill>
-                    <a:srgbClr val="FFFFFF"/>
-                  </a:solidFill>
-                </a:uFill>
-                <a:ea typeface="DejaVu Sans"/>
-              </a:rPr>
-              <a:t>niz </a:t>
-            </a:r>
-            <a:r>
-              <a:rPr lang="sr-Latn-RS" sz="2800" spc="-1" dirty="0" smtClean="0">
-                <a:solidFill>
-                  <a:schemeClr val="tx2">
-                    <a:lumMod val="10000"/>
-                  </a:schemeClr>
-                </a:solidFill>
-                <a:uFill>
-                  <a:solidFill>
-                    <a:srgbClr val="FFFFFF"/>
-                  </a:solidFill>
-                </a:uFill>
-                <a:ea typeface="DejaVu Sans"/>
-              </a:rPr>
-              <a:t>i šaljemo naziv, pa </a:t>
-            </a:r>
-            <a:r>
-              <a:rPr lang="sr-Latn-RS" sz="2800" spc="-1" dirty="0" smtClean="0">
-                <a:solidFill>
-                  <a:schemeClr val="tx2">
-                    <a:lumMod val="10000"/>
-                  </a:schemeClr>
-                </a:solidFill>
-                <a:uFill>
-                  <a:solidFill>
-                    <a:srgbClr val="FFFFFF"/>
-                  </a:solidFill>
-                </a:uFill>
-                <a:ea typeface="DejaVu Sans"/>
-              </a:rPr>
-              <a:t>vrednost modula</a:t>
+              <a:t>For petljom prolazimo kroz niz i šaljemo naziv, pa vrednost modula</a:t>
             </a:r>
             <a:r>
               <a:rPr lang="en-US" sz="2800" spc="-1" dirty="0" smtClean="0">
@@ -9446,10 +8462,10 @@
                 <a:latin typeface="+mn-lt"/>
                 <a:ea typeface="DejaVu Sans"/>
               </a:rPr>
-              <a:t>Serverske </a:t>
-            </a:r>
-            <a:r>
-              <a:rPr lang="sr-Latn-RS" sz="4800" spc="-1" dirty="0" smtClean="0">
+              <a:t>Serverske funckij</a:t>
+            </a:r>
+            <a:r>
+              <a:rPr lang="en-US" sz="4800" spc="-1" dirty="0" smtClean="0">
                 <a:solidFill>
                   <a:schemeClr val="tx2">
                     <a:lumMod val="10000"/>
@@ -9464,10 +8480,10 @@
                 <a:latin typeface="+mn-lt"/>
                 <a:ea typeface="DejaVu Sans"/>
               </a:rPr>
-              <a:t>funckij</a:t>
-            </a:r>
-            <a:r>
-              <a:rPr lang="en-US" sz="4800" spc="-1" dirty="0" smtClean="0">
+              <a:t>e</a:t>
+            </a:r>
+            <a:r>
+              <a:rPr lang="sr-Latn-RS" sz="4800" spc="-1" dirty="0" smtClean="0">
                 <a:solidFill>
                   <a:schemeClr val="tx2">
                     <a:lumMod val="10000"/>
@@ -9482,43 +8498,7 @@
                 <a:latin typeface="+mn-lt"/>
                 <a:ea typeface="DejaVu Sans"/>
               </a:rPr>
-              <a:t>e</a:t>
-            </a:r>
-            <a:r>
-              <a:rPr lang="sr-Latn-RS" sz="4800" spc="-1" dirty="0" smtClean="0">
-                <a:solidFill>
-                  <a:schemeClr val="tx2">
-                    <a:lumMod val="10000"/>
-                  </a:schemeClr>
-                </a:solidFill>
-                <a:effectLst/>
-                <a:uFill>
-                  <a:solidFill>
-                    <a:srgbClr val="FFFFFF"/>
-                  </a:solidFill>
-                </a:uFill>
-                <a:latin typeface="+mn-lt"/>
-                <a:ea typeface="DejaVu Sans"/>
-              </a:rPr>
-              <a:t> </a:t>
-            </a:r>
-            <a:r>
-              <a:rPr lang="sr-Latn-RS" sz="4800" spc="-1" dirty="0" smtClean="0">
-                <a:solidFill>
-                  <a:schemeClr val="tx2">
-                    <a:lumMod val="10000"/>
-                  </a:schemeClr>
-                </a:solidFill>
-                <a:effectLst/>
-                <a:uFill>
-                  <a:solidFill>
-                    <a:srgbClr val="FFFFFF"/>
-                  </a:solidFill>
-                </a:uFill>
-                <a:latin typeface="+mn-lt"/>
-                <a:ea typeface="DejaVu Sans"/>
-              </a:rPr>
-              <a:t>CommandModules()</a:t>
+              <a:t> CommandModules()</a:t>
             </a:r>
             <a:r>
               <a:rPr lang="sr-Latn-RS" sz="4800" spc="-1" dirty="0" smtClean="0">
@@ -9603,23 +8583,7 @@
                 </a:uFill>
                 <a:ea typeface="DejaVu Sans"/>
               </a:rPr>
-              <a:t>Proveravamo da li je zahtev tipa Analog ili tipa </a:t>
-            </a:r>
-            <a:r>
-              <a:rPr lang="sr-Latn-RS" sz="2800" spc="-1" dirty="0" smtClean="0">
-                <a:solidFill>
-                  <a:schemeClr val="tx2">
-                    <a:lumMod val="10000"/>
-                  </a:schemeClr>
-                </a:solidFill>
-                <a:uFill>
-                  <a:solidFill>
-                    <a:srgbClr val="FFFFFF"/>
-                  </a:solidFill>
-                </a:uFill>
-                <a:ea typeface="DejaVu Sans"/>
-              </a:rPr>
-              <a:t>Digital</a:t>
+              <a:t>Proveravamo da li je zahtev tipa Analog ili tipa Digital</a:t>
             </a:r>
             <a:r>
               <a:rPr lang="en-US" sz="2800" spc="-1" dirty="0" smtClean="0">
@@ -9672,55 +8636,7 @@
                 </a:uFill>
                 <a:ea typeface="DejaVu Sans"/>
               </a:rPr>
-              <a:t>For petljom prolazimo kroz </a:t>
-            </a:r>
-            <a:r>
-              <a:rPr lang="sr-Latn-RS" sz="2800" spc="-1" dirty="0" smtClean="0">
-                <a:solidFill>
-                  <a:schemeClr val="tx2">
-                    <a:lumMod val="10000"/>
-                  </a:schemeClr>
-                </a:solidFill>
-                <a:uFill>
-                  <a:solidFill>
-                    <a:srgbClr val="FFFFFF"/>
-                  </a:solidFill>
-                </a:uFill>
-                <a:ea typeface="DejaVu Sans"/>
-              </a:rPr>
-              <a:t>niz </a:t>
-            </a:r>
-            <a:r>
-              <a:rPr lang="sr-Latn-RS" sz="2800" spc="-1" dirty="0" smtClean="0">
-                <a:solidFill>
-                  <a:schemeClr val="tx2">
-                    <a:lumMod val="10000"/>
-                  </a:schemeClr>
-                </a:solidFill>
-                <a:uFill>
-                  <a:solidFill>
-                    <a:srgbClr val="FFFFFF"/>
-                  </a:solidFill>
-                </a:uFill>
-                <a:ea typeface="DejaVu Sans"/>
-              </a:rPr>
-              <a:t>tražeći odgovarajući naziv </a:t>
-            </a:r>
-            <a:r>
-              <a:rPr lang="sr-Latn-RS" sz="2800" spc="-1" dirty="0" smtClean="0">
-                <a:solidFill>
-                  <a:schemeClr val="tx2">
-                    <a:lumMod val="10000"/>
-                  </a:schemeClr>
-                </a:solidFill>
-                <a:uFill>
-                  <a:solidFill>
-                    <a:srgbClr val="FFFFFF"/>
-                  </a:solidFill>
-                </a:uFill>
-                <a:ea typeface="DejaVu Sans"/>
-              </a:rPr>
-              <a:t>modula</a:t>
+              <a:t>For petljom prolazimo kroz niz tražeći odgovarajući naziv modula</a:t>
             </a:r>
             <a:r>
               <a:rPr lang="en-US" sz="2800" spc="-1" dirty="0" smtClean="0">
@@ -9773,23 +8689,7 @@
                 </a:uFill>
                 <a:ea typeface="DejaVu Sans"/>
               </a:rPr>
-              <a:t>Kada pronađeno modul traženog imena, menjamo mu </a:t>
-            </a:r>
-            <a:r>
-              <a:rPr lang="sr-Latn-RS" sz="2800" spc="-1" dirty="0" smtClean="0">
-                <a:solidFill>
-                  <a:schemeClr val="tx2">
-                    <a:lumMod val="10000"/>
-                  </a:schemeClr>
-                </a:solidFill>
-                <a:uFill>
-                  <a:solidFill>
-                    <a:srgbClr val="FFFFFF"/>
-                  </a:solidFill>
-                </a:uFill>
-                <a:ea typeface="DejaVu Sans"/>
-              </a:rPr>
-              <a:t>vrednost</a:t>
+              <a:t>Kada pronađeno modul traženog imena, menjamo mu vrednost</a:t>
             </a:r>
             <a:r>
               <a:rPr lang="en-US" sz="2800" spc="-1" dirty="0" smtClean="0">
@@ -9842,23 +8742,7 @@
                 </a:uFill>
                 <a:ea typeface="DejaVu Sans"/>
               </a:rPr>
-              <a:t>Na kraju klijentu šaljemo informaciju da vršimo operaciju </a:t>
-            </a:r>
-            <a:r>
-              <a:rPr lang="sr-Latn-RS" sz="2800" spc="-1" dirty="0" smtClean="0">
-                <a:solidFill>
-                  <a:schemeClr val="tx2">
-                    <a:lumMod val="10000"/>
-                  </a:schemeClr>
-                </a:solidFill>
-                <a:uFill>
-                  <a:solidFill>
-                    <a:srgbClr val="FFFFFF"/>
-                  </a:solidFill>
-                </a:uFill>
-                <a:ea typeface="DejaVu Sans"/>
-              </a:rPr>
-              <a:t>upisivanja</a:t>
+              <a:t>Na kraju klijentu šaljemo informaciju da vršimo operaciju upisivanja</a:t>
             </a:r>
             <a:r>
               <a:rPr lang="en-US" sz="2800" spc="-1" dirty="0" smtClean="0">
